--- a/Notes/Structure Of Classes/Presentation1.pptx
+++ b/Notes/Structure Of Classes/Presentation1.pptx
@@ -5,12 +5,9 @@
     <p:sldMasterId id="2147483648" r:id="rId1"/>
   </p:sldMasterIdLst>
   <p:sldIdLst>
-    <p:sldId id="257" r:id="rId2"/>
-    <p:sldId id="258" r:id="rId3"/>
-    <p:sldId id="259" r:id="rId4"/>
-    <p:sldId id="260" r:id="rId5"/>
-    <p:sldId id="261" r:id="rId6"/>
-    <p:sldId id="262" r:id="rId7"/>
+    <p:sldId id="260" r:id="rId2"/>
+    <p:sldId id="261" r:id="rId3"/>
+    <p:sldId id="262" r:id="rId4"/>
   </p:sldIdLst>
   <p:sldSz cx="12192000" cy="6858000"/>
   <p:notesSz cx="6858000" cy="9144000"/>
@@ -246,7 +243,7 @@
           <a:p>
             <a:fld id="{58422A9E-B9C0-2C49-A767-9E1BBA9311F3}" type="datetimeFigureOut">
               <a:rPr lang="en-US" smtClean="0"/>
-              <a:t>2/18/18</a:t>
+              <a:t>3/3/18</a:t>
             </a:fld>
             <a:endParaRPr lang="en-US"/>
           </a:p>
@@ -414,7 +411,7 @@
           <a:p>
             <a:fld id="{58422A9E-B9C0-2C49-A767-9E1BBA9311F3}" type="datetimeFigureOut">
               <a:rPr lang="en-US" smtClean="0"/>
-              <a:t>2/18/18</a:t>
+              <a:t>3/3/18</a:t>
             </a:fld>
             <a:endParaRPr lang="en-US"/>
           </a:p>
@@ -592,7 +589,7 @@
           <a:p>
             <a:fld id="{58422A9E-B9C0-2C49-A767-9E1BBA9311F3}" type="datetimeFigureOut">
               <a:rPr lang="en-US" smtClean="0"/>
-              <a:t>2/18/18</a:t>
+              <a:t>3/3/18</a:t>
             </a:fld>
             <a:endParaRPr lang="en-US"/>
           </a:p>
@@ -760,7 +757,7 @@
           <a:p>
             <a:fld id="{58422A9E-B9C0-2C49-A767-9E1BBA9311F3}" type="datetimeFigureOut">
               <a:rPr lang="en-US" smtClean="0"/>
-              <a:t>2/18/18</a:t>
+              <a:t>3/3/18</a:t>
             </a:fld>
             <a:endParaRPr lang="en-US"/>
           </a:p>
@@ -1005,7 +1002,7 @@
           <a:p>
             <a:fld id="{58422A9E-B9C0-2C49-A767-9E1BBA9311F3}" type="datetimeFigureOut">
               <a:rPr lang="en-US" smtClean="0"/>
-              <a:t>2/18/18</a:t>
+              <a:t>3/3/18</a:t>
             </a:fld>
             <a:endParaRPr lang="en-US"/>
           </a:p>
@@ -1234,7 +1231,7 @@
           <a:p>
             <a:fld id="{58422A9E-B9C0-2C49-A767-9E1BBA9311F3}" type="datetimeFigureOut">
               <a:rPr lang="en-US" smtClean="0"/>
-              <a:t>2/18/18</a:t>
+              <a:t>3/3/18</a:t>
             </a:fld>
             <a:endParaRPr lang="en-US"/>
           </a:p>
@@ -1598,7 +1595,7 @@
           <a:p>
             <a:fld id="{58422A9E-B9C0-2C49-A767-9E1BBA9311F3}" type="datetimeFigureOut">
               <a:rPr lang="en-US" smtClean="0"/>
-              <a:t>2/18/18</a:t>
+              <a:t>3/3/18</a:t>
             </a:fld>
             <a:endParaRPr lang="en-US"/>
           </a:p>
@@ -1715,7 +1712,7 @@
           <a:p>
             <a:fld id="{58422A9E-B9C0-2C49-A767-9E1BBA9311F3}" type="datetimeFigureOut">
               <a:rPr lang="en-US" smtClean="0"/>
-              <a:t>2/18/18</a:t>
+              <a:t>3/3/18</a:t>
             </a:fld>
             <a:endParaRPr lang="en-US"/>
           </a:p>
@@ -1810,7 +1807,7 @@
           <a:p>
             <a:fld id="{58422A9E-B9C0-2C49-A767-9E1BBA9311F3}" type="datetimeFigureOut">
               <a:rPr lang="en-US" smtClean="0"/>
-              <a:t>2/18/18</a:t>
+              <a:t>3/3/18</a:t>
             </a:fld>
             <a:endParaRPr lang="en-US"/>
           </a:p>
@@ -2085,7 +2082,7 @@
           <a:p>
             <a:fld id="{58422A9E-B9C0-2C49-A767-9E1BBA9311F3}" type="datetimeFigureOut">
               <a:rPr lang="en-US" smtClean="0"/>
-              <a:t>2/18/18</a:t>
+              <a:t>3/3/18</a:t>
             </a:fld>
             <a:endParaRPr lang="en-US"/>
           </a:p>
@@ -2337,7 +2334,7 @@
           <a:p>
             <a:fld id="{58422A9E-B9C0-2C49-A767-9E1BBA9311F3}" type="datetimeFigureOut">
               <a:rPr lang="en-US" smtClean="0"/>
-              <a:t>2/18/18</a:t>
+              <a:t>3/3/18</a:t>
             </a:fld>
             <a:endParaRPr lang="en-US"/>
           </a:p>
@@ -2548,7 +2545,7 @@
           <a:p>
             <a:fld id="{58422A9E-B9C0-2C49-A767-9E1BBA9311F3}" type="datetimeFigureOut">
               <a:rPr lang="en-US" smtClean="0"/>
-              <a:t>2/18/18</a:t>
+              <a:t>3/3/18</a:t>
             </a:fld>
             <a:endParaRPr lang="en-US"/>
           </a:p>
@@ -2953,637 +2950,11 @@
           <a:chExt cx="0" cy="0"/>
         </a:xfrm>
       </p:grpSpPr>
-      <p:sp>
-        <p:nvSpPr>
-          <p:cNvPr id="2" name="Title 1"/>
-          <p:cNvSpPr>
-            <a:spLocks noGrp="1"/>
-          </p:cNvSpPr>
-          <p:nvPr>
-            <p:ph type="title"/>
-          </p:nvPr>
-        </p:nvSpPr>
-        <p:spPr/>
-        <p:txBody>
-          <a:bodyPr/>
-          <a:lstStyle/>
-          <a:p>
-            <a:r>
-              <a:rPr lang="en-US" dirty="0"/>
-              <a:t>Robot-Server Communication</a:t>
-            </a:r>
-          </a:p>
-        </p:txBody>
-      </p:sp>
-      <p:sp>
-        <p:nvSpPr>
-          <p:cNvPr id="3" name="Content Placeholder 2"/>
-          <p:cNvSpPr>
-            <a:spLocks noGrp="1"/>
-          </p:cNvSpPr>
-          <p:nvPr>
-            <p:ph idx="1"/>
-          </p:nvPr>
-        </p:nvSpPr>
-        <p:spPr/>
-        <p:txBody>
-          <a:bodyPr/>
-          <a:lstStyle/>
-          <a:p>
-            <a:r>
-              <a:rPr lang="en-US" dirty="0"/>
-              <a:t>Classes needed:</a:t>
-            </a:r>
-          </a:p>
-          <a:p>
-            <a:pPr lvl="1"/>
-            <a:r>
-              <a:rPr lang="en-US" dirty="0" err="1"/>
-              <a:t>RobotCommunicater</a:t>
-            </a:r>
-            <a:r>
-              <a:rPr lang="en-US" dirty="0"/>
-              <a:t>(Server connection details)</a:t>
-            </a:r>
-          </a:p>
-          <a:p>
-            <a:pPr lvl="1"/>
-            <a:r>
-              <a:rPr lang="en-US" dirty="0" err="1"/>
-              <a:t>ServerCommunicater</a:t>
-            </a:r>
-            <a:r>
-              <a:rPr lang="en-US" dirty="0"/>
-              <a:t>(Robot connection details)</a:t>
-            </a:r>
-          </a:p>
-          <a:p>
-            <a:r>
-              <a:rPr lang="en-US" dirty="0"/>
-              <a:t>Variables or commands that are passed between:</a:t>
-            </a:r>
-          </a:p>
-          <a:p>
-            <a:pPr lvl="1"/>
-            <a:r>
-              <a:rPr lang="en-US" dirty="0"/>
-              <a:t>An array containing co-ordinates of a robots location </a:t>
-            </a:r>
-          </a:p>
-          <a:p>
-            <a:pPr lvl="1"/>
-            <a:r>
-              <a:rPr lang="en-US" dirty="0"/>
-              <a:t>An object or an array containing details of the job it is assigned</a:t>
-            </a:r>
-          </a:p>
-          <a:p>
-            <a:pPr lvl="1"/>
-            <a:r>
-              <a:rPr lang="en-US" dirty="0"/>
-              <a:t>A command from the robot saying it has finished job</a:t>
-            </a:r>
-          </a:p>
-          <a:p>
-            <a:pPr lvl="1"/>
-            <a:r>
-              <a:rPr lang="en-US" dirty="0"/>
-              <a:t>A command from the server giving it another job</a:t>
-            </a:r>
-          </a:p>
-          <a:p>
-            <a:pPr lvl="1"/>
-            <a:r>
-              <a:rPr lang="en-US" dirty="0"/>
-              <a:t>Receive a route from the server telling which co-ordinates to go to get to location</a:t>
-            </a:r>
-          </a:p>
-          <a:p>
-            <a:pPr lvl="1"/>
-            <a:endParaRPr lang="en-US" dirty="0"/>
-          </a:p>
-          <a:p>
-            <a:pPr lvl="1"/>
-            <a:endParaRPr lang="en-US" dirty="0"/>
-          </a:p>
-        </p:txBody>
-      </p:sp>
-    </p:spTree>
-    <p:extLst>
-      <p:ext uri="{BB962C8B-B14F-4D97-AF65-F5344CB8AC3E}">
-        <p14:creationId xmlns:p14="http://schemas.microsoft.com/office/powerpoint/2010/main" val="1155760267"/>
-      </p:ext>
-    </p:extLst>
-  </p:cSld>
-  <p:clrMapOvr>
-    <a:masterClrMapping/>
-  </p:clrMapOvr>
-</p:sld>
-</file>
-
-<file path=ppt/slides/slide2.xml><?xml version="1.0" encoding="utf-8"?>
-<p:sld xmlns:a="http://schemas.openxmlformats.org/drawingml/2006/main" xmlns:r="http://schemas.openxmlformats.org/officeDocument/2006/relationships" xmlns:p="http://schemas.openxmlformats.org/presentationml/2006/main">
-  <p:cSld>
-    <p:spTree>
-      <p:nvGrpSpPr>
-        <p:cNvPr id="1" name=""/>
-        <p:cNvGrpSpPr/>
-        <p:nvPr/>
-      </p:nvGrpSpPr>
-      <p:grpSpPr>
-        <a:xfrm>
-          <a:off x="0" y="0"/>
-          <a:ext cx="0" cy="0"/>
-          <a:chOff x="0" y="0"/>
-          <a:chExt cx="0" cy="0"/>
-        </a:xfrm>
-      </p:grpSpPr>
-      <p:sp>
-        <p:nvSpPr>
-          <p:cNvPr id="2" name="Title 1"/>
-          <p:cNvSpPr>
-            <a:spLocks noGrp="1"/>
-          </p:cNvSpPr>
-          <p:nvPr>
-            <p:ph type="title"/>
-          </p:nvPr>
-        </p:nvSpPr>
-        <p:spPr/>
-        <p:txBody>
-          <a:bodyPr/>
-          <a:lstStyle/>
-          <a:p>
-            <a:r>
-              <a:rPr lang="en-US" dirty="0"/>
-              <a:t>Robot</a:t>
-            </a:r>
-          </a:p>
-        </p:txBody>
-      </p:sp>
-      <p:sp>
-        <p:nvSpPr>
-          <p:cNvPr id="3" name="Content Placeholder 2"/>
-          <p:cNvSpPr>
-            <a:spLocks noGrp="1"/>
-          </p:cNvSpPr>
-          <p:nvPr>
-            <p:ph idx="1"/>
-          </p:nvPr>
-        </p:nvSpPr>
-        <p:spPr/>
-        <p:txBody>
-          <a:bodyPr/>
-          <a:lstStyle/>
-          <a:p>
-            <a:r>
-              <a:rPr lang="en-US" dirty="0"/>
-              <a:t>Classes needed:</a:t>
-            </a:r>
-          </a:p>
-          <a:p>
-            <a:pPr lvl="1"/>
-            <a:r>
-              <a:rPr lang="en-US" dirty="0" err="1"/>
-              <a:t>RobotCommunicator</a:t>
-            </a:r>
-            <a:r>
-              <a:rPr lang="en-US" dirty="0"/>
-              <a:t>() </a:t>
-            </a:r>
-            <a:r>
-              <a:rPr lang="mr-IN" dirty="0"/>
-              <a:t>–</a:t>
-            </a:r>
-            <a:r>
-              <a:rPr lang="en-US" dirty="0"/>
-              <a:t> </a:t>
-            </a:r>
-            <a:r>
-              <a:rPr lang="en-US" i="1" dirty="0"/>
-              <a:t>communicates with the main server</a:t>
-            </a:r>
-          </a:p>
-          <a:p>
-            <a:pPr lvl="1"/>
-            <a:r>
-              <a:rPr lang="en-US" dirty="0"/>
-              <a:t>Controller() </a:t>
-            </a:r>
-            <a:r>
-              <a:rPr lang="mr-IN" dirty="0"/>
-              <a:t>–</a:t>
-            </a:r>
-            <a:r>
-              <a:rPr lang="en-US" dirty="0"/>
-              <a:t> </a:t>
-            </a:r>
-            <a:r>
-              <a:rPr lang="en-US" i="1" dirty="0"/>
-              <a:t>general class that has all the commands getting from a to b</a:t>
-            </a:r>
-          </a:p>
-          <a:p>
-            <a:pPr lvl="1"/>
-            <a:r>
-              <a:rPr lang="en-US" i="1" dirty="0" err="1"/>
-              <a:t>ColourSensor</a:t>
-            </a:r>
-            <a:r>
-              <a:rPr lang="en-US" i="1" dirty="0"/>
-              <a:t>() </a:t>
-            </a:r>
-            <a:r>
-              <a:rPr lang="mr-IN" i="1" dirty="0"/>
-              <a:t>–</a:t>
-            </a:r>
-            <a:r>
-              <a:rPr lang="en-GB" i="1" dirty="0"/>
-              <a:t> </a:t>
-            </a:r>
-            <a:r>
-              <a:rPr lang="en-US" i="1" dirty="0"/>
-              <a:t>a separate thread that is always getting </a:t>
-            </a:r>
-            <a:r>
-              <a:rPr lang="en-US" i="1" dirty="0" err="1"/>
-              <a:t>colour</a:t>
-            </a:r>
-            <a:r>
-              <a:rPr lang="en-US" i="1" dirty="0"/>
-              <a:t> readings</a:t>
-            </a:r>
-          </a:p>
-          <a:p>
-            <a:pPr lvl="1"/>
-            <a:r>
-              <a:rPr lang="en-US" i="1" dirty="0" err="1"/>
-              <a:t>IRSensor</a:t>
-            </a:r>
-            <a:r>
-              <a:rPr lang="en-US" i="1" dirty="0"/>
-              <a:t>() </a:t>
-            </a:r>
-            <a:r>
-              <a:rPr lang="mr-IN" i="1" dirty="0"/>
-              <a:t>–</a:t>
-            </a:r>
-            <a:r>
-              <a:rPr lang="en-GB" i="1" dirty="0"/>
-              <a:t> </a:t>
-            </a:r>
-            <a:r>
-              <a:rPr lang="en-US" i="1" dirty="0"/>
-              <a:t>a separate thread that is always getting distance readings</a:t>
-            </a:r>
-          </a:p>
-          <a:p>
-            <a:pPr lvl="1"/>
-            <a:r>
-              <a:rPr lang="en-US" i="1" dirty="0" err="1"/>
-              <a:t>StartUpClass</a:t>
-            </a:r>
-            <a:r>
-              <a:rPr lang="en-US" i="1" dirty="0"/>
-              <a:t>() </a:t>
-            </a:r>
-            <a:r>
-              <a:rPr lang="mr-IN" i="1" dirty="0"/>
-              <a:t>–</a:t>
-            </a:r>
-            <a:r>
-              <a:rPr lang="en-US" i="1" dirty="0"/>
-              <a:t> class used to start up robot</a:t>
-            </a:r>
-          </a:p>
-          <a:p>
-            <a:pPr lvl="1"/>
-            <a:r>
-              <a:rPr lang="en-US" i="1" dirty="0" err="1"/>
-              <a:t>CommandCaller</a:t>
-            </a:r>
-            <a:r>
-              <a:rPr lang="en-US" i="1" dirty="0"/>
-              <a:t>() </a:t>
-            </a:r>
-            <a:r>
-              <a:rPr lang="mr-IN" i="1" dirty="0"/>
-              <a:t>–</a:t>
-            </a:r>
-            <a:r>
-              <a:rPr lang="en-US" i="1" dirty="0"/>
-              <a:t> calls commands from the controller</a:t>
-            </a:r>
-          </a:p>
-          <a:p>
-            <a:pPr lvl="1"/>
-            <a:endParaRPr lang="en-US" dirty="0"/>
-          </a:p>
-        </p:txBody>
-      </p:sp>
-    </p:spTree>
-    <p:extLst>
-      <p:ext uri="{BB962C8B-B14F-4D97-AF65-F5344CB8AC3E}">
-        <p14:creationId xmlns:p14="http://schemas.microsoft.com/office/powerpoint/2010/main" val="1848163354"/>
-      </p:ext>
-    </p:extLst>
-  </p:cSld>
-  <p:clrMapOvr>
-    <a:masterClrMapping/>
-  </p:clrMapOvr>
-</p:sld>
-</file>
-
-<file path=ppt/slides/slide3.xml><?xml version="1.0" encoding="utf-8"?>
-<p:sld xmlns:a="http://schemas.openxmlformats.org/drawingml/2006/main" xmlns:r="http://schemas.openxmlformats.org/officeDocument/2006/relationships" xmlns:p="http://schemas.openxmlformats.org/presentationml/2006/main">
-  <p:cSld>
-    <p:spTree>
-      <p:nvGrpSpPr>
-        <p:cNvPr id="1" name=""/>
-        <p:cNvGrpSpPr/>
-        <p:nvPr/>
-      </p:nvGrpSpPr>
-      <p:grpSpPr>
-        <a:xfrm>
-          <a:off x="0" y="0"/>
-          <a:ext cx="0" cy="0"/>
-          <a:chOff x="0" y="0"/>
-          <a:chExt cx="0" cy="0"/>
-        </a:xfrm>
-      </p:grpSpPr>
-      <p:sp>
-        <p:nvSpPr>
-          <p:cNvPr id="2" name="Title 1"/>
-          <p:cNvSpPr>
-            <a:spLocks noGrp="1"/>
-          </p:cNvSpPr>
-          <p:nvPr>
-            <p:ph type="title"/>
-          </p:nvPr>
-        </p:nvSpPr>
-        <p:spPr/>
-        <p:txBody>
-          <a:bodyPr/>
-          <a:lstStyle/>
-          <a:p>
-            <a:r>
-              <a:rPr lang="en-US" dirty="0"/>
-              <a:t>Server</a:t>
-            </a:r>
-          </a:p>
-        </p:txBody>
-      </p:sp>
-      <p:sp>
-        <p:nvSpPr>
-          <p:cNvPr id="3" name="Content Placeholder 2"/>
-          <p:cNvSpPr>
-            <a:spLocks noGrp="1"/>
-          </p:cNvSpPr>
-          <p:nvPr>
-            <p:ph idx="1"/>
-          </p:nvPr>
-        </p:nvSpPr>
-        <p:spPr/>
-        <p:txBody>
-          <a:bodyPr/>
-          <a:lstStyle/>
-          <a:p>
-            <a:r>
-              <a:rPr lang="en-US" dirty="0"/>
-              <a:t>Classes needed</a:t>
-            </a:r>
-          </a:p>
-          <a:p>
-            <a:pPr lvl="1"/>
-            <a:r>
-              <a:rPr lang="en-US" dirty="0" err="1"/>
-              <a:t>ServerCommunicator</a:t>
-            </a:r>
-            <a:r>
-              <a:rPr lang="en-US" dirty="0"/>
-              <a:t>() </a:t>
-            </a:r>
-            <a:r>
-              <a:rPr lang="mr-IN" dirty="0"/>
-              <a:t>–</a:t>
-            </a:r>
-            <a:r>
-              <a:rPr lang="en-US" dirty="0"/>
-              <a:t> </a:t>
-            </a:r>
-            <a:r>
-              <a:rPr lang="en-US" i="1" dirty="0"/>
-              <a:t>sends and receives messages to and from a robot</a:t>
-            </a:r>
-          </a:p>
-          <a:p>
-            <a:pPr lvl="1"/>
-            <a:r>
-              <a:rPr lang="en-US" i="1" dirty="0" err="1"/>
-              <a:t>RobotOrganiser</a:t>
-            </a:r>
-            <a:r>
-              <a:rPr lang="en-US" i="1" dirty="0"/>
-              <a:t>() </a:t>
-            </a:r>
-            <a:r>
-              <a:rPr lang="mr-IN" i="1" dirty="0"/>
-              <a:t>–</a:t>
-            </a:r>
-            <a:r>
-              <a:rPr lang="en-US" i="1" dirty="0"/>
-              <a:t> </a:t>
-            </a:r>
-            <a:r>
-              <a:rPr lang="en-US" i="1" dirty="0" err="1"/>
-              <a:t>Organises</a:t>
-            </a:r>
-            <a:r>
-              <a:rPr lang="en-US" i="1" dirty="0"/>
-              <a:t> all the data received from the robots and stores it</a:t>
-            </a:r>
-          </a:p>
-          <a:p>
-            <a:pPr lvl="1"/>
-            <a:r>
-              <a:rPr lang="en-US" i="1" dirty="0" err="1"/>
-              <a:t>GUICommunicator</a:t>
-            </a:r>
-            <a:r>
-              <a:rPr lang="en-US" i="1" dirty="0"/>
-              <a:t>() </a:t>
-            </a:r>
-            <a:r>
-              <a:rPr lang="mr-IN" i="1" dirty="0"/>
-              <a:t>–</a:t>
-            </a:r>
-            <a:r>
-              <a:rPr lang="en-US" i="1" dirty="0"/>
-              <a:t> sends and </a:t>
-            </a:r>
-            <a:r>
-              <a:rPr lang="en-US" i="1" dirty="0" err="1"/>
-              <a:t>recieves</a:t>
-            </a:r>
-            <a:r>
-              <a:rPr lang="en-US" i="1" dirty="0"/>
-              <a:t> information between the GUI and the Robot</a:t>
-            </a:r>
-          </a:p>
-          <a:p>
-            <a:pPr lvl="1"/>
-            <a:r>
-              <a:rPr lang="en-US" i="1" dirty="0" err="1"/>
-              <a:t>JobDecider</a:t>
-            </a:r>
-            <a:r>
-              <a:rPr lang="en-US" i="1" dirty="0"/>
-              <a:t>() </a:t>
-            </a:r>
-            <a:r>
-              <a:rPr lang="mr-IN" i="1" dirty="0"/>
-              <a:t>–</a:t>
-            </a:r>
-            <a:r>
-              <a:rPr lang="en-US" i="1" dirty="0"/>
-              <a:t> decides what jobs to give to what robot (may be included in route planner)</a:t>
-            </a:r>
-          </a:p>
-          <a:p>
-            <a:pPr lvl="1"/>
-            <a:r>
-              <a:rPr lang="en-US" i="1" dirty="0" err="1"/>
-              <a:t>RoutePlanner</a:t>
-            </a:r>
-            <a:r>
-              <a:rPr lang="en-US" i="1" dirty="0"/>
-              <a:t>() </a:t>
-            </a:r>
-            <a:r>
-              <a:rPr lang="mr-IN" i="1" dirty="0"/>
-              <a:t>–</a:t>
-            </a:r>
-            <a:r>
-              <a:rPr lang="en-US" i="1" dirty="0"/>
-              <a:t> plans routes for all the robots</a:t>
-            </a:r>
-          </a:p>
-          <a:p>
-            <a:pPr lvl="1"/>
-            <a:r>
-              <a:rPr lang="en-US" i="1" dirty="0"/>
-              <a:t>Collision stopper() </a:t>
-            </a:r>
-            <a:r>
-              <a:rPr lang="mr-IN" i="1" dirty="0"/>
-              <a:t>–</a:t>
-            </a:r>
-            <a:r>
-              <a:rPr lang="en-US" i="1" dirty="0"/>
-              <a:t> separate thread to stop any potential collisions between robots</a:t>
-            </a:r>
-          </a:p>
-        </p:txBody>
-      </p:sp>
-    </p:spTree>
-    <p:extLst>
-      <p:ext uri="{BB962C8B-B14F-4D97-AF65-F5344CB8AC3E}">
-        <p14:creationId xmlns:p14="http://schemas.microsoft.com/office/powerpoint/2010/main" val="1924833315"/>
-      </p:ext>
-    </p:extLst>
-  </p:cSld>
-  <p:clrMapOvr>
-    <a:masterClrMapping/>
-  </p:clrMapOvr>
-</p:sld>
-</file>
-
-<file path=ppt/slides/slide4.xml><?xml version="1.0" encoding="utf-8"?>
-<p:sld xmlns:a="http://schemas.openxmlformats.org/drawingml/2006/main" xmlns:r="http://schemas.openxmlformats.org/officeDocument/2006/relationships" xmlns:p="http://schemas.openxmlformats.org/presentationml/2006/main">
-  <p:cSld>
-    <p:spTree>
-      <p:nvGrpSpPr>
-        <p:cNvPr id="1" name=""/>
-        <p:cNvGrpSpPr/>
-        <p:nvPr/>
-      </p:nvGrpSpPr>
-      <p:grpSpPr>
-        <a:xfrm>
-          <a:off x="0" y="0"/>
-          <a:ext cx="0" cy="0"/>
-          <a:chOff x="0" y="0"/>
-          <a:chExt cx="0" cy="0"/>
-        </a:xfrm>
-      </p:grpSpPr>
-      <p:sp>
-        <p:nvSpPr>
-          <p:cNvPr id="2" name="Title 1"/>
-          <p:cNvSpPr>
-            <a:spLocks noGrp="1"/>
-          </p:cNvSpPr>
-          <p:nvPr>
-            <p:ph type="title"/>
-          </p:nvPr>
-        </p:nvSpPr>
-        <p:spPr/>
-        <p:txBody>
-          <a:bodyPr/>
-          <a:lstStyle/>
-          <a:p>
-            <a:r>
-              <a:rPr lang="en-US" dirty="0"/>
-              <a:t>Class Communication Diagram</a:t>
-            </a:r>
-          </a:p>
-        </p:txBody>
-      </p:sp>
-      <p:sp>
-        <p:nvSpPr>
-          <p:cNvPr id="4" name="Rectangle 3"/>
-          <p:cNvSpPr/>
-          <p:nvPr/>
-        </p:nvSpPr>
-        <p:spPr>
-          <a:xfrm>
-            <a:off x="497477" y="5023622"/>
-            <a:ext cx="1602377" cy="557348"/>
-          </a:xfrm>
-          <a:prstGeom prst="rect">
-            <a:avLst/>
-          </a:prstGeom>
-        </p:spPr>
-        <p:style>
-          <a:lnRef idx="2">
-            <a:schemeClr val="accent1">
-              <a:shade val="50000"/>
-            </a:schemeClr>
-          </a:lnRef>
-          <a:fillRef idx="1">
-            <a:schemeClr val="accent1"/>
-          </a:fillRef>
-          <a:effectRef idx="0">
-            <a:schemeClr val="accent1"/>
-          </a:effectRef>
-          <a:fontRef idx="minor">
-            <a:schemeClr val="lt1"/>
-          </a:fontRef>
-        </p:style>
-        <p:txBody>
-          <a:bodyPr rtlCol="0" anchor="ctr"/>
-          <a:lstStyle/>
-          <a:p>
-            <a:pPr algn="ctr"/>
-            <a:r>
-              <a:rPr lang="en-US" dirty="0"/>
-              <a:t>Robot Communicator</a:t>
-            </a:r>
-          </a:p>
-        </p:txBody>
-      </p:sp>
       <p:cxnSp>
         <p:nvCxnSpPr>
           <p:cNvPr id="6" name="Straight Arrow Connector 5"/>
           <p:cNvCxnSpPr>
-            <a:stCxn id="4" idx="0"/>
+            <a:cxnSpLocks/>
             <a:endCxn id="7" idx="2"/>
           </p:cNvCxnSpPr>
           <p:nvPr/>
@@ -3667,7 +3038,7 @@
         </p:nvSpPr>
         <p:spPr>
           <a:xfrm>
-            <a:off x="2778033" y="4993142"/>
+            <a:off x="569322" y="5014914"/>
             <a:ext cx="1547949" cy="618308"/>
           </a:xfrm>
           <a:prstGeom prst="rect">
@@ -3697,7 +3068,7 @@
             <a:pPr algn="ctr"/>
             <a:r>
               <a:rPr lang="en-US" dirty="0"/>
-              <a:t>Command Caller</a:t>
+              <a:t>Controller</a:t>
             </a:r>
           </a:p>
         </p:txBody>
@@ -3740,48 +3111,11 @@
             <a:pPr algn="ctr"/>
             <a:r>
               <a:rPr lang="en-US" dirty="0"/>
-              <a:t>Controller</a:t>
+              <a:t>Robot Movement</a:t>
             </a:r>
           </a:p>
         </p:txBody>
       </p:sp>
-      <p:cxnSp>
-        <p:nvCxnSpPr>
-          <p:cNvPr id="11" name="Straight Arrow Connector 10"/>
-          <p:cNvCxnSpPr>
-            <a:stCxn id="4" idx="3"/>
-            <a:endCxn id="8" idx="1"/>
-          </p:cNvCxnSpPr>
-          <p:nvPr/>
-        </p:nvCxnSpPr>
-        <p:spPr>
-          <a:xfrm>
-            <a:off x="2099854" y="5302296"/>
-            <a:ext cx="678179" cy="0"/>
-          </a:xfrm>
-          <a:prstGeom prst="straightConnector1">
-            <a:avLst/>
-          </a:prstGeom>
-          <a:ln>
-            <a:headEnd type="triangle"/>
-            <a:tailEnd type="triangle"/>
-          </a:ln>
-        </p:spPr>
-        <p:style>
-          <a:lnRef idx="1">
-            <a:schemeClr val="accent1"/>
-          </a:lnRef>
-          <a:fillRef idx="0">
-            <a:schemeClr val="accent1"/>
-          </a:fillRef>
-          <a:effectRef idx="0">
-            <a:schemeClr val="accent1"/>
-          </a:effectRef>
-          <a:fontRef idx="minor">
-            <a:schemeClr val="tx1"/>
-          </a:fontRef>
-        </p:style>
-      </p:cxnSp>
       <p:cxnSp>
         <p:nvCxnSpPr>
           <p:cNvPr id="14" name="Straight Arrow Connector 13"/>
@@ -3793,8 +3127,8 @@
         </p:nvCxnSpPr>
         <p:spPr>
           <a:xfrm flipH="1" flipV="1">
-            <a:off x="3552008" y="5611450"/>
-            <a:ext cx="1" cy="535576"/>
+            <a:off x="1343297" y="5633222"/>
+            <a:ext cx="2208712" cy="513804"/>
           </a:xfrm>
           <a:prstGeom prst="straightConnector1">
             <a:avLst/>
@@ -4056,13 +3390,8 @@
             <a:pPr algn="ctr"/>
             <a:r>
               <a:rPr lang="en-US" dirty="0"/>
-              <a:t>Robot </a:t>
+              <a:t>Job Assignment</a:t>
             </a:r>
-            <a:r>
-              <a:rPr lang="en-US" dirty="0" err="1"/>
-              <a:t>Organiser</a:t>
-            </a:r>
-            <a:endParaRPr lang="en-US" dirty="0"/>
           </a:p>
         </p:txBody>
       </p:sp>
@@ -4227,15 +3556,15 @@
         <p:nvCxnSpPr>
           <p:cNvPr id="63" name="Straight Arrow Connector 62"/>
           <p:cNvCxnSpPr>
-            <a:stCxn id="56" idx="3"/>
+            <a:cxnSpLocks/>
             <a:endCxn id="61" idx="1"/>
           </p:cNvCxnSpPr>
           <p:nvPr/>
         </p:nvCxnSpPr>
         <p:spPr>
-          <a:xfrm>
+          <a:xfrm flipV="1">
             <a:off x="5133160" y="1724302"/>
-            <a:ext cx="842553" cy="0"/>
+            <a:ext cx="842553" cy="698593"/>
           </a:xfrm>
           <a:prstGeom prst="straightConnector1">
             <a:avLst/>
@@ -4295,10 +3624,9 @@
           <a:p>
             <a:pPr algn="ctr"/>
             <a:r>
-              <a:rPr lang="en-US"/>
+              <a:rPr lang="en-US" dirty="0"/>
               <a:t>Collision Stopper</a:t>
             </a:r>
-            <a:endParaRPr lang="en-US" dirty="0"/>
           </a:p>
         </p:txBody>
       </p:sp>
@@ -4306,15 +3634,16 @@
         <p:nvCxnSpPr>
           <p:cNvPr id="66" name="Straight Arrow Connector 65"/>
           <p:cNvCxnSpPr>
+            <a:cxnSpLocks/>
             <a:stCxn id="64" idx="0"/>
-            <a:endCxn id="52" idx="2"/>
+            <a:endCxn id="50" idx="3"/>
           </p:cNvCxnSpPr>
           <p:nvPr/>
         </p:nvCxnSpPr>
         <p:spPr>
-          <a:xfrm flipV="1">
-            <a:off x="4169502" y="3090324"/>
-            <a:ext cx="0" cy="653142"/>
+          <a:xfrm flipH="1" flipV="1">
+            <a:off x="2246812" y="2763753"/>
+            <a:ext cx="1922690" cy="979713"/>
           </a:xfrm>
           <a:prstGeom prst="straightConnector1">
             <a:avLst/>
@@ -4339,60 +3668,19 @@
           </a:fontRef>
         </p:style>
       </p:cxnSp>
-      <p:sp>
-        <p:nvSpPr>
-          <p:cNvPr id="67" name="Rectangle 66"/>
-          <p:cNvSpPr/>
-          <p:nvPr/>
-        </p:nvSpPr>
-        <p:spPr>
-          <a:xfrm>
-            <a:off x="5975713" y="2437182"/>
-            <a:ext cx="1927316" cy="653142"/>
-          </a:xfrm>
-          <a:prstGeom prst="rect">
-            <a:avLst/>
-          </a:prstGeom>
-        </p:spPr>
-        <p:style>
-          <a:lnRef idx="0">
-            <a:schemeClr val="accent6"/>
-          </a:lnRef>
-          <a:fillRef idx="3">
-            <a:schemeClr val="accent6"/>
-          </a:fillRef>
-          <a:effectRef idx="3">
-            <a:schemeClr val="accent6"/>
-          </a:effectRef>
-          <a:fontRef idx="minor">
-            <a:schemeClr val="lt1"/>
-          </a:fontRef>
-        </p:style>
-        <p:txBody>
-          <a:bodyPr rtlCol="0" anchor="ctr"/>
-          <a:lstStyle/>
-          <a:p>
-            <a:pPr algn="ctr"/>
-            <a:r>
-              <a:rPr lang="en-US" dirty="0"/>
-              <a:t>GUI Communicator</a:t>
-            </a:r>
-          </a:p>
-        </p:txBody>
-      </p:sp>
       <p:cxnSp>
         <p:nvCxnSpPr>
           <p:cNvPr id="69" name="Straight Arrow Connector 68"/>
           <p:cNvCxnSpPr>
-            <a:stCxn id="67" idx="1"/>
+            <a:cxnSpLocks/>
             <a:endCxn id="52" idx="3"/>
           </p:cNvCxnSpPr>
           <p:nvPr/>
         </p:nvCxnSpPr>
         <p:spPr>
-          <a:xfrm flipH="1">
+          <a:xfrm flipH="1" flipV="1">
             <a:off x="5133160" y="2763753"/>
-            <a:ext cx="842553" cy="0"/>
+            <a:ext cx="4291283" cy="27518"/>
           </a:xfrm>
           <a:prstGeom prst="straightConnector1">
             <a:avLst/>
@@ -4456,13 +3744,13 @@
       </p:cxnSp>
       <p:sp>
         <p:nvSpPr>
-          <p:cNvPr id="78" name="Rectangle 77"/>
+          <p:cNvPr id="79" name="Rectangle 78"/>
           <p:cNvSpPr/>
           <p:nvPr/>
         </p:nvSpPr>
         <p:spPr>
           <a:xfrm>
-            <a:off x="9303338" y="2422895"/>
+            <a:off x="8460785" y="3354539"/>
             <a:ext cx="1927316" cy="653142"/>
           </a:xfrm>
           <a:prstGeom prst="rect">
@@ -4489,8 +3777,12 @@
           <a:p>
             <a:pPr algn="ctr"/>
             <a:r>
-              <a:rPr lang="en-US"/>
-              <a:t>Server Communicator</a:t>
+              <a:rPr lang="en-US" dirty="0"/>
+              <a:t>Information </a:t>
+            </a:r>
+            <a:r>
+              <a:rPr lang="en-US" dirty="0" err="1"/>
+              <a:t>Organiser</a:t>
             </a:r>
             <a:endParaRPr lang="en-US" dirty="0"/>
           </a:p>
@@ -4498,13 +3790,13 @@
       </p:sp>
       <p:sp>
         <p:nvSpPr>
-          <p:cNvPr id="79" name="Rectangle 78"/>
+          <p:cNvPr id="81" name="Rectangle 80"/>
           <p:cNvSpPr/>
           <p:nvPr/>
         </p:nvSpPr>
         <p:spPr>
           <a:xfrm>
-            <a:off x="9303338" y="3639305"/>
+            <a:off x="8460785" y="4570949"/>
             <a:ext cx="1927316" cy="653142"/>
           </a:xfrm>
           <a:prstGeom prst="rect">
@@ -4531,52 +3823,6 @@
           <a:p>
             <a:pPr algn="ctr"/>
             <a:r>
-              <a:rPr lang="en-US" dirty="0"/>
-              <a:t>Information </a:t>
-            </a:r>
-            <a:r>
-              <a:rPr lang="en-US" dirty="0" err="1"/>
-              <a:t>Organiser</a:t>
-            </a:r>
-            <a:endParaRPr lang="en-US" dirty="0"/>
-          </a:p>
-        </p:txBody>
-      </p:sp>
-      <p:sp>
-        <p:nvSpPr>
-          <p:cNvPr id="81" name="Rectangle 80"/>
-          <p:cNvSpPr/>
-          <p:nvPr/>
-        </p:nvSpPr>
-        <p:spPr>
-          <a:xfrm>
-            <a:off x="9303338" y="4855715"/>
-            <a:ext cx="1927316" cy="653142"/>
-          </a:xfrm>
-          <a:prstGeom prst="rect">
-            <a:avLst/>
-          </a:prstGeom>
-        </p:spPr>
-        <p:style>
-          <a:lnRef idx="0">
-            <a:schemeClr val="accent4"/>
-          </a:lnRef>
-          <a:fillRef idx="3">
-            <a:schemeClr val="accent4"/>
-          </a:fillRef>
-          <a:effectRef idx="3">
-            <a:schemeClr val="accent4"/>
-          </a:effectRef>
-          <a:fontRef idx="minor">
-            <a:schemeClr val="lt1"/>
-          </a:fontRef>
-        </p:style>
-        <p:txBody>
-          <a:bodyPr rtlCol="0" anchor="ctr"/>
-          <a:lstStyle/>
-          <a:p>
-            <a:pPr algn="ctr"/>
-            <a:r>
               <a:rPr lang="en-US" dirty="0" err="1"/>
               <a:t>GUIMapDisplay</a:t>
             </a:r>
@@ -4588,14 +3834,14 @@
         <p:nvCxnSpPr>
           <p:cNvPr id="83" name="Straight Arrow Connector 82"/>
           <p:cNvCxnSpPr>
-            <a:stCxn id="78" idx="2"/>
+            <a:cxnSpLocks/>
             <a:endCxn id="79" idx="0"/>
           </p:cNvCxnSpPr>
           <p:nvPr/>
         </p:nvCxnSpPr>
         <p:spPr>
           <a:xfrm>
-            <a:off x="10266996" y="3076037"/>
+            <a:off x="9424443" y="2791271"/>
             <a:ext cx="0" cy="563268"/>
           </a:xfrm>
           <a:prstGeom prst="straightConnector1">
@@ -4631,7 +3877,7 @@
         </p:nvCxnSpPr>
         <p:spPr>
           <a:xfrm flipV="1">
-            <a:off x="10266996" y="4292447"/>
+            <a:off x="9424443" y="4007681"/>
             <a:ext cx="0" cy="563268"/>
           </a:xfrm>
           <a:prstGeom prst="straightConnector1">
@@ -4665,7 +3911,7 @@
         </p:nvSpPr>
         <p:spPr>
           <a:xfrm>
-            <a:off x="6818266" y="3639305"/>
+            <a:off x="5975713" y="3354539"/>
             <a:ext cx="1927316" cy="653142"/>
           </a:xfrm>
           <a:prstGeom prst="rect">
@@ -4709,7 +3955,7 @@
         </p:nvCxnSpPr>
         <p:spPr>
           <a:xfrm>
-            <a:off x="8745582" y="3965876"/>
+            <a:off x="7903029" y="3681110"/>
             <a:ext cx="557756" cy="0"/>
           </a:xfrm>
           <a:prstGeom prst="straightConnector1">
@@ -4735,42 +3981,6298 @@
           </a:fontRef>
         </p:style>
       </p:cxnSp>
-      <p:cxnSp>
-        <p:nvCxnSpPr>
-          <p:cNvPr id="101" name="Straight Arrow Connector 100"/>
-          <p:cNvCxnSpPr>
-            <a:endCxn id="78" idx="1"/>
-          </p:cNvCxnSpPr>
+      <p:sp>
+        <p:nvSpPr>
+          <p:cNvPr id="16" name="Freeform 15">
+            <a:extLst>
+              <a:ext uri="{FF2B5EF4-FFF2-40B4-BE49-F238E27FC236}">
+                <a16:creationId xmlns:a16="http://schemas.microsoft.com/office/drawing/2014/main" id="{15B3A90E-EB9A-D24A-8105-3DB9EDC367B0}"/>
+              </a:ext>
+            </a:extLst>
+          </p:cNvPr>
+          <p:cNvSpPr/>
           <p:nvPr/>
-        </p:nvCxnSpPr>
+        </p:nvSpPr>
         <p:spPr>
           <a:xfrm>
-            <a:off x="7903029" y="2749466"/>
-            <a:ext cx="1400309" cy="0"/>
+            <a:off x="241069" y="2136371"/>
+            <a:ext cx="2078182" cy="2651760"/>
           </a:xfrm>
-          <a:prstGeom prst="straightConnector1">
+          <a:custGeom>
             <a:avLst/>
-          </a:prstGeom>
-          <a:ln>
-            <a:headEnd type="triangle"/>
-            <a:tailEnd type="triangle"/>
-          </a:ln>
+            <a:gdLst>
+              <a:gd name="connsiteX0" fmla="*/ 365760 w 2078182"/>
+              <a:gd name="connsiteY0" fmla="*/ 58189 h 2651760"/>
+              <a:gd name="connsiteX1" fmla="*/ 290946 w 2078182"/>
+              <a:gd name="connsiteY1" fmla="*/ 74814 h 2651760"/>
+              <a:gd name="connsiteX2" fmla="*/ 174567 w 2078182"/>
+              <a:gd name="connsiteY2" fmla="*/ 108065 h 2651760"/>
+              <a:gd name="connsiteX3" fmla="*/ 141316 w 2078182"/>
+              <a:gd name="connsiteY3" fmla="*/ 199505 h 2651760"/>
+              <a:gd name="connsiteX4" fmla="*/ 133004 w 2078182"/>
+              <a:gd name="connsiteY4" fmla="*/ 224444 h 2651760"/>
+              <a:gd name="connsiteX5" fmla="*/ 116378 w 2078182"/>
+              <a:gd name="connsiteY5" fmla="*/ 249382 h 2651760"/>
+              <a:gd name="connsiteX6" fmla="*/ 91440 w 2078182"/>
+              <a:gd name="connsiteY6" fmla="*/ 299258 h 2651760"/>
+              <a:gd name="connsiteX7" fmla="*/ 74815 w 2078182"/>
+              <a:gd name="connsiteY7" fmla="*/ 340822 h 2651760"/>
+              <a:gd name="connsiteX8" fmla="*/ 49876 w 2078182"/>
+              <a:gd name="connsiteY8" fmla="*/ 423949 h 2651760"/>
+              <a:gd name="connsiteX9" fmla="*/ 41564 w 2078182"/>
+              <a:gd name="connsiteY9" fmla="*/ 507076 h 2651760"/>
+              <a:gd name="connsiteX10" fmla="*/ 24938 w 2078182"/>
+              <a:gd name="connsiteY10" fmla="*/ 565265 h 2651760"/>
+              <a:gd name="connsiteX11" fmla="*/ 0 w 2078182"/>
+              <a:gd name="connsiteY11" fmla="*/ 689956 h 2651760"/>
+              <a:gd name="connsiteX12" fmla="*/ 8313 w 2078182"/>
+              <a:gd name="connsiteY12" fmla="*/ 1238596 h 2651760"/>
+              <a:gd name="connsiteX13" fmla="*/ 16626 w 2078182"/>
+              <a:gd name="connsiteY13" fmla="*/ 1280160 h 2651760"/>
+              <a:gd name="connsiteX14" fmla="*/ 24938 w 2078182"/>
+              <a:gd name="connsiteY14" fmla="*/ 1338349 h 2651760"/>
+              <a:gd name="connsiteX15" fmla="*/ 33251 w 2078182"/>
+              <a:gd name="connsiteY15" fmla="*/ 1363287 h 2651760"/>
+              <a:gd name="connsiteX16" fmla="*/ 41564 w 2078182"/>
+              <a:gd name="connsiteY16" fmla="*/ 1404851 h 2651760"/>
+              <a:gd name="connsiteX17" fmla="*/ 58189 w 2078182"/>
+              <a:gd name="connsiteY17" fmla="*/ 1471353 h 2651760"/>
+              <a:gd name="connsiteX18" fmla="*/ 74815 w 2078182"/>
+              <a:gd name="connsiteY18" fmla="*/ 1388225 h 2651760"/>
+              <a:gd name="connsiteX19" fmla="*/ 91440 w 2078182"/>
+              <a:gd name="connsiteY19" fmla="*/ 1354974 h 2651760"/>
+              <a:gd name="connsiteX20" fmla="*/ 108066 w 2078182"/>
+              <a:gd name="connsiteY20" fmla="*/ 1338349 h 2651760"/>
+              <a:gd name="connsiteX21" fmla="*/ 83127 w 2078182"/>
+              <a:gd name="connsiteY21" fmla="*/ 1346662 h 2651760"/>
+              <a:gd name="connsiteX22" fmla="*/ 58189 w 2078182"/>
+              <a:gd name="connsiteY22" fmla="*/ 1379913 h 2651760"/>
+              <a:gd name="connsiteX23" fmla="*/ 49876 w 2078182"/>
+              <a:gd name="connsiteY23" fmla="*/ 1429789 h 2651760"/>
+              <a:gd name="connsiteX24" fmla="*/ 24938 w 2078182"/>
+              <a:gd name="connsiteY24" fmla="*/ 1529542 h 2651760"/>
+              <a:gd name="connsiteX25" fmla="*/ 8313 w 2078182"/>
+              <a:gd name="connsiteY25" fmla="*/ 1654233 h 2651760"/>
+              <a:gd name="connsiteX26" fmla="*/ 0 w 2078182"/>
+              <a:gd name="connsiteY26" fmla="*/ 1778924 h 2651760"/>
+              <a:gd name="connsiteX27" fmla="*/ 8313 w 2078182"/>
+              <a:gd name="connsiteY27" fmla="*/ 2019993 h 2651760"/>
+              <a:gd name="connsiteX28" fmla="*/ 24938 w 2078182"/>
+              <a:gd name="connsiteY28" fmla="*/ 2086494 h 2651760"/>
+              <a:gd name="connsiteX29" fmla="*/ 33251 w 2078182"/>
+              <a:gd name="connsiteY29" fmla="*/ 2111433 h 2651760"/>
+              <a:gd name="connsiteX30" fmla="*/ 49876 w 2078182"/>
+              <a:gd name="connsiteY30" fmla="*/ 2136371 h 2651760"/>
+              <a:gd name="connsiteX31" fmla="*/ 74815 w 2078182"/>
+              <a:gd name="connsiteY31" fmla="*/ 2186247 h 2651760"/>
+              <a:gd name="connsiteX32" fmla="*/ 83127 w 2078182"/>
+              <a:gd name="connsiteY32" fmla="*/ 2211185 h 2651760"/>
+              <a:gd name="connsiteX33" fmla="*/ 91440 w 2078182"/>
+              <a:gd name="connsiteY33" fmla="*/ 2244436 h 2651760"/>
+              <a:gd name="connsiteX34" fmla="*/ 116378 w 2078182"/>
+              <a:gd name="connsiteY34" fmla="*/ 2261062 h 2651760"/>
+              <a:gd name="connsiteX35" fmla="*/ 149629 w 2078182"/>
+              <a:gd name="connsiteY35" fmla="*/ 2319251 h 2651760"/>
+              <a:gd name="connsiteX36" fmla="*/ 166255 w 2078182"/>
+              <a:gd name="connsiteY36" fmla="*/ 2352502 h 2651760"/>
+              <a:gd name="connsiteX37" fmla="*/ 199506 w 2078182"/>
+              <a:gd name="connsiteY37" fmla="*/ 2394065 h 2651760"/>
+              <a:gd name="connsiteX38" fmla="*/ 266007 w 2078182"/>
+              <a:gd name="connsiteY38" fmla="*/ 2485505 h 2651760"/>
+              <a:gd name="connsiteX39" fmla="*/ 324196 w 2078182"/>
+              <a:gd name="connsiteY39" fmla="*/ 2535382 h 2651760"/>
+              <a:gd name="connsiteX40" fmla="*/ 349135 w 2078182"/>
+              <a:gd name="connsiteY40" fmla="*/ 2560320 h 2651760"/>
+              <a:gd name="connsiteX41" fmla="*/ 374073 w 2078182"/>
+              <a:gd name="connsiteY41" fmla="*/ 2568633 h 2651760"/>
+              <a:gd name="connsiteX42" fmla="*/ 432262 w 2078182"/>
+              <a:gd name="connsiteY42" fmla="*/ 2601884 h 2651760"/>
+              <a:gd name="connsiteX43" fmla="*/ 556953 w 2078182"/>
+              <a:gd name="connsiteY43" fmla="*/ 2626822 h 2651760"/>
+              <a:gd name="connsiteX44" fmla="*/ 590204 w 2078182"/>
+              <a:gd name="connsiteY44" fmla="*/ 2635134 h 2651760"/>
+              <a:gd name="connsiteX45" fmla="*/ 773084 w 2078182"/>
+              <a:gd name="connsiteY45" fmla="*/ 2651760 h 2651760"/>
+              <a:gd name="connsiteX46" fmla="*/ 1072342 w 2078182"/>
+              <a:gd name="connsiteY46" fmla="*/ 2643447 h 2651760"/>
+              <a:gd name="connsiteX47" fmla="*/ 1205346 w 2078182"/>
+              <a:gd name="connsiteY47" fmla="*/ 2626822 h 2651760"/>
+              <a:gd name="connsiteX48" fmla="*/ 1438102 w 2078182"/>
+              <a:gd name="connsiteY48" fmla="*/ 2601884 h 2651760"/>
+              <a:gd name="connsiteX49" fmla="*/ 1612669 w 2078182"/>
+              <a:gd name="connsiteY49" fmla="*/ 2585258 h 2651760"/>
+              <a:gd name="connsiteX50" fmla="*/ 1712422 w 2078182"/>
+              <a:gd name="connsiteY50" fmla="*/ 2568633 h 2651760"/>
+              <a:gd name="connsiteX51" fmla="*/ 1745673 w 2078182"/>
+              <a:gd name="connsiteY51" fmla="*/ 2552007 h 2651760"/>
+              <a:gd name="connsiteX52" fmla="*/ 1787236 w 2078182"/>
+              <a:gd name="connsiteY52" fmla="*/ 2535382 h 2651760"/>
+              <a:gd name="connsiteX53" fmla="*/ 1803862 w 2078182"/>
+              <a:gd name="connsiteY53" fmla="*/ 2510444 h 2651760"/>
+              <a:gd name="connsiteX54" fmla="*/ 1828800 w 2078182"/>
+              <a:gd name="connsiteY54" fmla="*/ 2485505 h 2651760"/>
+              <a:gd name="connsiteX55" fmla="*/ 1853738 w 2078182"/>
+              <a:gd name="connsiteY55" fmla="*/ 2427316 h 2651760"/>
+              <a:gd name="connsiteX56" fmla="*/ 1870364 w 2078182"/>
+              <a:gd name="connsiteY56" fmla="*/ 2410691 h 2651760"/>
+              <a:gd name="connsiteX57" fmla="*/ 1878676 w 2078182"/>
+              <a:gd name="connsiteY57" fmla="*/ 2385753 h 2651760"/>
+              <a:gd name="connsiteX58" fmla="*/ 1895302 w 2078182"/>
+              <a:gd name="connsiteY58" fmla="*/ 2277687 h 2651760"/>
+              <a:gd name="connsiteX59" fmla="*/ 1903615 w 2078182"/>
+              <a:gd name="connsiteY59" fmla="*/ 2202873 h 2651760"/>
+              <a:gd name="connsiteX60" fmla="*/ 1895302 w 2078182"/>
+              <a:gd name="connsiteY60" fmla="*/ 1895302 h 2651760"/>
+              <a:gd name="connsiteX61" fmla="*/ 1886989 w 2078182"/>
+              <a:gd name="connsiteY61" fmla="*/ 1845425 h 2651760"/>
+              <a:gd name="connsiteX62" fmla="*/ 1903615 w 2078182"/>
+              <a:gd name="connsiteY62" fmla="*/ 1463040 h 2651760"/>
+              <a:gd name="connsiteX63" fmla="*/ 1911927 w 2078182"/>
+              <a:gd name="connsiteY63" fmla="*/ 1396538 h 2651760"/>
+              <a:gd name="connsiteX64" fmla="*/ 1945178 w 2078182"/>
+              <a:gd name="connsiteY64" fmla="*/ 1246909 h 2651760"/>
+              <a:gd name="connsiteX65" fmla="*/ 1953491 w 2078182"/>
+              <a:gd name="connsiteY65" fmla="*/ 1188720 h 2651760"/>
+              <a:gd name="connsiteX66" fmla="*/ 1970116 w 2078182"/>
+              <a:gd name="connsiteY66" fmla="*/ 1147156 h 2651760"/>
+              <a:gd name="connsiteX67" fmla="*/ 1995055 w 2078182"/>
+              <a:gd name="connsiteY67" fmla="*/ 1030778 h 2651760"/>
+              <a:gd name="connsiteX68" fmla="*/ 2003367 w 2078182"/>
+              <a:gd name="connsiteY68" fmla="*/ 1005840 h 2651760"/>
+              <a:gd name="connsiteX69" fmla="*/ 2019993 w 2078182"/>
+              <a:gd name="connsiteY69" fmla="*/ 939338 h 2651760"/>
+              <a:gd name="connsiteX70" fmla="*/ 2028306 w 2078182"/>
+              <a:gd name="connsiteY70" fmla="*/ 906087 h 2651760"/>
+              <a:gd name="connsiteX71" fmla="*/ 2053244 w 2078182"/>
+              <a:gd name="connsiteY71" fmla="*/ 839585 h 2651760"/>
+              <a:gd name="connsiteX72" fmla="*/ 2069869 w 2078182"/>
+              <a:gd name="connsiteY72" fmla="*/ 748145 h 2651760"/>
+              <a:gd name="connsiteX73" fmla="*/ 2078182 w 2078182"/>
+              <a:gd name="connsiteY73" fmla="*/ 665018 h 2651760"/>
+              <a:gd name="connsiteX74" fmla="*/ 2069869 w 2078182"/>
+              <a:gd name="connsiteY74" fmla="*/ 382385 h 2651760"/>
+              <a:gd name="connsiteX75" fmla="*/ 2061556 w 2078182"/>
+              <a:gd name="connsiteY75" fmla="*/ 357447 h 2651760"/>
+              <a:gd name="connsiteX76" fmla="*/ 1995055 w 2078182"/>
+              <a:gd name="connsiteY76" fmla="*/ 315884 h 2651760"/>
+              <a:gd name="connsiteX77" fmla="*/ 1546167 w 2078182"/>
+              <a:gd name="connsiteY77" fmla="*/ 307571 h 2651760"/>
+              <a:gd name="connsiteX78" fmla="*/ 1471353 w 2078182"/>
+              <a:gd name="connsiteY78" fmla="*/ 290945 h 2651760"/>
+              <a:gd name="connsiteX79" fmla="*/ 1421476 w 2078182"/>
+              <a:gd name="connsiteY79" fmla="*/ 274320 h 2651760"/>
+              <a:gd name="connsiteX80" fmla="*/ 1404851 w 2078182"/>
+              <a:gd name="connsiteY80" fmla="*/ 257694 h 2651760"/>
+              <a:gd name="connsiteX81" fmla="*/ 1354975 w 2078182"/>
+              <a:gd name="connsiteY81" fmla="*/ 232756 h 2651760"/>
+              <a:gd name="connsiteX82" fmla="*/ 1330036 w 2078182"/>
+              <a:gd name="connsiteY82" fmla="*/ 207818 h 2651760"/>
+              <a:gd name="connsiteX83" fmla="*/ 1296786 w 2078182"/>
+              <a:gd name="connsiteY83" fmla="*/ 182880 h 2651760"/>
+              <a:gd name="connsiteX84" fmla="*/ 1280160 w 2078182"/>
+              <a:gd name="connsiteY84" fmla="*/ 166254 h 2651760"/>
+              <a:gd name="connsiteX85" fmla="*/ 1255222 w 2078182"/>
+              <a:gd name="connsiteY85" fmla="*/ 149629 h 2651760"/>
+              <a:gd name="connsiteX86" fmla="*/ 1238596 w 2078182"/>
+              <a:gd name="connsiteY86" fmla="*/ 133004 h 2651760"/>
+              <a:gd name="connsiteX87" fmla="*/ 1205346 w 2078182"/>
+              <a:gd name="connsiteY87" fmla="*/ 108065 h 2651760"/>
+              <a:gd name="connsiteX88" fmla="*/ 1188720 w 2078182"/>
+              <a:gd name="connsiteY88" fmla="*/ 83127 h 2651760"/>
+              <a:gd name="connsiteX89" fmla="*/ 1138844 w 2078182"/>
+              <a:gd name="connsiteY89" fmla="*/ 49876 h 2651760"/>
+              <a:gd name="connsiteX90" fmla="*/ 1088967 w 2078182"/>
+              <a:gd name="connsiteY90" fmla="*/ 33251 h 2651760"/>
+              <a:gd name="connsiteX91" fmla="*/ 1064029 w 2078182"/>
+              <a:gd name="connsiteY91" fmla="*/ 24938 h 2651760"/>
+              <a:gd name="connsiteX92" fmla="*/ 989215 w 2078182"/>
+              <a:gd name="connsiteY92" fmla="*/ 0 h 2651760"/>
+              <a:gd name="connsiteX93" fmla="*/ 864524 w 2078182"/>
+              <a:gd name="connsiteY93" fmla="*/ 8313 h 2651760"/>
+              <a:gd name="connsiteX94" fmla="*/ 731520 w 2078182"/>
+              <a:gd name="connsiteY94" fmla="*/ 33251 h 2651760"/>
+              <a:gd name="connsiteX95" fmla="*/ 689956 w 2078182"/>
+              <a:gd name="connsiteY95" fmla="*/ 41564 h 2651760"/>
+              <a:gd name="connsiteX96" fmla="*/ 615142 w 2078182"/>
+              <a:gd name="connsiteY96" fmla="*/ 58189 h 2651760"/>
+              <a:gd name="connsiteX97" fmla="*/ 365760 w 2078182"/>
+              <a:gd name="connsiteY97" fmla="*/ 58189 h 2651760"/>
+            </a:gdLst>
+            <a:ahLst/>
+            <a:cxnLst>
+              <a:cxn ang="0">
+                <a:pos x="connsiteX0" y="connsiteY0"/>
+              </a:cxn>
+              <a:cxn ang="0">
+                <a:pos x="connsiteX1" y="connsiteY1"/>
+              </a:cxn>
+              <a:cxn ang="0">
+                <a:pos x="connsiteX2" y="connsiteY2"/>
+              </a:cxn>
+              <a:cxn ang="0">
+                <a:pos x="connsiteX3" y="connsiteY3"/>
+              </a:cxn>
+              <a:cxn ang="0">
+                <a:pos x="connsiteX4" y="connsiteY4"/>
+              </a:cxn>
+              <a:cxn ang="0">
+                <a:pos x="connsiteX5" y="connsiteY5"/>
+              </a:cxn>
+              <a:cxn ang="0">
+                <a:pos x="connsiteX6" y="connsiteY6"/>
+              </a:cxn>
+              <a:cxn ang="0">
+                <a:pos x="connsiteX7" y="connsiteY7"/>
+              </a:cxn>
+              <a:cxn ang="0">
+                <a:pos x="connsiteX8" y="connsiteY8"/>
+              </a:cxn>
+              <a:cxn ang="0">
+                <a:pos x="connsiteX9" y="connsiteY9"/>
+              </a:cxn>
+              <a:cxn ang="0">
+                <a:pos x="connsiteX10" y="connsiteY10"/>
+              </a:cxn>
+              <a:cxn ang="0">
+                <a:pos x="connsiteX11" y="connsiteY11"/>
+              </a:cxn>
+              <a:cxn ang="0">
+                <a:pos x="connsiteX12" y="connsiteY12"/>
+              </a:cxn>
+              <a:cxn ang="0">
+                <a:pos x="connsiteX13" y="connsiteY13"/>
+              </a:cxn>
+              <a:cxn ang="0">
+                <a:pos x="connsiteX14" y="connsiteY14"/>
+              </a:cxn>
+              <a:cxn ang="0">
+                <a:pos x="connsiteX15" y="connsiteY15"/>
+              </a:cxn>
+              <a:cxn ang="0">
+                <a:pos x="connsiteX16" y="connsiteY16"/>
+              </a:cxn>
+              <a:cxn ang="0">
+                <a:pos x="connsiteX17" y="connsiteY17"/>
+              </a:cxn>
+              <a:cxn ang="0">
+                <a:pos x="connsiteX18" y="connsiteY18"/>
+              </a:cxn>
+              <a:cxn ang="0">
+                <a:pos x="connsiteX19" y="connsiteY19"/>
+              </a:cxn>
+              <a:cxn ang="0">
+                <a:pos x="connsiteX20" y="connsiteY20"/>
+              </a:cxn>
+              <a:cxn ang="0">
+                <a:pos x="connsiteX21" y="connsiteY21"/>
+              </a:cxn>
+              <a:cxn ang="0">
+                <a:pos x="connsiteX22" y="connsiteY22"/>
+              </a:cxn>
+              <a:cxn ang="0">
+                <a:pos x="connsiteX23" y="connsiteY23"/>
+              </a:cxn>
+              <a:cxn ang="0">
+                <a:pos x="connsiteX24" y="connsiteY24"/>
+              </a:cxn>
+              <a:cxn ang="0">
+                <a:pos x="connsiteX25" y="connsiteY25"/>
+              </a:cxn>
+              <a:cxn ang="0">
+                <a:pos x="connsiteX26" y="connsiteY26"/>
+              </a:cxn>
+              <a:cxn ang="0">
+                <a:pos x="connsiteX27" y="connsiteY27"/>
+              </a:cxn>
+              <a:cxn ang="0">
+                <a:pos x="connsiteX28" y="connsiteY28"/>
+              </a:cxn>
+              <a:cxn ang="0">
+                <a:pos x="connsiteX29" y="connsiteY29"/>
+              </a:cxn>
+              <a:cxn ang="0">
+                <a:pos x="connsiteX30" y="connsiteY30"/>
+              </a:cxn>
+              <a:cxn ang="0">
+                <a:pos x="connsiteX31" y="connsiteY31"/>
+              </a:cxn>
+              <a:cxn ang="0">
+                <a:pos x="connsiteX32" y="connsiteY32"/>
+              </a:cxn>
+              <a:cxn ang="0">
+                <a:pos x="connsiteX33" y="connsiteY33"/>
+              </a:cxn>
+              <a:cxn ang="0">
+                <a:pos x="connsiteX34" y="connsiteY34"/>
+              </a:cxn>
+              <a:cxn ang="0">
+                <a:pos x="connsiteX35" y="connsiteY35"/>
+              </a:cxn>
+              <a:cxn ang="0">
+                <a:pos x="connsiteX36" y="connsiteY36"/>
+              </a:cxn>
+              <a:cxn ang="0">
+                <a:pos x="connsiteX37" y="connsiteY37"/>
+              </a:cxn>
+              <a:cxn ang="0">
+                <a:pos x="connsiteX38" y="connsiteY38"/>
+              </a:cxn>
+              <a:cxn ang="0">
+                <a:pos x="connsiteX39" y="connsiteY39"/>
+              </a:cxn>
+              <a:cxn ang="0">
+                <a:pos x="connsiteX40" y="connsiteY40"/>
+              </a:cxn>
+              <a:cxn ang="0">
+                <a:pos x="connsiteX41" y="connsiteY41"/>
+              </a:cxn>
+              <a:cxn ang="0">
+                <a:pos x="connsiteX42" y="connsiteY42"/>
+              </a:cxn>
+              <a:cxn ang="0">
+                <a:pos x="connsiteX43" y="connsiteY43"/>
+              </a:cxn>
+              <a:cxn ang="0">
+                <a:pos x="connsiteX44" y="connsiteY44"/>
+              </a:cxn>
+              <a:cxn ang="0">
+                <a:pos x="connsiteX45" y="connsiteY45"/>
+              </a:cxn>
+              <a:cxn ang="0">
+                <a:pos x="connsiteX46" y="connsiteY46"/>
+              </a:cxn>
+              <a:cxn ang="0">
+                <a:pos x="connsiteX47" y="connsiteY47"/>
+              </a:cxn>
+              <a:cxn ang="0">
+                <a:pos x="connsiteX48" y="connsiteY48"/>
+              </a:cxn>
+              <a:cxn ang="0">
+                <a:pos x="connsiteX49" y="connsiteY49"/>
+              </a:cxn>
+              <a:cxn ang="0">
+                <a:pos x="connsiteX50" y="connsiteY50"/>
+              </a:cxn>
+              <a:cxn ang="0">
+                <a:pos x="connsiteX51" y="connsiteY51"/>
+              </a:cxn>
+              <a:cxn ang="0">
+                <a:pos x="connsiteX52" y="connsiteY52"/>
+              </a:cxn>
+              <a:cxn ang="0">
+                <a:pos x="connsiteX53" y="connsiteY53"/>
+              </a:cxn>
+              <a:cxn ang="0">
+                <a:pos x="connsiteX54" y="connsiteY54"/>
+              </a:cxn>
+              <a:cxn ang="0">
+                <a:pos x="connsiteX55" y="connsiteY55"/>
+              </a:cxn>
+              <a:cxn ang="0">
+                <a:pos x="connsiteX56" y="connsiteY56"/>
+              </a:cxn>
+              <a:cxn ang="0">
+                <a:pos x="connsiteX57" y="connsiteY57"/>
+              </a:cxn>
+              <a:cxn ang="0">
+                <a:pos x="connsiteX58" y="connsiteY58"/>
+              </a:cxn>
+              <a:cxn ang="0">
+                <a:pos x="connsiteX59" y="connsiteY59"/>
+              </a:cxn>
+              <a:cxn ang="0">
+                <a:pos x="connsiteX60" y="connsiteY60"/>
+              </a:cxn>
+              <a:cxn ang="0">
+                <a:pos x="connsiteX61" y="connsiteY61"/>
+              </a:cxn>
+              <a:cxn ang="0">
+                <a:pos x="connsiteX62" y="connsiteY62"/>
+              </a:cxn>
+              <a:cxn ang="0">
+                <a:pos x="connsiteX63" y="connsiteY63"/>
+              </a:cxn>
+              <a:cxn ang="0">
+                <a:pos x="connsiteX64" y="connsiteY64"/>
+              </a:cxn>
+              <a:cxn ang="0">
+                <a:pos x="connsiteX65" y="connsiteY65"/>
+              </a:cxn>
+              <a:cxn ang="0">
+                <a:pos x="connsiteX66" y="connsiteY66"/>
+              </a:cxn>
+              <a:cxn ang="0">
+                <a:pos x="connsiteX67" y="connsiteY67"/>
+              </a:cxn>
+              <a:cxn ang="0">
+                <a:pos x="connsiteX68" y="connsiteY68"/>
+              </a:cxn>
+              <a:cxn ang="0">
+                <a:pos x="connsiteX69" y="connsiteY69"/>
+              </a:cxn>
+              <a:cxn ang="0">
+                <a:pos x="connsiteX70" y="connsiteY70"/>
+              </a:cxn>
+              <a:cxn ang="0">
+                <a:pos x="connsiteX71" y="connsiteY71"/>
+              </a:cxn>
+              <a:cxn ang="0">
+                <a:pos x="connsiteX72" y="connsiteY72"/>
+              </a:cxn>
+              <a:cxn ang="0">
+                <a:pos x="connsiteX73" y="connsiteY73"/>
+              </a:cxn>
+              <a:cxn ang="0">
+                <a:pos x="connsiteX74" y="connsiteY74"/>
+              </a:cxn>
+              <a:cxn ang="0">
+                <a:pos x="connsiteX75" y="connsiteY75"/>
+              </a:cxn>
+              <a:cxn ang="0">
+                <a:pos x="connsiteX76" y="connsiteY76"/>
+              </a:cxn>
+              <a:cxn ang="0">
+                <a:pos x="connsiteX77" y="connsiteY77"/>
+              </a:cxn>
+              <a:cxn ang="0">
+                <a:pos x="connsiteX78" y="connsiteY78"/>
+              </a:cxn>
+              <a:cxn ang="0">
+                <a:pos x="connsiteX79" y="connsiteY79"/>
+              </a:cxn>
+              <a:cxn ang="0">
+                <a:pos x="connsiteX80" y="connsiteY80"/>
+              </a:cxn>
+              <a:cxn ang="0">
+                <a:pos x="connsiteX81" y="connsiteY81"/>
+              </a:cxn>
+              <a:cxn ang="0">
+                <a:pos x="connsiteX82" y="connsiteY82"/>
+              </a:cxn>
+              <a:cxn ang="0">
+                <a:pos x="connsiteX83" y="connsiteY83"/>
+              </a:cxn>
+              <a:cxn ang="0">
+                <a:pos x="connsiteX84" y="connsiteY84"/>
+              </a:cxn>
+              <a:cxn ang="0">
+                <a:pos x="connsiteX85" y="connsiteY85"/>
+              </a:cxn>
+              <a:cxn ang="0">
+                <a:pos x="connsiteX86" y="connsiteY86"/>
+              </a:cxn>
+              <a:cxn ang="0">
+                <a:pos x="connsiteX87" y="connsiteY87"/>
+              </a:cxn>
+              <a:cxn ang="0">
+                <a:pos x="connsiteX88" y="connsiteY88"/>
+              </a:cxn>
+              <a:cxn ang="0">
+                <a:pos x="connsiteX89" y="connsiteY89"/>
+              </a:cxn>
+              <a:cxn ang="0">
+                <a:pos x="connsiteX90" y="connsiteY90"/>
+              </a:cxn>
+              <a:cxn ang="0">
+                <a:pos x="connsiteX91" y="connsiteY91"/>
+              </a:cxn>
+              <a:cxn ang="0">
+                <a:pos x="connsiteX92" y="connsiteY92"/>
+              </a:cxn>
+              <a:cxn ang="0">
+                <a:pos x="connsiteX93" y="connsiteY93"/>
+              </a:cxn>
+              <a:cxn ang="0">
+                <a:pos x="connsiteX94" y="connsiteY94"/>
+              </a:cxn>
+              <a:cxn ang="0">
+                <a:pos x="connsiteX95" y="connsiteY95"/>
+              </a:cxn>
+              <a:cxn ang="0">
+                <a:pos x="connsiteX96" y="connsiteY96"/>
+              </a:cxn>
+              <a:cxn ang="0">
+                <a:pos x="connsiteX97" y="connsiteY97"/>
+              </a:cxn>
+            </a:cxnLst>
+            <a:rect l="l" t="t" r="r" b="b"/>
+            <a:pathLst>
+              <a:path w="2078182" h="2651760">
+                <a:moveTo>
+                  <a:pt x="365760" y="58189"/>
+                </a:moveTo>
+                <a:cubicBezTo>
+                  <a:pt x="311727" y="60960"/>
+                  <a:pt x="312739" y="68108"/>
+                  <a:pt x="290946" y="74814"/>
+                </a:cubicBezTo>
+                <a:cubicBezTo>
+                  <a:pt x="181721" y="108422"/>
+                  <a:pt x="253198" y="92340"/>
+                  <a:pt x="174567" y="108065"/>
+                </a:cubicBezTo>
+                <a:cubicBezTo>
+                  <a:pt x="139630" y="212881"/>
+                  <a:pt x="176025" y="106946"/>
+                  <a:pt x="141316" y="199505"/>
+                </a:cubicBezTo>
+                <a:cubicBezTo>
+                  <a:pt x="138239" y="207710"/>
+                  <a:pt x="136923" y="216606"/>
+                  <a:pt x="133004" y="224444"/>
+                </a:cubicBezTo>
+                <a:cubicBezTo>
+                  <a:pt x="128536" y="233380"/>
+                  <a:pt x="121920" y="241069"/>
+                  <a:pt x="116378" y="249382"/>
+                </a:cubicBezTo>
+                <a:cubicBezTo>
+                  <a:pt x="94162" y="338253"/>
+                  <a:pt x="124379" y="241615"/>
+                  <a:pt x="91440" y="299258"/>
+                </a:cubicBezTo>
+                <a:cubicBezTo>
+                  <a:pt x="84037" y="312214"/>
+                  <a:pt x="79914" y="326799"/>
+                  <a:pt x="74815" y="340822"/>
+                </a:cubicBezTo>
+                <a:cubicBezTo>
+                  <a:pt x="58622" y="385352"/>
+                  <a:pt x="59802" y="384248"/>
+                  <a:pt x="49876" y="423949"/>
+                </a:cubicBezTo>
+                <a:cubicBezTo>
+                  <a:pt x="47105" y="451658"/>
+                  <a:pt x="45502" y="479509"/>
+                  <a:pt x="41564" y="507076"/>
+                </a:cubicBezTo>
+                <a:cubicBezTo>
+                  <a:pt x="37851" y="533066"/>
+                  <a:pt x="31706" y="541577"/>
+                  <a:pt x="24938" y="565265"/>
+                </a:cubicBezTo>
+                <a:cubicBezTo>
+                  <a:pt x="13275" y="606086"/>
+                  <a:pt x="6964" y="648171"/>
+                  <a:pt x="0" y="689956"/>
+                </a:cubicBezTo>
+                <a:cubicBezTo>
+                  <a:pt x="2771" y="872836"/>
+                  <a:pt x="3163" y="1055768"/>
+                  <a:pt x="8313" y="1238596"/>
+                </a:cubicBezTo>
+                <a:cubicBezTo>
+                  <a:pt x="8711" y="1252719"/>
+                  <a:pt x="14303" y="1266223"/>
+                  <a:pt x="16626" y="1280160"/>
+                </a:cubicBezTo>
+                <a:cubicBezTo>
+                  <a:pt x="19847" y="1299487"/>
+                  <a:pt x="21096" y="1319136"/>
+                  <a:pt x="24938" y="1338349"/>
+                </a:cubicBezTo>
+                <a:cubicBezTo>
+                  <a:pt x="26656" y="1346941"/>
+                  <a:pt x="31126" y="1354786"/>
+                  <a:pt x="33251" y="1363287"/>
+                </a:cubicBezTo>
+                <a:cubicBezTo>
+                  <a:pt x="36678" y="1376994"/>
+                  <a:pt x="38137" y="1391144"/>
+                  <a:pt x="41564" y="1404851"/>
+                </a:cubicBezTo>
+                <a:cubicBezTo>
+                  <a:pt x="67125" y="1507098"/>
+                  <a:pt x="27548" y="1318151"/>
+                  <a:pt x="58189" y="1471353"/>
+                </a:cubicBezTo>
+                <a:cubicBezTo>
+                  <a:pt x="63107" y="1436930"/>
+                  <a:pt x="62379" y="1417244"/>
+                  <a:pt x="74815" y="1388225"/>
+                </a:cubicBezTo>
+                <a:cubicBezTo>
+                  <a:pt x="79696" y="1376835"/>
+                  <a:pt x="84566" y="1365285"/>
+                  <a:pt x="91440" y="1354974"/>
+                </a:cubicBezTo>
+                <a:cubicBezTo>
+                  <a:pt x="95787" y="1348453"/>
+                  <a:pt x="113608" y="1343890"/>
+                  <a:pt x="108066" y="1338349"/>
+                </a:cubicBezTo>
+                <a:cubicBezTo>
+                  <a:pt x="101869" y="1332153"/>
+                  <a:pt x="91440" y="1343891"/>
+                  <a:pt x="83127" y="1346662"/>
+                </a:cubicBezTo>
+                <a:cubicBezTo>
+                  <a:pt x="74814" y="1357746"/>
+                  <a:pt x="63334" y="1367049"/>
+                  <a:pt x="58189" y="1379913"/>
+                </a:cubicBezTo>
+                <a:cubicBezTo>
+                  <a:pt x="51929" y="1395562"/>
+                  <a:pt x="52891" y="1413206"/>
+                  <a:pt x="49876" y="1429789"/>
+                </a:cubicBezTo>
+                <a:cubicBezTo>
+                  <a:pt x="40673" y="1480408"/>
+                  <a:pt x="41070" y="1473081"/>
+                  <a:pt x="24938" y="1529542"/>
+                </a:cubicBezTo>
+                <a:cubicBezTo>
+                  <a:pt x="20797" y="1558533"/>
+                  <a:pt x="10699" y="1626796"/>
+                  <a:pt x="8313" y="1654233"/>
+                </a:cubicBezTo>
+                <a:cubicBezTo>
+                  <a:pt x="4704" y="1695732"/>
+                  <a:pt x="2771" y="1737360"/>
+                  <a:pt x="0" y="1778924"/>
+                </a:cubicBezTo>
+                <a:cubicBezTo>
+                  <a:pt x="2771" y="1859280"/>
+                  <a:pt x="1815" y="1939852"/>
+                  <a:pt x="8313" y="2019993"/>
+                </a:cubicBezTo>
+                <a:cubicBezTo>
+                  <a:pt x="10160" y="2042767"/>
+                  <a:pt x="17712" y="2064817"/>
+                  <a:pt x="24938" y="2086494"/>
+                </a:cubicBezTo>
+                <a:cubicBezTo>
+                  <a:pt x="27709" y="2094807"/>
+                  <a:pt x="29332" y="2103595"/>
+                  <a:pt x="33251" y="2111433"/>
+                </a:cubicBezTo>
+                <a:cubicBezTo>
+                  <a:pt x="37719" y="2120369"/>
+                  <a:pt x="45408" y="2127435"/>
+                  <a:pt x="49876" y="2136371"/>
+                </a:cubicBezTo>
+                <a:cubicBezTo>
+                  <a:pt x="84288" y="2205195"/>
+                  <a:pt x="27173" y="2114787"/>
+                  <a:pt x="74815" y="2186247"/>
+                </a:cubicBezTo>
+                <a:cubicBezTo>
+                  <a:pt x="77586" y="2194560"/>
+                  <a:pt x="80720" y="2202760"/>
+                  <a:pt x="83127" y="2211185"/>
+                </a:cubicBezTo>
+                <a:cubicBezTo>
+                  <a:pt x="86266" y="2222170"/>
+                  <a:pt x="85103" y="2234930"/>
+                  <a:pt x="91440" y="2244436"/>
+                </a:cubicBezTo>
+                <a:cubicBezTo>
+                  <a:pt x="96982" y="2252749"/>
+                  <a:pt x="108065" y="2255520"/>
+                  <a:pt x="116378" y="2261062"/>
+                </a:cubicBezTo>
+                <a:cubicBezTo>
+                  <a:pt x="132479" y="2325463"/>
+                  <a:pt x="111533" y="2265917"/>
+                  <a:pt x="149629" y="2319251"/>
+                </a:cubicBezTo>
+                <a:cubicBezTo>
+                  <a:pt x="156832" y="2329335"/>
+                  <a:pt x="160107" y="2341743"/>
+                  <a:pt x="166255" y="2352502"/>
+                </a:cubicBezTo>
+                <a:cubicBezTo>
+                  <a:pt x="191847" y="2397287"/>
+                  <a:pt x="172192" y="2359922"/>
+                  <a:pt x="199506" y="2394065"/>
+                </a:cubicBezTo>
+                <a:cubicBezTo>
+                  <a:pt x="236646" y="2440490"/>
+                  <a:pt x="195866" y="2415364"/>
+                  <a:pt x="266007" y="2485505"/>
+                </a:cubicBezTo>
+                <a:cubicBezTo>
+                  <a:pt x="307814" y="2527312"/>
+                  <a:pt x="247911" y="2468633"/>
+                  <a:pt x="324196" y="2535382"/>
+                </a:cubicBezTo>
+                <a:cubicBezTo>
+                  <a:pt x="333043" y="2543123"/>
+                  <a:pt x="339353" y="2553799"/>
+                  <a:pt x="349135" y="2560320"/>
+                </a:cubicBezTo>
+                <a:cubicBezTo>
+                  <a:pt x="356426" y="2565180"/>
+                  <a:pt x="366236" y="2564714"/>
+                  <a:pt x="374073" y="2568633"/>
+                </a:cubicBezTo>
+                <a:cubicBezTo>
+                  <a:pt x="410553" y="2586873"/>
+                  <a:pt x="388548" y="2587313"/>
+                  <a:pt x="432262" y="2601884"/>
+                </a:cubicBezTo>
+                <a:cubicBezTo>
+                  <a:pt x="494965" y="2622785"/>
+                  <a:pt x="495701" y="2615686"/>
+                  <a:pt x="556953" y="2626822"/>
+                </a:cubicBezTo>
+                <a:cubicBezTo>
+                  <a:pt x="568193" y="2628866"/>
+                  <a:pt x="578894" y="2633518"/>
+                  <a:pt x="590204" y="2635134"/>
+                </a:cubicBezTo>
+                <a:cubicBezTo>
+                  <a:pt x="622781" y="2639788"/>
+                  <a:pt x="745929" y="2649497"/>
+                  <a:pt x="773084" y="2651760"/>
+                </a:cubicBezTo>
+                <a:lnTo>
+                  <a:pt x="1072342" y="2643447"/>
+                </a:lnTo>
+                <a:cubicBezTo>
+                  <a:pt x="1168264" y="2639276"/>
+                  <a:pt x="1130407" y="2636189"/>
+                  <a:pt x="1205346" y="2626822"/>
+                </a:cubicBezTo>
+                <a:cubicBezTo>
+                  <a:pt x="1246545" y="2621672"/>
+                  <a:pt x="1380568" y="2607114"/>
+                  <a:pt x="1438102" y="2601884"/>
+                </a:cubicBezTo>
+                <a:cubicBezTo>
+                  <a:pt x="1493312" y="2596865"/>
+                  <a:pt x="1556993" y="2593212"/>
+                  <a:pt x="1612669" y="2585258"/>
+                </a:cubicBezTo>
+                <a:cubicBezTo>
+                  <a:pt x="1646040" y="2580491"/>
+                  <a:pt x="1712422" y="2568633"/>
+                  <a:pt x="1712422" y="2568633"/>
+                </a:cubicBezTo>
+                <a:cubicBezTo>
+                  <a:pt x="1723506" y="2563091"/>
+                  <a:pt x="1734349" y="2557040"/>
+                  <a:pt x="1745673" y="2552007"/>
+                </a:cubicBezTo>
+                <a:cubicBezTo>
+                  <a:pt x="1759308" y="2545947"/>
+                  <a:pt x="1775094" y="2544055"/>
+                  <a:pt x="1787236" y="2535382"/>
+                </a:cubicBezTo>
+                <a:cubicBezTo>
+                  <a:pt x="1795366" y="2529575"/>
+                  <a:pt x="1797466" y="2518119"/>
+                  <a:pt x="1803862" y="2510444"/>
+                </a:cubicBezTo>
+                <a:cubicBezTo>
+                  <a:pt x="1811388" y="2501413"/>
+                  <a:pt x="1821967" y="2495071"/>
+                  <a:pt x="1828800" y="2485505"/>
+                </a:cubicBezTo>
+                <a:cubicBezTo>
+                  <a:pt x="1889629" y="2400344"/>
+                  <a:pt x="1813023" y="2495173"/>
+                  <a:pt x="1853738" y="2427316"/>
+                </a:cubicBezTo>
+                <a:cubicBezTo>
+                  <a:pt x="1857770" y="2420596"/>
+                  <a:pt x="1864822" y="2416233"/>
+                  <a:pt x="1870364" y="2410691"/>
+                </a:cubicBezTo>
+                <a:cubicBezTo>
+                  <a:pt x="1873135" y="2402378"/>
+                  <a:pt x="1876551" y="2394254"/>
+                  <a:pt x="1878676" y="2385753"/>
+                </a:cubicBezTo>
+                <a:cubicBezTo>
+                  <a:pt x="1887842" y="2349086"/>
+                  <a:pt x="1890814" y="2315830"/>
+                  <a:pt x="1895302" y="2277687"/>
+                </a:cubicBezTo>
+                <a:cubicBezTo>
+                  <a:pt x="1898234" y="2252767"/>
+                  <a:pt x="1900844" y="2227811"/>
+                  <a:pt x="1903615" y="2202873"/>
+                </a:cubicBezTo>
+                <a:cubicBezTo>
+                  <a:pt x="1900844" y="2100349"/>
+                  <a:pt x="1900067" y="1997752"/>
+                  <a:pt x="1895302" y="1895302"/>
+                </a:cubicBezTo>
+                <a:cubicBezTo>
+                  <a:pt x="1894519" y="1878465"/>
+                  <a:pt x="1886989" y="1862280"/>
+                  <a:pt x="1886989" y="1845425"/>
+                </a:cubicBezTo>
+                <a:cubicBezTo>
+                  <a:pt x="1886989" y="1502593"/>
+                  <a:pt x="1881611" y="1628071"/>
+                  <a:pt x="1903615" y="1463040"/>
+                </a:cubicBezTo>
+                <a:cubicBezTo>
+                  <a:pt x="1906567" y="1440896"/>
+                  <a:pt x="1907810" y="1418495"/>
+                  <a:pt x="1911927" y="1396538"/>
+                </a:cubicBezTo>
+                <a:cubicBezTo>
+                  <a:pt x="1933716" y="1280327"/>
+                  <a:pt x="1926162" y="1380013"/>
+                  <a:pt x="1945178" y="1246909"/>
+                </a:cubicBezTo>
+                <a:cubicBezTo>
+                  <a:pt x="1947949" y="1227513"/>
+                  <a:pt x="1948739" y="1207728"/>
+                  <a:pt x="1953491" y="1188720"/>
+                </a:cubicBezTo>
+                <a:cubicBezTo>
+                  <a:pt x="1957110" y="1174244"/>
+                  <a:pt x="1966271" y="1161574"/>
+                  <a:pt x="1970116" y="1147156"/>
+                </a:cubicBezTo>
+                <a:cubicBezTo>
+                  <a:pt x="2008316" y="1003905"/>
+                  <a:pt x="1972072" y="1111222"/>
+                  <a:pt x="1995055" y="1030778"/>
+                </a:cubicBezTo>
+                <a:cubicBezTo>
+                  <a:pt x="1997462" y="1022353"/>
+                  <a:pt x="2001062" y="1014294"/>
+                  <a:pt x="2003367" y="1005840"/>
+                </a:cubicBezTo>
+                <a:cubicBezTo>
+                  <a:pt x="2009379" y="983796"/>
+                  <a:pt x="2014451" y="961505"/>
+                  <a:pt x="2019993" y="939338"/>
+                </a:cubicBezTo>
+                <a:cubicBezTo>
+                  <a:pt x="2022764" y="928254"/>
+                  <a:pt x="2023197" y="916306"/>
+                  <a:pt x="2028306" y="906087"/>
+                </a:cubicBezTo>
+                <a:cubicBezTo>
+                  <a:pt x="2047584" y="867530"/>
+                  <a:pt x="2044190" y="880328"/>
+                  <a:pt x="2053244" y="839585"/>
+                </a:cubicBezTo>
+                <a:cubicBezTo>
+                  <a:pt x="2058106" y="817706"/>
+                  <a:pt x="2067292" y="768759"/>
+                  <a:pt x="2069869" y="748145"/>
+                </a:cubicBezTo>
+                <a:cubicBezTo>
+                  <a:pt x="2073323" y="720513"/>
+                  <a:pt x="2075411" y="692727"/>
+                  <a:pt x="2078182" y="665018"/>
+                </a:cubicBezTo>
+                <a:cubicBezTo>
+                  <a:pt x="2075411" y="570807"/>
+                  <a:pt x="2074956" y="476499"/>
+                  <a:pt x="2069869" y="382385"/>
+                </a:cubicBezTo>
+                <a:cubicBezTo>
+                  <a:pt x="2069396" y="373635"/>
+                  <a:pt x="2065475" y="365284"/>
+                  <a:pt x="2061556" y="357447"/>
+                </a:cubicBezTo>
+                <a:cubicBezTo>
+                  <a:pt x="2047234" y="328802"/>
+                  <a:pt x="2033318" y="316593"/>
+                  <a:pt x="1995055" y="315884"/>
+                </a:cubicBezTo>
+                <a:lnTo>
+                  <a:pt x="1546167" y="307571"/>
+                </a:lnTo>
+                <a:cubicBezTo>
+                  <a:pt x="1522434" y="302824"/>
+                  <a:pt x="1494834" y="297989"/>
+                  <a:pt x="1471353" y="290945"/>
+                </a:cubicBezTo>
+                <a:cubicBezTo>
+                  <a:pt x="1454567" y="285909"/>
+                  <a:pt x="1421476" y="274320"/>
+                  <a:pt x="1421476" y="274320"/>
+                </a:cubicBezTo>
+                <a:cubicBezTo>
+                  <a:pt x="1415934" y="268778"/>
+                  <a:pt x="1411571" y="261726"/>
+                  <a:pt x="1404851" y="257694"/>
+                </a:cubicBezTo>
+                <a:cubicBezTo>
+                  <a:pt x="1351283" y="225553"/>
+                  <a:pt x="1409040" y="277810"/>
+                  <a:pt x="1354975" y="232756"/>
+                </a:cubicBezTo>
+                <a:cubicBezTo>
+                  <a:pt x="1345944" y="225230"/>
+                  <a:pt x="1338962" y="215469"/>
+                  <a:pt x="1330036" y="207818"/>
+                </a:cubicBezTo>
+                <a:cubicBezTo>
+                  <a:pt x="1319517" y="198802"/>
+                  <a:pt x="1307429" y="191749"/>
+                  <a:pt x="1296786" y="182880"/>
+                </a:cubicBezTo>
+                <a:cubicBezTo>
+                  <a:pt x="1290765" y="177862"/>
+                  <a:pt x="1286280" y="171150"/>
+                  <a:pt x="1280160" y="166254"/>
+                </a:cubicBezTo>
+                <a:cubicBezTo>
+                  <a:pt x="1272359" y="160013"/>
+                  <a:pt x="1263023" y="155870"/>
+                  <a:pt x="1255222" y="149629"/>
+                </a:cubicBezTo>
+                <a:cubicBezTo>
+                  <a:pt x="1249102" y="144733"/>
+                  <a:pt x="1244617" y="138021"/>
+                  <a:pt x="1238596" y="133004"/>
+                </a:cubicBezTo>
+                <a:cubicBezTo>
+                  <a:pt x="1227953" y="124135"/>
+                  <a:pt x="1215142" y="117862"/>
+                  <a:pt x="1205346" y="108065"/>
+                </a:cubicBezTo>
+                <a:cubicBezTo>
+                  <a:pt x="1198282" y="101000"/>
+                  <a:pt x="1196239" y="89706"/>
+                  <a:pt x="1188720" y="83127"/>
+                </a:cubicBezTo>
+                <a:cubicBezTo>
+                  <a:pt x="1173683" y="69969"/>
+                  <a:pt x="1157800" y="56194"/>
+                  <a:pt x="1138844" y="49876"/>
+                </a:cubicBezTo>
+                <a:lnTo>
+                  <a:pt x="1088967" y="33251"/>
+                </a:lnTo>
+                <a:cubicBezTo>
+                  <a:pt x="1080654" y="30480"/>
+                  <a:pt x="1071866" y="28857"/>
+                  <a:pt x="1064029" y="24938"/>
+                </a:cubicBezTo>
+                <a:cubicBezTo>
+                  <a:pt x="1018141" y="1995"/>
+                  <a:pt x="1042929" y="10743"/>
+                  <a:pt x="989215" y="0"/>
+                </a:cubicBezTo>
+                <a:cubicBezTo>
+                  <a:pt x="947651" y="2771"/>
+                  <a:pt x="905925" y="3713"/>
+                  <a:pt x="864524" y="8313"/>
+                </a:cubicBezTo>
+                <a:cubicBezTo>
+                  <a:pt x="760355" y="19887"/>
+                  <a:pt x="795151" y="19110"/>
+                  <a:pt x="731520" y="33251"/>
+                </a:cubicBezTo>
+                <a:cubicBezTo>
+                  <a:pt x="717727" y="36316"/>
+                  <a:pt x="703749" y="38499"/>
+                  <a:pt x="689956" y="41564"/>
+                </a:cubicBezTo>
+                <a:cubicBezTo>
+                  <a:pt x="584300" y="65043"/>
+                  <a:pt x="740504" y="33116"/>
+                  <a:pt x="615142" y="58189"/>
+                </a:cubicBezTo>
+                <a:cubicBezTo>
+                  <a:pt x="421213" y="48492"/>
+                  <a:pt x="419793" y="55418"/>
+                  <a:pt x="365760" y="58189"/>
+                </a:cubicBezTo>
+                <a:close/>
+              </a:path>
+            </a:pathLst>
+          </a:custGeom>
+          <a:noFill/>
         </p:spPr>
         <p:style>
-          <a:lnRef idx="3">
-            <a:schemeClr val="dk1"/>
+          <a:lnRef idx="2">
+            <a:schemeClr val="accent1"/>
           </a:lnRef>
-          <a:fillRef idx="0">
-            <a:schemeClr val="dk1"/>
+          <a:fillRef idx="1">
+            <a:schemeClr val="lt1"/>
           </a:fillRef>
-          <a:effectRef idx="2">
-            <a:schemeClr val="dk1"/>
+          <a:effectRef idx="0">
+            <a:schemeClr val="accent1"/>
           </a:effectRef>
           <a:fontRef idx="minor">
-            <a:schemeClr val="tx1"/>
+            <a:schemeClr val="dk1"/>
           </a:fontRef>
         </p:style>
-      </p:cxnSp>
+        <p:txBody>
+          <a:bodyPr rtlCol="0" anchor="ctr"/>
+          <a:lstStyle/>
+          <a:p>
+            <a:pPr algn="ctr"/>
+            <a:endParaRPr lang="en-US"/>
+          </a:p>
+        </p:txBody>
+      </p:sp>
+      <p:sp>
+        <p:nvSpPr>
+          <p:cNvPr id="21" name="Freeform 20">
+            <a:extLst>
+              <a:ext uri="{FF2B5EF4-FFF2-40B4-BE49-F238E27FC236}">
+                <a16:creationId xmlns:a16="http://schemas.microsoft.com/office/drawing/2014/main" id="{0061EBDA-B50A-8F4E-9AB0-571D83695AA0}"/>
+              </a:ext>
+            </a:extLst>
+          </p:cNvPr>
+          <p:cNvSpPr/>
+          <p:nvPr/>
+        </p:nvSpPr>
+        <p:spPr>
+          <a:xfrm>
+            <a:off x="5642554" y="3192087"/>
+            <a:ext cx="5064239" cy="2327564"/>
+          </a:xfrm>
+          <a:custGeom>
+            <a:avLst/>
+            <a:gdLst>
+              <a:gd name="connsiteX0" fmla="*/ 4407533 w 5064239"/>
+              <a:gd name="connsiteY0" fmla="*/ 0 h 2327564"/>
+              <a:gd name="connsiteX1" fmla="*/ 4341031 w 5064239"/>
+              <a:gd name="connsiteY1" fmla="*/ 8313 h 2327564"/>
+              <a:gd name="connsiteX2" fmla="*/ 4299468 w 5064239"/>
+              <a:gd name="connsiteY2" fmla="*/ 16626 h 2327564"/>
+              <a:gd name="connsiteX3" fmla="*/ 4199715 w 5064239"/>
+              <a:gd name="connsiteY3" fmla="*/ 24938 h 2327564"/>
+              <a:gd name="connsiteX4" fmla="*/ 1872151 w 5064239"/>
+              <a:gd name="connsiteY4" fmla="*/ 33251 h 2327564"/>
+              <a:gd name="connsiteX5" fmla="*/ 1680959 w 5064239"/>
+              <a:gd name="connsiteY5" fmla="*/ 58189 h 2327564"/>
+              <a:gd name="connsiteX6" fmla="*/ 1589519 w 5064239"/>
+              <a:gd name="connsiteY6" fmla="*/ 74815 h 2327564"/>
+              <a:gd name="connsiteX7" fmla="*/ 575366 w 5064239"/>
+              <a:gd name="connsiteY7" fmla="*/ 74815 h 2327564"/>
+              <a:gd name="connsiteX8" fmla="*/ 533802 w 5064239"/>
+              <a:gd name="connsiteY8" fmla="*/ 83128 h 2327564"/>
+              <a:gd name="connsiteX9" fmla="*/ 500551 w 5064239"/>
+              <a:gd name="connsiteY9" fmla="*/ 91440 h 2327564"/>
+              <a:gd name="connsiteX10" fmla="*/ 458988 w 5064239"/>
+              <a:gd name="connsiteY10" fmla="*/ 99753 h 2327564"/>
+              <a:gd name="connsiteX11" fmla="*/ 434050 w 5064239"/>
+              <a:gd name="connsiteY11" fmla="*/ 108066 h 2327564"/>
+              <a:gd name="connsiteX12" fmla="*/ 392486 w 5064239"/>
+              <a:gd name="connsiteY12" fmla="*/ 116378 h 2327564"/>
+              <a:gd name="connsiteX13" fmla="*/ 367548 w 5064239"/>
+              <a:gd name="connsiteY13" fmla="*/ 124691 h 2327564"/>
+              <a:gd name="connsiteX14" fmla="*/ 309359 w 5064239"/>
+              <a:gd name="connsiteY14" fmla="*/ 141317 h 2327564"/>
+              <a:gd name="connsiteX15" fmla="*/ 292733 w 5064239"/>
+              <a:gd name="connsiteY15" fmla="*/ 157942 h 2327564"/>
+              <a:gd name="connsiteX16" fmla="*/ 276108 w 5064239"/>
+              <a:gd name="connsiteY16" fmla="*/ 182880 h 2327564"/>
+              <a:gd name="connsiteX17" fmla="*/ 251170 w 5064239"/>
+              <a:gd name="connsiteY17" fmla="*/ 199506 h 2327564"/>
+              <a:gd name="connsiteX18" fmla="*/ 226231 w 5064239"/>
+              <a:gd name="connsiteY18" fmla="*/ 224444 h 2327564"/>
+              <a:gd name="connsiteX19" fmla="*/ 201293 w 5064239"/>
+              <a:gd name="connsiteY19" fmla="*/ 232757 h 2327564"/>
+              <a:gd name="connsiteX20" fmla="*/ 176355 w 5064239"/>
+              <a:gd name="connsiteY20" fmla="*/ 249382 h 2327564"/>
+              <a:gd name="connsiteX21" fmla="*/ 159730 w 5064239"/>
+              <a:gd name="connsiteY21" fmla="*/ 274320 h 2327564"/>
+              <a:gd name="connsiteX22" fmla="*/ 143104 w 5064239"/>
+              <a:gd name="connsiteY22" fmla="*/ 290946 h 2327564"/>
+              <a:gd name="connsiteX23" fmla="*/ 126479 w 5064239"/>
+              <a:gd name="connsiteY23" fmla="*/ 340822 h 2327564"/>
+              <a:gd name="connsiteX24" fmla="*/ 118166 w 5064239"/>
+              <a:gd name="connsiteY24" fmla="*/ 365760 h 2327564"/>
+              <a:gd name="connsiteX25" fmla="*/ 109853 w 5064239"/>
+              <a:gd name="connsiteY25" fmla="*/ 390698 h 2327564"/>
+              <a:gd name="connsiteX26" fmla="*/ 93228 w 5064239"/>
+              <a:gd name="connsiteY26" fmla="*/ 415637 h 2327564"/>
+              <a:gd name="connsiteX27" fmla="*/ 43351 w 5064239"/>
+              <a:gd name="connsiteY27" fmla="*/ 556953 h 2327564"/>
+              <a:gd name="connsiteX28" fmla="*/ 26726 w 5064239"/>
+              <a:gd name="connsiteY28" fmla="*/ 606829 h 2327564"/>
+              <a:gd name="connsiteX29" fmla="*/ 1788 w 5064239"/>
+              <a:gd name="connsiteY29" fmla="*/ 665018 h 2327564"/>
+              <a:gd name="connsiteX30" fmla="*/ 10101 w 5064239"/>
+              <a:gd name="connsiteY30" fmla="*/ 748146 h 2327564"/>
+              <a:gd name="connsiteX31" fmla="*/ 59977 w 5064239"/>
+              <a:gd name="connsiteY31" fmla="*/ 731520 h 2327564"/>
+              <a:gd name="connsiteX32" fmla="*/ 109853 w 5064239"/>
+              <a:gd name="connsiteY32" fmla="*/ 748146 h 2327564"/>
+              <a:gd name="connsiteX33" fmla="*/ 143104 w 5064239"/>
+              <a:gd name="connsiteY33" fmla="*/ 756458 h 2327564"/>
+              <a:gd name="connsiteX34" fmla="*/ 168042 w 5064239"/>
+              <a:gd name="connsiteY34" fmla="*/ 773084 h 2327564"/>
+              <a:gd name="connsiteX35" fmla="*/ 292733 w 5064239"/>
+              <a:gd name="connsiteY35" fmla="*/ 831273 h 2327564"/>
+              <a:gd name="connsiteX36" fmla="*/ 334297 w 5064239"/>
+              <a:gd name="connsiteY36" fmla="*/ 839586 h 2327564"/>
+              <a:gd name="connsiteX37" fmla="*/ 375861 w 5064239"/>
+              <a:gd name="connsiteY37" fmla="*/ 856211 h 2327564"/>
+              <a:gd name="connsiteX38" fmla="*/ 450675 w 5064239"/>
+              <a:gd name="connsiteY38" fmla="*/ 881149 h 2327564"/>
+              <a:gd name="connsiteX39" fmla="*/ 483926 w 5064239"/>
+              <a:gd name="connsiteY39" fmla="*/ 889462 h 2327564"/>
+              <a:gd name="connsiteX40" fmla="*/ 567053 w 5064239"/>
+              <a:gd name="connsiteY40" fmla="*/ 906088 h 2327564"/>
+              <a:gd name="connsiteX41" fmla="*/ 616930 w 5064239"/>
+              <a:gd name="connsiteY41" fmla="*/ 922713 h 2327564"/>
+              <a:gd name="connsiteX42" fmla="*/ 683431 w 5064239"/>
+              <a:gd name="connsiteY42" fmla="*/ 939338 h 2327564"/>
+              <a:gd name="connsiteX43" fmla="*/ 708370 w 5064239"/>
+              <a:gd name="connsiteY43" fmla="*/ 947651 h 2327564"/>
+              <a:gd name="connsiteX44" fmla="*/ 766559 w 5064239"/>
+              <a:gd name="connsiteY44" fmla="*/ 972589 h 2327564"/>
+              <a:gd name="connsiteX45" fmla="*/ 841373 w 5064239"/>
+              <a:gd name="connsiteY45" fmla="*/ 989215 h 2327564"/>
+              <a:gd name="connsiteX46" fmla="*/ 874624 w 5064239"/>
+              <a:gd name="connsiteY46" fmla="*/ 997528 h 2327564"/>
+              <a:gd name="connsiteX47" fmla="*/ 957751 w 5064239"/>
+              <a:gd name="connsiteY47" fmla="*/ 1014153 h 2327564"/>
+              <a:gd name="connsiteX48" fmla="*/ 991002 w 5064239"/>
+              <a:gd name="connsiteY48" fmla="*/ 1022466 h 2327564"/>
+              <a:gd name="connsiteX49" fmla="*/ 1115693 w 5064239"/>
+              <a:gd name="connsiteY49" fmla="*/ 1039091 h 2327564"/>
+              <a:gd name="connsiteX50" fmla="*/ 1165570 w 5064239"/>
+              <a:gd name="connsiteY50" fmla="*/ 1047404 h 2327564"/>
+              <a:gd name="connsiteX51" fmla="*/ 1207133 w 5064239"/>
+              <a:gd name="connsiteY51" fmla="*/ 1064029 h 2327564"/>
+              <a:gd name="connsiteX52" fmla="*/ 1265322 w 5064239"/>
+              <a:gd name="connsiteY52" fmla="*/ 1072342 h 2327564"/>
+              <a:gd name="connsiteX53" fmla="*/ 1298573 w 5064239"/>
+              <a:gd name="connsiteY53" fmla="*/ 1080655 h 2327564"/>
+              <a:gd name="connsiteX54" fmla="*/ 1373388 w 5064239"/>
+              <a:gd name="connsiteY54" fmla="*/ 1097280 h 2327564"/>
+              <a:gd name="connsiteX55" fmla="*/ 1423264 w 5064239"/>
+              <a:gd name="connsiteY55" fmla="*/ 1113906 h 2327564"/>
+              <a:gd name="connsiteX56" fmla="*/ 1448202 w 5064239"/>
+              <a:gd name="connsiteY56" fmla="*/ 1130531 h 2327564"/>
+              <a:gd name="connsiteX57" fmla="*/ 1489766 w 5064239"/>
+              <a:gd name="connsiteY57" fmla="*/ 1138844 h 2327564"/>
+              <a:gd name="connsiteX58" fmla="*/ 1556268 w 5064239"/>
+              <a:gd name="connsiteY58" fmla="*/ 1172095 h 2327564"/>
+              <a:gd name="connsiteX59" fmla="*/ 1664333 w 5064239"/>
+              <a:gd name="connsiteY59" fmla="*/ 1205346 h 2327564"/>
+              <a:gd name="connsiteX60" fmla="*/ 1689271 w 5064239"/>
+              <a:gd name="connsiteY60" fmla="*/ 1213658 h 2327564"/>
+              <a:gd name="connsiteX61" fmla="*/ 1747461 w 5064239"/>
+              <a:gd name="connsiteY61" fmla="*/ 1246909 h 2327564"/>
+              <a:gd name="connsiteX62" fmla="*/ 1847213 w 5064239"/>
+              <a:gd name="connsiteY62" fmla="*/ 1305098 h 2327564"/>
+              <a:gd name="connsiteX63" fmla="*/ 1905402 w 5064239"/>
+              <a:gd name="connsiteY63" fmla="*/ 1346662 h 2327564"/>
+              <a:gd name="connsiteX64" fmla="*/ 2005155 w 5064239"/>
+              <a:gd name="connsiteY64" fmla="*/ 1413164 h 2327564"/>
+              <a:gd name="connsiteX65" fmla="*/ 2096595 w 5064239"/>
+              <a:gd name="connsiteY65" fmla="*/ 1487978 h 2327564"/>
+              <a:gd name="connsiteX66" fmla="*/ 2171410 w 5064239"/>
+              <a:gd name="connsiteY66" fmla="*/ 1546168 h 2327564"/>
+              <a:gd name="connsiteX67" fmla="*/ 2221286 w 5064239"/>
+              <a:gd name="connsiteY67" fmla="*/ 1596044 h 2327564"/>
+              <a:gd name="connsiteX68" fmla="*/ 2246224 w 5064239"/>
+              <a:gd name="connsiteY68" fmla="*/ 1620982 h 2327564"/>
+              <a:gd name="connsiteX69" fmla="*/ 2271162 w 5064239"/>
+              <a:gd name="connsiteY69" fmla="*/ 1654233 h 2327564"/>
+              <a:gd name="connsiteX70" fmla="*/ 2329351 w 5064239"/>
+              <a:gd name="connsiteY70" fmla="*/ 1712422 h 2327564"/>
+              <a:gd name="connsiteX71" fmla="*/ 2362602 w 5064239"/>
+              <a:gd name="connsiteY71" fmla="*/ 1762298 h 2327564"/>
+              <a:gd name="connsiteX72" fmla="*/ 2387541 w 5064239"/>
+              <a:gd name="connsiteY72" fmla="*/ 1803862 h 2327564"/>
+              <a:gd name="connsiteX73" fmla="*/ 2412479 w 5064239"/>
+              <a:gd name="connsiteY73" fmla="*/ 1828800 h 2327564"/>
+              <a:gd name="connsiteX74" fmla="*/ 2429104 w 5064239"/>
+              <a:gd name="connsiteY74" fmla="*/ 1886989 h 2327564"/>
+              <a:gd name="connsiteX75" fmla="*/ 2437417 w 5064239"/>
+              <a:gd name="connsiteY75" fmla="*/ 1911928 h 2327564"/>
+              <a:gd name="connsiteX76" fmla="*/ 2454042 w 5064239"/>
+              <a:gd name="connsiteY76" fmla="*/ 2019993 h 2327564"/>
+              <a:gd name="connsiteX77" fmla="*/ 2470668 w 5064239"/>
+              <a:gd name="connsiteY77" fmla="*/ 2053244 h 2327564"/>
+              <a:gd name="connsiteX78" fmla="*/ 2495606 w 5064239"/>
+              <a:gd name="connsiteY78" fmla="*/ 2111433 h 2327564"/>
+              <a:gd name="connsiteX79" fmla="*/ 2578733 w 5064239"/>
+              <a:gd name="connsiteY79" fmla="*/ 2136371 h 2327564"/>
+              <a:gd name="connsiteX80" fmla="*/ 3227126 w 5064239"/>
+              <a:gd name="connsiteY80" fmla="*/ 2144684 h 2327564"/>
+              <a:gd name="connsiteX81" fmla="*/ 3518071 w 5064239"/>
+              <a:gd name="connsiteY81" fmla="*/ 2161309 h 2327564"/>
+              <a:gd name="connsiteX82" fmla="*/ 3551322 w 5064239"/>
+              <a:gd name="connsiteY82" fmla="*/ 2169622 h 2327564"/>
+              <a:gd name="connsiteX83" fmla="*/ 3617824 w 5064239"/>
+              <a:gd name="connsiteY83" fmla="*/ 2177935 h 2327564"/>
+              <a:gd name="connsiteX84" fmla="*/ 3659388 w 5064239"/>
+              <a:gd name="connsiteY84" fmla="*/ 2186248 h 2327564"/>
+              <a:gd name="connsiteX85" fmla="*/ 3709264 w 5064239"/>
+              <a:gd name="connsiteY85" fmla="*/ 2194560 h 2327564"/>
+              <a:gd name="connsiteX86" fmla="*/ 3742515 w 5064239"/>
+              <a:gd name="connsiteY86" fmla="*/ 2202873 h 2327564"/>
+              <a:gd name="connsiteX87" fmla="*/ 3767453 w 5064239"/>
+              <a:gd name="connsiteY87" fmla="*/ 2211186 h 2327564"/>
+              <a:gd name="connsiteX88" fmla="*/ 3917082 w 5064239"/>
+              <a:gd name="connsiteY88" fmla="*/ 2219498 h 2327564"/>
+              <a:gd name="connsiteX89" fmla="*/ 3950333 w 5064239"/>
+              <a:gd name="connsiteY89" fmla="*/ 2227811 h 2327564"/>
+              <a:gd name="connsiteX90" fmla="*/ 4124901 w 5064239"/>
+              <a:gd name="connsiteY90" fmla="*/ 2261062 h 2327564"/>
+              <a:gd name="connsiteX91" fmla="*/ 4216341 w 5064239"/>
+              <a:gd name="connsiteY91" fmla="*/ 2277688 h 2327564"/>
+              <a:gd name="connsiteX92" fmla="*/ 4316093 w 5064239"/>
+              <a:gd name="connsiteY92" fmla="*/ 2294313 h 2327564"/>
+              <a:gd name="connsiteX93" fmla="*/ 4357657 w 5064239"/>
+              <a:gd name="connsiteY93" fmla="*/ 2302626 h 2327564"/>
+              <a:gd name="connsiteX94" fmla="*/ 4440784 w 5064239"/>
+              <a:gd name="connsiteY94" fmla="*/ 2310938 h 2327564"/>
+              <a:gd name="connsiteX95" fmla="*/ 4507286 w 5064239"/>
+              <a:gd name="connsiteY95" fmla="*/ 2319251 h 2327564"/>
+              <a:gd name="connsiteX96" fmla="*/ 4582101 w 5064239"/>
+              <a:gd name="connsiteY96" fmla="*/ 2327564 h 2327564"/>
+              <a:gd name="connsiteX97" fmla="*/ 4723417 w 5064239"/>
+              <a:gd name="connsiteY97" fmla="*/ 2319251 h 2327564"/>
+              <a:gd name="connsiteX98" fmla="*/ 4773293 w 5064239"/>
+              <a:gd name="connsiteY98" fmla="*/ 2286000 h 2327564"/>
+              <a:gd name="connsiteX99" fmla="*/ 4806544 w 5064239"/>
+              <a:gd name="connsiteY99" fmla="*/ 2277688 h 2327564"/>
+              <a:gd name="connsiteX100" fmla="*/ 4848108 w 5064239"/>
+              <a:gd name="connsiteY100" fmla="*/ 2252749 h 2327564"/>
+              <a:gd name="connsiteX101" fmla="*/ 4881359 w 5064239"/>
+              <a:gd name="connsiteY101" fmla="*/ 2227811 h 2327564"/>
+              <a:gd name="connsiteX102" fmla="*/ 4931235 w 5064239"/>
+              <a:gd name="connsiteY102" fmla="*/ 2169622 h 2327564"/>
+              <a:gd name="connsiteX103" fmla="*/ 4972799 w 5064239"/>
+              <a:gd name="connsiteY103" fmla="*/ 2128058 h 2327564"/>
+              <a:gd name="connsiteX104" fmla="*/ 4989424 w 5064239"/>
+              <a:gd name="connsiteY104" fmla="*/ 2094808 h 2327564"/>
+              <a:gd name="connsiteX105" fmla="*/ 5014362 w 5064239"/>
+              <a:gd name="connsiteY105" fmla="*/ 2069869 h 2327564"/>
+              <a:gd name="connsiteX106" fmla="*/ 5039301 w 5064239"/>
+              <a:gd name="connsiteY106" fmla="*/ 2036618 h 2327564"/>
+              <a:gd name="connsiteX107" fmla="*/ 5047613 w 5064239"/>
+              <a:gd name="connsiteY107" fmla="*/ 1995055 h 2327564"/>
+              <a:gd name="connsiteX108" fmla="*/ 5055926 w 5064239"/>
+              <a:gd name="connsiteY108" fmla="*/ 1961804 h 2327564"/>
+              <a:gd name="connsiteX109" fmla="*/ 5064239 w 5064239"/>
+              <a:gd name="connsiteY109" fmla="*/ 1862051 h 2327564"/>
+              <a:gd name="connsiteX110" fmla="*/ 5055926 w 5064239"/>
+              <a:gd name="connsiteY110" fmla="*/ 1471353 h 2327564"/>
+              <a:gd name="connsiteX111" fmla="*/ 5047613 w 5064239"/>
+              <a:gd name="connsiteY111" fmla="*/ 1413164 h 2327564"/>
+              <a:gd name="connsiteX112" fmla="*/ 5030988 w 5064239"/>
+              <a:gd name="connsiteY112" fmla="*/ 1238597 h 2327564"/>
+              <a:gd name="connsiteX113" fmla="*/ 5006050 w 5064239"/>
+              <a:gd name="connsiteY113" fmla="*/ 1155469 h 2327564"/>
+              <a:gd name="connsiteX114" fmla="*/ 4997737 w 5064239"/>
+              <a:gd name="connsiteY114" fmla="*/ 1105593 h 2327564"/>
+              <a:gd name="connsiteX115" fmla="*/ 4989424 w 5064239"/>
+              <a:gd name="connsiteY115" fmla="*/ 1072342 h 2327564"/>
+              <a:gd name="connsiteX116" fmla="*/ 4981111 w 5064239"/>
+              <a:gd name="connsiteY116" fmla="*/ 1022466 h 2327564"/>
+              <a:gd name="connsiteX117" fmla="*/ 4964486 w 5064239"/>
+              <a:gd name="connsiteY117" fmla="*/ 939338 h 2327564"/>
+              <a:gd name="connsiteX118" fmla="*/ 4947861 w 5064239"/>
+              <a:gd name="connsiteY118" fmla="*/ 897775 h 2327564"/>
+              <a:gd name="connsiteX119" fmla="*/ 4956173 w 5064239"/>
+              <a:gd name="connsiteY119" fmla="*/ 781397 h 2327564"/>
+              <a:gd name="connsiteX120" fmla="*/ 4964486 w 5064239"/>
+              <a:gd name="connsiteY120" fmla="*/ 698269 h 2327564"/>
+              <a:gd name="connsiteX121" fmla="*/ 4956173 w 5064239"/>
+              <a:gd name="connsiteY121" fmla="*/ 490451 h 2327564"/>
+              <a:gd name="connsiteX122" fmla="*/ 4922922 w 5064239"/>
+              <a:gd name="connsiteY122" fmla="*/ 415637 h 2327564"/>
+              <a:gd name="connsiteX123" fmla="*/ 4914610 w 5064239"/>
+              <a:gd name="connsiteY123" fmla="*/ 382386 h 2327564"/>
+              <a:gd name="connsiteX124" fmla="*/ 4889671 w 5064239"/>
+              <a:gd name="connsiteY124" fmla="*/ 307571 h 2327564"/>
+              <a:gd name="connsiteX125" fmla="*/ 4864733 w 5064239"/>
+              <a:gd name="connsiteY125" fmla="*/ 191193 h 2327564"/>
+              <a:gd name="connsiteX126" fmla="*/ 4856421 w 5064239"/>
+              <a:gd name="connsiteY126" fmla="*/ 166255 h 2327564"/>
+              <a:gd name="connsiteX127" fmla="*/ 4839795 w 5064239"/>
+              <a:gd name="connsiteY127" fmla="*/ 99753 h 2327564"/>
+              <a:gd name="connsiteX128" fmla="*/ 4806544 w 5064239"/>
+              <a:gd name="connsiteY128" fmla="*/ 58189 h 2327564"/>
+              <a:gd name="connsiteX129" fmla="*/ 4781606 w 5064239"/>
+              <a:gd name="connsiteY129" fmla="*/ 41564 h 2327564"/>
+              <a:gd name="connsiteX130" fmla="*/ 4764981 w 5064239"/>
+              <a:gd name="connsiteY130" fmla="*/ 24938 h 2327564"/>
+              <a:gd name="connsiteX131" fmla="*/ 4681853 w 5064239"/>
+              <a:gd name="connsiteY131" fmla="*/ 8313 h 2327564"/>
+              <a:gd name="connsiteX132" fmla="*/ 4582101 w 5064239"/>
+              <a:gd name="connsiteY132" fmla="*/ 24938 h 2327564"/>
+              <a:gd name="connsiteX133" fmla="*/ 4565475 w 5064239"/>
+              <a:gd name="connsiteY133" fmla="*/ 41564 h 2327564"/>
+              <a:gd name="connsiteX134" fmla="*/ 4498973 w 5064239"/>
+              <a:gd name="connsiteY134" fmla="*/ 58189 h 2327564"/>
+              <a:gd name="connsiteX135" fmla="*/ 4399221 w 5064239"/>
+              <a:gd name="connsiteY135" fmla="*/ 74815 h 2327564"/>
+              <a:gd name="connsiteX136" fmla="*/ 4341031 w 5064239"/>
+              <a:gd name="connsiteY136" fmla="*/ 91440 h 2327564"/>
+              <a:gd name="connsiteX137" fmla="*/ 4324406 w 5064239"/>
+              <a:gd name="connsiteY137" fmla="*/ 99753 h 2327564"/>
+            </a:gdLst>
+            <a:ahLst/>
+            <a:cxnLst>
+              <a:cxn ang="0">
+                <a:pos x="connsiteX0" y="connsiteY0"/>
+              </a:cxn>
+              <a:cxn ang="0">
+                <a:pos x="connsiteX1" y="connsiteY1"/>
+              </a:cxn>
+              <a:cxn ang="0">
+                <a:pos x="connsiteX2" y="connsiteY2"/>
+              </a:cxn>
+              <a:cxn ang="0">
+                <a:pos x="connsiteX3" y="connsiteY3"/>
+              </a:cxn>
+              <a:cxn ang="0">
+                <a:pos x="connsiteX4" y="connsiteY4"/>
+              </a:cxn>
+              <a:cxn ang="0">
+                <a:pos x="connsiteX5" y="connsiteY5"/>
+              </a:cxn>
+              <a:cxn ang="0">
+                <a:pos x="connsiteX6" y="connsiteY6"/>
+              </a:cxn>
+              <a:cxn ang="0">
+                <a:pos x="connsiteX7" y="connsiteY7"/>
+              </a:cxn>
+              <a:cxn ang="0">
+                <a:pos x="connsiteX8" y="connsiteY8"/>
+              </a:cxn>
+              <a:cxn ang="0">
+                <a:pos x="connsiteX9" y="connsiteY9"/>
+              </a:cxn>
+              <a:cxn ang="0">
+                <a:pos x="connsiteX10" y="connsiteY10"/>
+              </a:cxn>
+              <a:cxn ang="0">
+                <a:pos x="connsiteX11" y="connsiteY11"/>
+              </a:cxn>
+              <a:cxn ang="0">
+                <a:pos x="connsiteX12" y="connsiteY12"/>
+              </a:cxn>
+              <a:cxn ang="0">
+                <a:pos x="connsiteX13" y="connsiteY13"/>
+              </a:cxn>
+              <a:cxn ang="0">
+                <a:pos x="connsiteX14" y="connsiteY14"/>
+              </a:cxn>
+              <a:cxn ang="0">
+                <a:pos x="connsiteX15" y="connsiteY15"/>
+              </a:cxn>
+              <a:cxn ang="0">
+                <a:pos x="connsiteX16" y="connsiteY16"/>
+              </a:cxn>
+              <a:cxn ang="0">
+                <a:pos x="connsiteX17" y="connsiteY17"/>
+              </a:cxn>
+              <a:cxn ang="0">
+                <a:pos x="connsiteX18" y="connsiteY18"/>
+              </a:cxn>
+              <a:cxn ang="0">
+                <a:pos x="connsiteX19" y="connsiteY19"/>
+              </a:cxn>
+              <a:cxn ang="0">
+                <a:pos x="connsiteX20" y="connsiteY20"/>
+              </a:cxn>
+              <a:cxn ang="0">
+                <a:pos x="connsiteX21" y="connsiteY21"/>
+              </a:cxn>
+              <a:cxn ang="0">
+                <a:pos x="connsiteX22" y="connsiteY22"/>
+              </a:cxn>
+              <a:cxn ang="0">
+                <a:pos x="connsiteX23" y="connsiteY23"/>
+              </a:cxn>
+              <a:cxn ang="0">
+                <a:pos x="connsiteX24" y="connsiteY24"/>
+              </a:cxn>
+              <a:cxn ang="0">
+                <a:pos x="connsiteX25" y="connsiteY25"/>
+              </a:cxn>
+              <a:cxn ang="0">
+                <a:pos x="connsiteX26" y="connsiteY26"/>
+              </a:cxn>
+              <a:cxn ang="0">
+                <a:pos x="connsiteX27" y="connsiteY27"/>
+              </a:cxn>
+              <a:cxn ang="0">
+                <a:pos x="connsiteX28" y="connsiteY28"/>
+              </a:cxn>
+              <a:cxn ang="0">
+                <a:pos x="connsiteX29" y="connsiteY29"/>
+              </a:cxn>
+              <a:cxn ang="0">
+                <a:pos x="connsiteX30" y="connsiteY30"/>
+              </a:cxn>
+              <a:cxn ang="0">
+                <a:pos x="connsiteX31" y="connsiteY31"/>
+              </a:cxn>
+              <a:cxn ang="0">
+                <a:pos x="connsiteX32" y="connsiteY32"/>
+              </a:cxn>
+              <a:cxn ang="0">
+                <a:pos x="connsiteX33" y="connsiteY33"/>
+              </a:cxn>
+              <a:cxn ang="0">
+                <a:pos x="connsiteX34" y="connsiteY34"/>
+              </a:cxn>
+              <a:cxn ang="0">
+                <a:pos x="connsiteX35" y="connsiteY35"/>
+              </a:cxn>
+              <a:cxn ang="0">
+                <a:pos x="connsiteX36" y="connsiteY36"/>
+              </a:cxn>
+              <a:cxn ang="0">
+                <a:pos x="connsiteX37" y="connsiteY37"/>
+              </a:cxn>
+              <a:cxn ang="0">
+                <a:pos x="connsiteX38" y="connsiteY38"/>
+              </a:cxn>
+              <a:cxn ang="0">
+                <a:pos x="connsiteX39" y="connsiteY39"/>
+              </a:cxn>
+              <a:cxn ang="0">
+                <a:pos x="connsiteX40" y="connsiteY40"/>
+              </a:cxn>
+              <a:cxn ang="0">
+                <a:pos x="connsiteX41" y="connsiteY41"/>
+              </a:cxn>
+              <a:cxn ang="0">
+                <a:pos x="connsiteX42" y="connsiteY42"/>
+              </a:cxn>
+              <a:cxn ang="0">
+                <a:pos x="connsiteX43" y="connsiteY43"/>
+              </a:cxn>
+              <a:cxn ang="0">
+                <a:pos x="connsiteX44" y="connsiteY44"/>
+              </a:cxn>
+              <a:cxn ang="0">
+                <a:pos x="connsiteX45" y="connsiteY45"/>
+              </a:cxn>
+              <a:cxn ang="0">
+                <a:pos x="connsiteX46" y="connsiteY46"/>
+              </a:cxn>
+              <a:cxn ang="0">
+                <a:pos x="connsiteX47" y="connsiteY47"/>
+              </a:cxn>
+              <a:cxn ang="0">
+                <a:pos x="connsiteX48" y="connsiteY48"/>
+              </a:cxn>
+              <a:cxn ang="0">
+                <a:pos x="connsiteX49" y="connsiteY49"/>
+              </a:cxn>
+              <a:cxn ang="0">
+                <a:pos x="connsiteX50" y="connsiteY50"/>
+              </a:cxn>
+              <a:cxn ang="0">
+                <a:pos x="connsiteX51" y="connsiteY51"/>
+              </a:cxn>
+              <a:cxn ang="0">
+                <a:pos x="connsiteX52" y="connsiteY52"/>
+              </a:cxn>
+              <a:cxn ang="0">
+                <a:pos x="connsiteX53" y="connsiteY53"/>
+              </a:cxn>
+              <a:cxn ang="0">
+                <a:pos x="connsiteX54" y="connsiteY54"/>
+              </a:cxn>
+              <a:cxn ang="0">
+                <a:pos x="connsiteX55" y="connsiteY55"/>
+              </a:cxn>
+              <a:cxn ang="0">
+                <a:pos x="connsiteX56" y="connsiteY56"/>
+              </a:cxn>
+              <a:cxn ang="0">
+                <a:pos x="connsiteX57" y="connsiteY57"/>
+              </a:cxn>
+              <a:cxn ang="0">
+                <a:pos x="connsiteX58" y="connsiteY58"/>
+              </a:cxn>
+              <a:cxn ang="0">
+                <a:pos x="connsiteX59" y="connsiteY59"/>
+              </a:cxn>
+              <a:cxn ang="0">
+                <a:pos x="connsiteX60" y="connsiteY60"/>
+              </a:cxn>
+              <a:cxn ang="0">
+                <a:pos x="connsiteX61" y="connsiteY61"/>
+              </a:cxn>
+              <a:cxn ang="0">
+                <a:pos x="connsiteX62" y="connsiteY62"/>
+              </a:cxn>
+              <a:cxn ang="0">
+                <a:pos x="connsiteX63" y="connsiteY63"/>
+              </a:cxn>
+              <a:cxn ang="0">
+                <a:pos x="connsiteX64" y="connsiteY64"/>
+              </a:cxn>
+              <a:cxn ang="0">
+                <a:pos x="connsiteX65" y="connsiteY65"/>
+              </a:cxn>
+              <a:cxn ang="0">
+                <a:pos x="connsiteX66" y="connsiteY66"/>
+              </a:cxn>
+              <a:cxn ang="0">
+                <a:pos x="connsiteX67" y="connsiteY67"/>
+              </a:cxn>
+              <a:cxn ang="0">
+                <a:pos x="connsiteX68" y="connsiteY68"/>
+              </a:cxn>
+              <a:cxn ang="0">
+                <a:pos x="connsiteX69" y="connsiteY69"/>
+              </a:cxn>
+              <a:cxn ang="0">
+                <a:pos x="connsiteX70" y="connsiteY70"/>
+              </a:cxn>
+              <a:cxn ang="0">
+                <a:pos x="connsiteX71" y="connsiteY71"/>
+              </a:cxn>
+              <a:cxn ang="0">
+                <a:pos x="connsiteX72" y="connsiteY72"/>
+              </a:cxn>
+              <a:cxn ang="0">
+                <a:pos x="connsiteX73" y="connsiteY73"/>
+              </a:cxn>
+              <a:cxn ang="0">
+                <a:pos x="connsiteX74" y="connsiteY74"/>
+              </a:cxn>
+              <a:cxn ang="0">
+                <a:pos x="connsiteX75" y="connsiteY75"/>
+              </a:cxn>
+              <a:cxn ang="0">
+                <a:pos x="connsiteX76" y="connsiteY76"/>
+              </a:cxn>
+              <a:cxn ang="0">
+                <a:pos x="connsiteX77" y="connsiteY77"/>
+              </a:cxn>
+              <a:cxn ang="0">
+                <a:pos x="connsiteX78" y="connsiteY78"/>
+              </a:cxn>
+              <a:cxn ang="0">
+                <a:pos x="connsiteX79" y="connsiteY79"/>
+              </a:cxn>
+              <a:cxn ang="0">
+                <a:pos x="connsiteX80" y="connsiteY80"/>
+              </a:cxn>
+              <a:cxn ang="0">
+                <a:pos x="connsiteX81" y="connsiteY81"/>
+              </a:cxn>
+              <a:cxn ang="0">
+                <a:pos x="connsiteX82" y="connsiteY82"/>
+              </a:cxn>
+              <a:cxn ang="0">
+                <a:pos x="connsiteX83" y="connsiteY83"/>
+              </a:cxn>
+              <a:cxn ang="0">
+                <a:pos x="connsiteX84" y="connsiteY84"/>
+              </a:cxn>
+              <a:cxn ang="0">
+                <a:pos x="connsiteX85" y="connsiteY85"/>
+              </a:cxn>
+              <a:cxn ang="0">
+                <a:pos x="connsiteX86" y="connsiteY86"/>
+              </a:cxn>
+              <a:cxn ang="0">
+                <a:pos x="connsiteX87" y="connsiteY87"/>
+              </a:cxn>
+              <a:cxn ang="0">
+                <a:pos x="connsiteX88" y="connsiteY88"/>
+              </a:cxn>
+              <a:cxn ang="0">
+                <a:pos x="connsiteX89" y="connsiteY89"/>
+              </a:cxn>
+              <a:cxn ang="0">
+                <a:pos x="connsiteX90" y="connsiteY90"/>
+              </a:cxn>
+              <a:cxn ang="0">
+                <a:pos x="connsiteX91" y="connsiteY91"/>
+              </a:cxn>
+              <a:cxn ang="0">
+                <a:pos x="connsiteX92" y="connsiteY92"/>
+              </a:cxn>
+              <a:cxn ang="0">
+                <a:pos x="connsiteX93" y="connsiteY93"/>
+              </a:cxn>
+              <a:cxn ang="0">
+                <a:pos x="connsiteX94" y="connsiteY94"/>
+              </a:cxn>
+              <a:cxn ang="0">
+                <a:pos x="connsiteX95" y="connsiteY95"/>
+              </a:cxn>
+              <a:cxn ang="0">
+                <a:pos x="connsiteX96" y="connsiteY96"/>
+              </a:cxn>
+              <a:cxn ang="0">
+                <a:pos x="connsiteX97" y="connsiteY97"/>
+              </a:cxn>
+              <a:cxn ang="0">
+                <a:pos x="connsiteX98" y="connsiteY98"/>
+              </a:cxn>
+              <a:cxn ang="0">
+                <a:pos x="connsiteX99" y="connsiteY99"/>
+              </a:cxn>
+              <a:cxn ang="0">
+                <a:pos x="connsiteX100" y="connsiteY100"/>
+              </a:cxn>
+              <a:cxn ang="0">
+                <a:pos x="connsiteX101" y="connsiteY101"/>
+              </a:cxn>
+              <a:cxn ang="0">
+                <a:pos x="connsiteX102" y="connsiteY102"/>
+              </a:cxn>
+              <a:cxn ang="0">
+                <a:pos x="connsiteX103" y="connsiteY103"/>
+              </a:cxn>
+              <a:cxn ang="0">
+                <a:pos x="connsiteX104" y="connsiteY104"/>
+              </a:cxn>
+              <a:cxn ang="0">
+                <a:pos x="connsiteX105" y="connsiteY105"/>
+              </a:cxn>
+              <a:cxn ang="0">
+                <a:pos x="connsiteX106" y="connsiteY106"/>
+              </a:cxn>
+              <a:cxn ang="0">
+                <a:pos x="connsiteX107" y="connsiteY107"/>
+              </a:cxn>
+              <a:cxn ang="0">
+                <a:pos x="connsiteX108" y="connsiteY108"/>
+              </a:cxn>
+              <a:cxn ang="0">
+                <a:pos x="connsiteX109" y="connsiteY109"/>
+              </a:cxn>
+              <a:cxn ang="0">
+                <a:pos x="connsiteX110" y="connsiteY110"/>
+              </a:cxn>
+              <a:cxn ang="0">
+                <a:pos x="connsiteX111" y="connsiteY111"/>
+              </a:cxn>
+              <a:cxn ang="0">
+                <a:pos x="connsiteX112" y="connsiteY112"/>
+              </a:cxn>
+              <a:cxn ang="0">
+                <a:pos x="connsiteX113" y="connsiteY113"/>
+              </a:cxn>
+              <a:cxn ang="0">
+                <a:pos x="connsiteX114" y="connsiteY114"/>
+              </a:cxn>
+              <a:cxn ang="0">
+                <a:pos x="connsiteX115" y="connsiteY115"/>
+              </a:cxn>
+              <a:cxn ang="0">
+                <a:pos x="connsiteX116" y="connsiteY116"/>
+              </a:cxn>
+              <a:cxn ang="0">
+                <a:pos x="connsiteX117" y="connsiteY117"/>
+              </a:cxn>
+              <a:cxn ang="0">
+                <a:pos x="connsiteX118" y="connsiteY118"/>
+              </a:cxn>
+              <a:cxn ang="0">
+                <a:pos x="connsiteX119" y="connsiteY119"/>
+              </a:cxn>
+              <a:cxn ang="0">
+                <a:pos x="connsiteX120" y="connsiteY120"/>
+              </a:cxn>
+              <a:cxn ang="0">
+                <a:pos x="connsiteX121" y="connsiteY121"/>
+              </a:cxn>
+              <a:cxn ang="0">
+                <a:pos x="connsiteX122" y="connsiteY122"/>
+              </a:cxn>
+              <a:cxn ang="0">
+                <a:pos x="connsiteX123" y="connsiteY123"/>
+              </a:cxn>
+              <a:cxn ang="0">
+                <a:pos x="connsiteX124" y="connsiteY124"/>
+              </a:cxn>
+              <a:cxn ang="0">
+                <a:pos x="connsiteX125" y="connsiteY125"/>
+              </a:cxn>
+              <a:cxn ang="0">
+                <a:pos x="connsiteX126" y="connsiteY126"/>
+              </a:cxn>
+              <a:cxn ang="0">
+                <a:pos x="connsiteX127" y="connsiteY127"/>
+              </a:cxn>
+              <a:cxn ang="0">
+                <a:pos x="connsiteX128" y="connsiteY128"/>
+              </a:cxn>
+              <a:cxn ang="0">
+                <a:pos x="connsiteX129" y="connsiteY129"/>
+              </a:cxn>
+              <a:cxn ang="0">
+                <a:pos x="connsiteX130" y="connsiteY130"/>
+              </a:cxn>
+              <a:cxn ang="0">
+                <a:pos x="connsiteX131" y="connsiteY131"/>
+              </a:cxn>
+              <a:cxn ang="0">
+                <a:pos x="connsiteX132" y="connsiteY132"/>
+              </a:cxn>
+              <a:cxn ang="0">
+                <a:pos x="connsiteX133" y="connsiteY133"/>
+              </a:cxn>
+              <a:cxn ang="0">
+                <a:pos x="connsiteX134" y="connsiteY134"/>
+              </a:cxn>
+              <a:cxn ang="0">
+                <a:pos x="connsiteX135" y="connsiteY135"/>
+              </a:cxn>
+              <a:cxn ang="0">
+                <a:pos x="connsiteX136" y="connsiteY136"/>
+              </a:cxn>
+              <a:cxn ang="0">
+                <a:pos x="connsiteX137" y="connsiteY137"/>
+              </a:cxn>
+            </a:cxnLst>
+            <a:rect l="l" t="t" r="r" b="b"/>
+            <a:pathLst>
+              <a:path w="5064239" h="2327564">
+                <a:moveTo>
+                  <a:pt x="4407533" y="0"/>
+                </a:moveTo>
+                <a:cubicBezTo>
+                  <a:pt x="4385366" y="2771"/>
+                  <a:pt x="4363111" y="4916"/>
+                  <a:pt x="4341031" y="8313"/>
+                </a:cubicBezTo>
+                <a:cubicBezTo>
+                  <a:pt x="4327067" y="10461"/>
+                  <a:pt x="4313500" y="14975"/>
+                  <a:pt x="4299468" y="16626"/>
+                </a:cubicBezTo>
+                <a:cubicBezTo>
+                  <a:pt x="4266330" y="20524"/>
+                  <a:pt x="4233080" y="24709"/>
+                  <a:pt x="4199715" y="24938"/>
+                </a:cubicBezTo>
+                <a:lnTo>
+                  <a:pt x="1872151" y="33251"/>
+                </a:lnTo>
+                <a:cubicBezTo>
+                  <a:pt x="1808767" y="41174"/>
+                  <a:pt x="1744322" y="48441"/>
+                  <a:pt x="1680959" y="58189"/>
+                </a:cubicBezTo>
+                <a:cubicBezTo>
+                  <a:pt x="1634877" y="65278"/>
+                  <a:pt x="1632746" y="66169"/>
+                  <a:pt x="1589519" y="74815"/>
+                </a:cubicBezTo>
+                <a:cubicBezTo>
+                  <a:pt x="1163917" y="53534"/>
+                  <a:pt x="1361864" y="60114"/>
+                  <a:pt x="575366" y="74815"/>
+                </a:cubicBezTo>
+                <a:cubicBezTo>
+                  <a:pt x="561239" y="75079"/>
+                  <a:pt x="547595" y="80063"/>
+                  <a:pt x="533802" y="83128"/>
+                </a:cubicBezTo>
+                <a:cubicBezTo>
+                  <a:pt x="522649" y="85606"/>
+                  <a:pt x="511704" y="88962"/>
+                  <a:pt x="500551" y="91440"/>
+                </a:cubicBezTo>
+                <a:cubicBezTo>
+                  <a:pt x="486759" y="94505"/>
+                  <a:pt x="472695" y="96326"/>
+                  <a:pt x="458988" y="99753"/>
+                </a:cubicBezTo>
+                <a:cubicBezTo>
+                  <a:pt x="450487" y="101878"/>
+                  <a:pt x="442551" y="105941"/>
+                  <a:pt x="434050" y="108066"/>
+                </a:cubicBezTo>
+                <a:cubicBezTo>
+                  <a:pt x="420343" y="111493"/>
+                  <a:pt x="406193" y="112951"/>
+                  <a:pt x="392486" y="116378"/>
+                </a:cubicBezTo>
+                <a:cubicBezTo>
+                  <a:pt x="383985" y="118503"/>
+                  <a:pt x="375973" y="122284"/>
+                  <a:pt x="367548" y="124691"/>
+                </a:cubicBezTo>
+                <a:cubicBezTo>
+                  <a:pt x="294483" y="145567"/>
+                  <a:pt x="369152" y="121385"/>
+                  <a:pt x="309359" y="141317"/>
+                </a:cubicBezTo>
+                <a:cubicBezTo>
+                  <a:pt x="303817" y="146859"/>
+                  <a:pt x="297629" y="151822"/>
+                  <a:pt x="292733" y="157942"/>
+                </a:cubicBezTo>
+                <a:cubicBezTo>
+                  <a:pt x="286492" y="165743"/>
+                  <a:pt x="283172" y="175816"/>
+                  <a:pt x="276108" y="182880"/>
+                </a:cubicBezTo>
+                <a:cubicBezTo>
+                  <a:pt x="269044" y="189945"/>
+                  <a:pt x="258845" y="193110"/>
+                  <a:pt x="251170" y="199506"/>
+                </a:cubicBezTo>
+                <a:cubicBezTo>
+                  <a:pt x="242139" y="207032"/>
+                  <a:pt x="236013" y="217923"/>
+                  <a:pt x="226231" y="224444"/>
+                </a:cubicBezTo>
+                <a:cubicBezTo>
+                  <a:pt x="218940" y="229304"/>
+                  <a:pt x="209130" y="228838"/>
+                  <a:pt x="201293" y="232757"/>
+                </a:cubicBezTo>
+                <a:cubicBezTo>
+                  <a:pt x="192357" y="237225"/>
+                  <a:pt x="184668" y="243840"/>
+                  <a:pt x="176355" y="249382"/>
+                </a:cubicBezTo>
+                <a:cubicBezTo>
+                  <a:pt x="170813" y="257695"/>
+                  <a:pt x="165971" y="266519"/>
+                  <a:pt x="159730" y="274320"/>
+                </a:cubicBezTo>
+                <a:cubicBezTo>
+                  <a:pt x="154834" y="280440"/>
+                  <a:pt x="146609" y="283936"/>
+                  <a:pt x="143104" y="290946"/>
+                </a:cubicBezTo>
+                <a:cubicBezTo>
+                  <a:pt x="135267" y="306620"/>
+                  <a:pt x="132021" y="324197"/>
+                  <a:pt x="126479" y="340822"/>
+                </a:cubicBezTo>
+                <a:lnTo>
+                  <a:pt x="118166" y="365760"/>
+                </a:lnTo>
+                <a:cubicBezTo>
+                  <a:pt x="115395" y="374073"/>
+                  <a:pt x="114713" y="383407"/>
+                  <a:pt x="109853" y="390698"/>
+                </a:cubicBezTo>
+                <a:cubicBezTo>
+                  <a:pt x="104311" y="399011"/>
+                  <a:pt x="97696" y="406701"/>
+                  <a:pt x="93228" y="415637"/>
+                </a:cubicBezTo>
+                <a:cubicBezTo>
+                  <a:pt x="78403" y="445288"/>
+                  <a:pt x="46514" y="547464"/>
+                  <a:pt x="43351" y="556953"/>
+                </a:cubicBezTo>
+                <a:cubicBezTo>
+                  <a:pt x="37809" y="573578"/>
+                  <a:pt x="34563" y="591154"/>
+                  <a:pt x="26726" y="606829"/>
+                </a:cubicBezTo>
+                <a:cubicBezTo>
+                  <a:pt x="6182" y="647917"/>
+                  <a:pt x="14020" y="628324"/>
+                  <a:pt x="1788" y="665018"/>
+                </a:cubicBezTo>
+                <a:cubicBezTo>
+                  <a:pt x="4559" y="692727"/>
+                  <a:pt x="-8237" y="727189"/>
+                  <a:pt x="10101" y="748146"/>
+                </a:cubicBezTo>
+                <a:cubicBezTo>
+                  <a:pt x="21641" y="761335"/>
+                  <a:pt x="59977" y="731520"/>
+                  <a:pt x="59977" y="731520"/>
+                </a:cubicBezTo>
+                <a:cubicBezTo>
+                  <a:pt x="76602" y="737062"/>
+                  <a:pt x="93067" y="743110"/>
+                  <a:pt x="109853" y="748146"/>
+                </a:cubicBezTo>
+                <a:cubicBezTo>
+                  <a:pt x="120796" y="751429"/>
+                  <a:pt x="132603" y="751958"/>
+                  <a:pt x="143104" y="756458"/>
+                </a:cubicBezTo>
+                <a:cubicBezTo>
+                  <a:pt x="152287" y="760394"/>
+                  <a:pt x="159570" y="767789"/>
+                  <a:pt x="168042" y="773084"/>
+                </a:cubicBezTo>
+                <a:cubicBezTo>
+                  <a:pt x="206244" y="796960"/>
+                  <a:pt x="248083" y="822343"/>
+                  <a:pt x="292733" y="831273"/>
+                </a:cubicBezTo>
+                <a:cubicBezTo>
+                  <a:pt x="306588" y="834044"/>
+                  <a:pt x="320764" y="835526"/>
+                  <a:pt x="334297" y="839586"/>
+                </a:cubicBezTo>
+                <a:cubicBezTo>
+                  <a:pt x="348590" y="843874"/>
+                  <a:pt x="361808" y="851192"/>
+                  <a:pt x="375861" y="856211"/>
+                </a:cubicBezTo>
+                <a:cubicBezTo>
+                  <a:pt x="400617" y="865052"/>
+                  <a:pt x="425550" y="873418"/>
+                  <a:pt x="450675" y="881149"/>
+                </a:cubicBezTo>
+                <a:cubicBezTo>
+                  <a:pt x="461595" y="884509"/>
+                  <a:pt x="472755" y="887068"/>
+                  <a:pt x="483926" y="889462"/>
+                </a:cubicBezTo>
+                <a:cubicBezTo>
+                  <a:pt x="511556" y="895383"/>
+                  <a:pt x="540245" y="897152"/>
+                  <a:pt x="567053" y="906088"/>
+                </a:cubicBezTo>
+                <a:cubicBezTo>
+                  <a:pt x="583679" y="911630"/>
+                  <a:pt x="599928" y="918463"/>
+                  <a:pt x="616930" y="922713"/>
+                </a:cubicBezTo>
+                <a:cubicBezTo>
+                  <a:pt x="639097" y="928255"/>
+                  <a:pt x="661754" y="932112"/>
+                  <a:pt x="683431" y="939338"/>
+                </a:cubicBezTo>
+                <a:cubicBezTo>
+                  <a:pt x="691744" y="942109"/>
+                  <a:pt x="700316" y="944199"/>
+                  <a:pt x="708370" y="947651"/>
+                </a:cubicBezTo>
+                <a:cubicBezTo>
+                  <a:pt x="741686" y="961929"/>
+                  <a:pt x="735361" y="964789"/>
+                  <a:pt x="766559" y="972589"/>
+                </a:cubicBezTo>
+                <a:cubicBezTo>
+                  <a:pt x="791343" y="978785"/>
+                  <a:pt x="816481" y="983470"/>
+                  <a:pt x="841373" y="989215"/>
+                </a:cubicBezTo>
+                <a:cubicBezTo>
+                  <a:pt x="852505" y="991784"/>
+                  <a:pt x="863453" y="995134"/>
+                  <a:pt x="874624" y="997528"/>
+                </a:cubicBezTo>
+                <a:cubicBezTo>
+                  <a:pt x="902254" y="1003449"/>
+                  <a:pt x="930121" y="1008232"/>
+                  <a:pt x="957751" y="1014153"/>
+                </a:cubicBezTo>
+                <a:cubicBezTo>
+                  <a:pt x="968922" y="1016547"/>
+                  <a:pt x="979761" y="1020422"/>
+                  <a:pt x="991002" y="1022466"/>
+                </a:cubicBezTo>
+                <a:cubicBezTo>
+                  <a:pt x="1025525" y="1028743"/>
+                  <a:pt x="1081949" y="1034270"/>
+                  <a:pt x="1115693" y="1039091"/>
+                </a:cubicBezTo>
+                <a:cubicBezTo>
+                  <a:pt x="1132379" y="1041475"/>
+                  <a:pt x="1148944" y="1044633"/>
+                  <a:pt x="1165570" y="1047404"/>
+                </a:cubicBezTo>
+                <a:cubicBezTo>
+                  <a:pt x="1179424" y="1052946"/>
+                  <a:pt x="1192657" y="1060410"/>
+                  <a:pt x="1207133" y="1064029"/>
+                </a:cubicBezTo>
+                <a:cubicBezTo>
+                  <a:pt x="1226141" y="1068781"/>
+                  <a:pt x="1246045" y="1068837"/>
+                  <a:pt x="1265322" y="1072342"/>
+                </a:cubicBezTo>
+                <a:cubicBezTo>
+                  <a:pt x="1276563" y="1074386"/>
+                  <a:pt x="1287420" y="1078177"/>
+                  <a:pt x="1298573" y="1080655"/>
+                </a:cubicBezTo>
+                <a:cubicBezTo>
+                  <a:pt x="1329066" y="1087431"/>
+                  <a:pt x="1344441" y="1088596"/>
+                  <a:pt x="1373388" y="1097280"/>
+                </a:cubicBezTo>
+                <a:cubicBezTo>
+                  <a:pt x="1390174" y="1102316"/>
+                  <a:pt x="1408682" y="1104185"/>
+                  <a:pt x="1423264" y="1113906"/>
+                </a:cubicBezTo>
+                <a:cubicBezTo>
+                  <a:pt x="1431577" y="1119448"/>
+                  <a:pt x="1438848" y="1127023"/>
+                  <a:pt x="1448202" y="1130531"/>
+                </a:cubicBezTo>
+                <a:cubicBezTo>
+                  <a:pt x="1461431" y="1135492"/>
+                  <a:pt x="1475911" y="1136073"/>
+                  <a:pt x="1489766" y="1138844"/>
+                </a:cubicBezTo>
+                <a:cubicBezTo>
+                  <a:pt x="1511933" y="1149928"/>
+                  <a:pt x="1532224" y="1166084"/>
+                  <a:pt x="1556268" y="1172095"/>
+                </a:cubicBezTo>
+                <a:cubicBezTo>
+                  <a:pt x="1615024" y="1186784"/>
+                  <a:pt x="1578674" y="1176793"/>
+                  <a:pt x="1664333" y="1205346"/>
+                </a:cubicBezTo>
+                <a:cubicBezTo>
+                  <a:pt x="1672646" y="1208117"/>
+                  <a:pt x="1681434" y="1209739"/>
+                  <a:pt x="1689271" y="1213658"/>
+                </a:cubicBezTo>
+                <a:cubicBezTo>
+                  <a:pt x="1789738" y="1263893"/>
+                  <a:pt x="1665224" y="1199916"/>
+                  <a:pt x="1747461" y="1246909"/>
+                </a:cubicBezTo>
+                <a:cubicBezTo>
+                  <a:pt x="1830575" y="1294403"/>
+                  <a:pt x="1714335" y="1216513"/>
+                  <a:pt x="1847213" y="1305098"/>
+                </a:cubicBezTo>
+                <a:cubicBezTo>
+                  <a:pt x="1867046" y="1318320"/>
+                  <a:pt x="1885569" y="1333440"/>
+                  <a:pt x="1905402" y="1346662"/>
+                </a:cubicBezTo>
+                <a:cubicBezTo>
+                  <a:pt x="1976986" y="1394384"/>
+                  <a:pt x="1919685" y="1346688"/>
+                  <a:pt x="2005155" y="1413164"/>
+                </a:cubicBezTo>
+                <a:cubicBezTo>
+                  <a:pt x="2036241" y="1437342"/>
+                  <a:pt x="2065843" y="1463376"/>
+                  <a:pt x="2096595" y="1487978"/>
+                </a:cubicBezTo>
+                <a:cubicBezTo>
+                  <a:pt x="2121265" y="1507714"/>
+                  <a:pt x="2149070" y="1523828"/>
+                  <a:pt x="2171410" y="1546168"/>
+                </a:cubicBezTo>
+                <a:lnTo>
+                  <a:pt x="2221286" y="1596044"/>
+                </a:lnTo>
+                <a:cubicBezTo>
+                  <a:pt x="2229599" y="1604357"/>
+                  <a:pt x="2239171" y="1611577"/>
+                  <a:pt x="2246224" y="1620982"/>
+                </a:cubicBezTo>
+                <a:cubicBezTo>
+                  <a:pt x="2254537" y="1632066"/>
+                  <a:pt x="2261842" y="1643981"/>
+                  <a:pt x="2271162" y="1654233"/>
+                </a:cubicBezTo>
+                <a:cubicBezTo>
+                  <a:pt x="2289614" y="1674530"/>
+                  <a:pt x="2314135" y="1689598"/>
+                  <a:pt x="2329351" y="1712422"/>
+                </a:cubicBezTo>
+                <a:cubicBezTo>
+                  <a:pt x="2340435" y="1729047"/>
+                  <a:pt x="2351874" y="1745441"/>
+                  <a:pt x="2362602" y="1762298"/>
+                </a:cubicBezTo>
+                <a:cubicBezTo>
+                  <a:pt x="2371277" y="1775929"/>
+                  <a:pt x="2377847" y="1790936"/>
+                  <a:pt x="2387541" y="1803862"/>
+                </a:cubicBezTo>
+                <a:cubicBezTo>
+                  <a:pt x="2394595" y="1813267"/>
+                  <a:pt x="2404166" y="1820487"/>
+                  <a:pt x="2412479" y="1828800"/>
+                </a:cubicBezTo>
+                <a:cubicBezTo>
+                  <a:pt x="2432413" y="1888607"/>
+                  <a:pt x="2408223" y="1813905"/>
+                  <a:pt x="2429104" y="1886989"/>
+                </a:cubicBezTo>
+                <a:cubicBezTo>
+                  <a:pt x="2431511" y="1895415"/>
+                  <a:pt x="2434646" y="1903615"/>
+                  <a:pt x="2437417" y="1911928"/>
+                </a:cubicBezTo>
+                <a:cubicBezTo>
+                  <a:pt x="2439453" y="1928213"/>
+                  <a:pt x="2446428" y="1997150"/>
+                  <a:pt x="2454042" y="2019993"/>
+                </a:cubicBezTo>
+                <a:cubicBezTo>
+                  <a:pt x="2457961" y="2031749"/>
+                  <a:pt x="2465786" y="2041854"/>
+                  <a:pt x="2470668" y="2053244"/>
+                </a:cubicBezTo>
+                <a:cubicBezTo>
+                  <a:pt x="2479840" y="2074644"/>
+                  <a:pt x="2479390" y="2091974"/>
+                  <a:pt x="2495606" y="2111433"/>
+                </a:cubicBezTo>
+                <a:cubicBezTo>
+                  <a:pt x="2514629" y="2134261"/>
+                  <a:pt x="2554226" y="2135794"/>
+                  <a:pt x="2578733" y="2136371"/>
+                </a:cubicBezTo>
+                <a:cubicBezTo>
+                  <a:pt x="2794822" y="2141456"/>
+                  <a:pt x="3010995" y="2141913"/>
+                  <a:pt x="3227126" y="2144684"/>
+                </a:cubicBezTo>
+                <a:cubicBezTo>
+                  <a:pt x="3285136" y="2147321"/>
+                  <a:pt x="3444458" y="2152649"/>
+                  <a:pt x="3518071" y="2161309"/>
+                </a:cubicBezTo>
+                <a:cubicBezTo>
+                  <a:pt x="3529418" y="2162644"/>
+                  <a:pt x="3540053" y="2167744"/>
+                  <a:pt x="3551322" y="2169622"/>
+                </a:cubicBezTo>
+                <a:cubicBezTo>
+                  <a:pt x="3573358" y="2173295"/>
+                  <a:pt x="3595744" y="2174538"/>
+                  <a:pt x="3617824" y="2177935"/>
+                </a:cubicBezTo>
+                <a:cubicBezTo>
+                  <a:pt x="3631789" y="2180083"/>
+                  <a:pt x="3645487" y="2183721"/>
+                  <a:pt x="3659388" y="2186248"/>
+                </a:cubicBezTo>
+                <a:cubicBezTo>
+                  <a:pt x="3675971" y="2189263"/>
+                  <a:pt x="3692737" y="2191255"/>
+                  <a:pt x="3709264" y="2194560"/>
+                </a:cubicBezTo>
+                <a:cubicBezTo>
+                  <a:pt x="3720467" y="2196801"/>
+                  <a:pt x="3731530" y="2199734"/>
+                  <a:pt x="3742515" y="2202873"/>
+                </a:cubicBezTo>
+                <a:cubicBezTo>
+                  <a:pt x="3750940" y="2205280"/>
+                  <a:pt x="3758730" y="2210355"/>
+                  <a:pt x="3767453" y="2211186"/>
+                </a:cubicBezTo>
+                <a:cubicBezTo>
+                  <a:pt x="3817181" y="2215922"/>
+                  <a:pt x="3867206" y="2216727"/>
+                  <a:pt x="3917082" y="2219498"/>
+                </a:cubicBezTo>
+                <a:cubicBezTo>
+                  <a:pt x="3928166" y="2222269"/>
+                  <a:pt x="3939162" y="2225417"/>
+                  <a:pt x="3950333" y="2227811"/>
+                </a:cubicBezTo>
+                <a:cubicBezTo>
+                  <a:pt x="4013920" y="2241437"/>
+                  <a:pt x="4060386" y="2249332"/>
+                  <a:pt x="4124901" y="2261062"/>
+                </a:cubicBezTo>
+                <a:lnTo>
+                  <a:pt x="4216341" y="2277688"/>
+                </a:lnTo>
+                <a:cubicBezTo>
+                  <a:pt x="4249552" y="2283464"/>
+                  <a:pt x="4283038" y="2287702"/>
+                  <a:pt x="4316093" y="2294313"/>
+                </a:cubicBezTo>
+                <a:cubicBezTo>
+                  <a:pt x="4329948" y="2297084"/>
+                  <a:pt x="4343652" y="2300759"/>
+                  <a:pt x="4357657" y="2302626"/>
+                </a:cubicBezTo>
+                <a:cubicBezTo>
+                  <a:pt x="4385260" y="2306306"/>
+                  <a:pt x="4413107" y="2307863"/>
+                  <a:pt x="4440784" y="2310938"/>
+                </a:cubicBezTo>
+                <a:cubicBezTo>
+                  <a:pt x="4462987" y="2313405"/>
+                  <a:pt x="4485099" y="2316641"/>
+                  <a:pt x="4507286" y="2319251"/>
+                </a:cubicBezTo>
+                <a:lnTo>
+                  <a:pt x="4582101" y="2327564"/>
+                </a:lnTo>
+                <a:cubicBezTo>
+                  <a:pt x="4629206" y="2324793"/>
+                  <a:pt x="4677307" y="2329275"/>
+                  <a:pt x="4723417" y="2319251"/>
+                </a:cubicBezTo>
+                <a:cubicBezTo>
+                  <a:pt x="4742942" y="2315006"/>
+                  <a:pt x="4753908" y="2290846"/>
+                  <a:pt x="4773293" y="2286000"/>
+                </a:cubicBezTo>
+                <a:lnTo>
+                  <a:pt x="4806544" y="2277688"/>
+                </a:lnTo>
+                <a:cubicBezTo>
+                  <a:pt x="4845452" y="2238780"/>
+                  <a:pt x="4797750" y="2281525"/>
+                  <a:pt x="4848108" y="2252749"/>
+                </a:cubicBezTo>
+                <a:cubicBezTo>
+                  <a:pt x="4860137" y="2245875"/>
+                  <a:pt x="4870840" y="2236827"/>
+                  <a:pt x="4881359" y="2227811"/>
+                </a:cubicBezTo>
+                <a:cubicBezTo>
+                  <a:pt x="4918682" y="2195820"/>
+                  <a:pt x="4896193" y="2209044"/>
+                  <a:pt x="4931235" y="2169622"/>
+                </a:cubicBezTo>
+                <a:cubicBezTo>
+                  <a:pt x="4944252" y="2154978"/>
+                  <a:pt x="4964037" y="2145583"/>
+                  <a:pt x="4972799" y="2128058"/>
+                </a:cubicBezTo>
+                <a:cubicBezTo>
+                  <a:pt x="4978341" y="2116975"/>
+                  <a:pt x="4982222" y="2104891"/>
+                  <a:pt x="4989424" y="2094808"/>
+                </a:cubicBezTo>
+                <a:cubicBezTo>
+                  <a:pt x="4996257" y="2085242"/>
+                  <a:pt x="5006711" y="2078795"/>
+                  <a:pt x="5014362" y="2069869"/>
+                </a:cubicBezTo>
+                <a:cubicBezTo>
+                  <a:pt x="5023379" y="2059350"/>
+                  <a:pt x="5030988" y="2047702"/>
+                  <a:pt x="5039301" y="2036618"/>
+                </a:cubicBezTo>
+                <a:cubicBezTo>
+                  <a:pt x="5042072" y="2022764"/>
+                  <a:pt x="5044548" y="2008847"/>
+                  <a:pt x="5047613" y="1995055"/>
+                </a:cubicBezTo>
+                <a:cubicBezTo>
+                  <a:pt x="5050091" y="1983902"/>
+                  <a:pt x="5054509" y="1973141"/>
+                  <a:pt x="5055926" y="1961804"/>
+                </a:cubicBezTo>
+                <a:cubicBezTo>
+                  <a:pt x="5060065" y="1928695"/>
+                  <a:pt x="5061468" y="1895302"/>
+                  <a:pt x="5064239" y="1862051"/>
+                </a:cubicBezTo>
+                <a:cubicBezTo>
+                  <a:pt x="5061468" y="1731818"/>
+                  <a:pt x="5060747" y="1601526"/>
+                  <a:pt x="5055926" y="1471353"/>
+                </a:cubicBezTo>
+                <a:cubicBezTo>
+                  <a:pt x="5055201" y="1451773"/>
+                  <a:pt x="5049664" y="1432650"/>
+                  <a:pt x="5047613" y="1413164"/>
+                </a:cubicBezTo>
+                <a:cubicBezTo>
+                  <a:pt x="5046018" y="1398008"/>
+                  <a:pt x="5036368" y="1264152"/>
+                  <a:pt x="5030988" y="1238597"/>
+                </a:cubicBezTo>
+                <a:cubicBezTo>
+                  <a:pt x="5025028" y="1210288"/>
+                  <a:pt x="5013066" y="1183535"/>
+                  <a:pt x="5006050" y="1155469"/>
+                </a:cubicBezTo>
+                <a:cubicBezTo>
+                  <a:pt x="5001962" y="1139118"/>
+                  <a:pt x="5001043" y="1122120"/>
+                  <a:pt x="4997737" y="1105593"/>
+                </a:cubicBezTo>
+                <a:cubicBezTo>
+                  <a:pt x="4995496" y="1094390"/>
+                  <a:pt x="4991665" y="1083545"/>
+                  <a:pt x="4989424" y="1072342"/>
+                </a:cubicBezTo>
+                <a:cubicBezTo>
+                  <a:pt x="4986118" y="1055815"/>
+                  <a:pt x="4984217" y="1039032"/>
+                  <a:pt x="4981111" y="1022466"/>
+                </a:cubicBezTo>
+                <a:cubicBezTo>
+                  <a:pt x="4975903" y="994692"/>
+                  <a:pt x="4974981" y="965575"/>
+                  <a:pt x="4964486" y="939338"/>
+                </a:cubicBezTo>
+                <a:lnTo>
+                  <a:pt x="4947861" y="897775"/>
+                </a:lnTo>
+                <a:cubicBezTo>
+                  <a:pt x="4950632" y="858982"/>
+                  <a:pt x="4952943" y="820154"/>
+                  <a:pt x="4956173" y="781397"/>
+                </a:cubicBezTo>
+                <a:cubicBezTo>
+                  <a:pt x="4958486" y="753646"/>
+                  <a:pt x="4964486" y="726117"/>
+                  <a:pt x="4964486" y="698269"/>
+                </a:cubicBezTo>
+                <a:cubicBezTo>
+                  <a:pt x="4964486" y="628941"/>
+                  <a:pt x="4963071" y="559435"/>
+                  <a:pt x="4956173" y="490451"/>
+                </a:cubicBezTo>
+                <a:cubicBezTo>
+                  <a:pt x="4954846" y="477182"/>
+                  <a:pt x="4929695" y="429182"/>
+                  <a:pt x="4922922" y="415637"/>
+                </a:cubicBezTo>
+                <a:cubicBezTo>
+                  <a:pt x="4920151" y="404553"/>
+                  <a:pt x="4917970" y="393306"/>
+                  <a:pt x="4914610" y="382386"/>
+                </a:cubicBezTo>
+                <a:cubicBezTo>
+                  <a:pt x="4906879" y="357261"/>
+                  <a:pt x="4894826" y="333348"/>
+                  <a:pt x="4889671" y="307571"/>
+                </a:cubicBezTo>
+                <a:cubicBezTo>
+                  <a:pt x="4883304" y="275736"/>
+                  <a:pt x="4874846" y="226591"/>
+                  <a:pt x="4864733" y="191193"/>
+                </a:cubicBezTo>
+                <a:cubicBezTo>
+                  <a:pt x="4862326" y="182768"/>
+                  <a:pt x="4858726" y="174709"/>
+                  <a:pt x="4856421" y="166255"/>
+                </a:cubicBezTo>
+                <a:cubicBezTo>
+                  <a:pt x="4850409" y="144211"/>
+                  <a:pt x="4852470" y="118765"/>
+                  <a:pt x="4839795" y="99753"/>
+                </a:cubicBezTo>
+                <a:cubicBezTo>
+                  <a:pt x="4827450" y="81236"/>
+                  <a:pt x="4823466" y="71726"/>
+                  <a:pt x="4806544" y="58189"/>
+                </a:cubicBezTo>
+                <a:cubicBezTo>
+                  <a:pt x="4798743" y="51948"/>
+                  <a:pt x="4789407" y="47805"/>
+                  <a:pt x="4781606" y="41564"/>
+                </a:cubicBezTo>
+                <a:cubicBezTo>
+                  <a:pt x="4775486" y="36668"/>
+                  <a:pt x="4772416" y="27416"/>
+                  <a:pt x="4764981" y="24938"/>
+                </a:cubicBezTo>
+                <a:cubicBezTo>
+                  <a:pt x="4738173" y="16002"/>
+                  <a:pt x="4681853" y="8313"/>
+                  <a:pt x="4681853" y="8313"/>
+                </a:cubicBezTo>
+                <a:cubicBezTo>
+                  <a:pt x="4674470" y="9133"/>
+                  <a:pt x="4604254" y="11646"/>
+                  <a:pt x="4582101" y="24938"/>
+                </a:cubicBezTo>
+                <a:cubicBezTo>
+                  <a:pt x="4575380" y="28970"/>
+                  <a:pt x="4572752" y="38653"/>
+                  <a:pt x="4565475" y="41564"/>
+                </a:cubicBezTo>
+                <a:cubicBezTo>
+                  <a:pt x="4544260" y="50050"/>
+                  <a:pt x="4520650" y="50963"/>
+                  <a:pt x="4498973" y="58189"/>
+                </a:cubicBezTo>
+                <a:cubicBezTo>
+                  <a:pt x="4450231" y="74437"/>
+                  <a:pt x="4482744" y="65534"/>
+                  <a:pt x="4399221" y="74815"/>
+                </a:cubicBezTo>
+                <a:cubicBezTo>
+                  <a:pt x="4378212" y="80067"/>
+                  <a:pt x="4360899" y="83493"/>
+                  <a:pt x="4341031" y="91440"/>
+                </a:cubicBezTo>
+                <a:cubicBezTo>
+                  <a:pt x="4335278" y="93741"/>
+                  <a:pt x="4329948" y="96982"/>
+                  <a:pt x="4324406" y="99753"/>
+                </a:cubicBezTo>
+              </a:path>
+            </a:pathLst>
+          </a:custGeom>
+          <a:noFill/>
+        </p:spPr>
+        <p:style>
+          <a:lnRef idx="2">
+            <a:schemeClr val="accent1">
+              <a:shade val="50000"/>
+            </a:schemeClr>
+          </a:lnRef>
+          <a:fillRef idx="1">
+            <a:schemeClr val="accent1"/>
+          </a:fillRef>
+          <a:effectRef idx="0">
+            <a:schemeClr val="accent1"/>
+          </a:effectRef>
+          <a:fontRef idx="minor">
+            <a:schemeClr val="lt1"/>
+          </a:fontRef>
+        </p:style>
+        <p:txBody>
+          <a:bodyPr rtlCol="0" anchor="ctr"/>
+          <a:lstStyle/>
+          <a:p>
+            <a:pPr algn="ctr"/>
+            <a:endParaRPr lang="en-US"/>
+          </a:p>
+        </p:txBody>
+      </p:sp>
+      <p:sp>
+        <p:nvSpPr>
+          <p:cNvPr id="22" name="Freeform 21">
+            <a:extLst>
+              <a:ext uri="{FF2B5EF4-FFF2-40B4-BE49-F238E27FC236}">
+                <a16:creationId xmlns:a16="http://schemas.microsoft.com/office/drawing/2014/main" id="{89F9A800-813E-454E-92A1-3DFF6675C40E}"/>
+              </a:ext>
+            </a:extLst>
+          </p:cNvPr>
+          <p:cNvSpPr/>
+          <p:nvPr/>
+        </p:nvSpPr>
+        <p:spPr>
+          <a:xfrm>
+            <a:off x="3084022" y="2319251"/>
+            <a:ext cx="2244436" cy="2286699"/>
+          </a:xfrm>
+          <a:custGeom>
+            <a:avLst/>
+            <a:gdLst>
+              <a:gd name="connsiteX0" fmla="*/ 41563 w 2244436"/>
+              <a:gd name="connsiteY0" fmla="*/ 83127 h 2286699"/>
+              <a:gd name="connsiteX1" fmla="*/ 24938 w 2244436"/>
+              <a:gd name="connsiteY1" fmla="*/ 274320 h 2286699"/>
+              <a:gd name="connsiteX2" fmla="*/ 0 w 2244436"/>
+              <a:gd name="connsiteY2" fmla="*/ 615142 h 2286699"/>
+              <a:gd name="connsiteX3" fmla="*/ 8313 w 2244436"/>
+              <a:gd name="connsiteY3" fmla="*/ 1596044 h 2286699"/>
+              <a:gd name="connsiteX4" fmla="*/ 24938 w 2244436"/>
+              <a:gd name="connsiteY4" fmla="*/ 1687484 h 2286699"/>
+              <a:gd name="connsiteX5" fmla="*/ 41563 w 2244436"/>
+              <a:gd name="connsiteY5" fmla="*/ 1787236 h 2286699"/>
+              <a:gd name="connsiteX6" fmla="*/ 49876 w 2244436"/>
+              <a:gd name="connsiteY6" fmla="*/ 1928553 h 2286699"/>
+              <a:gd name="connsiteX7" fmla="*/ 58189 w 2244436"/>
+              <a:gd name="connsiteY7" fmla="*/ 1986742 h 2286699"/>
+              <a:gd name="connsiteX8" fmla="*/ 91440 w 2244436"/>
+              <a:gd name="connsiteY8" fmla="*/ 2003367 h 2286699"/>
+              <a:gd name="connsiteX9" fmla="*/ 99753 w 2244436"/>
+              <a:gd name="connsiteY9" fmla="*/ 1978429 h 2286699"/>
+              <a:gd name="connsiteX10" fmla="*/ 149629 w 2244436"/>
+              <a:gd name="connsiteY10" fmla="*/ 1961804 h 2286699"/>
+              <a:gd name="connsiteX11" fmla="*/ 199505 w 2244436"/>
+              <a:gd name="connsiteY11" fmla="*/ 1978429 h 2286699"/>
+              <a:gd name="connsiteX12" fmla="*/ 224443 w 2244436"/>
+              <a:gd name="connsiteY12" fmla="*/ 1995054 h 2286699"/>
+              <a:gd name="connsiteX13" fmla="*/ 274320 w 2244436"/>
+              <a:gd name="connsiteY13" fmla="*/ 2003367 h 2286699"/>
+              <a:gd name="connsiteX14" fmla="*/ 349134 w 2244436"/>
+              <a:gd name="connsiteY14" fmla="*/ 2036618 h 2286699"/>
+              <a:gd name="connsiteX15" fmla="*/ 415636 w 2244436"/>
+              <a:gd name="connsiteY15" fmla="*/ 2078182 h 2286699"/>
+              <a:gd name="connsiteX16" fmla="*/ 498763 w 2244436"/>
+              <a:gd name="connsiteY16" fmla="*/ 2128058 h 2286699"/>
+              <a:gd name="connsiteX17" fmla="*/ 590203 w 2244436"/>
+              <a:gd name="connsiteY17" fmla="*/ 2202873 h 2286699"/>
+              <a:gd name="connsiteX18" fmla="*/ 689956 w 2244436"/>
+              <a:gd name="connsiteY18" fmla="*/ 2269374 h 2286699"/>
+              <a:gd name="connsiteX19" fmla="*/ 706582 w 2244436"/>
+              <a:gd name="connsiteY19" fmla="*/ 2286000 h 2286699"/>
+              <a:gd name="connsiteX20" fmla="*/ 806334 w 2244436"/>
+              <a:gd name="connsiteY20" fmla="*/ 2261062 h 2286699"/>
+              <a:gd name="connsiteX21" fmla="*/ 831273 w 2244436"/>
+              <a:gd name="connsiteY21" fmla="*/ 2252749 h 2286699"/>
+              <a:gd name="connsiteX22" fmla="*/ 872836 w 2244436"/>
+              <a:gd name="connsiteY22" fmla="*/ 2236124 h 2286699"/>
+              <a:gd name="connsiteX23" fmla="*/ 889462 w 2244436"/>
+              <a:gd name="connsiteY23" fmla="*/ 2219498 h 2286699"/>
+              <a:gd name="connsiteX24" fmla="*/ 972589 w 2244436"/>
+              <a:gd name="connsiteY24" fmla="*/ 2186247 h 2286699"/>
+              <a:gd name="connsiteX25" fmla="*/ 1022465 w 2244436"/>
+              <a:gd name="connsiteY25" fmla="*/ 2169622 h 2286699"/>
+              <a:gd name="connsiteX26" fmla="*/ 1055716 w 2244436"/>
+              <a:gd name="connsiteY26" fmla="*/ 2161309 h 2286699"/>
+              <a:gd name="connsiteX27" fmla="*/ 1097280 w 2244436"/>
+              <a:gd name="connsiteY27" fmla="*/ 2152996 h 2286699"/>
+              <a:gd name="connsiteX28" fmla="*/ 1147156 w 2244436"/>
+              <a:gd name="connsiteY28" fmla="*/ 2136371 h 2286699"/>
+              <a:gd name="connsiteX29" fmla="*/ 1172094 w 2244436"/>
+              <a:gd name="connsiteY29" fmla="*/ 2128058 h 2286699"/>
+              <a:gd name="connsiteX30" fmla="*/ 1271847 w 2244436"/>
+              <a:gd name="connsiteY30" fmla="*/ 2103120 h 2286699"/>
+              <a:gd name="connsiteX31" fmla="*/ 1305098 w 2244436"/>
+              <a:gd name="connsiteY31" fmla="*/ 2094807 h 2286699"/>
+              <a:gd name="connsiteX32" fmla="*/ 1346662 w 2244436"/>
+              <a:gd name="connsiteY32" fmla="*/ 2086494 h 2286699"/>
+              <a:gd name="connsiteX33" fmla="*/ 1371600 w 2244436"/>
+              <a:gd name="connsiteY33" fmla="*/ 2078182 h 2286699"/>
+              <a:gd name="connsiteX34" fmla="*/ 1463040 w 2244436"/>
+              <a:gd name="connsiteY34" fmla="*/ 2061556 h 2286699"/>
+              <a:gd name="connsiteX35" fmla="*/ 1787236 w 2244436"/>
+              <a:gd name="connsiteY35" fmla="*/ 2069869 h 2286699"/>
+              <a:gd name="connsiteX36" fmla="*/ 1853738 w 2244436"/>
+              <a:gd name="connsiteY36" fmla="*/ 2078182 h 2286699"/>
+              <a:gd name="connsiteX37" fmla="*/ 1978429 w 2244436"/>
+              <a:gd name="connsiteY37" fmla="*/ 2069869 h 2286699"/>
+              <a:gd name="connsiteX38" fmla="*/ 2011680 w 2244436"/>
+              <a:gd name="connsiteY38" fmla="*/ 2044931 h 2286699"/>
+              <a:gd name="connsiteX39" fmla="*/ 2036618 w 2244436"/>
+              <a:gd name="connsiteY39" fmla="*/ 2028305 h 2286699"/>
+              <a:gd name="connsiteX40" fmla="*/ 2086494 w 2244436"/>
+              <a:gd name="connsiteY40" fmla="*/ 1986742 h 2286699"/>
+              <a:gd name="connsiteX41" fmla="*/ 2111433 w 2244436"/>
+              <a:gd name="connsiteY41" fmla="*/ 1978429 h 2286699"/>
+              <a:gd name="connsiteX42" fmla="*/ 2136371 w 2244436"/>
+              <a:gd name="connsiteY42" fmla="*/ 1961804 h 2286699"/>
+              <a:gd name="connsiteX43" fmla="*/ 2169622 w 2244436"/>
+              <a:gd name="connsiteY43" fmla="*/ 1953491 h 2286699"/>
+              <a:gd name="connsiteX44" fmla="*/ 2219498 w 2244436"/>
+              <a:gd name="connsiteY44" fmla="*/ 1936865 h 2286699"/>
+              <a:gd name="connsiteX45" fmla="*/ 2236123 w 2244436"/>
+              <a:gd name="connsiteY45" fmla="*/ 1911927 h 2286699"/>
+              <a:gd name="connsiteX46" fmla="*/ 2227811 w 2244436"/>
+              <a:gd name="connsiteY46" fmla="*/ 1862051 h 2286699"/>
+              <a:gd name="connsiteX47" fmla="*/ 2211185 w 2244436"/>
+              <a:gd name="connsiteY47" fmla="*/ 1837113 h 2286699"/>
+              <a:gd name="connsiteX48" fmla="*/ 2194560 w 2244436"/>
+              <a:gd name="connsiteY48" fmla="*/ 1803862 h 2286699"/>
+              <a:gd name="connsiteX49" fmla="*/ 2169622 w 2244436"/>
+              <a:gd name="connsiteY49" fmla="*/ 1704109 h 2286699"/>
+              <a:gd name="connsiteX50" fmla="*/ 2161309 w 2244436"/>
+              <a:gd name="connsiteY50" fmla="*/ 1670858 h 2286699"/>
+              <a:gd name="connsiteX51" fmla="*/ 2128058 w 2244436"/>
+              <a:gd name="connsiteY51" fmla="*/ 1571105 h 2286699"/>
+              <a:gd name="connsiteX52" fmla="*/ 2119745 w 2244436"/>
+              <a:gd name="connsiteY52" fmla="*/ 1512916 h 2286699"/>
+              <a:gd name="connsiteX53" fmla="*/ 2086494 w 2244436"/>
+              <a:gd name="connsiteY53" fmla="*/ 1429789 h 2286699"/>
+              <a:gd name="connsiteX54" fmla="*/ 2078182 w 2244436"/>
+              <a:gd name="connsiteY54" fmla="*/ 1388225 h 2286699"/>
+              <a:gd name="connsiteX55" fmla="*/ 2044931 w 2244436"/>
+              <a:gd name="connsiteY55" fmla="*/ 1296785 h 2286699"/>
+              <a:gd name="connsiteX56" fmla="*/ 2019993 w 2244436"/>
+              <a:gd name="connsiteY56" fmla="*/ 1255222 h 2286699"/>
+              <a:gd name="connsiteX57" fmla="*/ 1986742 w 2244436"/>
+              <a:gd name="connsiteY57" fmla="*/ 1172094 h 2286699"/>
+              <a:gd name="connsiteX58" fmla="*/ 1978429 w 2244436"/>
+              <a:gd name="connsiteY58" fmla="*/ 1130531 h 2286699"/>
+              <a:gd name="connsiteX59" fmla="*/ 1970116 w 2244436"/>
+              <a:gd name="connsiteY59" fmla="*/ 1097280 h 2286699"/>
+              <a:gd name="connsiteX60" fmla="*/ 1995054 w 2244436"/>
+              <a:gd name="connsiteY60" fmla="*/ 931025 h 2286699"/>
+              <a:gd name="connsiteX61" fmla="*/ 2028305 w 2244436"/>
+              <a:gd name="connsiteY61" fmla="*/ 881149 h 2286699"/>
+              <a:gd name="connsiteX62" fmla="*/ 2036618 w 2244436"/>
+              <a:gd name="connsiteY62" fmla="*/ 856211 h 2286699"/>
+              <a:gd name="connsiteX63" fmla="*/ 2053243 w 2244436"/>
+              <a:gd name="connsiteY63" fmla="*/ 839585 h 2286699"/>
+              <a:gd name="connsiteX64" fmla="*/ 2069869 w 2244436"/>
+              <a:gd name="connsiteY64" fmla="*/ 814647 h 2286699"/>
+              <a:gd name="connsiteX65" fmla="*/ 2094807 w 2244436"/>
+              <a:gd name="connsiteY65" fmla="*/ 781396 h 2286699"/>
+              <a:gd name="connsiteX66" fmla="*/ 2128058 w 2244436"/>
+              <a:gd name="connsiteY66" fmla="*/ 731520 h 2286699"/>
+              <a:gd name="connsiteX67" fmla="*/ 2136371 w 2244436"/>
+              <a:gd name="connsiteY67" fmla="*/ 706582 h 2286699"/>
+              <a:gd name="connsiteX68" fmla="*/ 2169622 w 2244436"/>
+              <a:gd name="connsiteY68" fmla="*/ 623454 h 2286699"/>
+              <a:gd name="connsiteX69" fmla="*/ 2186247 w 2244436"/>
+              <a:gd name="connsiteY69" fmla="*/ 573578 h 2286699"/>
+              <a:gd name="connsiteX70" fmla="*/ 2211185 w 2244436"/>
+              <a:gd name="connsiteY70" fmla="*/ 507076 h 2286699"/>
+              <a:gd name="connsiteX71" fmla="*/ 2219498 w 2244436"/>
+              <a:gd name="connsiteY71" fmla="*/ 465513 h 2286699"/>
+              <a:gd name="connsiteX72" fmla="*/ 2227811 w 2244436"/>
+              <a:gd name="connsiteY72" fmla="*/ 440574 h 2286699"/>
+              <a:gd name="connsiteX73" fmla="*/ 2244436 w 2244436"/>
+              <a:gd name="connsiteY73" fmla="*/ 374073 h 2286699"/>
+              <a:gd name="connsiteX74" fmla="*/ 2227811 w 2244436"/>
+              <a:gd name="connsiteY74" fmla="*/ 315884 h 2286699"/>
+              <a:gd name="connsiteX75" fmla="*/ 2211185 w 2244436"/>
+              <a:gd name="connsiteY75" fmla="*/ 290945 h 2286699"/>
+              <a:gd name="connsiteX76" fmla="*/ 2177934 w 2244436"/>
+              <a:gd name="connsiteY76" fmla="*/ 224444 h 2286699"/>
+              <a:gd name="connsiteX77" fmla="*/ 2144683 w 2244436"/>
+              <a:gd name="connsiteY77" fmla="*/ 191193 h 2286699"/>
+              <a:gd name="connsiteX78" fmla="*/ 2119745 w 2244436"/>
+              <a:gd name="connsiteY78" fmla="*/ 166254 h 2286699"/>
+              <a:gd name="connsiteX79" fmla="*/ 2061556 w 2244436"/>
+              <a:gd name="connsiteY79" fmla="*/ 116378 h 2286699"/>
+              <a:gd name="connsiteX80" fmla="*/ 2028305 w 2244436"/>
+              <a:gd name="connsiteY80" fmla="*/ 83127 h 2286699"/>
+              <a:gd name="connsiteX81" fmla="*/ 2011680 w 2244436"/>
+              <a:gd name="connsiteY81" fmla="*/ 58189 h 2286699"/>
+              <a:gd name="connsiteX82" fmla="*/ 1961803 w 2244436"/>
+              <a:gd name="connsiteY82" fmla="*/ 33251 h 2286699"/>
+              <a:gd name="connsiteX83" fmla="*/ 1928553 w 2244436"/>
+              <a:gd name="connsiteY83" fmla="*/ 16625 h 2286699"/>
+              <a:gd name="connsiteX84" fmla="*/ 1820487 w 2244436"/>
+              <a:gd name="connsiteY84" fmla="*/ 0 h 2286699"/>
+              <a:gd name="connsiteX85" fmla="*/ 1512916 w 2244436"/>
+              <a:gd name="connsiteY85" fmla="*/ 8313 h 2286699"/>
+              <a:gd name="connsiteX86" fmla="*/ 1446414 w 2244436"/>
+              <a:gd name="connsiteY86" fmla="*/ 16625 h 2286699"/>
+              <a:gd name="connsiteX87" fmla="*/ 1230283 w 2244436"/>
+              <a:gd name="connsiteY87" fmla="*/ 33251 h 2286699"/>
+              <a:gd name="connsiteX88" fmla="*/ 1188720 w 2244436"/>
+              <a:gd name="connsiteY88" fmla="*/ 41564 h 2286699"/>
+              <a:gd name="connsiteX89" fmla="*/ 1130531 w 2244436"/>
+              <a:gd name="connsiteY89" fmla="*/ 49876 h 2286699"/>
+              <a:gd name="connsiteX90" fmla="*/ 1105593 w 2244436"/>
+              <a:gd name="connsiteY90" fmla="*/ 58189 h 2286699"/>
+              <a:gd name="connsiteX91" fmla="*/ 365760 w 2244436"/>
+              <a:gd name="connsiteY91" fmla="*/ 66502 h 2286699"/>
+              <a:gd name="connsiteX92" fmla="*/ 182880 w 2244436"/>
+              <a:gd name="connsiteY92" fmla="*/ 91440 h 2286699"/>
+              <a:gd name="connsiteX93" fmla="*/ 66502 w 2244436"/>
+              <a:gd name="connsiteY93" fmla="*/ 83127 h 2286699"/>
+              <a:gd name="connsiteX94" fmla="*/ 41563 w 2244436"/>
+              <a:gd name="connsiteY94" fmla="*/ 91440 h 2286699"/>
+              <a:gd name="connsiteX95" fmla="*/ 41563 w 2244436"/>
+              <a:gd name="connsiteY95" fmla="*/ 83127 h 2286699"/>
+            </a:gdLst>
+            <a:ahLst/>
+            <a:cxnLst>
+              <a:cxn ang="0">
+                <a:pos x="connsiteX0" y="connsiteY0"/>
+              </a:cxn>
+              <a:cxn ang="0">
+                <a:pos x="connsiteX1" y="connsiteY1"/>
+              </a:cxn>
+              <a:cxn ang="0">
+                <a:pos x="connsiteX2" y="connsiteY2"/>
+              </a:cxn>
+              <a:cxn ang="0">
+                <a:pos x="connsiteX3" y="connsiteY3"/>
+              </a:cxn>
+              <a:cxn ang="0">
+                <a:pos x="connsiteX4" y="connsiteY4"/>
+              </a:cxn>
+              <a:cxn ang="0">
+                <a:pos x="connsiteX5" y="connsiteY5"/>
+              </a:cxn>
+              <a:cxn ang="0">
+                <a:pos x="connsiteX6" y="connsiteY6"/>
+              </a:cxn>
+              <a:cxn ang="0">
+                <a:pos x="connsiteX7" y="connsiteY7"/>
+              </a:cxn>
+              <a:cxn ang="0">
+                <a:pos x="connsiteX8" y="connsiteY8"/>
+              </a:cxn>
+              <a:cxn ang="0">
+                <a:pos x="connsiteX9" y="connsiteY9"/>
+              </a:cxn>
+              <a:cxn ang="0">
+                <a:pos x="connsiteX10" y="connsiteY10"/>
+              </a:cxn>
+              <a:cxn ang="0">
+                <a:pos x="connsiteX11" y="connsiteY11"/>
+              </a:cxn>
+              <a:cxn ang="0">
+                <a:pos x="connsiteX12" y="connsiteY12"/>
+              </a:cxn>
+              <a:cxn ang="0">
+                <a:pos x="connsiteX13" y="connsiteY13"/>
+              </a:cxn>
+              <a:cxn ang="0">
+                <a:pos x="connsiteX14" y="connsiteY14"/>
+              </a:cxn>
+              <a:cxn ang="0">
+                <a:pos x="connsiteX15" y="connsiteY15"/>
+              </a:cxn>
+              <a:cxn ang="0">
+                <a:pos x="connsiteX16" y="connsiteY16"/>
+              </a:cxn>
+              <a:cxn ang="0">
+                <a:pos x="connsiteX17" y="connsiteY17"/>
+              </a:cxn>
+              <a:cxn ang="0">
+                <a:pos x="connsiteX18" y="connsiteY18"/>
+              </a:cxn>
+              <a:cxn ang="0">
+                <a:pos x="connsiteX19" y="connsiteY19"/>
+              </a:cxn>
+              <a:cxn ang="0">
+                <a:pos x="connsiteX20" y="connsiteY20"/>
+              </a:cxn>
+              <a:cxn ang="0">
+                <a:pos x="connsiteX21" y="connsiteY21"/>
+              </a:cxn>
+              <a:cxn ang="0">
+                <a:pos x="connsiteX22" y="connsiteY22"/>
+              </a:cxn>
+              <a:cxn ang="0">
+                <a:pos x="connsiteX23" y="connsiteY23"/>
+              </a:cxn>
+              <a:cxn ang="0">
+                <a:pos x="connsiteX24" y="connsiteY24"/>
+              </a:cxn>
+              <a:cxn ang="0">
+                <a:pos x="connsiteX25" y="connsiteY25"/>
+              </a:cxn>
+              <a:cxn ang="0">
+                <a:pos x="connsiteX26" y="connsiteY26"/>
+              </a:cxn>
+              <a:cxn ang="0">
+                <a:pos x="connsiteX27" y="connsiteY27"/>
+              </a:cxn>
+              <a:cxn ang="0">
+                <a:pos x="connsiteX28" y="connsiteY28"/>
+              </a:cxn>
+              <a:cxn ang="0">
+                <a:pos x="connsiteX29" y="connsiteY29"/>
+              </a:cxn>
+              <a:cxn ang="0">
+                <a:pos x="connsiteX30" y="connsiteY30"/>
+              </a:cxn>
+              <a:cxn ang="0">
+                <a:pos x="connsiteX31" y="connsiteY31"/>
+              </a:cxn>
+              <a:cxn ang="0">
+                <a:pos x="connsiteX32" y="connsiteY32"/>
+              </a:cxn>
+              <a:cxn ang="0">
+                <a:pos x="connsiteX33" y="connsiteY33"/>
+              </a:cxn>
+              <a:cxn ang="0">
+                <a:pos x="connsiteX34" y="connsiteY34"/>
+              </a:cxn>
+              <a:cxn ang="0">
+                <a:pos x="connsiteX35" y="connsiteY35"/>
+              </a:cxn>
+              <a:cxn ang="0">
+                <a:pos x="connsiteX36" y="connsiteY36"/>
+              </a:cxn>
+              <a:cxn ang="0">
+                <a:pos x="connsiteX37" y="connsiteY37"/>
+              </a:cxn>
+              <a:cxn ang="0">
+                <a:pos x="connsiteX38" y="connsiteY38"/>
+              </a:cxn>
+              <a:cxn ang="0">
+                <a:pos x="connsiteX39" y="connsiteY39"/>
+              </a:cxn>
+              <a:cxn ang="0">
+                <a:pos x="connsiteX40" y="connsiteY40"/>
+              </a:cxn>
+              <a:cxn ang="0">
+                <a:pos x="connsiteX41" y="connsiteY41"/>
+              </a:cxn>
+              <a:cxn ang="0">
+                <a:pos x="connsiteX42" y="connsiteY42"/>
+              </a:cxn>
+              <a:cxn ang="0">
+                <a:pos x="connsiteX43" y="connsiteY43"/>
+              </a:cxn>
+              <a:cxn ang="0">
+                <a:pos x="connsiteX44" y="connsiteY44"/>
+              </a:cxn>
+              <a:cxn ang="0">
+                <a:pos x="connsiteX45" y="connsiteY45"/>
+              </a:cxn>
+              <a:cxn ang="0">
+                <a:pos x="connsiteX46" y="connsiteY46"/>
+              </a:cxn>
+              <a:cxn ang="0">
+                <a:pos x="connsiteX47" y="connsiteY47"/>
+              </a:cxn>
+              <a:cxn ang="0">
+                <a:pos x="connsiteX48" y="connsiteY48"/>
+              </a:cxn>
+              <a:cxn ang="0">
+                <a:pos x="connsiteX49" y="connsiteY49"/>
+              </a:cxn>
+              <a:cxn ang="0">
+                <a:pos x="connsiteX50" y="connsiteY50"/>
+              </a:cxn>
+              <a:cxn ang="0">
+                <a:pos x="connsiteX51" y="connsiteY51"/>
+              </a:cxn>
+              <a:cxn ang="0">
+                <a:pos x="connsiteX52" y="connsiteY52"/>
+              </a:cxn>
+              <a:cxn ang="0">
+                <a:pos x="connsiteX53" y="connsiteY53"/>
+              </a:cxn>
+              <a:cxn ang="0">
+                <a:pos x="connsiteX54" y="connsiteY54"/>
+              </a:cxn>
+              <a:cxn ang="0">
+                <a:pos x="connsiteX55" y="connsiteY55"/>
+              </a:cxn>
+              <a:cxn ang="0">
+                <a:pos x="connsiteX56" y="connsiteY56"/>
+              </a:cxn>
+              <a:cxn ang="0">
+                <a:pos x="connsiteX57" y="connsiteY57"/>
+              </a:cxn>
+              <a:cxn ang="0">
+                <a:pos x="connsiteX58" y="connsiteY58"/>
+              </a:cxn>
+              <a:cxn ang="0">
+                <a:pos x="connsiteX59" y="connsiteY59"/>
+              </a:cxn>
+              <a:cxn ang="0">
+                <a:pos x="connsiteX60" y="connsiteY60"/>
+              </a:cxn>
+              <a:cxn ang="0">
+                <a:pos x="connsiteX61" y="connsiteY61"/>
+              </a:cxn>
+              <a:cxn ang="0">
+                <a:pos x="connsiteX62" y="connsiteY62"/>
+              </a:cxn>
+              <a:cxn ang="0">
+                <a:pos x="connsiteX63" y="connsiteY63"/>
+              </a:cxn>
+              <a:cxn ang="0">
+                <a:pos x="connsiteX64" y="connsiteY64"/>
+              </a:cxn>
+              <a:cxn ang="0">
+                <a:pos x="connsiteX65" y="connsiteY65"/>
+              </a:cxn>
+              <a:cxn ang="0">
+                <a:pos x="connsiteX66" y="connsiteY66"/>
+              </a:cxn>
+              <a:cxn ang="0">
+                <a:pos x="connsiteX67" y="connsiteY67"/>
+              </a:cxn>
+              <a:cxn ang="0">
+                <a:pos x="connsiteX68" y="connsiteY68"/>
+              </a:cxn>
+              <a:cxn ang="0">
+                <a:pos x="connsiteX69" y="connsiteY69"/>
+              </a:cxn>
+              <a:cxn ang="0">
+                <a:pos x="connsiteX70" y="connsiteY70"/>
+              </a:cxn>
+              <a:cxn ang="0">
+                <a:pos x="connsiteX71" y="connsiteY71"/>
+              </a:cxn>
+              <a:cxn ang="0">
+                <a:pos x="connsiteX72" y="connsiteY72"/>
+              </a:cxn>
+              <a:cxn ang="0">
+                <a:pos x="connsiteX73" y="connsiteY73"/>
+              </a:cxn>
+              <a:cxn ang="0">
+                <a:pos x="connsiteX74" y="connsiteY74"/>
+              </a:cxn>
+              <a:cxn ang="0">
+                <a:pos x="connsiteX75" y="connsiteY75"/>
+              </a:cxn>
+              <a:cxn ang="0">
+                <a:pos x="connsiteX76" y="connsiteY76"/>
+              </a:cxn>
+              <a:cxn ang="0">
+                <a:pos x="connsiteX77" y="connsiteY77"/>
+              </a:cxn>
+              <a:cxn ang="0">
+                <a:pos x="connsiteX78" y="connsiteY78"/>
+              </a:cxn>
+              <a:cxn ang="0">
+                <a:pos x="connsiteX79" y="connsiteY79"/>
+              </a:cxn>
+              <a:cxn ang="0">
+                <a:pos x="connsiteX80" y="connsiteY80"/>
+              </a:cxn>
+              <a:cxn ang="0">
+                <a:pos x="connsiteX81" y="connsiteY81"/>
+              </a:cxn>
+              <a:cxn ang="0">
+                <a:pos x="connsiteX82" y="connsiteY82"/>
+              </a:cxn>
+              <a:cxn ang="0">
+                <a:pos x="connsiteX83" y="connsiteY83"/>
+              </a:cxn>
+              <a:cxn ang="0">
+                <a:pos x="connsiteX84" y="connsiteY84"/>
+              </a:cxn>
+              <a:cxn ang="0">
+                <a:pos x="connsiteX85" y="connsiteY85"/>
+              </a:cxn>
+              <a:cxn ang="0">
+                <a:pos x="connsiteX86" y="connsiteY86"/>
+              </a:cxn>
+              <a:cxn ang="0">
+                <a:pos x="connsiteX87" y="connsiteY87"/>
+              </a:cxn>
+              <a:cxn ang="0">
+                <a:pos x="connsiteX88" y="connsiteY88"/>
+              </a:cxn>
+              <a:cxn ang="0">
+                <a:pos x="connsiteX89" y="connsiteY89"/>
+              </a:cxn>
+              <a:cxn ang="0">
+                <a:pos x="connsiteX90" y="connsiteY90"/>
+              </a:cxn>
+              <a:cxn ang="0">
+                <a:pos x="connsiteX91" y="connsiteY91"/>
+              </a:cxn>
+              <a:cxn ang="0">
+                <a:pos x="connsiteX92" y="connsiteY92"/>
+              </a:cxn>
+              <a:cxn ang="0">
+                <a:pos x="connsiteX93" y="connsiteY93"/>
+              </a:cxn>
+              <a:cxn ang="0">
+                <a:pos x="connsiteX94" y="connsiteY94"/>
+              </a:cxn>
+              <a:cxn ang="0">
+                <a:pos x="connsiteX95" y="connsiteY95"/>
+              </a:cxn>
+            </a:cxnLst>
+            <a:rect l="l" t="t" r="r" b="b"/>
+            <a:pathLst>
+              <a:path w="2244436" h="2286699">
+                <a:moveTo>
+                  <a:pt x="41563" y="83127"/>
+                </a:moveTo>
+                <a:cubicBezTo>
+                  <a:pt x="36021" y="146858"/>
+                  <a:pt x="30251" y="210569"/>
+                  <a:pt x="24938" y="274320"/>
+                </a:cubicBezTo>
+                <a:cubicBezTo>
+                  <a:pt x="15477" y="387847"/>
+                  <a:pt x="7578" y="501479"/>
+                  <a:pt x="0" y="615142"/>
+                </a:cubicBezTo>
+                <a:cubicBezTo>
+                  <a:pt x="2771" y="942109"/>
+                  <a:pt x="3040" y="1269107"/>
+                  <a:pt x="8313" y="1596044"/>
+                </a:cubicBezTo>
+                <a:cubicBezTo>
+                  <a:pt x="8592" y="1613335"/>
+                  <a:pt x="22001" y="1668391"/>
+                  <a:pt x="24938" y="1687484"/>
+                </a:cubicBezTo>
+                <a:cubicBezTo>
+                  <a:pt x="40507" y="1788680"/>
+                  <a:pt x="24847" y="1720367"/>
+                  <a:pt x="41563" y="1787236"/>
+                </a:cubicBezTo>
+                <a:cubicBezTo>
+                  <a:pt x="44334" y="1834342"/>
+                  <a:pt x="45957" y="1881529"/>
+                  <a:pt x="49876" y="1928553"/>
+                </a:cubicBezTo>
+                <a:cubicBezTo>
+                  <a:pt x="51503" y="1948079"/>
+                  <a:pt x="48674" y="1969614"/>
+                  <a:pt x="58189" y="1986742"/>
+                </a:cubicBezTo>
+                <a:cubicBezTo>
+                  <a:pt x="64207" y="1997574"/>
+                  <a:pt x="80356" y="1997825"/>
+                  <a:pt x="91440" y="2003367"/>
+                </a:cubicBezTo>
+                <a:cubicBezTo>
+                  <a:pt x="94211" y="1995054"/>
+                  <a:pt x="92623" y="1983522"/>
+                  <a:pt x="99753" y="1978429"/>
+                </a:cubicBezTo>
+                <a:cubicBezTo>
+                  <a:pt x="114013" y="1968243"/>
+                  <a:pt x="149629" y="1961804"/>
+                  <a:pt x="149629" y="1961804"/>
+                </a:cubicBezTo>
+                <a:cubicBezTo>
+                  <a:pt x="166254" y="1967346"/>
+                  <a:pt x="184924" y="1968708"/>
+                  <a:pt x="199505" y="1978429"/>
+                </a:cubicBezTo>
+                <a:cubicBezTo>
+                  <a:pt x="207818" y="1983971"/>
+                  <a:pt x="214965" y="1991895"/>
+                  <a:pt x="224443" y="1995054"/>
+                </a:cubicBezTo>
+                <a:cubicBezTo>
+                  <a:pt x="240433" y="2000384"/>
+                  <a:pt x="257694" y="2000596"/>
+                  <a:pt x="274320" y="2003367"/>
+                </a:cubicBezTo>
+                <a:cubicBezTo>
+                  <a:pt x="347679" y="2052275"/>
+                  <a:pt x="230422" y="1977260"/>
+                  <a:pt x="349134" y="2036618"/>
+                </a:cubicBezTo>
+                <a:cubicBezTo>
+                  <a:pt x="423736" y="2073920"/>
+                  <a:pt x="340095" y="2029620"/>
+                  <a:pt x="415636" y="2078182"/>
+                </a:cubicBezTo>
+                <a:cubicBezTo>
+                  <a:pt x="442818" y="2095656"/>
+                  <a:pt x="475914" y="2105209"/>
+                  <a:pt x="498763" y="2128058"/>
+                </a:cubicBezTo>
+                <a:cubicBezTo>
+                  <a:pt x="570678" y="2199973"/>
+                  <a:pt x="507481" y="2142211"/>
+                  <a:pt x="590203" y="2202873"/>
+                </a:cubicBezTo>
+                <a:cubicBezTo>
+                  <a:pt x="681014" y="2269468"/>
+                  <a:pt x="632528" y="2250233"/>
+                  <a:pt x="689956" y="2269374"/>
+                </a:cubicBezTo>
+                <a:cubicBezTo>
+                  <a:pt x="695498" y="2274916"/>
+                  <a:pt x="698792" y="2285134"/>
+                  <a:pt x="706582" y="2286000"/>
+                </a:cubicBezTo>
+                <a:cubicBezTo>
+                  <a:pt x="745458" y="2290320"/>
+                  <a:pt x="772537" y="2273736"/>
+                  <a:pt x="806334" y="2261062"/>
+                </a:cubicBezTo>
+                <a:cubicBezTo>
+                  <a:pt x="814539" y="2257985"/>
+                  <a:pt x="823068" y="2255826"/>
+                  <a:pt x="831273" y="2252749"/>
+                </a:cubicBezTo>
+                <a:cubicBezTo>
+                  <a:pt x="845244" y="2247510"/>
+                  <a:pt x="858982" y="2241666"/>
+                  <a:pt x="872836" y="2236124"/>
+                </a:cubicBezTo>
+                <a:cubicBezTo>
+                  <a:pt x="878378" y="2230582"/>
+                  <a:pt x="882941" y="2223845"/>
+                  <a:pt x="889462" y="2219498"/>
+                </a:cubicBezTo>
+                <a:cubicBezTo>
+                  <a:pt x="913922" y="2203191"/>
+                  <a:pt x="945557" y="2195258"/>
+                  <a:pt x="972589" y="2186247"/>
+                </a:cubicBezTo>
+                <a:lnTo>
+                  <a:pt x="1022465" y="2169622"/>
+                </a:lnTo>
+                <a:cubicBezTo>
+                  <a:pt x="1033549" y="2166851"/>
+                  <a:pt x="1044563" y="2163787"/>
+                  <a:pt x="1055716" y="2161309"/>
+                </a:cubicBezTo>
+                <a:cubicBezTo>
+                  <a:pt x="1069509" y="2158244"/>
+                  <a:pt x="1083649" y="2156714"/>
+                  <a:pt x="1097280" y="2152996"/>
+                </a:cubicBezTo>
+                <a:cubicBezTo>
+                  <a:pt x="1114187" y="2148385"/>
+                  <a:pt x="1130531" y="2141913"/>
+                  <a:pt x="1147156" y="2136371"/>
+                </a:cubicBezTo>
+                <a:cubicBezTo>
+                  <a:pt x="1155469" y="2133600"/>
+                  <a:pt x="1163593" y="2130183"/>
+                  <a:pt x="1172094" y="2128058"/>
+                </a:cubicBezTo>
+                <a:lnTo>
+                  <a:pt x="1271847" y="2103120"/>
+                </a:lnTo>
+                <a:cubicBezTo>
+                  <a:pt x="1282931" y="2100349"/>
+                  <a:pt x="1293895" y="2097048"/>
+                  <a:pt x="1305098" y="2094807"/>
+                </a:cubicBezTo>
+                <a:cubicBezTo>
+                  <a:pt x="1318953" y="2092036"/>
+                  <a:pt x="1332955" y="2089921"/>
+                  <a:pt x="1346662" y="2086494"/>
+                </a:cubicBezTo>
+                <a:cubicBezTo>
+                  <a:pt x="1355163" y="2084369"/>
+                  <a:pt x="1363099" y="2080307"/>
+                  <a:pt x="1371600" y="2078182"/>
+                </a:cubicBezTo>
+                <a:cubicBezTo>
+                  <a:pt x="1394843" y="2072371"/>
+                  <a:pt x="1440799" y="2065263"/>
+                  <a:pt x="1463040" y="2061556"/>
+                </a:cubicBezTo>
+                <a:lnTo>
+                  <a:pt x="1787236" y="2069869"/>
+                </a:lnTo>
+                <a:cubicBezTo>
+                  <a:pt x="1809556" y="2070819"/>
+                  <a:pt x="1831398" y="2078182"/>
+                  <a:pt x="1853738" y="2078182"/>
+                </a:cubicBezTo>
+                <a:cubicBezTo>
+                  <a:pt x="1895394" y="2078182"/>
+                  <a:pt x="1936865" y="2072640"/>
+                  <a:pt x="1978429" y="2069869"/>
+                </a:cubicBezTo>
+                <a:cubicBezTo>
+                  <a:pt x="1989513" y="2061556"/>
+                  <a:pt x="2000406" y="2052984"/>
+                  <a:pt x="2011680" y="2044931"/>
+                </a:cubicBezTo>
+                <a:cubicBezTo>
+                  <a:pt x="2019810" y="2039124"/>
+                  <a:pt x="2028943" y="2034701"/>
+                  <a:pt x="2036618" y="2028305"/>
+                </a:cubicBezTo>
+                <a:cubicBezTo>
+                  <a:pt x="2064194" y="2005325"/>
+                  <a:pt x="2055536" y="2002220"/>
+                  <a:pt x="2086494" y="1986742"/>
+                </a:cubicBezTo>
+                <a:cubicBezTo>
+                  <a:pt x="2094332" y="1982823"/>
+                  <a:pt x="2103595" y="1982348"/>
+                  <a:pt x="2111433" y="1978429"/>
+                </a:cubicBezTo>
+                <a:cubicBezTo>
+                  <a:pt x="2120369" y="1973961"/>
+                  <a:pt x="2127188" y="1965739"/>
+                  <a:pt x="2136371" y="1961804"/>
+                </a:cubicBezTo>
+                <a:cubicBezTo>
+                  <a:pt x="2146872" y="1957304"/>
+                  <a:pt x="2158679" y="1956774"/>
+                  <a:pt x="2169622" y="1953491"/>
+                </a:cubicBezTo>
+                <a:cubicBezTo>
+                  <a:pt x="2186408" y="1948455"/>
+                  <a:pt x="2219498" y="1936865"/>
+                  <a:pt x="2219498" y="1936865"/>
+                </a:cubicBezTo>
+                <a:cubicBezTo>
+                  <a:pt x="2225040" y="1928552"/>
+                  <a:pt x="2235020" y="1921856"/>
+                  <a:pt x="2236123" y="1911927"/>
+                </a:cubicBezTo>
+                <a:cubicBezTo>
+                  <a:pt x="2237984" y="1895175"/>
+                  <a:pt x="2233141" y="1878041"/>
+                  <a:pt x="2227811" y="1862051"/>
+                </a:cubicBezTo>
+                <a:cubicBezTo>
+                  <a:pt x="2224652" y="1852573"/>
+                  <a:pt x="2216142" y="1845787"/>
+                  <a:pt x="2211185" y="1837113"/>
+                </a:cubicBezTo>
+                <a:cubicBezTo>
+                  <a:pt x="2205037" y="1826354"/>
+                  <a:pt x="2198256" y="1815690"/>
+                  <a:pt x="2194560" y="1803862"/>
+                </a:cubicBezTo>
+                <a:cubicBezTo>
+                  <a:pt x="2184337" y="1771148"/>
+                  <a:pt x="2177935" y="1737360"/>
+                  <a:pt x="2169622" y="1704109"/>
+                </a:cubicBezTo>
+                <a:cubicBezTo>
+                  <a:pt x="2166851" y="1693025"/>
+                  <a:pt x="2164922" y="1681697"/>
+                  <a:pt x="2161309" y="1670858"/>
+                </a:cubicBezTo>
+                <a:lnTo>
+                  <a:pt x="2128058" y="1571105"/>
+                </a:lnTo>
+                <a:cubicBezTo>
+                  <a:pt x="2125287" y="1551709"/>
+                  <a:pt x="2125274" y="1531713"/>
+                  <a:pt x="2119745" y="1512916"/>
+                </a:cubicBezTo>
+                <a:cubicBezTo>
+                  <a:pt x="2111324" y="1484285"/>
+                  <a:pt x="2086494" y="1429789"/>
+                  <a:pt x="2086494" y="1429789"/>
+                </a:cubicBezTo>
+                <a:cubicBezTo>
+                  <a:pt x="2083723" y="1415934"/>
+                  <a:pt x="2081900" y="1401856"/>
+                  <a:pt x="2078182" y="1388225"/>
+                </a:cubicBezTo>
+                <a:cubicBezTo>
+                  <a:pt x="2073529" y="1371162"/>
+                  <a:pt x="2053852" y="1314627"/>
+                  <a:pt x="2044931" y="1296785"/>
+                </a:cubicBezTo>
+                <a:cubicBezTo>
+                  <a:pt x="2037706" y="1282334"/>
+                  <a:pt x="2028306" y="1269076"/>
+                  <a:pt x="2019993" y="1255222"/>
+                </a:cubicBezTo>
+                <a:cubicBezTo>
+                  <a:pt x="1996090" y="1159615"/>
+                  <a:pt x="2034818" y="1304303"/>
+                  <a:pt x="1986742" y="1172094"/>
+                </a:cubicBezTo>
+                <a:cubicBezTo>
+                  <a:pt x="1981914" y="1158816"/>
+                  <a:pt x="1981494" y="1144323"/>
+                  <a:pt x="1978429" y="1130531"/>
+                </a:cubicBezTo>
+                <a:cubicBezTo>
+                  <a:pt x="1975951" y="1119378"/>
+                  <a:pt x="1972887" y="1108364"/>
+                  <a:pt x="1970116" y="1097280"/>
+                </a:cubicBezTo>
+                <a:cubicBezTo>
+                  <a:pt x="1971974" y="1071265"/>
+                  <a:pt x="1969602" y="969202"/>
+                  <a:pt x="1995054" y="931025"/>
+                </a:cubicBezTo>
+                <a:cubicBezTo>
+                  <a:pt x="2006138" y="914400"/>
+                  <a:pt x="2021986" y="900105"/>
+                  <a:pt x="2028305" y="881149"/>
+                </a:cubicBezTo>
+                <a:cubicBezTo>
+                  <a:pt x="2031076" y="872836"/>
+                  <a:pt x="2032110" y="863725"/>
+                  <a:pt x="2036618" y="856211"/>
+                </a:cubicBezTo>
+                <a:cubicBezTo>
+                  <a:pt x="2040650" y="849491"/>
+                  <a:pt x="2048347" y="845705"/>
+                  <a:pt x="2053243" y="839585"/>
+                </a:cubicBezTo>
+                <a:cubicBezTo>
+                  <a:pt x="2059484" y="831784"/>
+                  <a:pt x="2064062" y="822777"/>
+                  <a:pt x="2069869" y="814647"/>
+                </a:cubicBezTo>
+                <a:cubicBezTo>
+                  <a:pt x="2077922" y="803373"/>
+                  <a:pt x="2086862" y="792746"/>
+                  <a:pt x="2094807" y="781396"/>
+                </a:cubicBezTo>
+                <a:cubicBezTo>
+                  <a:pt x="2106265" y="765027"/>
+                  <a:pt x="2121739" y="750476"/>
+                  <a:pt x="2128058" y="731520"/>
+                </a:cubicBezTo>
+                <a:cubicBezTo>
+                  <a:pt x="2130829" y="723207"/>
+                  <a:pt x="2133225" y="714760"/>
+                  <a:pt x="2136371" y="706582"/>
+                </a:cubicBezTo>
+                <a:cubicBezTo>
+                  <a:pt x="2147084" y="678727"/>
+                  <a:pt x="2160185" y="651766"/>
+                  <a:pt x="2169622" y="623454"/>
+                </a:cubicBezTo>
+                <a:cubicBezTo>
+                  <a:pt x="2175164" y="606829"/>
+                  <a:pt x="2179738" y="589849"/>
+                  <a:pt x="2186247" y="573578"/>
+                </a:cubicBezTo>
+                <a:cubicBezTo>
+                  <a:pt x="2191337" y="560852"/>
+                  <a:pt x="2206839" y="524459"/>
+                  <a:pt x="2211185" y="507076"/>
+                </a:cubicBezTo>
+                <a:cubicBezTo>
+                  <a:pt x="2214612" y="493369"/>
+                  <a:pt x="2216071" y="479220"/>
+                  <a:pt x="2219498" y="465513"/>
+                </a:cubicBezTo>
+                <a:cubicBezTo>
+                  <a:pt x="2221623" y="457012"/>
+                  <a:pt x="2225505" y="449028"/>
+                  <a:pt x="2227811" y="440574"/>
+                </a:cubicBezTo>
+                <a:cubicBezTo>
+                  <a:pt x="2233823" y="418530"/>
+                  <a:pt x="2244436" y="374073"/>
+                  <a:pt x="2244436" y="374073"/>
+                </a:cubicBezTo>
+                <a:cubicBezTo>
+                  <a:pt x="2241774" y="363425"/>
+                  <a:pt x="2233772" y="327805"/>
+                  <a:pt x="2227811" y="315884"/>
+                </a:cubicBezTo>
+                <a:cubicBezTo>
+                  <a:pt x="2223343" y="306948"/>
+                  <a:pt x="2215969" y="299716"/>
+                  <a:pt x="2211185" y="290945"/>
+                </a:cubicBezTo>
+                <a:cubicBezTo>
+                  <a:pt x="2199317" y="269188"/>
+                  <a:pt x="2195459" y="241969"/>
+                  <a:pt x="2177934" y="224444"/>
+                </a:cubicBezTo>
+                <a:lnTo>
+                  <a:pt x="2144683" y="191193"/>
+                </a:lnTo>
+                <a:cubicBezTo>
+                  <a:pt x="2136370" y="182880"/>
+                  <a:pt x="2129150" y="173308"/>
+                  <a:pt x="2119745" y="166254"/>
+                </a:cubicBezTo>
+                <a:cubicBezTo>
+                  <a:pt x="2077089" y="134263"/>
+                  <a:pt x="2096291" y="151113"/>
+                  <a:pt x="2061556" y="116378"/>
+                </a:cubicBezTo>
+                <a:cubicBezTo>
+                  <a:pt x="2043418" y="61967"/>
+                  <a:pt x="2068609" y="115371"/>
+                  <a:pt x="2028305" y="83127"/>
+                </a:cubicBezTo>
+                <a:cubicBezTo>
+                  <a:pt x="2020504" y="76886"/>
+                  <a:pt x="2018744" y="65253"/>
+                  <a:pt x="2011680" y="58189"/>
+                </a:cubicBezTo>
+                <a:cubicBezTo>
+                  <a:pt x="1991711" y="38220"/>
+                  <a:pt x="1985466" y="43393"/>
+                  <a:pt x="1961803" y="33251"/>
+                </a:cubicBezTo>
+                <a:cubicBezTo>
+                  <a:pt x="1950413" y="28370"/>
+                  <a:pt x="1940309" y="20544"/>
+                  <a:pt x="1928553" y="16625"/>
+                </a:cubicBezTo>
+                <a:cubicBezTo>
+                  <a:pt x="1905710" y="9011"/>
+                  <a:pt x="1836771" y="2036"/>
+                  <a:pt x="1820487" y="0"/>
+                </a:cubicBezTo>
+                <a:lnTo>
+                  <a:pt x="1512916" y="8313"/>
+                </a:lnTo>
+                <a:cubicBezTo>
+                  <a:pt x="1490598" y="9305"/>
+                  <a:pt x="1468677" y="14770"/>
+                  <a:pt x="1446414" y="16625"/>
+                </a:cubicBezTo>
+                <a:cubicBezTo>
+                  <a:pt x="1084719" y="46765"/>
+                  <a:pt x="1483555" y="7923"/>
+                  <a:pt x="1230283" y="33251"/>
+                </a:cubicBezTo>
+                <a:cubicBezTo>
+                  <a:pt x="1216429" y="36022"/>
+                  <a:pt x="1202657" y="39241"/>
+                  <a:pt x="1188720" y="41564"/>
+                </a:cubicBezTo>
+                <a:cubicBezTo>
+                  <a:pt x="1169393" y="44785"/>
+                  <a:pt x="1149744" y="46034"/>
+                  <a:pt x="1130531" y="49876"/>
+                </a:cubicBezTo>
+                <a:cubicBezTo>
+                  <a:pt x="1121939" y="51594"/>
+                  <a:pt x="1114353" y="57999"/>
+                  <a:pt x="1105593" y="58189"/>
+                </a:cubicBezTo>
+                <a:cubicBezTo>
+                  <a:pt x="859025" y="63549"/>
+                  <a:pt x="612371" y="63731"/>
+                  <a:pt x="365760" y="66502"/>
+                </a:cubicBezTo>
+                <a:cubicBezTo>
+                  <a:pt x="238539" y="87705"/>
+                  <a:pt x="299549" y="79773"/>
+                  <a:pt x="182880" y="91440"/>
+                </a:cubicBezTo>
+                <a:cubicBezTo>
+                  <a:pt x="144087" y="88669"/>
+                  <a:pt x="105394" y="83127"/>
+                  <a:pt x="66502" y="83127"/>
+                </a:cubicBezTo>
+                <a:cubicBezTo>
+                  <a:pt x="57739" y="83127"/>
+                  <a:pt x="47759" y="85244"/>
+                  <a:pt x="41563" y="91440"/>
+                </a:cubicBezTo>
+                <a:lnTo>
+                  <a:pt x="41563" y="83127"/>
+                </a:lnTo>
+                <a:close/>
+              </a:path>
+            </a:pathLst>
+          </a:custGeom>
+          <a:noFill/>
+        </p:spPr>
+        <p:style>
+          <a:lnRef idx="2">
+            <a:schemeClr val="accent1">
+              <a:shade val="50000"/>
+            </a:schemeClr>
+          </a:lnRef>
+          <a:fillRef idx="1">
+            <a:schemeClr val="accent1"/>
+          </a:fillRef>
+          <a:effectRef idx="0">
+            <a:schemeClr val="accent1"/>
+          </a:effectRef>
+          <a:fontRef idx="minor">
+            <a:schemeClr val="lt1"/>
+          </a:fontRef>
+        </p:style>
+        <p:txBody>
+          <a:bodyPr rtlCol="0" anchor="ctr"/>
+          <a:lstStyle/>
+          <a:p>
+            <a:pPr algn="ctr"/>
+            <a:endParaRPr lang="en-US"/>
+          </a:p>
+        </p:txBody>
+      </p:sp>
+      <p:sp>
+        <p:nvSpPr>
+          <p:cNvPr id="23" name="Freeform 22">
+            <a:extLst>
+              <a:ext uri="{FF2B5EF4-FFF2-40B4-BE49-F238E27FC236}">
+                <a16:creationId xmlns:a16="http://schemas.microsoft.com/office/drawing/2014/main" id="{7E4A865D-5C4F-9C4B-9FC9-A88DD7178B72}"/>
+              </a:ext>
+            </a:extLst>
+          </p:cNvPr>
+          <p:cNvSpPr/>
+          <p:nvPr/>
+        </p:nvSpPr>
+        <p:spPr>
+          <a:xfrm>
+            <a:off x="2975956" y="1155469"/>
+            <a:ext cx="2288671" cy="1064029"/>
+          </a:xfrm>
+          <a:custGeom>
+            <a:avLst/>
+            <a:gdLst>
+              <a:gd name="connsiteX0" fmla="*/ 199506 w 2288671"/>
+              <a:gd name="connsiteY0" fmla="*/ 149629 h 1064029"/>
+              <a:gd name="connsiteX1" fmla="*/ 174568 w 2288671"/>
+              <a:gd name="connsiteY1" fmla="*/ 191193 h 1064029"/>
+              <a:gd name="connsiteX2" fmla="*/ 133004 w 2288671"/>
+              <a:gd name="connsiteY2" fmla="*/ 257695 h 1064029"/>
+              <a:gd name="connsiteX3" fmla="*/ 83128 w 2288671"/>
+              <a:gd name="connsiteY3" fmla="*/ 365760 h 1064029"/>
+              <a:gd name="connsiteX4" fmla="*/ 58189 w 2288671"/>
+              <a:gd name="connsiteY4" fmla="*/ 407324 h 1064029"/>
+              <a:gd name="connsiteX5" fmla="*/ 33251 w 2288671"/>
+              <a:gd name="connsiteY5" fmla="*/ 482138 h 1064029"/>
+              <a:gd name="connsiteX6" fmla="*/ 16626 w 2288671"/>
+              <a:gd name="connsiteY6" fmla="*/ 515389 h 1064029"/>
+              <a:gd name="connsiteX7" fmla="*/ 8313 w 2288671"/>
+              <a:gd name="connsiteY7" fmla="*/ 548640 h 1064029"/>
+              <a:gd name="connsiteX8" fmla="*/ 0 w 2288671"/>
+              <a:gd name="connsiteY8" fmla="*/ 573578 h 1064029"/>
+              <a:gd name="connsiteX9" fmla="*/ 8313 w 2288671"/>
+              <a:gd name="connsiteY9" fmla="*/ 847898 h 1064029"/>
+              <a:gd name="connsiteX10" fmla="*/ 24939 w 2288671"/>
+              <a:gd name="connsiteY10" fmla="*/ 914400 h 1064029"/>
+              <a:gd name="connsiteX11" fmla="*/ 99753 w 2288671"/>
+              <a:gd name="connsiteY11" fmla="*/ 947651 h 1064029"/>
+              <a:gd name="connsiteX12" fmla="*/ 133004 w 2288671"/>
+              <a:gd name="connsiteY12" fmla="*/ 955964 h 1064029"/>
+              <a:gd name="connsiteX13" fmla="*/ 182880 w 2288671"/>
+              <a:gd name="connsiteY13" fmla="*/ 972589 h 1064029"/>
+              <a:gd name="connsiteX14" fmla="*/ 232757 w 2288671"/>
+              <a:gd name="connsiteY14" fmla="*/ 980902 h 1064029"/>
+              <a:gd name="connsiteX15" fmla="*/ 282633 w 2288671"/>
+              <a:gd name="connsiteY15" fmla="*/ 997527 h 1064029"/>
+              <a:gd name="connsiteX16" fmla="*/ 507077 w 2288671"/>
+              <a:gd name="connsiteY16" fmla="*/ 1022466 h 1064029"/>
+              <a:gd name="connsiteX17" fmla="*/ 781397 w 2288671"/>
+              <a:gd name="connsiteY17" fmla="*/ 1030778 h 1064029"/>
+              <a:gd name="connsiteX18" fmla="*/ 980902 w 2288671"/>
+              <a:gd name="connsiteY18" fmla="*/ 1047404 h 1064029"/>
+              <a:gd name="connsiteX19" fmla="*/ 1313411 w 2288671"/>
+              <a:gd name="connsiteY19" fmla="*/ 1064029 h 1064029"/>
+              <a:gd name="connsiteX20" fmla="*/ 1546168 w 2288671"/>
+              <a:gd name="connsiteY20" fmla="*/ 1055716 h 1064029"/>
+              <a:gd name="connsiteX21" fmla="*/ 1596044 w 2288671"/>
+              <a:gd name="connsiteY21" fmla="*/ 1047404 h 1064029"/>
+              <a:gd name="connsiteX22" fmla="*/ 1679171 w 2288671"/>
+              <a:gd name="connsiteY22" fmla="*/ 1039091 h 1064029"/>
+              <a:gd name="connsiteX23" fmla="*/ 1770611 w 2288671"/>
+              <a:gd name="connsiteY23" fmla="*/ 1022466 h 1064029"/>
+              <a:gd name="connsiteX24" fmla="*/ 1820488 w 2288671"/>
+              <a:gd name="connsiteY24" fmla="*/ 1014153 h 1064029"/>
+              <a:gd name="connsiteX25" fmla="*/ 1936866 w 2288671"/>
+              <a:gd name="connsiteY25" fmla="*/ 997527 h 1064029"/>
+              <a:gd name="connsiteX26" fmla="*/ 1986742 w 2288671"/>
+              <a:gd name="connsiteY26" fmla="*/ 989215 h 1064029"/>
+              <a:gd name="connsiteX27" fmla="*/ 2078182 w 2288671"/>
+              <a:gd name="connsiteY27" fmla="*/ 972589 h 1064029"/>
+              <a:gd name="connsiteX28" fmla="*/ 2144684 w 2288671"/>
+              <a:gd name="connsiteY28" fmla="*/ 939338 h 1064029"/>
+              <a:gd name="connsiteX29" fmla="*/ 2177935 w 2288671"/>
+              <a:gd name="connsiteY29" fmla="*/ 914400 h 1064029"/>
+              <a:gd name="connsiteX30" fmla="*/ 2227811 w 2288671"/>
+              <a:gd name="connsiteY30" fmla="*/ 847898 h 1064029"/>
+              <a:gd name="connsiteX31" fmla="*/ 2236124 w 2288671"/>
+              <a:gd name="connsiteY31" fmla="*/ 822960 h 1064029"/>
+              <a:gd name="connsiteX32" fmla="*/ 2261062 w 2288671"/>
+              <a:gd name="connsiteY32" fmla="*/ 773084 h 1064029"/>
+              <a:gd name="connsiteX33" fmla="*/ 2269375 w 2288671"/>
+              <a:gd name="connsiteY33" fmla="*/ 714895 h 1064029"/>
+              <a:gd name="connsiteX34" fmla="*/ 2277688 w 2288671"/>
+              <a:gd name="connsiteY34" fmla="*/ 689956 h 1064029"/>
+              <a:gd name="connsiteX35" fmla="*/ 2277688 w 2288671"/>
+              <a:gd name="connsiteY35" fmla="*/ 382386 h 1064029"/>
+              <a:gd name="connsiteX36" fmla="*/ 2269375 w 2288671"/>
+              <a:gd name="connsiteY36" fmla="*/ 357447 h 1064029"/>
+              <a:gd name="connsiteX37" fmla="*/ 2261062 w 2288671"/>
+              <a:gd name="connsiteY37" fmla="*/ 324196 h 1064029"/>
+              <a:gd name="connsiteX38" fmla="*/ 2252749 w 2288671"/>
+              <a:gd name="connsiteY38" fmla="*/ 249382 h 1064029"/>
+              <a:gd name="connsiteX39" fmla="*/ 2244437 w 2288671"/>
+              <a:gd name="connsiteY39" fmla="*/ 116378 h 1064029"/>
+              <a:gd name="connsiteX40" fmla="*/ 2227811 w 2288671"/>
+              <a:gd name="connsiteY40" fmla="*/ 91440 h 1064029"/>
+              <a:gd name="connsiteX41" fmla="*/ 2144684 w 2288671"/>
+              <a:gd name="connsiteY41" fmla="*/ 41564 h 1064029"/>
+              <a:gd name="connsiteX42" fmla="*/ 2028306 w 2288671"/>
+              <a:gd name="connsiteY42" fmla="*/ 24938 h 1064029"/>
+              <a:gd name="connsiteX43" fmla="*/ 1745673 w 2288671"/>
+              <a:gd name="connsiteY43" fmla="*/ 0 h 1064029"/>
+              <a:gd name="connsiteX44" fmla="*/ 1039091 w 2288671"/>
+              <a:gd name="connsiteY44" fmla="*/ 8313 h 1064029"/>
+              <a:gd name="connsiteX45" fmla="*/ 864524 w 2288671"/>
+              <a:gd name="connsiteY45" fmla="*/ 24938 h 1064029"/>
+              <a:gd name="connsiteX46" fmla="*/ 665019 w 2288671"/>
+              <a:gd name="connsiteY46" fmla="*/ 49876 h 1064029"/>
+              <a:gd name="connsiteX47" fmla="*/ 548640 w 2288671"/>
+              <a:gd name="connsiteY47" fmla="*/ 66502 h 1064029"/>
+              <a:gd name="connsiteX48" fmla="*/ 473826 w 2288671"/>
+              <a:gd name="connsiteY48" fmla="*/ 74815 h 1064029"/>
+              <a:gd name="connsiteX49" fmla="*/ 407324 w 2288671"/>
+              <a:gd name="connsiteY49" fmla="*/ 74815 h 1064029"/>
+            </a:gdLst>
+            <a:ahLst/>
+            <a:cxnLst>
+              <a:cxn ang="0">
+                <a:pos x="connsiteX0" y="connsiteY0"/>
+              </a:cxn>
+              <a:cxn ang="0">
+                <a:pos x="connsiteX1" y="connsiteY1"/>
+              </a:cxn>
+              <a:cxn ang="0">
+                <a:pos x="connsiteX2" y="connsiteY2"/>
+              </a:cxn>
+              <a:cxn ang="0">
+                <a:pos x="connsiteX3" y="connsiteY3"/>
+              </a:cxn>
+              <a:cxn ang="0">
+                <a:pos x="connsiteX4" y="connsiteY4"/>
+              </a:cxn>
+              <a:cxn ang="0">
+                <a:pos x="connsiteX5" y="connsiteY5"/>
+              </a:cxn>
+              <a:cxn ang="0">
+                <a:pos x="connsiteX6" y="connsiteY6"/>
+              </a:cxn>
+              <a:cxn ang="0">
+                <a:pos x="connsiteX7" y="connsiteY7"/>
+              </a:cxn>
+              <a:cxn ang="0">
+                <a:pos x="connsiteX8" y="connsiteY8"/>
+              </a:cxn>
+              <a:cxn ang="0">
+                <a:pos x="connsiteX9" y="connsiteY9"/>
+              </a:cxn>
+              <a:cxn ang="0">
+                <a:pos x="connsiteX10" y="connsiteY10"/>
+              </a:cxn>
+              <a:cxn ang="0">
+                <a:pos x="connsiteX11" y="connsiteY11"/>
+              </a:cxn>
+              <a:cxn ang="0">
+                <a:pos x="connsiteX12" y="connsiteY12"/>
+              </a:cxn>
+              <a:cxn ang="0">
+                <a:pos x="connsiteX13" y="connsiteY13"/>
+              </a:cxn>
+              <a:cxn ang="0">
+                <a:pos x="connsiteX14" y="connsiteY14"/>
+              </a:cxn>
+              <a:cxn ang="0">
+                <a:pos x="connsiteX15" y="connsiteY15"/>
+              </a:cxn>
+              <a:cxn ang="0">
+                <a:pos x="connsiteX16" y="connsiteY16"/>
+              </a:cxn>
+              <a:cxn ang="0">
+                <a:pos x="connsiteX17" y="connsiteY17"/>
+              </a:cxn>
+              <a:cxn ang="0">
+                <a:pos x="connsiteX18" y="connsiteY18"/>
+              </a:cxn>
+              <a:cxn ang="0">
+                <a:pos x="connsiteX19" y="connsiteY19"/>
+              </a:cxn>
+              <a:cxn ang="0">
+                <a:pos x="connsiteX20" y="connsiteY20"/>
+              </a:cxn>
+              <a:cxn ang="0">
+                <a:pos x="connsiteX21" y="connsiteY21"/>
+              </a:cxn>
+              <a:cxn ang="0">
+                <a:pos x="connsiteX22" y="connsiteY22"/>
+              </a:cxn>
+              <a:cxn ang="0">
+                <a:pos x="connsiteX23" y="connsiteY23"/>
+              </a:cxn>
+              <a:cxn ang="0">
+                <a:pos x="connsiteX24" y="connsiteY24"/>
+              </a:cxn>
+              <a:cxn ang="0">
+                <a:pos x="connsiteX25" y="connsiteY25"/>
+              </a:cxn>
+              <a:cxn ang="0">
+                <a:pos x="connsiteX26" y="connsiteY26"/>
+              </a:cxn>
+              <a:cxn ang="0">
+                <a:pos x="connsiteX27" y="connsiteY27"/>
+              </a:cxn>
+              <a:cxn ang="0">
+                <a:pos x="connsiteX28" y="connsiteY28"/>
+              </a:cxn>
+              <a:cxn ang="0">
+                <a:pos x="connsiteX29" y="connsiteY29"/>
+              </a:cxn>
+              <a:cxn ang="0">
+                <a:pos x="connsiteX30" y="connsiteY30"/>
+              </a:cxn>
+              <a:cxn ang="0">
+                <a:pos x="connsiteX31" y="connsiteY31"/>
+              </a:cxn>
+              <a:cxn ang="0">
+                <a:pos x="connsiteX32" y="connsiteY32"/>
+              </a:cxn>
+              <a:cxn ang="0">
+                <a:pos x="connsiteX33" y="connsiteY33"/>
+              </a:cxn>
+              <a:cxn ang="0">
+                <a:pos x="connsiteX34" y="connsiteY34"/>
+              </a:cxn>
+              <a:cxn ang="0">
+                <a:pos x="connsiteX35" y="connsiteY35"/>
+              </a:cxn>
+              <a:cxn ang="0">
+                <a:pos x="connsiteX36" y="connsiteY36"/>
+              </a:cxn>
+              <a:cxn ang="0">
+                <a:pos x="connsiteX37" y="connsiteY37"/>
+              </a:cxn>
+              <a:cxn ang="0">
+                <a:pos x="connsiteX38" y="connsiteY38"/>
+              </a:cxn>
+              <a:cxn ang="0">
+                <a:pos x="connsiteX39" y="connsiteY39"/>
+              </a:cxn>
+              <a:cxn ang="0">
+                <a:pos x="connsiteX40" y="connsiteY40"/>
+              </a:cxn>
+              <a:cxn ang="0">
+                <a:pos x="connsiteX41" y="connsiteY41"/>
+              </a:cxn>
+              <a:cxn ang="0">
+                <a:pos x="connsiteX42" y="connsiteY42"/>
+              </a:cxn>
+              <a:cxn ang="0">
+                <a:pos x="connsiteX43" y="connsiteY43"/>
+              </a:cxn>
+              <a:cxn ang="0">
+                <a:pos x="connsiteX44" y="connsiteY44"/>
+              </a:cxn>
+              <a:cxn ang="0">
+                <a:pos x="connsiteX45" y="connsiteY45"/>
+              </a:cxn>
+              <a:cxn ang="0">
+                <a:pos x="connsiteX46" y="connsiteY46"/>
+              </a:cxn>
+              <a:cxn ang="0">
+                <a:pos x="connsiteX47" y="connsiteY47"/>
+              </a:cxn>
+              <a:cxn ang="0">
+                <a:pos x="connsiteX48" y="connsiteY48"/>
+              </a:cxn>
+              <a:cxn ang="0">
+                <a:pos x="connsiteX49" y="connsiteY49"/>
+              </a:cxn>
+            </a:cxnLst>
+            <a:rect l="l" t="t" r="r" b="b"/>
+            <a:pathLst>
+              <a:path w="2288671" h="1064029">
+                <a:moveTo>
+                  <a:pt x="199506" y="149629"/>
+                </a:moveTo>
+                <a:cubicBezTo>
+                  <a:pt x="191193" y="163484"/>
+                  <a:pt x="183131" y="177492"/>
+                  <a:pt x="174568" y="191193"/>
+                </a:cubicBezTo>
+                <a:cubicBezTo>
+                  <a:pt x="151291" y="228436"/>
+                  <a:pt x="159344" y="209405"/>
+                  <a:pt x="133004" y="257695"/>
+                </a:cubicBezTo>
+                <a:cubicBezTo>
+                  <a:pt x="76160" y="361910"/>
+                  <a:pt x="140896" y="250224"/>
+                  <a:pt x="83128" y="365760"/>
+                </a:cubicBezTo>
+                <a:cubicBezTo>
+                  <a:pt x="75902" y="380211"/>
+                  <a:pt x="64554" y="392473"/>
+                  <a:pt x="58189" y="407324"/>
+                </a:cubicBezTo>
+                <a:cubicBezTo>
+                  <a:pt x="47834" y="431485"/>
+                  <a:pt x="42687" y="457603"/>
+                  <a:pt x="33251" y="482138"/>
+                </a:cubicBezTo>
+                <a:cubicBezTo>
+                  <a:pt x="28803" y="493704"/>
+                  <a:pt x="20977" y="503786"/>
+                  <a:pt x="16626" y="515389"/>
+                </a:cubicBezTo>
+                <a:cubicBezTo>
+                  <a:pt x="12615" y="526086"/>
+                  <a:pt x="11452" y="537655"/>
+                  <a:pt x="8313" y="548640"/>
+                </a:cubicBezTo>
+                <a:cubicBezTo>
+                  <a:pt x="5906" y="557065"/>
+                  <a:pt x="2771" y="565265"/>
+                  <a:pt x="0" y="573578"/>
+                </a:cubicBezTo>
+                <a:cubicBezTo>
+                  <a:pt x="2771" y="665018"/>
+                  <a:pt x="3505" y="756542"/>
+                  <a:pt x="8313" y="847898"/>
+                </a:cubicBezTo>
+                <a:cubicBezTo>
+                  <a:pt x="8401" y="849561"/>
+                  <a:pt x="18325" y="906132"/>
+                  <a:pt x="24939" y="914400"/>
+                </a:cubicBezTo>
+                <a:cubicBezTo>
+                  <a:pt x="39006" y="931984"/>
+                  <a:pt x="85044" y="943238"/>
+                  <a:pt x="99753" y="947651"/>
+                </a:cubicBezTo>
+                <a:cubicBezTo>
+                  <a:pt x="110696" y="950934"/>
+                  <a:pt x="122061" y="952681"/>
+                  <a:pt x="133004" y="955964"/>
+                </a:cubicBezTo>
+                <a:cubicBezTo>
+                  <a:pt x="149790" y="961000"/>
+                  <a:pt x="165879" y="968339"/>
+                  <a:pt x="182880" y="972589"/>
+                </a:cubicBezTo>
+                <a:cubicBezTo>
+                  <a:pt x="199232" y="976677"/>
+                  <a:pt x="216405" y="976814"/>
+                  <a:pt x="232757" y="980902"/>
+                </a:cubicBezTo>
+                <a:cubicBezTo>
+                  <a:pt x="249758" y="985152"/>
+                  <a:pt x="265449" y="994090"/>
+                  <a:pt x="282633" y="997527"/>
+                </a:cubicBezTo>
+                <a:cubicBezTo>
+                  <a:pt x="345133" y="1010027"/>
+                  <a:pt x="442588" y="1019662"/>
+                  <a:pt x="507077" y="1022466"/>
+                </a:cubicBezTo>
+                <a:cubicBezTo>
+                  <a:pt x="598473" y="1026440"/>
+                  <a:pt x="689957" y="1028007"/>
+                  <a:pt x="781397" y="1030778"/>
+                </a:cubicBezTo>
+                <a:cubicBezTo>
+                  <a:pt x="847899" y="1036320"/>
+                  <a:pt x="914223" y="1044737"/>
+                  <a:pt x="980902" y="1047404"/>
+                </a:cubicBezTo>
+                <a:cubicBezTo>
+                  <a:pt x="1230343" y="1057381"/>
+                  <a:pt x="1119546" y="1051104"/>
+                  <a:pt x="1313411" y="1064029"/>
+                </a:cubicBezTo>
+                <a:cubicBezTo>
+                  <a:pt x="1390997" y="1061258"/>
+                  <a:pt x="1468667" y="1060275"/>
+                  <a:pt x="1546168" y="1055716"/>
+                </a:cubicBezTo>
+                <a:cubicBezTo>
+                  <a:pt x="1562994" y="1054726"/>
+                  <a:pt x="1579320" y="1049495"/>
+                  <a:pt x="1596044" y="1047404"/>
+                </a:cubicBezTo>
+                <a:cubicBezTo>
+                  <a:pt x="1623676" y="1043950"/>
+                  <a:pt x="1651462" y="1041862"/>
+                  <a:pt x="1679171" y="1039091"/>
+                </a:cubicBezTo>
+                <a:cubicBezTo>
+                  <a:pt x="1736064" y="1024867"/>
+                  <a:pt x="1693165" y="1034380"/>
+                  <a:pt x="1770611" y="1022466"/>
+                </a:cubicBezTo>
+                <a:cubicBezTo>
+                  <a:pt x="1787270" y="1019903"/>
+                  <a:pt x="1803819" y="1016653"/>
+                  <a:pt x="1820488" y="1014153"/>
+                </a:cubicBezTo>
+                <a:lnTo>
+                  <a:pt x="1936866" y="997527"/>
+                </a:lnTo>
+                <a:cubicBezTo>
+                  <a:pt x="1953534" y="995027"/>
+                  <a:pt x="1970083" y="991778"/>
+                  <a:pt x="1986742" y="989215"/>
+                </a:cubicBezTo>
+                <a:cubicBezTo>
+                  <a:pt x="2037755" y="981367"/>
+                  <a:pt x="2036702" y="984441"/>
+                  <a:pt x="2078182" y="972589"/>
+                </a:cubicBezTo>
+                <a:cubicBezTo>
+                  <a:pt x="2108756" y="963853"/>
+                  <a:pt x="2113477" y="960142"/>
+                  <a:pt x="2144684" y="939338"/>
+                </a:cubicBezTo>
+                <a:cubicBezTo>
+                  <a:pt x="2156212" y="931653"/>
+                  <a:pt x="2168615" y="924652"/>
+                  <a:pt x="2177935" y="914400"/>
+                </a:cubicBezTo>
+                <a:cubicBezTo>
+                  <a:pt x="2196574" y="893897"/>
+                  <a:pt x="2227811" y="847898"/>
+                  <a:pt x="2227811" y="847898"/>
+                </a:cubicBezTo>
+                <a:cubicBezTo>
+                  <a:pt x="2230582" y="839585"/>
+                  <a:pt x="2232565" y="830967"/>
+                  <a:pt x="2236124" y="822960"/>
+                </a:cubicBezTo>
+                <a:cubicBezTo>
+                  <a:pt x="2243673" y="805974"/>
+                  <a:pt x="2255596" y="790850"/>
+                  <a:pt x="2261062" y="773084"/>
+                </a:cubicBezTo>
+                <a:cubicBezTo>
+                  <a:pt x="2266824" y="754357"/>
+                  <a:pt x="2265532" y="734108"/>
+                  <a:pt x="2269375" y="714895"/>
+                </a:cubicBezTo>
+                <a:cubicBezTo>
+                  <a:pt x="2271094" y="706303"/>
+                  <a:pt x="2274917" y="698269"/>
+                  <a:pt x="2277688" y="689956"/>
+                </a:cubicBezTo>
+                <a:cubicBezTo>
+                  <a:pt x="2293054" y="551649"/>
+                  <a:pt x="2291594" y="597930"/>
+                  <a:pt x="2277688" y="382386"/>
+                </a:cubicBezTo>
+                <a:cubicBezTo>
+                  <a:pt x="2277124" y="373642"/>
+                  <a:pt x="2271782" y="365873"/>
+                  <a:pt x="2269375" y="357447"/>
+                </a:cubicBezTo>
+                <a:cubicBezTo>
+                  <a:pt x="2266236" y="346462"/>
+                  <a:pt x="2263833" y="335280"/>
+                  <a:pt x="2261062" y="324196"/>
+                </a:cubicBezTo>
+                <a:cubicBezTo>
+                  <a:pt x="2258291" y="299258"/>
+                  <a:pt x="2254750" y="274394"/>
+                  <a:pt x="2252749" y="249382"/>
+                </a:cubicBezTo>
+                <a:cubicBezTo>
+                  <a:pt x="2249207" y="205102"/>
+                  <a:pt x="2251365" y="160256"/>
+                  <a:pt x="2244437" y="116378"/>
+                </a:cubicBezTo>
+                <a:cubicBezTo>
+                  <a:pt x="2242879" y="106510"/>
+                  <a:pt x="2234207" y="99115"/>
+                  <a:pt x="2227811" y="91440"/>
+                </a:cubicBezTo>
+                <a:cubicBezTo>
+                  <a:pt x="2202091" y="60577"/>
+                  <a:pt x="2188296" y="54983"/>
+                  <a:pt x="2144684" y="41564"/>
+                </a:cubicBezTo>
+                <a:cubicBezTo>
+                  <a:pt x="2126683" y="36025"/>
+                  <a:pt x="2040077" y="26797"/>
+                  <a:pt x="2028306" y="24938"/>
+                </a:cubicBezTo>
+                <a:cubicBezTo>
+                  <a:pt x="1841866" y="-4500"/>
+                  <a:pt x="2034199" y="12545"/>
+                  <a:pt x="1745673" y="0"/>
+                </a:cubicBezTo>
+                <a:lnTo>
+                  <a:pt x="1039091" y="8313"/>
+                </a:lnTo>
+                <a:cubicBezTo>
+                  <a:pt x="980662" y="9967"/>
+                  <a:pt x="922686" y="19122"/>
+                  <a:pt x="864524" y="24938"/>
+                </a:cubicBezTo>
+                <a:cubicBezTo>
+                  <a:pt x="797885" y="31602"/>
+                  <a:pt x="731219" y="39692"/>
+                  <a:pt x="665019" y="49876"/>
+                </a:cubicBezTo>
+                <a:cubicBezTo>
+                  <a:pt x="580371" y="62898"/>
+                  <a:pt x="648746" y="54724"/>
+                  <a:pt x="548640" y="66502"/>
+                </a:cubicBezTo>
+                <a:cubicBezTo>
+                  <a:pt x="523720" y="69434"/>
+                  <a:pt x="498874" y="73342"/>
+                  <a:pt x="473826" y="74815"/>
+                </a:cubicBezTo>
+                <a:cubicBezTo>
+                  <a:pt x="451697" y="76117"/>
+                  <a:pt x="429491" y="74815"/>
+                  <a:pt x="407324" y="74815"/>
+                </a:cubicBezTo>
+              </a:path>
+            </a:pathLst>
+          </a:custGeom>
+          <a:noFill/>
+        </p:spPr>
+        <p:style>
+          <a:lnRef idx="2">
+            <a:schemeClr val="accent1">
+              <a:shade val="50000"/>
+            </a:schemeClr>
+          </a:lnRef>
+          <a:fillRef idx="1">
+            <a:schemeClr val="accent1"/>
+          </a:fillRef>
+          <a:effectRef idx="0">
+            <a:schemeClr val="accent1"/>
+          </a:effectRef>
+          <a:fontRef idx="minor">
+            <a:schemeClr val="lt1"/>
+          </a:fontRef>
+        </p:style>
+        <p:txBody>
+          <a:bodyPr rtlCol="0" anchor="ctr"/>
+          <a:lstStyle/>
+          <a:p>
+            <a:pPr algn="ctr"/>
+            <a:endParaRPr lang="en-US" dirty="0"/>
+          </a:p>
+        </p:txBody>
+      </p:sp>
+      <p:sp>
+        <p:nvSpPr>
+          <p:cNvPr id="24" name="Freeform 23">
+            <a:extLst>
+              <a:ext uri="{FF2B5EF4-FFF2-40B4-BE49-F238E27FC236}">
+                <a16:creationId xmlns:a16="http://schemas.microsoft.com/office/drawing/2014/main" id="{953ACCB3-D8BD-694F-8097-43334B44E787}"/>
+              </a:ext>
+            </a:extLst>
+          </p:cNvPr>
+          <p:cNvSpPr/>
+          <p:nvPr/>
+        </p:nvSpPr>
+        <p:spPr>
+          <a:xfrm>
+            <a:off x="5478087" y="1246909"/>
+            <a:ext cx="2705300" cy="972589"/>
+          </a:xfrm>
+          <a:custGeom>
+            <a:avLst/>
+            <a:gdLst>
+              <a:gd name="connsiteX0" fmla="*/ 955964 w 2705300"/>
+              <a:gd name="connsiteY0" fmla="*/ 41564 h 972589"/>
+              <a:gd name="connsiteX1" fmla="*/ 365760 w 2705300"/>
+              <a:gd name="connsiteY1" fmla="*/ 58189 h 972589"/>
+              <a:gd name="connsiteX2" fmla="*/ 207818 w 2705300"/>
+              <a:gd name="connsiteY2" fmla="*/ 74815 h 972589"/>
+              <a:gd name="connsiteX3" fmla="*/ 0 w 2705300"/>
+              <a:gd name="connsiteY3" fmla="*/ 83127 h 972589"/>
+              <a:gd name="connsiteX4" fmla="*/ 8313 w 2705300"/>
+              <a:gd name="connsiteY4" fmla="*/ 349135 h 972589"/>
+              <a:gd name="connsiteX5" fmla="*/ 58189 w 2705300"/>
+              <a:gd name="connsiteY5" fmla="*/ 407324 h 972589"/>
+              <a:gd name="connsiteX6" fmla="*/ 99753 w 2705300"/>
+              <a:gd name="connsiteY6" fmla="*/ 473826 h 972589"/>
+              <a:gd name="connsiteX7" fmla="*/ 124691 w 2705300"/>
+              <a:gd name="connsiteY7" fmla="*/ 507076 h 972589"/>
+              <a:gd name="connsiteX8" fmla="*/ 149629 w 2705300"/>
+              <a:gd name="connsiteY8" fmla="*/ 548640 h 972589"/>
+              <a:gd name="connsiteX9" fmla="*/ 166255 w 2705300"/>
+              <a:gd name="connsiteY9" fmla="*/ 565266 h 972589"/>
+              <a:gd name="connsiteX10" fmla="*/ 199506 w 2705300"/>
+              <a:gd name="connsiteY10" fmla="*/ 606829 h 972589"/>
+              <a:gd name="connsiteX11" fmla="*/ 224444 w 2705300"/>
+              <a:gd name="connsiteY11" fmla="*/ 648393 h 972589"/>
+              <a:gd name="connsiteX12" fmla="*/ 241069 w 2705300"/>
+              <a:gd name="connsiteY12" fmla="*/ 681644 h 972589"/>
+              <a:gd name="connsiteX13" fmla="*/ 266008 w 2705300"/>
+              <a:gd name="connsiteY13" fmla="*/ 714895 h 972589"/>
+              <a:gd name="connsiteX14" fmla="*/ 307571 w 2705300"/>
+              <a:gd name="connsiteY14" fmla="*/ 764771 h 972589"/>
+              <a:gd name="connsiteX15" fmla="*/ 324197 w 2705300"/>
+              <a:gd name="connsiteY15" fmla="*/ 789709 h 972589"/>
+              <a:gd name="connsiteX16" fmla="*/ 365760 w 2705300"/>
+              <a:gd name="connsiteY16" fmla="*/ 814647 h 972589"/>
+              <a:gd name="connsiteX17" fmla="*/ 390698 w 2705300"/>
+              <a:gd name="connsiteY17" fmla="*/ 839586 h 972589"/>
+              <a:gd name="connsiteX18" fmla="*/ 457200 w 2705300"/>
+              <a:gd name="connsiteY18" fmla="*/ 872836 h 972589"/>
+              <a:gd name="connsiteX19" fmla="*/ 590204 w 2705300"/>
+              <a:gd name="connsiteY19" fmla="*/ 931026 h 972589"/>
+              <a:gd name="connsiteX20" fmla="*/ 631768 w 2705300"/>
+              <a:gd name="connsiteY20" fmla="*/ 947651 h 972589"/>
+              <a:gd name="connsiteX21" fmla="*/ 681644 w 2705300"/>
+              <a:gd name="connsiteY21" fmla="*/ 955964 h 972589"/>
+              <a:gd name="connsiteX22" fmla="*/ 706582 w 2705300"/>
+              <a:gd name="connsiteY22" fmla="*/ 964276 h 972589"/>
+              <a:gd name="connsiteX23" fmla="*/ 748146 w 2705300"/>
+              <a:gd name="connsiteY23" fmla="*/ 972589 h 972589"/>
+              <a:gd name="connsiteX24" fmla="*/ 947651 w 2705300"/>
+              <a:gd name="connsiteY24" fmla="*/ 939338 h 972589"/>
+              <a:gd name="connsiteX25" fmla="*/ 1014153 w 2705300"/>
+              <a:gd name="connsiteY25" fmla="*/ 922713 h 972589"/>
+              <a:gd name="connsiteX26" fmla="*/ 1080655 w 2705300"/>
+              <a:gd name="connsiteY26" fmla="*/ 906087 h 972589"/>
+              <a:gd name="connsiteX27" fmla="*/ 1172095 w 2705300"/>
+              <a:gd name="connsiteY27" fmla="*/ 897775 h 972589"/>
+              <a:gd name="connsiteX28" fmla="*/ 1704109 w 2705300"/>
+              <a:gd name="connsiteY28" fmla="*/ 914400 h 972589"/>
+              <a:gd name="connsiteX29" fmla="*/ 1803862 w 2705300"/>
+              <a:gd name="connsiteY29" fmla="*/ 939338 h 972589"/>
+              <a:gd name="connsiteX30" fmla="*/ 1953491 w 2705300"/>
+              <a:gd name="connsiteY30" fmla="*/ 955964 h 972589"/>
+              <a:gd name="connsiteX31" fmla="*/ 2028306 w 2705300"/>
+              <a:gd name="connsiteY31" fmla="*/ 964276 h 972589"/>
+              <a:gd name="connsiteX32" fmla="*/ 2186248 w 2705300"/>
+              <a:gd name="connsiteY32" fmla="*/ 955964 h 972589"/>
+              <a:gd name="connsiteX33" fmla="*/ 2269375 w 2705300"/>
+              <a:gd name="connsiteY33" fmla="*/ 947651 h 972589"/>
+              <a:gd name="connsiteX34" fmla="*/ 2377440 w 2705300"/>
+              <a:gd name="connsiteY34" fmla="*/ 939338 h 972589"/>
+              <a:gd name="connsiteX35" fmla="*/ 2410691 w 2705300"/>
+              <a:gd name="connsiteY35" fmla="*/ 931026 h 972589"/>
+              <a:gd name="connsiteX36" fmla="*/ 2468880 w 2705300"/>
+              <a:gd name="connsiteY36" fmla="*/ 914400 h 972589"/>
+              <a:gd name="connsiteX37" fmla="*/ 2493818 w 2705300"/>
+              <a:gd name="connsiteY37" fmla="*/ 897775 h 972589"/>
+              <a:gd name="connsiteX38" fmla="*/ 2543695 w 2705300"/>
+              <a:gd name="connsiteY38" fmla="*/ 872836 h 972589"/>
+              <a:gd name="connsiteX39" fmla="*/ 2601884 w 2705300"/>
+              <a:gd name="connsiteY39" fmla="*/ 773084 h 972589"/>
+              <a:gd name="connsiteX40" fmla="*/ 2643448 w 2705300"/>
+              <a:gd name="connsiteY40" fmla="*/ 673331 h 972589"/>
+              <a:gd name="connsiteX41" fmla="*/ 2651760 w 2705300"/>
+              <a:gd name="connsiteY41" fmla="*/ 648393 h 972589"/>
+              <a:gd name="connsiteX42" fmla="*/ 2660073 w 2705300"/>
+              <a:gd name="connsiteY42" fmla="*/ 623455 h 972589"/>
+              <a:gd name="connsiteX43" fmla="*/ 2668386 w 2705300"/>
+              <a:gd name="connsiteY43" fmla="*/ 590204 h 972589"/>
+              <a:gd name="connsiteX44" fmla="*/ 2676698 w 2705300"/>
+              <a:gd name="connsiteY44" fmla="*/ 548640 h 972589"/>
+              <a:gd name="connsiteX45" fmla="*/ 2693324 w 2705300"/>
+              <a:gd name="connsiteY45" fmla="*/ 507076 h 972589"/>
+              <a:gd name="connsiteX46" fmla="*/ 2693324 w 2705300"/>
+              <a:gd name="connsiteY46" fmla="*/ 315884 h 972589"/>
+              <a:gd name="connsiteX47" fmla="*/ 2668386 w 2705300"/>
+              <a:gd name="connsiteY47" fmla="*/ 282633 h 972589"/>
+              <a:gd name="connsiteX48" fmla="*/ 2635135 w 2705300"/>
+              <a:gd name="connsiteY48" fmla="*/ 224444 h 972589"/>
+              <a:gd name="connsiteX49" fmla="*/ 2618509 w 2705300"/>
+              <a:gd name="connsiteY49" fmla="*/ 199506 h 972589"/>
+              <a:gd name="connsiteX50" fmla="*/ 2585258 w 2705300"/>
+              <a:gd name="connsiteY50" fmla="*/ 124691 h 972589"/>
+              <a:gd name="connsiteX51" fmla="*/ 2560320 w 2705300"/>
+              <a:gd name="connsiteY51" fmla="*/ 99753 h 972589"/>
+              <a:gd name="connsiteX52" fmla="*/ 2527069 w 2705300"/>
+              <a:gd name="connsiteY52" fmla="*/ 91440 h 972589"/>
+              <a:gd name="connsiteX53" fmla="*/ 2485506 w 2705300"/>
+              <a:gd name="connsiteY53" fmla="*/ 74815 h 972589"/>
+              <a:gd name="connsiteX54" fmla="*/ 2369128 w 2705300"/>
+              <a:gd name="connsiteY54" fmla="*/ 41564 h 972589"/>
+              <a:gd name="connsiteX55" fmla="*/ 2286000 w 2705300"/>
+              <a:gd name="connsiteY55" fmla="*/ 24938 h 972589"/>
+              <a:gd name="connsiteX56" fmla="*/ 2236124 w 2705300"/>
+              <a:gd name="connsiteY56" fmla="*/ 16626 h 972589"/>
+              <a:gd name="connsiteX57" fmla="*/ 2136371 w 2705300"/>
+              <a:gd name="connsiteY57" fmla="*/ 0 h 972589"/>
+              <a:gd name="connsiteX58" fmla="*/ 1828800 w 2705300"/>
+              <a:gd name="connsiteY58" fmla="*/ 8313 h 972589"/>
+              <a:gd name="connsiteX59" fmla="*/ 1729048 w 2705300"/>
+              <a:gd name="connsiteY59" fmla="*/ 24938 h 972589"/>
+              <a:gd name="connsiteX60" fmla="*/ 1695797 w 2705300"/>
+              <a:gd name="connsiteY60" fmla="*/ 33251 h 972589"/>
+              <a:gd name="connsiteX61" fmla="*/ 1645920 w 2705300"/>
+              <a:gd name="connsiteY61" fmla="*/ 41564 h 972589"/>
+              <a:gd name="connsiteX62" fmla="*/ 1321724 w 2705300"/>
+              <a:gd name="connsiteY62" fmla="*/ 33251 h 972589"/>
+              <a:gd name="connsiteX63" fmla="*/ 1280160 w 2705300"/>
+              <a:gd name="connsiteY63" fmla="*/ 24938 h 972589"/>
+              <a:gd name="connsiteX64" fmla="*/ 1180408 w 2705300"/>
+              <a:gd name="connsiteY64" fmla="*/ 16626 h 972589"/>
+              <a:gd name="connsiteX65" fmla="*/ 864524 w 2705300"/>
+              <a:gd name="connsiteY65" fmla="*/ 16626 h 972589"/>
+            </a:gdLst>
+            <a:ahLst/>
+            <a:cxnLst>
+              <a:cxn ang="0">
+                <a:pos x="connsiteX0" y="connsiteY0"/>
+              </a:cxn>
+              <a:cxn ang="0">
+                <a:pos x="connsiteX1" y="connsiteY1"/>
+              </a:cxn>
+              <a:cxn ang="0">
+                <a:pos x="connsiteX2" y="connsiteY2"/>
+              </a:cxn>
+              <a:cxn ang="0">
+                <a:pos x="connsiteX3" y="connsiteY3"/>
+              </a:cxn>
+              <a:cxn ang="0">
+                <a:pos x="connsiteX4" y="connsiteY4"/>
+              </a:cxn>
+              <a:cxn ang="0">
+                <a:pos x="connsiteX5" y="connsiteY5"/>
+              </a:cxn>
+              <a:cxn ang="0">
+                <a:pos x="connsiteX6" y="connsiteY6"/>
+              </a:cxn>
+              <a:cxn ang="0">
+                <a:pos x="connsiteX7" y="connsiteY7"/>
+              </a:cxn>
+              <a:cxn ang="0">
+                <a:pos x="connsiteX8" y="connsiteY8"/>
+              </a:cxn>
+              <a:cxn ang="0">
+                <a:pos x="connsiteX9" y="connsiteY9"/>
+              </a:cxn>
+              <a:cxn ang="0">
+                <a:pos x="connsiteX10" y="connsiteY10"/>
+              </a:cxn>
+              <a:cxn ang="0">
+                <a:pos x="connsiteX11" y="connsiteY11"/>
+              </a:cxn>
+              <a:cxn ang="0">
+                <a:pos x="connsiteX12" y="connsiteY12"/>
+              </a:cxn>
+              <a:cxn ang="0">
+                <a:pos x="connsiteX13" y="connsiteY13"/>
+              </a:cxn>
+              <a:cxn ang="0">
+                <a:pos x="connsiteX14" y="connsiteY14"/>
+              </a:cxn>
+              <a:cxn ang="0">
+                <a:pos x="connsiteX15" y="connsiteY15"/>
+              </a:cxn>
+              <a:cxn ang="0">
+                <a:pos x="connsiteX16" y="connsiteY16"/>
+              </a:cxn>
+              <a:cxn ang="0">
+                <a:pos x="connsiteX17" y="connsiteY17"/>
+              </a:cxn>
+              <a:cxn ang="0">
+                <a:pos x="connsiteX18" y="connsiteY18"/>
+              </a:cxn>
+              <a:cxn ang="0">
+                <a:pos x="connsiteX19" y="connsiteY19"/>
+              </a:cxn>
+              <a:cxn ang="0">
+                <a:pos x="connsiteX20" y="connsiteY20"/>
+              </a:cxn>
+              <a:cxn ang="0">
+                <a:pos x="connsiteX21" y="connsiteY21"/>
+              </a:cxn>
+              <a:cxn ang="0">
+                <a:pos x="connsiteX22" y="connsiteY22"/>
+              </a:cxn>
+              <a:cxn ang="0">
+                <a:pos x="connsiteX23" y="connsiteY23"/>
+              </a:cxn>
+              <a:cxn ang="0">
+                <a:pos x="connsiteX24" y="connsiteY24"/>
+              </a:cxn>
+              <a:cxn ang="0">
+                <a:pos x="connsiteX25" y="connsiteY25"/>
+              </a:cxn>
+              <a:cxn ang="0">
+                <a:pos x="connsiteX26" y="connsiteY26"/>
+              </a:cxn>
+              <a:cxn ang="0">
+                <a:pos x="connsiteX27" y="connsiteY27"/>
+              </a:cxn>
+              <a:cxn ang="0">
+                <a:pos x="connsiteX28" y="connsiteY28"/>
+              </a:cxn>
+              <a:cxn ang="0">
+                <a:pos x="connsiteX29" y="connsiteY29"/>
+              </a:cxn>
+              <a:cxn ang="0">
+                <a:pos x="connsiteX30" y="connsiteY30"/>
+              </a:cxn>
+              <a:cxn ang="0">
+                <a:pos x="connsiteX31" y="connsiteY31"/>
+              </a:cxn>
+              <a:cxn ang="0">
+                <a:pos x="connsiteX32" y="connsiteY32"/>
+              </a:cxn>
+              <a:cxn ang="0">
+                <a:pos x="connsiteX33" y="connsiteY33"/>
+              </a:cxn>
+              <a:cxn ang="0">
+                <a:pos x="connsiteX34" y="connsiteY34"/>
+              </a:cxn>
+              <a:cxn ang="0">
+                <a:pos x="connsiteX35" y="connsiteY35"/>
+              </a:cxn>
+              <a:cxn ang="0">
+                <a:pos x="connsiteX36" y="connsiteY36"/>
+              </a:cxn>
+              <a:cxn ang="0">
+                <a:pos x="connsiteX37" y="connsiteY37"/>
+              </a:cxn>
+              <a:cxn ang="0">
+                <a:pos x="connsiteX38" y="connsiteY38"/>
+              </a:cxn>
+              <a:cxn ang="0">
+                <a:pos x="connsiteX39" y="connsiteY39"/>
+              </a:cxn>
+              <a:cxn ang="0">
+                <a:pos x="connsiteX40" y="connsiteY40"/>
+              </a:cxn>
+              <a:cxn ang="0">
+                <a:pos x="connsiteX41" y="connsiteY41"/>
+              </a:cxn>
+              <a:cxn ang="0">
+                <a:pos x="connsiteX42" y="connsiteY42"/>
+              </a:cxn>
+              <a:cxn ang="0">
+                <a:pos x="connsiteX43" y="connsiteY43"/>
+              </a:cxn>
+              <a:cxn ang="0">
+                <a:pos x="connsiteX44" y="connsiteY44"/>
+              </a:cxn>
+              <a:cxn ang="0">
+                <a:pos x="connsiteX45" y="connsiteY45"/>
+              </a:cxn>
+              <a:cxn ang="0">
+                <a:pos x="connsiteX46" y="connsiteY46"/>
+              </a:cxn>
+              <a:cxn ang="0">
+                <a:pos x="connsiteX47" y="connsiteY47"/>
+              </a:cxn>
+              <a:cxn ang="0">
+                <a:pos x="connsiteX48" y="connsiteY48"/>
+              </a:cxn>
+              <a:cxn ang="0">
+                <a:pos x="connsiteX49" y="connsiteY49"/>
+              </a:cxn>
+              <a:cxn ang="0">
+                <a:pos x="connsiteX50" y="connsiteY50"/>
+              </a:cxn>
+              <a:cxn ang="0">
+                <a:pos x="connsiteX51" y="connsiteY51"/>
+              </a:cxn>
+              <a:cxn ang="0">
+                <a:pos x="connsiteX52" y="connsiteY52"/>
+              </a:cxn>
+              <a:cxn ang="0">
+                <a:pos x="connsiteX53" y="connsiteY53"/>
+              </a:cxn>
+              <a:cxn ang="0">
+                <a:pos x="connsiteX54" y="connsiteY54"/>
+              </a:cxn>
+              <a:cxn ang="0">
+                <a:pos x="connsiteX55" y="connsiteY55"/>
+              </a:cxn>
+              <a:cxn ang="0">
+                <a:pos x="connsiteX56" y="connsiteY56"/>
+              </a:cxn>
+              <a:cxn ang="0">
+                <a:pos x="connsiteX57" y="connsiteY57"/>
+              </a:cxn>
+              <a:cxn ang="0">
+                <a:pos x="connsiteX58" y="connsiteY58"/>
+              </a:cxn>
+              <a:cxn ang="0">
+                <a:pos x="connsiteX59" y="connsiteY59"/>
+              </a:cxn>
+              <a:cxn ang="0">
+                <a:pos x="connsiteX60" y="connsiteY60"/>
+              </a:cxn>
+              <a:cxn ang="0">
+                <a:pos x="connsiteX61" y="connsiteY61"/>
+              </a:cxn>
+              <a:cxn ang="0">
+                <a:pos x="connsiteX62" y="connsiteY62"/>
+              </a:cxn>
+              <a:cxn ang="0">
+                <a:pos x="connsiteX63" y="connsiteY63"/>
+              </a:cxn>
+              <a:cxn ang="0">
+                <a:pos x="connsiteX64" y="connsiteY64"/>
+              </a:cxn>
+              <a:cxn ang="0">
+                <a:pos x="connsiteX65" y="connsiteY65"/>
+              </a:cxn>
+            </a:cxnLst>
+            <a:rect l="l" t="t" r="r" b="b"/>
+            <a:pathLst>
+              <a:path w="2705300" h="972589">
+                <a:moveTo>
+                  <a:pt x="955964" y="41564"/>
+                </a:moveTo>
+                <a:cubicBezTo>
+                  <a:pt x="612827" y="63008"/>
+                  <a:pt x="1066410" y="36630"/>
+                  <a:pt x="365760" y="58189"/>
+                </a:cubicBezTo>
+                <a:cubicBezTo>
+                  <a:pt x="312410" y="59831"/>
+                  <a:pt x="260983" y="71688"/>
+                  <a:pt x="207818" y="74815"/>
+                </a:cubicBezTo>
+                <a:cubicBezTo>
+                  <a:pt x="138610" y="78886"/>
+                  <a:pt x="69273" y="80356"/>
+                  <a:pt x="0" y="83127"/>
+                </a:cubicBezTo>
+                <a:cubicBezTo>
+                  <a:pt x="2771" y="171796"/>
+                  <a:pt x="-3567" y="261221"/>
+                  <a:pt x="8313" y="349135"/>
+                </a:cubicBezTo>
+                <a:cubicBezTo>
+                  <a:pt x="10750" y="367169"/>
+                  <a:pt x="44793" y="391249"/>
+                  <a:pt x="58189" y="407324"/>
+                </a:cubicBezTo>
+                <a:cubicBezTo>
+                  <a:pt x="105294" y="463850"/>
+                  <a:pt x="63757" y="416232"/>
+                  <a:pt x="99753" y="473826"/>
+                </a:cubicBezTo>
+                <a:cubicBezTo>
+                  <a:pt x="107096" y="485574"/>
+                  <a:pt x="117006" y="495549"/>
+                  <a:pt x="124691" y="507076"/>
+                </a:cubicBezTo>
+                <a:cubicBezTo>
+                  <a:pt x="133653" y="520520"/>
+                  <a:pt x="140238" y="535492"/>
+                  <a:pt x="149629" y="548640"/>
+                </a:cubicBezTo>
+                <a:cubicBezTo>
+                  <a:pt x="154184" y="555018"/>
+                  <a:pt x="161359" y="559146"/>
+                  <a:pt x="166255" y="565266"/>
+                </a:cubicBezTo>
+                <a:cubicBezTo>
+                  <a:pt x="208196" y="617692"/>
+                  <a:pt x="159366" y="566692"/>
+                  <a:pt x="199506" y="606829"/>
+                </a:cubicBezTo>
+                <a:cubicBezTo>
+                  <a:pt x="218800" y="664716"/>
+                  <a:pt x="194016" y="602750"/>
+                  <a:pt x="224444" y="648393"/>
+                </a:cubicBezTo>
+                <a:cubicBezTo>
+                  <a:pt x="231318" y="658704"/>
+                  <a:pt x="234501" y="671136"/>
+                  <a:pt x="241069" y="681644"/>
+                </a:cubicBezTo>
+                <a:cubicBezTo>
+                  <a:pt x="248412" y="693393"/>
+                  <a:pt x="257955" y="703621"/>
+                  <a:pt x="266008" y="714895"/>
+                </a:cubicBezTo>
+                <a:cubicBezTo>
+                  <a:pt x="327925" y="801578"/>
+                  <a:pt x="229946" y="671623"/>
+                  <a:pt x="307571" y="764771"/>
+                </a:cubicBezTo>
+                <a:cubicBezTo>
+                  <a:pt x="313967" y="772446"/>
+                  <a:pt x="316611" y="783207"/>
+                  <a:pt x="324197" y="789709"/>
+                </a:cubicBezTo>
+                <a:cubicBezTo>
+                  <a:pt x="336464" y="800224"/>
+                  <a:pt x="352835" y="804953"/>
+                  <a:pt x="365760" y="814647"/>
+                </a:cubicBezTo>
+                <a:cubicBezTo>
+                  <a:pt x="375165" y="821701"/>
+                  <a:pt x="380780" y="833274"/>
+                  <a:pt x="390698" y="839586"/>
+                </a:cubicBezTo>
+                <a:cubicBezTo>
+                  <a:pt x="411607" y="852892"/>
+                  <a:pt x="435033" y="861752"/>
+                  <a:pt x="457200" y="872836"/>
+                </a:cubicBezTo>
+                <a:cubicBezTo>
+                  <a:pt x="533777" y="911124"/>
+                  <a:pt x="489806" y="890867"/>
+                  <a:pt x="590204" y="931026"/>
+                </a:cubicBezTo>
+                <a:cubicBezTo>
+                  <a:pt x="604059" y="936568"/>
+                  <a:pt x="617049" y="945198"/>
+                  <a:pt x="631768" y="947651"/>
+                </a:cubicBezTo>
+                <a:cubicBezTo>
+                  <a:pt x="648393" y="950422"/>
+                  <a:pt x="665191" y="952308"/>
+                  <a:pt x="681644" y="955964"/>
+                </a:cubicBezTo>
+                <a:cubicBezTo>
+                  <a:pt x="690198" y="957865"/>
+                  <a:pt x="698081" y="962151"/>
+                  <a:pt x="706582" y="964276"/>
+                </a:cubicBezTo>
+                <a:cubicBezTo>
+                  <a:pt x="720289" y="967703"/>
+                  <a:pt x="734291" y="969818"/>
+                  <a:pt x="748146" y="972589"/>
+                </a:cubicBezTo>
+                <a:cubicBezTo>
+                  <a:pt x="774520" y="968821"/>
+                  <a:pt x="911174" y="951496"/>
+                  <a:pt x="947651" y="939338"/>
+                </a:cubicBezTo>
+                <a:cubicBezTo>
+                  <a:pt x="995328" y="923447"/>
+                  <a:pt x="948944" y="937762"/>
+                  <a:pt x="1014153" y="922713"/>
+                </a:cubicBezTo>
+                <a:cubicBezTo>
+                  <a:pt x="1036417" y="917575"/>
+                  <a:pt x="1057899" y="908156"/>
+                  <a:pt x="1080655" y="906087"/>
+                </a:cubicBezTo>
+                <a:lnTo>
+                  <a:pt x="1172095" y="897775"/>
+                </a:lnTo>
+                <a:cubicBezTo>
+                  <a:pt x="1349433" y="903317"/>
+                  <a:pt x="1527067" y="902753"/>
+                  <a:pt x="1704109" y="914400"/>
+                </a:cubicBezTo>
+                <a:cubicBezTo>
+                  <a:pt x="1738309" y="916650"/>
+                  <a:pt x="1770323" y="932277"/>
+                  <a:pt x="1803862" y="939338"/>
+                </a:cubicBezTo>
+                <a:cubicBezTo>
+                  <a:pt x="1844017" y="947792"/>
+                  <a:pt x="1918036" y="952419"/>
+                  <a:pt x="1953491" y="955964"/>
+                </a:cubicBezTo>
+                <a:cubicBezTo>
+                  <a:pt x="1978458" y="958461"/>
+                  <a:pt x="2003368" y="961505"/>
+                  <a:pt x="2028306" y="964276"/>
+                </a:cubicBezTo>
+                <a:lnTo>
+                  <a:pt x="2186248" y="955964"/>
+                </a:lnTo>
+                <a:cubicBezTo>
+                  <a:pt x="2214029" y="954048"/>
+                  <a:pt x="2241632" y="950063"/>
+                  <a:pt x="2269375" y="947651"/>
+                </a:cubicBezTo>
+                <a:cubicBezTo>
+                  <a:pt x="2305367" y="944521"/>
+                  <a:pt x="2341418" y="942109"/>
+                  <a:pt x="2377440" y="939338"/>
+                </a:cubicBezTo>
+                <a:cubicBezTo>
+                  <a:pt x="2388524" y="936567"/>
+                  <a:pt x="2399706" y="934165"/>
+                  <a:pt x="2410691" y="931026"/>
+                </a:cubicBezTo>
+                <a:cubicBezTo>
+                  <a:pt x="2494210" y="907164"/>
+                  <a:pt x="2364879" y="940401"/>
+                  <a:pt x="2468880" y="914400"/>
+                </a:cubicBezTo>
+                <a:cubicBezTo>
+                  <a:pt x="2477193" y="908858"/>
+                  <a:pt x="2484882" y="902243"/>
+                  <a:pt x="2493818" y="897775"/>
+                </a:cubicBezTo>
+                <a:cubicBezTo>
+                  <a:pt x="2520863" y="884253"/>
+                  <a:pt x="2519871" y="896660"/>
+                  <a:pt x="2543695" y="872836"/>
+                </a:cubicBezTo>
+                <a:cubicBezTo>
+                  <a:pt x="2570235" y="846296"/>
+                  <a:pt x="2586173" y="804506"/>
+                  <a:pt x="2601884" y="773084"/>
+                </a:cubicBezTo>
+                <a:cubicBezTo>
+                  <a:pt x="2634656" y="707540"/>
+                  <a:pt x="2620947" y="740834"/>
+                  <a:pt x="2643448" y="673331"/>
+                </a:cubicBezTo>
+                <a:lnTo>
+                  <a:pt x="2651760" y="648393"/>
+                </a:lnTo>
+                <a:cubicBezTo>
+                  <a:pt x="2654531" y="640080"/>
+                  <a:pt x="2657948" y="631956"/>
+                  <a:pt x="2660073" y="623455"/>
+                </a:cubicBezTo>
+                <a:cubicBezTo>
+                  <a:pt x="2662844" y="612371"/>
+                  <a:pt x="2665908" y="601357"/>
+                  <a:pt x="2668386" y="590204"/>
+                </a:cubicBezTo>
+                <a:cubicBezTo>
+                  <a:pt x="2671451" y="576411"/>
+                  <a:pt x="2672638" y="562173"/>
+                  <a:pt x="2676698" y="548640"/>
+                </a:cubicBezTo>
+                <a:cubicBezTo>
+                  <a:pt x="2680986" y="534347"/>
+                  <a:pt x="2687782" y="520931"/>
+                  <a:pt x="2693324" y="507076"/>
+                </a:cubicBezTo>
+                <a:cubicBezTo>
+                  <a:pt x="2705924" y="431477"/>
+                  <a:pt x="2712343" y="415732"/>
+                  <a:pt x="2693324" y="315884"/>
+                </a:cubicBezTo>
+                <a:cubicBezTo>
+                  <a:pt x="2690732" y="302274"/>
+                  <a:pt x="2676439" y="293907"/>
+                  <a:pt x="2668386" y="282633"/>
+                </a:cubicBezTo>
+                <a:cubicBezTo>
+                  <a:pt x="2639447" y="242119"/>
+                  <a:pt x="2662974" y="273162"/>
+                  <a:pt x="2635135" y="224444"/>
+                </a:cubicBezTo>
+                <a:cubicBezTo>
+                  <a:pt x="2630178" y="215770"/>
+                  <a:pt x="2622977" y="208442"/>
+                  <a:pt x="2618509" y="199506"/>
+                </a:cubicBezTo>
+                <a:cubicBezTo>
+                  <a:pt x="2607643" y="177774"/>
+                  <a:pt x="2599953" y="145264"/>
+                  <a:pt x="2585258" y="124691"/>
+                </a:cubicBezTo>
+                <a:cubicBezTo>
+                  <a:pt x="2578425" y="115125"/>
+                  <a:pt x="2570527" y="105586"/>
+                  <a:pt x="2560320" y="99753"/>
+                </a:cubicBezTo>
+                <a:cubicBezTo>
+                  <a:pt x="2550401" y="94085"/>
+                  <a:pt x="2537908" y="95053"/>
+                  <a:pt x="2527069" y="91440"/>
+                </a:cubicBezTo>
+                <a:cubicBezTo>
+                  <a:pt x="2512913" y="86721"/>
+                  <a:pt x="2499529" y="79914"/>
+                  <a:pt x="2485506" y="74815"/>
+                </a:cubicBezTo>
+                <a:cubicBezTo>
+                  <a:pt x="2446767" y="60728"/>
+                  <a:pt x="2409846" y="49708"/>
+                  <a:pt x="2369128" y="41564"/>
+                </a:cubicBezTo>
+                <a:cubicBezTo>
+                  <a:pt x="2341419" y="36022"/>
+                  <a:pt x="2313874" y="29583"/>
+                  <a:pt x="2286000" y="24938"/>
+                </a:cubicBezTo>
+                <a:lnTo>
+                  <a:pt x="2236124" y="16626"/>
+                </a:lnTo>
+                <a:cubicBezTo>
+                  <a:pt x="2146962" y="415"/>
+                  <a:pt x="2247909" y="15935"/>
+                  <a:pt x="2136371" y="0"/>
+                </a:cubicBezTo>
+                <a:lnTo>
+                  <a:pt x="1828800" y="8313"/>
+                </a:lnTo>
+                <a:cubicBezTo>
+                  <a:pt x="1806998" y="9304"/>
+                  <a:pt x="1753500" y="19504"/>
+                  <a:pt x="1729048" y="24938"/>
+                </a:cubicBezTo>
+                <a:cubicBezTo>
+                  <a:pt x="1717895" y="27416"/>
+                  <a:pt x="1707000" y="31010"/>
+                  <a:pt x="1695797" y="33251"/>
+                </a:cubicBezTo>
+                <a:cubicBezTo>
+                  <a:pt x="1679269" y="36557"/>
+                  <a:pt x="1662546" y="38793"/>
+                  <a:pt x="1645920" y="41564"/>
+                </a:cubicBezTo>
+                <a:lnTo>
+                  <a:pt x="1321724" y="33251"/>
+                </a:lnTo>
+                <a:cubicBezTo>
+                  <a:pt x="1307610" y="32609"/>
+                  <a:pt x="1294192" y="26589"/>
+                  <a:pt x="1280160" y="24938"/>
+                </a:cubicBezTo>
+                <a:cubicBezTo>
+                  <a:pt x="1247023" y="21040"/>
+                  <a:pt x="1213767" y="17293"/>
+                  <a:pt x="1180408" y="16626"/>
+                </a:cubicBezTo>
+                <a:cubicBezTo>
+                  <a:pt x="1075134" y="14521"/>
+                  <a:pt x="969819" y="16626"/>
+                  <a:pt x="864524" y="16626"/>
+                </a:cubicBezTo>
+              </a:path>
+            </a:pathLst>
+          </a:custGeom>
+          <a:noFill/>
+        </p:spPr>
+        <p:style>
+          <a:lnRef idx="2">
+            <a:schemeClr val="accent1">
+              <a:shade val="50000"/>
+            </a:schemeClr>
+          </a:lnRef>
+          <a:fillRef idx="1">
+            <a:schemeClr val="accent1"/>
+          </a:fillRef>
+          <a:effectRef idx="0">
+            <a:schemeClr val="accent1"/>
+          </a:effectRef>
+          <a:fontRef idx="minor">
+            <a:schemeClr val="lt1"/>
+          </a:fontRef>
+        </p:style>
+        <p:txBody>
+          <a:bodyPr rtlCol="0" anchor="ctr"/>
+          <a:lstStyle/>
+          <a:p>
+            <a:pPr algn="ctr"/>
+            <a:endParaRPr lang="en-US"/>
+          </a:p>
+        </p:txBody>
+      </p:sp>
+      <p:sp>
+        <p:nvSpPr>
+          <p:cNvPr id="27" name="Freeform 26">
+            <a:extLst>
+              <a:ext uri="{FF2B5EF4-FFF2-40B4-BE49-F238E27FC236}">
+                <a16:creationId xmlns:a16="http://schemas.microsoft.com/office/drawing/2014/main" id="{2661A77A-A134-EC49-AF9B-54176340C576}"/>
+              </a:ext>
+            </a:extLst>
+          </p:cNvPr>
+          <p:cNvSpPr/>
+          <p:nvPr/>
+        </p:nvSpPr>
+        <p:spPr>
+          <a:xfrm>
+            <a:off x="324196" y="4696691"/>
+            <a:ext cx="6494710" cy="1995054"/>
+          </a:xfrm>
+          <a:custGeom>
+            <a:avLst/>
+            <a:gdLst>
+              <a:gd name="connsiteX0" fmla="*/ 1828800 w 6494710"/>
+              <a:gd name="connsiteY0" fmla="*/ 0 h 1995054"/>
+              <a:gd name="connsiteX1" fmla="*/ 1770611 w 6494710"/>
+              <a:gd name="connsiteY1" fmla="*/ 58189 h 1995054"/>
+              <a:gd name="connsiteX2" fmla="*/ 1737360 w 6494710"/>
+              <a:gd name="connsiteY2" fmla="*/ 66502 h 1995054"/>
+              <a:gd name="connsiteX3" fmla="*/ 1687484 w 6494710"/>
+              <a:gd name="connsiteY3" fmla="*/ 83127 h 1995054"/>
+              <a:gd name="connsiteX4" fmla="*/ 1662546 w 6494710"/>
+              <a:gd name="connsiteY4" fmla="*/ 91440 h 1995054"/>
+              <a:gd name="connsiteX5" fmla="*/ 1596044 w 6494710"/>
+              <a:gd name="connsiteY5" fmla="*/ 133004 h 1995054"/>
+              <a:gd name="connsiteX6" fmla="*/ 1504604 w 6494710"/>
+              <a:gd name="connsiteY6" fmla="*/ 166254 h 1995054"/>
+              <a:gd name="connsiteX7" fmla="*/ 1471353 w 6494710"/>
+              <a:gd name="connsiteY7" fmla="*/ 174567 h 1995054"/>
+              <a:gd name="connsiteX8" fmla="*/ 1388226 w 6494710"/>
+              <a:gd name="connsiteY8" fmla="*/ 207818 h 1995054"/>
+              <a:gd name="connsiteX9" fmla="*/ 1330037 w 6494710"/>
+              <a:gd name="connsiteY9" fmla="*/ 224444 h 1995054"/>
+              <a:gd name="connsiteX10" fmla="*/ 1296786 w 6494710"/>
+              <a:gd name="connsiteY10" fmla="*/ 232756 h 1995054"/>
+              <a:gd name="connsiteX11" fmla="*/ 1255222 w 6494710"/>
+              <a:gd name="connsiteY11" fmla="*/ 249382 h 1995054"/>
+              <a:gd name="connsiteX12" fmla="*/ 1230284 w 6494710"/>
+              <a:gd name="connsiteY12" fmla="*/ 266007 h 1995054"/>
+              <a:gd name="connsiteX13" fmla="*/ 1188720 w 6494710"/>
+              <a:gd name="connsiteY13" fmla="*/ 274320 h 1995054"/>
+              <a:gd name="connsiteX14" fmla="*/ 1122219 w 6494710"/>
+              <a:gd name="connsiteY14" fmla="*/ 290945 h 1995054"/>
+              <a:gd name="connsiteX15" fmla="*/ 1055717 w 6494710"/>
+              <a:gd name="connsiteY15" fmla="*/ 299258 h 1995054"/>
+              <a:gd name="connsiteX16" fmla="*/ 997528 w 6494710"/>
+              <a:gd name="connsiteY16" fmla="*/ 307571 h 1995054"/>
+              <a:gd name="connsiteX17" fmla="*/ 299259 w 6494710"/>
+              <a:gd name="connsiteY17" fmla="*/ 299258 h 1995054"/>
+              <a:gd name="connsiteX18" fmla="*/ 133004 w 6494710"/>
+              <a:gd name="connsiteY18" fmla="*/ 299258 h 1995054"/>
+              <a:gd name="connsiteX19" fmla="*/ 108066 w 6494710"/>
+              <a:gd name="connsiteY19" fmla="*/ 307571 h 1995054"/>
+              <a:gd name="connsiteX20" fmla="*/ 74815 w 6494710"/>
+              <a:gd name="connsiteY20" fmla="*/ 349134 h 1995054"/>
+              <a:gd name="connsiteX21" fmla="*/ 49877 w 6494710"/>
+              <a:gd name="connsiteY21" fmla="*/ 440574 h 1995054"/>
+              <a:gd name="connsiteX22" fmla="*/ 24939 w 6494710"/>
+              <a:gd name="connsiteY22" fmla="*/ 498764 h 1995054"/>
+              <a:gd name="connsiteX23" fmla="*/ 8313 w 6494710"/>
+              <a:gd name="connsiteY23" fmla="*/ 565265 h 1995054"/>
+              <a:gd name="connsiteX24" fmla="*/ 0 w 6494710"/>
+              <a:gd name="connsiteY24" fmla="*/ 1197033 h 1995054"/>
+              <a:gd name="connsiteX25" fmla="*/ 8313 w 6494710"/>
+              <a:gd name="connsiteY25" fmla="*/ 1396538 h 1995054"/>
+              <a:gd name="connsiteX26" fmla="*/ 24939 w 6494710"/>
+              <a:gd name="connsiteY26" fmla="*/ 1487978 h 1995054"/>
+              <a:gd name="connsiteX27" fmla="*/ 33251 w 6494710"/>
+              <a:gd name="connsiteY27" fmla="*/ 1828800 h 1995054"/>
+              <a:gd name="connsiteX28" fmla="*/ 41564 w 6494710"/>
+              <a:gd name="connsiteY28" fmla="*/ 1895302 h 1995054"/>
+              <a:gd name="connsiteX29" fmla="*/ 83128 w 6494710"/>
+              <a:gd name="connsiteY29" fmla="*/ 1936865 h 1995054"/>
+              <a:gd name="connsiteX30" fmla="*/ 108066 w 6494710"/>
+              <a:gd name="connsiteY30" fmla="*/ 1953491 h 1995054"/>
+              <a:gd name="connsiteX31" fmla="*/ 133004 w 6494710"/>
+              <a:gd name="connsiteY31" fmla="*/ 1961804 h 1995054"/>
+              <a:gd name="connsiteX32" fmla="*/ 224444 w 6494710"/>
+              <a:gd name="connsiteY32" fmla="*/ 1978429 h 1995054"/>
+              <a:gd name="connsiteX33" fmla="*/ 324197 w 6494710"/>
+              <a:gd name="connsiteY33" fmla="*/ 1995054 h 1995054"/>
+              <a:gd name="connsiteX34" fmla="*/ 648393 w 6494710"/>
+              <a:gd name="connsiteY34" fmla="*/ 1986742 h 1995054"/>
+              <a:gd name="connsiteX35" fmla="*/ 681644 w 6494710"/>
+              <a:gd name="connsiteY35" fmla="*/ 1978429 h 1995054"/>
+              <a:gd name="connsiteX36" fmla="*/ 806335 w 6494710"/>
+              <a:gd name="connsiteY36" fmla="*/ 1953491 h 1995054"/>
+              <a:gd name="connsiteX37" fmla="*/ 847899 w 6494710"/>
+              <a:gd name="connsiteY37" fmla="*/ 1945178 h 1995054"/>
+              <a:gd name="connsiteX38" fmla="*/ 1512917 w 6494710"/>
+              <a:gd name="connsiteY38" fmla="*/ 1936865 h 1995054"/>
+              <a:gd name="connsiteX39" fmla="*/ 1629295 w 6494710"/>
+              <a:gd name="connsiteY39" fmla="*/ 1920240 h 1995054"/>
+              <a:gd name="connsiteX40" fmla="*/ 1670859 w 6494710"/>
+              <a:gd name="connsiteY40" fmla="*/ 1911927 h 1995054"/>
+              <a:gd name="connsiteX41" fmla="*/ 1828800 w 6494710"/>
+              <a:gd name="connsiteY41" fmla="*/ 1903614 h 1995054"/>
+              <a:gd name="connsiteX42" fmla="*/ 2053244 w 6494710"/>
+              <a:gd name="connsiteY42" fmla="*/ 1886989 h 1995054"/>
+              <a:gd name="connsiteX43" fmla="*/ 2161309 w 6494710"/>
+              <a:gd name="connsiteY43" fmla="*/ 1870364 h 1995054"/>
+              <a:gd name="connsiteX44" fmla="*/ 2202873 w 6494710"/>
+              <a:gd name="connsiteY44" fmla="*/ 1862051 h 1995054"/>
+              <a:gd name="connsiteX45" fmla="*/ 2286000 w 6494710"/>
+              <a:gd name="connsiteY45" fmla="*/ 1853738 h 1995054"/>
+              <a:gd name="connsiteX46" fmla="*/ 2535382 w 6494710"/>
+              <a:gd name="connsiteY46" fmla="*/ 1862051 h 1995054"/>
+              <a:gd name="connsiteX47" fmla="*/ 2560320 w 6494710"/>
+              <a:gd name="connsiteY47" fmla="*/ 1870364 h 1995054"/>
+              <a:gd name="connsiteX48" fmla="*/ 2635135 w 6494710"/>
+              <a:gd name="connsiteY48" fmla="*/ 1886989 h 1995054"/>
+              <a:gd name="connsiteX49" fmla="*/ 2701637 w 6494710"/>
+              <a:gd name="connsiteY49" fmla="*/ 1903614 h 1995054"/>
+              <a:gd name="connsiteX50" fmla="*/ 2734888 w 6494710"/>
+              <a:gd name="connsiteY50" fmla="*/ 1911927 h 1995054"/>
+              <a:gd name="connsiteX51" fmla="*/ 2834640 w 6494710"/>
+              <a:gd name="connsiteY51" fmla="*/ 1928553 h 1995054"/>
+              <a:gd name="connsiteX52" fmla="*/ 2992582 w 6494710"/>
+              <a:gd name="connsiteY52" fmla="*/ 1920240 h 1995054"/>
+              <a:gd name="connsiteX53" fmla="*/ 3034146 w 6494710"/>
+              <a:gd name="connsiteY53" fmla="*/ 1903614 h 1995054"/>
+              <a:gd name="connsiteX54" fmla="*/ 3092335 w 6494710"/>
+              <a:gd name="connsiteY54" fmla="*/ 1895302 h 1995054"/>
+              <a:gd name="connsiteX55" fmla="*/ 3125586 w 6494710"/>
+              <a:gd name="connsiteY55" fmla="*/ 1886989 h 1995054"/>
+              <a:gd name="connsiteX56" fmla="*/ 3350029 w 6494710"/>
+              <a:gd name="connsiteY56" fmla="*/ 1870364 h 1995054"/>
+              <a:gd name="connsiteX57" fmla="*/ 3433157 w 6494710"/>
+              <a:gd name="connsiteY57" fmla="*/ 1862051 h 1995054"/>
+              <a:gd name="connsiteX58" fmla="*/ 3466408 w 6494710"/>
+              <a:gd name="connsiteY58" fmla="*/ 1853738 h 1995054"/>
+              <a:gd name="connsiteX59" fmla="*/ 3507971 w 6494710"/>
+              <a:gd name="connsiteY59" fmla="*/ 1845425 h 1995054"/>
+              <a:gd name="connsiteX60" fmla="*/ 3599411 w 6494710"/>
+              <a:gd name="connsiteY60" fmla="*/ 1820487 h 1995054"/>
+              <a:gd name="connsiteX61" fmla="*/ 3707477 w 6494710"/>
+              <a:gd name="connsiteY61" fmla="*/ 1770611 h 1995054"/>
+              <a:gd name="connsiteX62" fmla="*/ 3749040 w 6494710"/>
+              <a:gd name="connsiteY62" fmla="*/ 1753985 h 1995054"/>
+              <a:gd name="connsiteX63" fmla="*/ 3815542 w 6494710"/>
+              <a:gd name="connsiteY63" fmla="*/ 1712422 h 1995054"/>
+              <a:gd name="connsiteX64" fmla="*/ 3915295 w 6494710"/>
+              <a:gd name="connsiteY64" fmla="*/ 1753985 h 1995054"/>
+              <a:gd name="connsiteX65" fmla="*/ 3956859 w 6494710"/>
+              <a:gd name="connsiteY65" fmla="*/ 1778924 h 1995054"/>
+              <a:gd name="connsiteX66" fmla="*/ 3981797 w 6494710"/>
+              <a:gd name="connsiteY66" fmla="*/ 1795549 h 1995054"/>
+              <a:gd name="connsiteX67" fmla="*/ 4015048 w 6494710"/>
+              <a:gd name="connsiteY67" fmla="*/ 1803862 h 1995054"/>
+              <a:gd name="connsiteX68" fmla="*/ 4073237 w 6494710"/>
+              <a:gd name="connsiteY68" fmla="*/ 1828800 h 1995054"/>
+              <a:gd name="connsiteX69" fmla="*/ 4131426 w 6494710"/>
+              <a:gd name="connsiteY69" fmla="*/ 1845425 h 1995054"/>
+              <a:gd name="connsiteX70" fmla="*/ 4222866 w 6494710"/>
+              <a:gd name="connsiteY70" fmla="*/ 1886989 h 1995054"/>
+              <a:gd name="connsiteX71" fmla="*/ 4256117 w 6494710"/>
+              <a:gd name="connsiteY71" fmla="*/ 1895302 h 1995054"/>
+              <a:gd name="connsiteX72" fmla="*/ 4330931 w 6494710"/>
+              <a:gd name="connsiteY72" fmla="*/ 1911927 h 1995054"/>
+              <a:gd name="connsiteX73" fmla="*/ 4447309 w 6494710"/>
+              <a:gd name="connsiteY73" fmla="*/ 1903614 h 1995054"/>
+              <a:gd name="connsiteX74" fmla="*/ 4480560 w 6494710"/>
+              <a:gd name="connsiteY74" fmla="*/ 1895302 h 1995054"/>
+              <a:gd name="connsiteX75" fmla="*/ 4563688 w 6494710"/>
+              <a:gd name="connsiteY75" fmla="*/ 1878676 h 1995054"/>
+              <a:gd name="connsiteX76" fmla="*/ 4638502 w 6494710"/>
+              <a:gd name="connsiteY76" fmla="*/ 1862051 h 1995054"/>
+              <a:gd name="connsiteX77" fmla="*/ 4862946 w 6494710"/>
+              <a:gd name="connsiteY77" fmla="*/ 1845425 h 1995054"/>
+              <a:gd name="connsiteX78" fmla="*/ 5054139 w 6494710"/>
+              <a:gd name="connsiteY78" fmla="*/ 1828800 h 1995054"/>
+              <a:gd name="connsiteX79" fmla="*/ 5444837 w 6494710"/>
+              <a:gd name="connsiteY79" fmla="*/ 1845425 h 1995054"/>
+              <a:gd name="connsiteX80" fmla="*/ 5469775 w 6494710"/>
+              <a:gd name="connsiteY80" fmla="*/ 1862051 h 1995054"/>
+              <a:gd name="connsiteX81" fmla="*/ 5494713 w 6494710"/>
+              <a:gd name="connsiteY81" fmla="*/ 1870364 h 1995054"/>
+              <a:gd name="connsiteX82" fmla="*/ 5519651 w 6494710"/>
+              <a:gd name="connsiteY82" fmla="*/ 1886989 h 1995054"/>
+              <a:gd name="connsiteX83" fmla="*/ 5552902 w 6494710"/>
+              <a:gd name="connsiteY83" fmla="*/ 1895302 h 1995054"/>
+              <a:gd name="connsiteX84" fmla="*/ 5652655 w 6494710"/>
+              <a:gd name="connsiteY84" fmla="*/ 1920240 h 1995054"/>
+              <a:gd name="connsiteX85" fmla="*/ 5694219 w 6494710"/>
+              <a:gd name="connsiteY85" fmla="*/ 1936865 h 1995054"/>
+              <a:gd name="connsiteX86" fmla="*/ 5910349 w 6494710"/>
+              <a:gd name="connsiteY86" fmla="*/ 1936865 h 1995054"/>
+              <a:gd name="connsiteX87" fmla="*/ 5935288 w 6494710"/>
+              <a:gd name="connsiteY87" fmla="*/ 1920240 h 1995054"/>
+              <a:gd name="connsiteX88" fmla="*/ 6010102 w 6494710"/>
+              <a:gd name="connsiteY88" fmla="*/ 1878676 h 1995054"/>
+              <a:gd name="connsiteX89" fmla="*/ 6109855 w 6494710"/>
+              <a:gd name="connsiteY89" fmla="*/ 1870364 h 1995054"/>
+              <a:gd name="connsiteX90" fmla="*/ 6425739 w 6494710"/>
+              <a:gd name="connsiteY90" fmla="*/ 1862051 h 1995054"/>
+              <a:gd name="connsiteX91" fmla="*/ 6450677 w 6494710"/>
+              <a:gd name="connsiteY91" fmla="*/ 1845425 h 1995054"/>
+              <a:gd name="connsiteX92" fmla="*/ 6492240 w 6494710"/>
+              <a:gd name="connsiteY92" fmla="*/ 1820487 h 1995054"/>
+              <a:gd name="connsiteX93" fmla="*/ 6483928 w 6494710"/>
+              <a:gd name="connsiteY93" fmla="*/ 1745673 h 1995054"/>
+              <a:gd name="connsiteX94" fmla="*/ 6475615 w 6494710"/>
+              <a:gd name="connsiteY94" fmla="*/ 1463040 h 1995054"/>
+              <a:gd name="connsiteX95" fmla="*/ 6450677 w 6494710"/>
+              <a:gd name="connsiteY95" fmla="*/ 1371600 h 1995054"/>
+              <a:gd name="connsiteX96" fmla="*/ 6434051 w 6494710"/>
+              <a:gd name="connsiteY96" fmla="*/ 1346662 h 1995054"/>
+              <a:gd name="connsiteX97" fmla="*/ 6425739 w 6494710"/>
+              <a:gd name="connsiteY97" fmla="*/ 1321724 h 1995054"/>
+              <a:gd name="connsiteX98" fmla="*/ 6384175 w 6494710"/>
+              <a:gd name="connsiteY98" fmla="*/ 1288473 h 1995054"/>
+              <a:gd name="connsiteX99" fmla="*/ 6359237 w 6494710"/>
+              <a:gd name="connsiteY99" fmla="*/ 1280160 h 1995054"/>
+              <a:gd name="connsiteX100" fmla="*/ 6317673 w 6494710"/>
+              <a:gd name="connsiteY100" fmla="*/ 1263534 h 1995054"/>
+              <a:gd name="connsiteX101" fmla="*/ 5694219 w 6494710"/>
+              <a:gd name="connsiteY101" fmla="*/ 1271847 h 1995054"/>
+              <a:gd name="connsiteX102" fmla="*/ 5461462 w 6494710"/>
+              <a:gd name="connsiteY102" fmla="*/ 1305098 h 1995054"/>
+              <a:gd name="connsiteX103" fmla="*/ 5386648 w 6494710"/>
+              <a:gd name="connsiteY103" fmla="*/ 1313411 h 1995054"/>
+              <a:gd name="connsiteX104" fmla="*/ 5320146 w 6494710"/>
+              <a:gd name="connsiteY104" fmla="*/ 1321724 h 1995054"/>
+              <a:gd name="connsiteX105" fmla="*/ 5203768 w 6494710"/>
+              <a:gd name="connsiteY105" fmla="*/ 1346662 h 1995054"/>
+              <a:gd name="connsiteX106" fmla="*/ 5079077 w 6494710"/>
+              <a:gd name="connsiteY106" fmla="*/ 1371600 h 1995054"/>
+              <a:gd name="connsiteX107" fmla="*/ 4954386 w 6494710"/>
+              <a:gd name="connsiteY107" fmla="*/ 1354974 h 1995054"/>
+              <a:gd name="connsiteX108" fmla="*/ 4929448 w 6494710"/>
+              <a:gd name="connsiteY108" fmla="*/ 1346662 h 1995054"/>
+              <a:gd name="connsiteX109" fmla="*/ 4887884 w 6494710"/>
+              <a:gd name="connsiteY109" fmla="*/ 1338349 h 1995054"/>
+              <a:gd name="connsiteX110" fmla="*/ 4862946 w 6494710"/>
+              <a:gd name="connsiteY110" fmla="*/ 1330036 h 1995054"/>
+              <a:gd name="connsiteX111" fmla="*/ 4746568 w 6494710"/>
+              <a:gd name="connsiteY111" fmla="*/ 1321724 h 1995054"/>
+              <a:gd name="connsiteX112" fmla="*/ 4696691 w 6494710"/>
+              <a:gd name="connsiteY112" fmla="*/ 1305098 h 1995054"/>
+              <a:gd name="connsiteX113" fmla="*/ 4547062 w 6494710"/>
+              <a:gd name="connsiteY113" fmla="*/ 1255222 h 1995054"/>
+              <a:gd name="connsiteX114" fmla="*/ 4414059 w 6494710"/>
+              <a:gd name="connsiteY114" fmla="*/ 1197033 h 1995054"/>
+              <a:gd name="connsiteX115" fmla="*/ 4347557 w 6494710"/>
+              <a:gd name="connsiteY115" fmla="*/ 1163782 h 1995054"/>
+              <a:gd name="connsiteX116" fmla="*/ 4272742 w 6494710"/>
+              <a:gd name="connsiteY116" fmla="*/ 1138844 h 1995054"/>
+              <a:gd name="connsiteX117" fmla="*/ 4197928 w 6494710"/>
+              <a:gd name="connsiteY117" fmla="*/ 1105593 h 1995054"/>
+              <a:gd name="connsiteX118" fmla="*/ 4031673 w 6494710"/>
+              <a:gd name="connsiteY118" fmla="*/ 1047404 h 1995054"/>
+              <a:gd name="connsiteX119" fmla="*/ 3857106 w 6494710"/>
+              <a:gd name="connsiteY119" fmla="*/ 980902 h 1995054"/>
+              <a:gd name="connsiteX120" fmla="*/ 3765666 w 6494710"/>
+              <a:gd name="connsiteY120" fmla="*/ 939338 h 1995054"/>
+              <a:gd name="connsiteX121" fmla="*/ 3632662 w 6494710"/>
+              <a:gd name="connsiteY121" fmla="*/ 889462 h 1995054"/>
+              <a:gd name="connsiteX122" fmla="*/ 3516284 w 6494710"/>
+              <a:gd name="connsiteY122" fmla="*/ 839585 h 1995054"/>
+              <a:gd name="connsiteX123" fmla="*/ 3491346 w 6494710"/>
+              <a:gd name="connsiteY123" fmla="*/ 831273 h 1995054"/>
+              <a:gd name="connsiteX124" fmla="*/ 3416531 w 6494710"/>
+              <a:gd name="connsiteY124" fmla="*/ 798022 h 1995054"/>
+              <a:gd name="connsiteX125" fmla="*/ 3391593 w 6494710"/>
+              <a:gd name="connsiteY125" fmla="*/ 789709 h 1995054"/>
+              <a:gd name="connsiteX126" fmla="*/ 3366655 w 6494710"/>
+              <a:gd name="connsiteY126" fmla="*/ 773084 h 1995054"/>
+              <a:gd name="connsiteX127" fmla="*/ 3300153 w 6494710"/>
+              <a:gd name="connsiteY127" fmla="*/ 756458 h 1995054"/>
+              <a:gd name="connsiteX128" fmla="*/ 3250277 w 6494710"/>
+              <a:gd name="connsiteY128" fmla="*/ 739833 h 1995054"/>
+              <a:gd name="connsiteX129" fmla="*/ 3200400 w 6494710"/>
+              <a:gd name="connsiteY129" fmla="*/ 714894 h 1995054"/>
+              <a:gd name="connsiteX130" fmla="*/ 3175462 w 6494710"/>
+              <a:gd name="connsiteY130" fmla="*/ 698269 h 1995054"/>
+              <a:gd name="connsiteX131" fmla="*/ 3108960 w 6494710"/>
+              <a:gd name="connsiteY131" fmla="*/ 665018 h 1995054"/>
+              <a:gd name="connsiteX132" fmla="*/ 3042459 w 6494710"/>
+              <a:gd name="connsiteY132" fmla="*/ 623454 h 1995054"/>
+              <a:gd name="connsiteX133" fmla="*/ 2959331 w 6494710"/>
+              <a:gd name="connsiteY133" fmla="*/ 573578 h 1995054"/>
+              <a:gd name="connsiteX134" fmla="*/ 2926080 w 6494710"/>
+              <a:gd name="connsiteY134" fmla="*/ 565265 h 1995054"/>
+              <a:gd name="connsiteX135" fmla="*/ 2901142 w 6494710"/>
+              <a:gd name="connsiteY135" fmla="*/ 556953 h 1995054"/>
+              <a:gd name="connsiteX136" fmla="*/ 2867891 w 6494710"/>
+              <a:gd name="connsiteY136" fmla="*/ 548640 h 1995054"/>
+              <a:gd name="connsiteX137" fmla="*/ 2826328 w 6494710"/>
+              <a:gd name="connsiteY137" fmla="*/ 532014 h 1995054"/>
+              <a:gd name="connsiteX138" fmla="*/ 2759826 w 6494710"/>
+              <a:gd name="connsiteY138" fmla="*/ 498764 h 1995054"/>
+              <a:gd name="connsiteX139" fmla="*/ 2693324 w 6494710"/>
+              <a:gd name="connsiteY139" fmla="*/ 473825 h 1995054"/>
+              <a:gd name="connsiteX140" fmla="*/ 2660073 w 6494710"/>
+              <a:gd name="connsiteY140" fmla="*/ 465513 h 1995054"/>
+              <a:gd name="connsiteX141" fmla="*/ 2635135 w 6494710"/>
+              <a:gd name="connsiteY141" fmla="*/ 448887 h 1995054"/>
+              <a:gd name="connsiteX142" fmla="*/ 2552008 w 6494710"/>
+              <a:gd name="connsiteY142" fmla="*/ 415636 h 1995054"/>
+              <a:gd name="connsiteX143" fmla="*/ 2477193 w 6494710"/>
+              <a:gd name="connsiteY143" fmla="*/ 357447 h 1995054"/>
+              <a:gd name="connsiteX144" fmla="*/ 2419004 w 6494710"/>
+              <a:gd name="connsiteY144" fmla="*/ 324196 h 1995054"/>
+              <a:gd name="connsiteX145" fmla="*/ 2352502 w 6494710"/>
+              <a:gd name="connsiteY145" fmla="*/ 274320 h 1995054"/>
+              <a:gd name="connsiteX146" fmla="*/ 2327564 w 6494710"/>
+              <a:gd name="connsiteY146" fmla="*/ 266007 h 1995054"/>
+              <a:gd name="connsiteX147" fmla="*/ 2269375 w 6494710"/>
+              <a:gd name="connsiteY147" fmla="*/ 224444 h 1995054"/>
+              <a:gd name="connsiteX148" fmla="*/ 2211186 w 6494710"/>
+              <a:gd name="connsiteY148" fmla="*/ 207818 h 1995054"/>
+              <a:gd name="connsiteX149" fmla="*/ 2186248 w 6494710"/>
+              <a:gd name="connsiteY149" fmla="*/ 191193 h 1995054"/>
+              <a:gd name="connsiteX150" fmla="*/ 2086495 w 6494710"/>
+              <a:gd name="connsiteY150" fmla="*/ 174567 h 1995054"/>
+              <a:gd name="connsiteX151" fmla="*/ 1995055 w 6494710"/>
+              <a:gd name="connsiteY151" fmla="*/ 157942 h 1995054"/>
+              <a:gd name="connsiteX152" fmla="*/ 1928553 w 6494710"/>
+              <a:gd name="connsiteY152" fmla="*/ 141316 h 1995054"/>
+              <a:gd name="connsiteX153" fmla="*/ 1745673 w 6494710"/>
+              <a:gd name="connsiteY153" fmla="*/ 133004 h 1995054"/>
+              <a:gd name="connsiteX154" fmla="*/ 1687484 w 6494710"/>
+              <a:gd name="connsiteY154" fmla="*/ 157942 h 1995054"/>
+            </a:gdLst>
+            <a:ahLst/>
+            <a:cxnLst>
+              <a:cxn ang="0">
+                <a:pos x="connsiteX0" y="connsiteY0"/>
+              </a:cxn>
+              <a:cxn ang="0">
+                <a:pos x="connsiteX1" y="connsiteY1"/>
+              </a:cxn>
+              <a:cxn ang="0">
+                <a:pos x="connsiteX2" y="connsiteY2"/>
+              </a:cxn>
+              <a:cxn ang="0">
+                <a:pos x="connsiteX3" y="connsiteY3"/>
+              </a:cxn>
+              <a:cxn ang="0">
+                <a:pos x="connsiteX4" y="connsiteY4"/>
+              </a:cxn>
+              <a:cxn ang="0">
+                <a:pos x="connsiteX5" y="connsiteY5"/>
+              </a:cxn>
+              <a:cxn ang="0">
+                <a:pos x="connsiteX6" y="connsiteY6"/>
+              </a:cxn>
+              <a:cxn ang="0">
+                <a:pos x="connsiteX7" y="connsiteY7"/>
+              </a:cxn>
+              <a:cxn ang="0">
+                <a:pos x="connsiteX8" y="connsiteY8"/>
+              </a:cxn>
+              <a:cxn ang="0">
+                <a:pos x="connsiteX9" y="connsiteY9"/>
+              </a:cxn>
+              <a:cxn ang="0">
+                <a:pos x="connsiteX10" y="connsiteY10"/>
+              </a:cxn>
+              <a:cxn ang="0">
+                <a:pos x="connsiteX11" y="connsiteY11"/>
+              </a:cxn>
+              <a:cxn ang="0">
+                <a:pos x="connsiteX12" y="connsiteY12"/>
+              </a:cxn>
+              <a:cxn ang="0">
+                <a:pos x="connsiteX13" y="connsiteY13"/>
+              </a:cxn>
+              <a:cxn ang="0">
+                <a:pos x="connsiteX14" y="connsiteY14"/>
+              </a:cxn>
+              <a:cxn ang="0">
+                <a:pos x="connsiteX15" y="connsiteY15"/>
+              </a:cxn>
+              <a:cxn ang="0">
+                <a:pos x="connsiteX16" y="connsiteY16"/>
+              </a:cxn>
+              <a:cxn ang="0">
+                <a:pos x="connsiteX17" y="connsiteY17"/>
+              </a:cxn>
+              <a:cxn ang="0">
+                <a:pos x="connsiteX18" y="connsiteY18"/>
+              </a:cxn>
+              <a:cxn ang="0">
+                <a:pos x="connsiteX19" y="connsiteY19"/>
+              </a:cxn>
+              <a:cxn ang="0">
+                <a:pos x="connsiteX20" y="connsiteY20"/>
+              </a:cxn>
+              <a:cxn ang="0">
+                <a:pos x="connsiteX21" y="connsiteY21"/>
+              </a:cxn>
+              <a:cxn ang="0">
+                <a:pos x="connsiteX22" y="connsiteY22"/>
+              </a:cxn>
+              <a:cxn ang="0">
+                <a:pos x="connsiteX23" y="connsiteY23"/>
+              </a:cxn>
+              <a:cxn ang="0">
+                <a:pos x="connsiteX24" y="connsiteY24"/>
+              </a:cxn>
+              <a:cxn ang="0">
+                <a:pos x="connsiteX25" y="connsiteY25"/>
+              </a:cxn>
+              <a:cxn ang="0">
+                <a:pos x="connsiteX26" y="connsiteY26"/>
+              </a:cxn>
+              <a:cxn ang="0">
+                <a:pos x="connsiteX27" y="connsiteY27"/>
+              </a:cxn>
+              <a:cxn ang="0">
+                <a:pos x="connsiteX28" y="connsiteY28"/>
+              </a:cxn>
+              <a:cxn ang="0">
+                <a:pos x="connsiteX29" y="connsiteY29"/>
+              </a:cxn>
+              <a:cxn ang="0">
+                <a:pos x="connsiteX30" y="connsiteY30"/>
+              </a:cxn>
+              <a:cxn ang="0">
+                <a:pos x="connsiteX31" y="connsiteY31"/>
+              </a:cxn>
+              <a:cxn ang="0">
+                <a:pos x="connsiteX32" y="connsiteY32"/>
+              </a:cxn>
+              <a:cxn ang="0">
+                <a:pos x="connsiteX33" y="connsiteY33"/>
+              </a:cxn>
+              <a:cxn ang="0">
+                <a:pos x="connsiteX34" y="connsiteY34"/>
+              </a:cxn>
+              <a:cxn ang="0">
+                <a:pos x="connsiteX35" y="connsiteY35"/>
+              </a:cxn>
+              <a:cxn ang="0">
+                <a:pos x="connsiteX36" y="connsiteY36"/>
+              </a:cxn>
+              <a:cxn ang="0">
+                <a:pos x="connsiteX37" y="connsiteY37"/>
+              </a:cxn>
+              <a:cxn ang="0">
+                <a:pos x="connsiteX38" y="connsiteY38"/>
+              </a:cxn>
+              <a:cxn ang="0">
+                <a:pos x="connsiteX39" y="connsiteY39"/>
+              </a:cxn>
+              <a:cxn ang="0">
+                <a:pos x="connsiteX40" y="connsiteY40"/>
+              </a:cxn>
+              <a:cxn ang="0">
+                <a:pos x="connsiteX41" y="connsiteY41"/>
+              </a:cxn>
+              <a:cxn ang="0">
+                <a:pos x="connsiteX42" y="connsiteY42"/>
+              </a:cxn>
+              <a:cxn ang="0">
+                <a:pos x="connsiteX43" y="connsiteY43"/>
+              </a:cxn>
+              <a:cxn ang="0">
+                <a:pos x="connsiteX44" y="connsiteY44"/>
+              </a:cxn>
+              <a:cxn ang="0">
+                <a:pos x="connsiteX45" y="connsiteY45"/>
+              </a:cxn>
+              <a:cxn ang="0">
+                <a:pos x="connsiteX46" y="connsiteY46"/>
+              </a:cxn>
+              <a:cxn ang="0">
+                <a:pos x="connsiteX47" y="connsiteY47"/>
+              </a:cxn>
+              <a:cxn ang="0">
+                <a:pos x="connsiteX48" y="connsiteY48"/>
+              </a:cxn>
+              <a:cxn ang="0">
+                <a:pos x="connsiteX49" y="connsiteY49"/>
+              </a:cxn>
+              <a:cxn ang="0">
+                <a:pos x="connsiteX50" y="connsiteY50"/>
+              </a:cxn>
+              <a:cxn ang="0">
+                <a:pos x="connsiteX51" y="connsiteY51"/>
+              </a:cxn>
+              <a:cxn ang="0">
+                <a:pos x="connsiteX52" y="connsiteY52"/>
+              </a:cxn>
+              <a:cxn ang="0">
+                <a:pos x="connsiteX53" y="connsiteY53"/>
+              </a:cxn>
+              <a:cxn ang="0">
+                <a:pos x="connsiteX54" y="connsiteY54"/>
+              </a:cxn>
+              <a:cxn ang="0">
+                <a:pos x="connsiteX55" y="connsiteY55"/>
+              </a:cxn>
+              <a:cxn ang="0">
+                <a:pos x="connsiteX56" y="connsiteY56"/>
+              </a:cxn>
+              <a:cxn ang="0">
+                <a:pos x="connsiteX57" y="connsiteY57"/>
+              </a:cxn>
+              <a:cxn ang="0">
+                <a:pos x="connsiteX58" y="connsiteY58"/>
+              </a:cxn>
+              <a:cxn ang="0">
+                <a:pos x="connsiteX59" y="connsiteY59"/>
+              </a:cxn>
+              <a:cxn ang="0">
+                <a:pos x="connsiteX60" y="connsiteY60"/>
+              </a:cxn>
+              <a:cxn ang="0">
+                <a:pos x="connsiteX61" y="connsiteY61"/>
+              </a:cxn>
+              <a:cxn ang="0">
+                <a:pos x="connsiteX62" y="connsiteY62"/>
+              </a:cxn>
+              <a:cxn ang="0">
+                <a:pos x="connsiteX63" y="connsiteY63"/>
+              </a:cxn>
+              <a:cxn ang="0">
+                <a:pos x="connsiteX64" y="connsiteY64"/>
+              </a:cxn>
+              <a:cxn ang="0">
+                <a:pos x="connsiteX65" y="connsiteY65"/>
+              </a:cxn>
+              <a:cxn ang="0">
+                <a:pos x="connsiteX66" y="connsiteY66"/>
+              </a:cxn>
+              <a:cxn ang="0">
+                <a:pos x="connsiteX67" y="connsiteY67"/>
+              </a:cxn>
+              <a:cxn ang="0">
+                <a:pos x="connsiteX68" y="connsiteY68"/>
+              </a:cxn>
+              <a:cxn ang="0">
+                <a:pos x="connsiteX69" y="connsiteY69"/>
+              </a:cxn>
+              <a:cxn ang="0">
+                <a:pos x="connsiteX70" y="connsiteY70"/>
+              </a:cxn>
+              <a:cxn ang="0">
+                <a:pos x="connsiteX71" y="connsiteY71"/>
+              </a:cxn>
+              <a:cxn ang="0">
+                <a:pos x="connsiteX72" y="connsiteY72"/>
+              </a:cxn>
+              <a:cxn ang="0">
+                <a:pos x="connsiteX73" y="connsiteY73"/>
+              </a:cxn>
+              <a:cxn ang="0">
+                <a:pos x="connsiteX74" y="connsiteY74"/>
+              </a:cxn>
+              <a:cxn ang="0">
+                <a:pos x="connsiteX75" y="connsiteY75"/>
+              </a:cxn>
+              <a:cxn ang="0">
+                <a:pos x="connsiteX76" y="connsiteY76"/>
+              </a:cxn>
+              <a:cxn ang="0">
+                <a:pos x="connsiteX77" y="connsiteY77"/>
+              </a:cxn>
+              <a:cxn ang="0">
+                <a:pos x="connsiteX78" y="connsiteY78"/>
+              </a:cxn>
+              <a:cxn ang="0">
+                <a:pos x="connsiteX79" y="connsiteY79"/>
+              </a:cxn>
+              <a:cxn ang="0">
+                <a:pos x="connsiteX80" y="connsiteY80"/>
+              </a:cxn>
+              <a:cxn ang="0">
+                <a:pos x="connsiteX81" y="connsiteY81"/>
+              </a:cxn>
+              <a:cxn ang="0">
+                <a:pos x="connsiteX82" y="connsiteY82"/>
+              </a:cxn>
+              <a:cxn ang="0">
+                <a:pos x="connsiteX83" y="connsiteY83"/>
+              </a:cxn>
+              <a:cxn ang="0">
+                <a:pos x="connsiteX84" y="connsiteY84"/>
+              </a:cxn>
+              <a:cxn ang="0">
+                <a:pos x="connsiteX85" y="connsiteY85"/>
+              </a:cxn>
+              <a:cxn ang="0">
+                <a:pos x="connsiteX86" y="connsiteY86"/>
+              </a:cxn>
+              <a:cxn ang="0">
+                <a:pos x="connsiteX87" y="connsiteY87"/>
+              </a:cxn>
+              <a:cxn ang="0">
+                <a:pos x="connsiteX88" y="connsiteY88"/>
+              </a:cxn>
+              <a:cxn ang="0">
+                <a:pos x="connsiteX89" y="connsiteY89"/>
+              </a:cxn>
+              <a:cxn ang="0">
+                <a:pos x="connsiteX90" y="connsiteY90"/>
+              </a:cxn>
+              <a:cxn ang="0">
+                <a:pos x="connsiteX91" y="connsiteY91"/>
+              </a:cxn>
+              <a:cxn ang="0">
+                <a:pos x="connsiteX92" y="connsiteY92"/>
+              </a:cxn>
+              <a:cxn ang="0">
+                <a:pos x="connsiteX93" y="connsiteY93"/>
+              </a:cxn>
+              <a:cxn ang="0">
+                <a:pos x="connsiteX94" y="connsiteY94"/>
+              </a:cxn>
+              <a:cxn ang="0">
+                <a:pos x="connsiteX95" y="connsiteY95"/>
+              </a:cxn>
+              <a:cxn ang="0">
+                <a:pos x="connsiteX96" y="connsiteY96"/>
+              </a:cxn>
+              <a:cxn ang="0">
+                <a:pos x="connsiteX97" y="connsiteY97"/>
+              </a:cxn>
+              <a:cxn ang="0">
+                <a:pos x="connsiteX98" y="connsiteY98"/>
+              </a:cxn>
+              <a:cxn ang="0">
+                <a:pos x="connsiteX99" y="connsiteY99"/>
+              </a:cxn>
+              <a:cxn ang="0">
+                <a:pos x="connsiteX100" y="connsiteY100"/>
+              </a:cxn>
+              <a:cxn ang="0">
+                <a:pos x="connsiteX101" y="connsiteY101"/>
+              </a:cxn>
+              <a:cxn ang="0">
+                <a:pos x="connsiteX102" y="connsiteY102"/>
+              </a:cxn>
+              <a:cxn ang="0">
+                <a:pos x="connsiteX103" y="connsiteY103"/>
+              </a:cxn>
+              <a:cxn ang="0">
+                <a:pos x="connsiteX104" y="connsiteY104"/>
+              </a:cxn>
+              <a:cxn ang="0">
+                <a:pos x="connsiteX105" y="connsiteY105"/>
+              </a:cxn>
+              <a:cxn ang="0">
+                <a:pos x="connsiteX106" y="connsiteY106"/>
+              </a:cxn>
+              <a:cxn ang="0">
+                <a:pos x="connsiteX107" y="connsiteY107"/>
+              </a:cxn>
+              <a:cxn ang="0">
+                <a:pos x="connsiteX108" y="connsiteY108"/>
+              </a:cxn>
+              <a:cxn ang="0">
+                <a:pos x="connsiteX109" y="connsiteY109"/>
+              </a:cxn>
+              <a:cxn ang="0">
+                <a:pos x="connsiteX110" y="connsiteY110"/>
+              </a:cxn>
+              <a:cxn ang="0">
+                <a:pos x="connsiteX111" y="connsiteY111"/>
+              </a:cxn>
+              <a:cxn ang="0">
+                <a:pos x="connsiteX112" y="connsiteY112"/>
+              </a:cxn>
+              <a:cxn ang="0">
+                <a:pos x="connsiteX113" y="connsiteY113"/>
+              </a:cxn>
+              <a:cxn ang="0">
+                <a:pos x="connsiteX114" y="connsiteY114"/>
+              </a:cxn>
+              <a:cxn ang="0">
+                <a:pos x="connsiteX115" y="connsiteY115"/>
+              </a:cxn>
+              <a:cxn ang="0">
+                <a:pos x="connsiteX116" y="connsiteY116"/>
+              </a:cxn>
+              <a:cxn ang="0">
+                <a:pos x="connsiteX117" y="connsiteY117"/>
+              </a:cxn>
+              <a:cxn ang="0">
+                <a:pos x="connsiteX118" y="connsiteY118"/>
+              </a:cxn>
+              <a:cxn ang="0">
+                <a:pos x="connsiteX119" y="connsiteY119"/>
+              </a:cxn>
+              <a:cxn ang="0">
+                <a:pos x="connsiteX120" y="connsiteY120"/>
+              </a:cxn>
+              <a:cxn ang="0">
+                <a:pos x="connsiteX121" y="connsiteY121"/>
+              </a:cxn>
+              <a:cxn ang="0">
+                <a:pos x="connsiteX122" y="connsiteY122"/>
+              </a:cxn>
+              <a:cxn ang="0">
+                <a:pos x="connsiteX123" y="connsiteY123"/>
+              </a:cxn>
+              <a:cxn ang="0">
+                <a:pos x="connsiteX124" y="connsiteY124"/>
+              </a:cxn>
+              <a:cxn ang="0">
+                <a:pos x="connsiteX125" y="connsiteY125"/>
+              </a:cxn>
+              <a:cxn ang="0">
+                <a:pos x="connsiteX126" y="connsiteY126"/>
+              </a:cxn>
+              <a:cxn ang="0">
+                <a:pos x="connsiteX127" y="connsiteY127"/>
+              </a:cxn>
+              <a:cxn ang="0">
+                <a:pos x="connsiteX128" y="connsiteY128"/>
+              </a:cxn>
+              <a:cxn ang="0">
+                <a:pos x="connsiteX129" y="connsiteY129"/>
+              </a:cxn>
+              <a:cxn ang="0">
+                <a:pos x="connsiteX130" y="connsiteY130"/>
+              </a:cxn>
+              <a:cxn ang="0">
+                <a:pos x="connsiteX131" y="connsiteY131"/>
+              </a:cxn>
+              <a:cxn ang="0">
+                <a:pos x="connsiteX132" y="connsiteY132"/>
+              </a:cxn>
+              <a:cxn ang="0">
+                <a:pos x="connsiteX133" y="connsiteY133"/>
+              </a:cxn>
+              <a:cxn ang="0">
+                <a:pos x="connsiteX134" y="connsiteY134"/>
+              </a:cxn>
+              <a:cxn ang="0">
+                <a:pos x="connsiteX135" y="connsiteY135"/>
+              </a:cxn>
+              <a:cxn ang="0">
+                <a:pos x="connsiteX136" y="connsiteY136"/>
+              </a:cxn>
+              <a:cxn ang="0">
+                <a:pos x="connsiteX137" y="connsiteY137"/>
+              </a:cxn>
+              <a:cxn ang="0">
+                <a:pos x="connsiteX138" y="connsiteY138"/>
+              </a:cxn>
+              <a:cxn ang="0">
+                <a:pos x="connsiteX139" y="connsiteY139"/>
+              </a:cxn>
+              <a:cxn ang="0">
+                <a:pos x="connsiteX140" y="connsiteY140"/>
+              </a:cxn>
+              <a:cxn ang="0">
+                <a:pos x="connsiteX141" y="connsiteY141"/>
+              </a:cxn>
+              <a:cxn ang="0">
+                <a:pos x="connsiteX142" y="connsiteY142"/>
+              </a:cxn>
+              <a:cxn ang="0">
+                <a:pos x="connsiteX143" y="connsiteY143"/>
+              </a:cxn>
+              <a:cxn ang="0">
+                <a:pos x="connsiteX144" y="connsiteY144"/>
+              </a:cxn>
+              <a:cxn ang="0">
+                <a:pos x="connsiteX145" y="connsiteY145"/>
+              </a:cxn>
+              <a:cxn ang="0">
+                <a:pos x="connsiteX146" y="connsiteY146"/>
+              </a:cxn>
+              <a:cxn ang="0">
+                <a:pos x="connsiteX147" y="connsiteY147"/>
+              </a:cxn>
+              <a:cxn ang="0">
+                <a:pos x="connsiteX148" y="connsiteY148"/>
+              </a:cxn>
+              <a:cxn ang="0">
+                <a:pos x="connsiteX149" y="connsiteY149"/>
+              </a:cxn>
+              <a:cxn ang="0">
+                <a:pos x="connsiteX150" y="connsiteY150"/>
+              </a:cxn>
+              <a:cxn ang="0">
+                <a:pos x="connsiteX151" y="connsiteY151"/>
+              </a:cxn>
+              <a:cxn ang="0">
+                <a:pos x="connsiteX152" y="connsiteY152"/>
+              </a:cxn>
+              <a:cxn ang="0">
+                <a:pos x="connsiteX153" y="connsiteY153"/>
+              </a:cxn>
+              <a:cxn ang="0">
+                <a:pos x="connsiteX154" y="connsiteY154"/>
+              </a:cxn>
+            </a:cxnLst>
+            <a:rect l="l" t="t" r="r" b="b"/>
+            <a:pathLst>
+              <a:path w="6494710" h="1995054">
+                <a:moveTo>
+                  <a:pt x="1828800" y="0"/>
+                </a:moveTo>
+                <a:cubicBezTo>
+                  <a:pt x="1809743" y="23821"/>
+                  <a:pt x="1798805" y="46106"/>
+                  <a:pt x="1770611" y="58189"/>
+                </a:cubicBezTo>
+                <a:cubicBezTo>
+                  <a:pt x="1760110" y="62689"/>
+                  <a:pt x="1748303" y="63219"/>
+                  <a:pt x="1737360" y="66502"/>
+                </a:cubicBezTo>
+                <a:cubicBezTo>
+                  <a:pt x="1720574" y="71538"/>
+                  <a:pt x="1704109" y="77585"/>
+                  <a:pt x="1687484" y="83127"/>
+                </a:cubicBezTo>
+                <a:cubicBezTo>
+                  <a:pt x="1679171" y="85898"/>
+                  <a:pt x="1669976" y="86796"/>
+                  <a:pt x="1662546" y="91440"/>
+                </a:cubicBezTo>
+                <a:cubicBezTo>
+                  <a:pt x="1640379" y="105295"/>
+                  <a:pt x="1620315" y="123296"/>
+                  <a:pt x="1596044" y="133004"/>
+                </a:cubicBezTo>
+                <a:cubicBezTo>
+                  <a:pt x="1568498" y="144022"/>
+                  <a:pt x="1533064" y="159139"/>
+                  <a:pt x="1504604" y="166254"/>
+                </a:cubicBezTo>
+                <a:cubicBezTo>
+                  <a:pt x="1493520" y="169025"/>
+                  <a:pt x="1482050" y="170555"/>
+                  <a:pt x="1471353" y="174567"/>
+                </a:cubicBezTo>
+                <a:cubicBezTo>
+                  <a:pt x="1402551" y="200369"/>
+                  <a:pt x="1477968" y="185382"/>
+                  <a:pt x="1388226" y="207818"/>
+                </a:cubicBezTo>
+                <a:cubicBezTo>
+                  <a:pt x="1284225" y="233819"/>
+                  <a:pt x="1413556" y="200582"/>
+                  <a:pt x="1330037" y="224444"/>
+                </a:cubicBezTo>
+                <a:cubicBezTo>
+                  <a:pt x="1319052" y="227583"/>
+                  <a:pt x="1307624" y="229143"/>
+                  <a:pt x="1296786" y="232756"/>
+                </a:cubicBezTo>
+                <a:cubicBezTo>
+                  <a:pt x="1282630" y="237475"/>
+                  <a:pt x="1268569" y="242709"/>
+                  <a:pt x="1255222" y="249382"/>
+                </a:cubicBezTo>
+                <a:cubicBezTo>
+                  <a:pt x="1246286" y="253850"/>
+                  <a:pt x="1239638" y="262499"/>
+                  <a:pt x="1230284" y="266007"/>
+                </a:cubicBezTo>
+                <a:cubicBezTo>
+                  <a:pt x="1217055" y="270968"/>
+                  <a:pt x="1202427" y="270893"/>
+                  <a:pt x="1188720" y="274320"/>
+                </a:cubicBezTo>
+                <a:cubicBezTo>
+                  <a:pt x="1132076" y="288481"/>
+                  <a:pt x="1201886" y="278689"/>
+                  <a:pt x="1122219" y="290945"/>
+                </a:cubicBezTo>
+                <a:cubicBezTo>
+                  <a:pt x="1100139" y="294342"/>
+                  <a:pt x="1077861" y="296305"/>
+                  <a:pt x="1055717" y="299258"/>
+                </a:cubicBezTo>
+                <a:lnTo>
+                  <a:pt x="997528" y="307571"/>
+                </a:lnTo>
+                <a:lnTo>
+                  <a:pt x="299259" y="299258"/>
+                </a:lnTo>
+                <a:cubicBezTo>
+                  <a:pt x="124951" y="295626"/>
+                  <a:pt x="267626" y="282430"/>
+                  <a:pt x="133004" y="299258"/>
+                </a:cubicBezTo>
+                <a:cubicBezTo>
+                  <a:pt x="124691" y="302029"/>
+                  <a:pt x="115580" y="303063"/>
+                  <a:pt x="108066" y="307571"/>
+                </a:cubicBezTo>
+                <a:cubicBezTo>
+                  <a:pt x="94903" y="315469"/>
+                  <a:pt x="82368" y="337805"/>
+                  <a:pt x="74815" y="349134"/>
+                </a:cubicBezTo>
+                <a:cubicBezTo>
+                  <a:pt x="68735" y="379536"/>
+                  <a:pt x="63938" y="412453"/>
+                  <a:pt x="49877" y="440574"/>
+                </a:cubicBezTo>
+                <a:cubicBezTo>
+                  <a:pt x="36247" y="467834"/>
+                  <a:pt x="32280" y="471847"/>
+                  <a:pt x="24939" y="498764"/>
+                </a:cubicBezTo>
+                <a:cubicBezTo>
+                  <a:pt x="18927" y="520808"/>
+                  <a:pt x="8313" y="565265"/>
+                  <a:pt x="8313" y="565265"/>
+                </a:cubicBezTo>
+                <a:cubicBezTo>
+                  <a:pt x="5542" y="775854"/>
+                  <a:pt x="0" y="986425"/>
+                  <a:pt x="0" y="1197033"/>
+                </a:cubicBezTo>
+                <a:cubicBezTo>
+                  <a:pt x="0" y="1263592"/>
+                  <a:pt x="3885" y="1330126"/>
+                  <a:pt x="8313" y="1396538"/>
+                </a:cubicBezTo>
+                <a:cubicBezTo>
+                  <a:pt x="9377" y="1412490"/>
+                  <a:pt x="21345" y="1470008"/>
+                  <a:pt x="24939" y="1487978"/>
+                </a:cubicBezTo>
+                <a:cubicBezTo>
+                  <a:pt x="27710" y="1601585"/>
+                  <a:pt x="28617" y="1715253"/>
+                  <a:pt x="33251" y="1828800"/>
+                </a:cubicBezTo>
+                <a:cubicBezTo>
+                  <a:pt x="34162" y="1851121"/>
+                  <a:pt x="32202" y="1875018"/>
+                  <a:pt x="41564" y="1895302"/>
+                </a:cubicBezTo>
+                <a:cubicBezTo>
+                  <a:pt x="49775" y="1913092"/>
+                  <a:pt x="66826" y="1925996"/>
+                  <a:pt x="83128" y="1936865"/>
+                </a:cubicBezTo>
+                <a:cubicBezTo>
+                  <a:pt x="91441" y="1942407"/>
+                  <a:pt x="99130" y="1949023"/>
+                  <a:pt x="108066" y="1953491"/>
+                </a:cubicBezTo>
+                <a:cubicBezTo>
+                  <a:pt x="115903" y="1957410"/>
+                  <a:pt x="124503" y="1959679"/>
+                  <a:pt x="133004" y="1961804"/>
+                </a:cubicBezTo>
+                <a:cubicBezTo>
+                  <a:pt x="160366" y="1968644"/>
+                  <a:pt x="197289" y="1973492"/>
+                  <a:pt x="224444" y="1978429"/>
+                </a:cubicBezTo>
+                <a:cubicBezTo>
+                  <a:pt x="313568" y="1994634"/>
+                  <a:pt x="212711" y="1979129"/>
+                  <a:pt x="324197" y="1995054"/>
+                </a:cubicBezTo>
+                <a:cubicBezTo>
+                  <a:pt x="432262" y="1992283"/>
+                  <a:pt x="540409" y="1991764"/>
+                  <a:pt x="648393" y="1986742"/>
+                </a:cubicBezTo>
+                <a:cubicBezTo>
+                  <a:pt x="659805" y="1986211"/>
+                  <a:pt x="670473" y="1980823"/>
+                  <a:pt x="681644" y="1978429"/>
+                </a:cubicBezTo>
+                <a:cubicBezTo>
+                  <a:pt x="723090" y="1969548"/>
+                  <a:pt x="764771" y="1961804"/>
+                  <a:pt x="806335" y="1953491"/>
+                </a:cubicBezTo>
+                <a:cubicBezTo>
+                  <a:pt x="820190" y="1950720"/>
+                  <a:pt x="833771" y="1945355"/>
+                  <a:pt x="847899" y="1945178"/>
+                </a:cubicBezTo>
+                <a:lnTo>
+                  <a:pt x="1512917" y="1936865"/>
+                </a:lnTo>
+                <a:cubicBezTo>
+                  <a:pt x="1726307" y="1901303"/>
+                  <a:pt x="1358548" y="1961895"/>
+                  <a:pt x="1629295" y="1920240"/>
+                </a:cubicBezTo>
+                <a:cubicBezTo>
+                  <a:pt x="1643260" y="1918092"/>
+                  <a:pt x="1656779" y="1913100"/>
+                  <a:pt x="1670859" y="1911927"/>
+                </a:cubicBezTo>
+                <a:cubicBezTo>
+                  <a:pt x="1723397" y="1907549"/>
+                  <a:pt x="1776171" y="1906710"/>
+                  <a:pt x="1828800" y="1903614"/>
+                </a:cubicBezTo>
+                <a:cubicBezTo>
+                  <a:pt x="1936265" y="1897293"/>
+                  <a:pt x="1952444" y="1895389"/>
+                  <a:pt x="2053244" y="1886989"/>
+                </a:cubicBezTo>
+                <a:cubicBezTo>
+                  <a:pt x="2122463" y="1869684"/>
+                  <a:pt x="2049607" y="1886321"/>
+                  <a:pt x="2161309" y="1870364"/>
+                </a:cubicBezTo>
+                <a:cubicBezTo>
+                  <a:pt x="2175296" y="1868366"/>
+                  <a:pt x="2188868" y="1863918"/>
+                  <a:pt x="2202873" y="1862051"/>
+                </a:cubicBezTo>
+                <a:cubicBezTo>
+                  <a:pt x="2230476" y="1858370"/>
+                  <a:pt x="2258291" y="1856509"/>
+                  <a:pt x="2286000" y="1853738"/>
+                </a:cubicBezTo>
+                <a:cubicBezTo>
+                  <a:pt x="2369127" y="1856509"/>
+                  <a:pt x="2452361" y="1857019"/>
+                  <a:pt x="2535382" y="1862051"/>
+                </a:cubicBezTo>
+                <a:cubicBezTo>
+                  <a:pt x="2544128" y="1862581"/>
+                  <a:pt x="2551895" y="1867957"/>
+                  <a:pt x="2560320" y="1870364"/>
+                </a:cubicBezTo>
+                <a:cubicBezTo>
+                  <a:pt x="2600630" y="1881881"/>
+                  <a:pt x="2590591" y="1876710"/>
+                  <a:pt x="2635135" y="1886989"/>
+                </a:cubicBezTo>
+                <a:cubicBezTo>
+                  <a:pt x="2657399" y="1892127"/>
+                  <a:pt x="2679470" y="1898072"/>
+                  <a:pt x="2701637" y="1903614"/>
+                </a:cubicBezTo>
+                <a:cubicBezTo>
+                  <a:pt x="2712721" y="1906385"/>
+                  <a:pt x="2723619" y="1910049"/>
+                  <a:pt x="2734888" y="1911927"/>
+                </a:cubicBezTo>
+                <a:lnTo>
+                  <a:pt x="2834640" y="1928553"/>
+                </a:lnTo>
+                <a:cubicBezTo>
+                  <a:pt x="2887287" y="1925782"/>
+                  <a:pt x="2940269" y="1926779"/>
+                  <a:pt x="2992582" y="1920240"/>
+                </a:cubicBezTo>
+                <a:cubicBezTo>
+                  <a:pt x="3007389" y="1918389"/>
+                  <a:pt x="3019670" y="1907233"/>
+                  <a:pt x="3034146" y="1903614"/>
+                </a:cubicBezTo>
+                <a:cubicBezTo>
+                  <a:pt x="3053154" y="1898862"/>
+                  <a:pt x="3073058" y="1898807"/>
+                  <a:pt x="3092335" y="1895302"/>
+                </a:cubicBezTo>
+                <a:cubicBezTo>
+                  <a:pt x="3103576" y="1893258"/>
+                  <a:pt x="3114214" y="1888089"/>
+                  <a:pt x="3125586" y="1886989"/>
+                </a:cubicBezTo>
+                <a:cubicBezTo>
+                  <a:pt x="3200256" y="1879763"/>
+                  <a:pt x="3275382" y="1877829"/>
+                  <a:pt x="3350029" y="1870364"/>
+                </a:cubicBezTo>
+                <a:lnTo>
+                  <a:pt x="3433157" y="1862051"/>
+                </a:lnTo>
+                <a:cubicBezTo>
+                  <a:pt x="3444241" y="1859280"/>
+                  <a:pt x="3455255" y="1856216"/>
+                  <a:pt x="3466408" y="1853738"/>
+                </a:cubicBezTo>
+                <a:cubicBezTo>
+                  <a:pt x="3480200" y="1850673"/>
+                  <a:pt x="3494264" y="1848852"/>
+                  <a:pt x="3507971" y="1845425"/>
+                </a:cubicBezTo>
+                <a:cubicBezTo>
+                  <a:pt x="3538621" y="1837762"/>
+                  <a:pt x="3569256" y="1829910"/>
+                  <a:pt x="3599411" y="1820487"/>
+                </a:cubicBezTo>
+                <a:cubicBezTo>
+                  <a:pt x="3654353" y="1803318"/>
+                  <a:pt x="3643629" y="1796151"/>
+                  <a:pt x="3707477" y="1770611"/>
+                </a:cubicBezTo>
+                <a:cubicBezTo>
+                  <a:pt x="3721331" y="1765069"/>
+                  <a:pt x="3735694" y="1760658"/>
+                  <a:pt x="3749040" y="1753985"/>
+                </a:cubicBezTo>
+                <a:cubicBezTo>
+                  <a:pt x="3769094" y="1743958"/>
+                  <a:pt x="3795758" y="1725611"/>
+                  <a:pt x="3815542" y="1712422"/>
+                </a:cubicBezTo>
+                <a:cubicBezTo>
+                  <a:pt x="3862732" y="1724218"/>
+                  <a:pt x="3860495" y="1721104"/>
+                  <a:pt x="3915295" y="1753985"/>
+                </a:cubicBezTo>
+                <a:cubicBezTo>
+                  <a:pt x="3929150" y="1762298"/>
+                  <a:pt x="3943158" y="1770361"/>
+                  <a:pt x="3956859" y="1778924"/>
+                </a:cubicBezTo>
+                <a:cubicBezTo>
+                  <a:pt x="3965331" y="1784219"/>
+                  <a:pt x="3972614" y="1791614"/>
+                  <a:pt x="3981797" y="1795549"/>
+                </a:cubicBezTo>
+                <a:cubicBezTo>
+                  <a:pt x="3992298" y="1800049"/>
+                  <a:pt x="4004311" y="1799958"/>
+                  <a:pt x="4015048" y="1803862"/>
+                </a:cubicBezTo>
+                <a:cubicBezTo>
+                  <a:pt x="4034880" y="1811074"/>
+                  <a:pt x="4053364" y="1821703"/>
+                  <a:pt x="4073237" y="1828800"/>
+                </a:cubicBezTo>
+                <a:cubicBezTo>
+                  <a:pt x="4092234" y="1835585"/>
+                  <a:pt x="4112289" y="1839046"/>
+                  <a:pt x="4131426" y="1845425"/>
+                </a:cubicBezTo>
+                <a:cubicBezTo>
+                  <a:pt x="4207537" y="1870796"/>
+                  <a:pt x="4138104" y="1853085"/>
+                  <a:pt x="4222866" y="1886989"/>
+                </a:cubicBezTo>
+                <a:cubicBezTo>
+                  <a:pt x="4233474" y="1891232"/>
+                  <a:pt x="4244964" y="1892824"/>
+                  <a:pt x="4256117" y="1895302"/>
+                </a:cubicBezTo>
+                <a:cubicBezTo>
+                  <a:pt x="4351097" y="1916408"/>
+                  <a:pt x="4249838" y="1891653"/>
+                  <a:pt x="4330931" y="1911927"/>
+                </a:cubicBezTo>
+                <a:cubicBezTo>
+                  <a:pt x="4369724" y="1909156"/>
+                  <a:pt x="4408655" y="1907909"/>
+                  <a:pt x="4447309" y="1903614"/>
+                </a:cubicBezTo>
+                <a:cubicBezTo>
+                  <a:pt x="4458664" y="1902352"/>
+                  <a:pt x="4469389" y="1897696"/>
+                  <a:pt x="4480560" y="1895302"/>
+                </a:cubicBezTo>
+                <a:cubicBezTo>
+                  <a:pt x="4508191" y="1889381"/>
+                  <a:pt x="4536880" y="1887611"/>
+                  <a:pt x="4563688" y="1878676"/>
+                </a:cubicBezTo>
+                <a:cubicBezTo>
+                  <a:pt x="4597700" y="1867339"/>
+                  <a:pt x="4593285" y="1867371"/>
+                  <a:pt x="4638502" y="1862051"/>
+                </a:cubicBezTo>
+                <a:cubicBezTo>
+                  <a:pt x="4725003" y="1851874"/>
+                  <a:pt x="4770773" y="1852515"/>
+                  <a:pt x="4862946" y="1845425"/>
+                </a:cubicBezTo>
+                <a:cubicBezTo>
+                  <a:pt x="4926729" y="1840519"/>
+                  <a:pt x="5054139" y="1828800"/>
+                  <a:pt x="5054139" y="1828800"/>
+                </a:cubicBezTo>
+                <a:cubicBezTo>
+                  <a:pt x="5184372" y="1834342"/>
+                  <a:pt x="5314902" y="1835030"/>
+                  <a:pt x="5444837" y="1845425"/>
+                </a:cubicBezTo>
+                <a:cubicBezTo>
+                  <a:pt x="5454796" y="1846222"/>
+                  <a:pt x="5460839" y="1857583"/>
+                  <a:pt x="5469775" y="1862051"/>
+                </a:cubicBezTo>
+                <a:cubicBezTo>
+                  <a:pt x="5477612" y="1865970"/>
+                  <a:pt x="5486876" y="1866445"/>
+                  <a:pt x="5494713" y="1870364"/>
+                </a:cubicBezTo>
+                <a:cubicBezTo>
+                  <a:pt x="5503649" y="1874832"/>
+                  <a:pt x="5510468" y="1883054"/>
+                  <a:pt x="5519651" y="1886989"/>
+                </a:cubicBezTo>
+                <a:cubicBezTo>
+                  <a:pt x="5530152" y="1891489"/>
+                  <a:pt x="5541959" y="1892019"/>
+                  <a:pt x="5552902" y="1895302"/>
+                </a:cubicBezTo>
+                <a:cubicBezTo>
+                  <a:pt x="5635233" y="1920001"/>
+                  <a:pt x="5569658" y="1906407"/>
+                  <a:pt x="5652655" y="1920240"/>
+                </a:cubicBezTo>
+                <a:cubicBezTo>
+                  <a:pt x="5666510" y="1925782"/>
+                  <a:pt x="5679743" y="1933246"/>
+                  <a:pt x="5694219" y="1936865"/>
+                </a:cubicBezTo>
+                <a:cubicBezTo>
+                  <a:pt x="5765522" y="1954691"/>
+                  <a:pt x="5837983" y="1940674"/>
+                  <a:pt x="5910349" y="1936865"/>
+                </a:cubicBezTo>
+                <a:cubicBezTo>
+                  <a:pt x="5918662" y="1931323"/>
+                  <a:pt x="5927158" y="1926047"/>
+                  <a:pt x="5935288" y="1920240"/>
+                </a:cubicBezTo>
+                <a:cubicBezTo>
+                  <a:pt x="5962473" y="1900823"/>
+                  <a:pt x="5975066" y="1884859"/>
+                  <a:pt x="6010102" y="1878676"/>
+                </a:cubicBezTo>
+                <a:cubicBezTo>
+                  <a:pt x="6042961" y="1872877"/>
+                  <a:pt x="6076515" y="1871698"/>
+                  <a:pt x="6109855" y="1870364"/>
+                </a:cubicBezTo>
+                <a:cubicBezTo>
+                  <a:pt x="6215102" y="1866154"/>
+                  <a:pt x="6320444" y="1864822"/>
+                  <a:pt x="6425739" y="1862051"/>
+                </a:cubicBezTo>
+                <a:cubicBezTo>
+                  <a:pt x="6434052" y="1856509"/>
+                  <a:pt x="6442205" y="1850720"/>
+                  <a:pt x="6450677" y="1845425"/>
+                </a:cubicBezTo>
+                <a:cubicBezTo>
+                  <a:pt x="6464378" y="1836862"/>
+                  <a:pt x="6487131" y="1835815"/>
+                  <a:pt x="6492240" y="1820487"/>
+                </a:cubicBezTo>
+                <a:cubicBezTo>
+                  <a:pt x="6500175" y="1796683"/>
+                  <a:pt x="6486699" y="1770611"/>
+                  <a:pt x="6483928" y="1745673"/>
+                </a:cubicBezTo>
+                <a:cubicBezTo>
+                  <a:pt x="6481157" y="1651462"/>
+                  <a:pt x="6480442" y="1557168"/>
+                  <a:pt x="6475615" y="1463040"/>
+                </a:cubicBezTo>
+                <a:cubicBezTo>
+                  <a:pt x="6474748" y="1446126"/>
+                  <a:pt x="6458272" y="1382992"/>
+                  <a:pt x="6450677" y="1371600"/>
+                </a:cubicBezTo>
+                <a:lnTo>
+                  <a:pt x="6434051" y="1346662"/>
+                </a:lnTo>
+                <a:cubicBezTo>
+                  <a:pt x="6431280" y="1338349"/>
+                  <a:pt x="6430247" y="1329238"/>
+                  <a:pt x="6425739" y="1321724"/>
+                </a:cubicBezTo>
+                <a:cubicBezTo>
+                  <a:pt x="6419112" y="1310678"/>
+                  <a:pt x="6393884" y="1293328"/>
+                  <a:pt x="6384175" y="1288473"/>
+                </a:cubicBezTo>
+                <a:cubicBezTo>
+                  <a:pt x="6376338" y="1284554"/>
+                  <a:pt x="6367441" y="1283237"/>
+                  <a:pt x="6359237" y="1280160"/>
+                </a:cubicBezTo>
+                <a:cubicBezTo>
+                  <a:pt x="6345265" y="1274920"/>
+                  <a:pt x="6331528" y="1269076"/>
+                  <a:pt x="6317673" y="1263534"/>
+                </a:cubicBezTo>
+                <a:lnTo>
+                  <a:pt x="5694219" y="1271847"/>
+                </a:lnTo>
+                <a:cubicBezTo>
+                  <a:pt x="5549291" y="1276522"/>
+                  <a:pt x="5575336" y="1287118"/>
+                  <a:pt x="5461462" y="1305098"/>
+                </a:cubicBezTo>
+                <a:cubicBezTo>
+                  <a:pt x="5436678" y="1309011"/>
+                  <a:pt x="5411568" y="1310479"/>
+                  <a:pt x="5386648" y="1313411"/>
+                </a:cubicBezTo>
+                <a:lnTo>
+                  <a:pt x="5320146" y="1321724"/>
+                </a:lnTo>
+                <a:cubicBezTo>
+                  <a:pt x="5114368" y="1380516"/>
+                  <a:pt x="5406980" y="1299768"/>
+                  <a:pt x="5203768" y="1346662"/>
+                </a:cubicBezTo>
+                <a:cubicBezTo>
+                  <a:pt x="5066935" y="1378239"/>
+                  <a:pt x="5261728" y="1351305"/>
+                  <a:pt x="5079077" y="1371600"/>
+                </a:cubicBezTo>
+                <a:cubicBezTo>
+                  <a:pt x="5037513" y="1366058"/>
+                  <a:pt x="4995747" y="1361867"/>
+                  <a:pt x="4954386" y="1354974"/>
+                </a:cubicBezTo>
+                <a:cubicBezTo>
+                  <a:pt x="4945743" y="1353534"/>
+                  <a:pt x="4937949" y="1348787"/>
+                  <a:pt x="4929448" y="1346662"/>
+                </a:cubicBezTo>
+                <a:cubicBezTo>
+                  <a:pt x="4915741" y="1343235"/>
+                  <a:pt x="4901591" y="1341776"/>
+                  <a:pt x="4887884" y="1338349"/>
+                </a:cubicBezTo>
+                <a:cubicBezTo>
+                  <a:pt x="4879383" y="1336224"/>
+                  <a:pt x="4871648" y="1331060"/>
+                  <a:pt x="4862946" y="1330036"/>
+                </a:cubicBezTo>
+                <a:cubicBezTo>
+                  <a:pt x="4824321" y="1325492"/>
+                  <a:pt x="4785361" y="1324495"/>
+                  <a:pt x="4746568" y="1321724"/>
+                </a:cubicBezTo>
+                <a:cubicBezTo>
+                  <a:pt x="4729942" y="1316182"/>
+                  <a:pt x="4713693" y="1309349"/>
+                  <a:pt x="4696691" y="1305098"/>
+                </a:cubicBezTo>
+                <a:cubicBezTo>
+                  <a:pt x="4638591" y="1290573"/>
+                  <a:pt x="4619706" y="1287004"/>
+                  <a:pt x="4547062" y="1255222"/>
+                </a:cubicBezTo>
+                <a:cubicBezTo>
+                  <a:pt x="4502728" y="1235826"/>
+                  <a:pt x="4457342" y="1218674"/>
+                  <a:pt x="4414059" y="1197033"/>
+                </a:cubicBezTo>
+                <a:cubicBezTo>
+                  <a:pt x="4391892" y="1185949"/>
+                  <a:pt x="4370474" y="1173218"/>
+                  <a:pt x="4347557" y="1163782"/>
+                </a:cubicBezTo>
+                <a:cubicBezTo>
+                  <a:pt x="4323250" y="1153773"/>
+                  <a:pt x="4297242" y="1148372"/>
+                  <a:pt x="4272742" y="1138844"/>
+                </a:cubicBezTo>
+                <a:cubicBezTo>
+                  <a:pt x="4247307" y="1128953"/>
+                  <a:pt x="4223444" y="1115272"/>
+                  <a:pt x="4197928" y="1105593"/>
+                </a:cubicBezTo>
+                <a:cubicBezTo>
+                  <a:pt x="4143030" y="1084770"/>
+                  <a:pt x="4086541" y="1068306"/>
+                  <a:pt x="4031673" y="1047404"/>
+                </a:cubicBezTo>
+                <a:cubicBezTo>
+                  <a:pt x="3973484" y="1025237"/>
+                  <a:pt x="3913793" y="1006669"/>
+                  <a:pt x="3857106" y="980902"/>
+                </a:cubicBezTo>
+                <a:cubicBezTo>
+                  <a:pt x="3826626" y="967047"/>
+                  <a:pt x="3796673" y="951970"/>
+                  <a:pt x="3765666" y="939338"/>
+                </a:cubicBezTo>
+                <a:cubicBezTo>
+                  <a:pt x="3721816" y="921473"/>
+                  <a:pt x="3676183" y="908114"/>
+                  <a:pt x="3632662" y="889462"/>
+                </a:cubicBezTo>
+                <a:cubicBezTo>
+                  <a:pt x="3593869" y="872836"/>
+                  <a:pt x="3556324" y="852931"/>
+                  <a:pt x="3516284" y="839585"/>
+                </a:cubicBezTo>
+                <a:cubicBezTo>
+                  <a:pt x="3507971" y="836814"/>
+                  <a:pt x="3499434" y="834643"/>
+                  <a:pt x="3491346" y="831273"/>
+                </a:cubicBezTo>
+                <a:cubicBezTo>
+                  <a:pt x="3466155" y="820777"/>
+                  <a:pt x="3441722" y="808518"/>
+                  <a:pt x="3416531" y="798022"/>
+                </a:cubicBezTo>
+                <a:cubicBezTo>
+                  <a:pt x="3408443" y="794652"/>
+                  <a:pt x="3399430" y="793628"/>
+                  <a:pt x="3391593" y="789709"/>
+                </a:cubicBezTo>
+                <a:cubicBezTo>
+                  <a:pt x="3382657" y="785241"/>
+                  <a:pt x="3376044" y="776498"/>
+                  <a:pt x="3366655" y="773084"/>
+                </a:cubicBezTo>
+                <a:cubicBezTo>
+                  <a:pt x="3345181" y="765275"/>
+                  <a:pt x="3322123" y="762735"/>
+                  <a:pt x="3300153" y="756458"/>
+                </a:cubicBezTo>
+                <a:cubicBezTo>
+                  <a:pt x="3283303" y="751644"/>
+                  <a:pt x="3250277" y="739833"/>
+                  <a:pt x="3250277" y="739833"/>
+                </a:cubicBezTo>
+                <a:cubicBezTo>
+                  <a:pt x="3178819" y="692192"/>
+                  <a:pt x="3269224" y="749305"/>
+                  <a:pt x="3200400" y="714894"/>
+                </a:cubicBezTo>
+                <a:cubicBezTo>
+                  <a:pt x="3191464" y="710426"/>
+                  <a:pt x="3184233" y="703053"/>
+                  <a:pt x="3175462" y="698269"/>
+                </a:cubicBezTo>
+                <a:cubicBezTo>
+                  <a:pt x="3153704" y="686401"/>
+                  <a:pt x="3129977" y="678154"/>
+                  <a:pt x="3108960" y="665018"/>
+                </a:cubicBezTo>
+                <a:cubicBezTo>
+                  <a:pt x="3086793" y="651163"/>
+                  <a:pt x="3064210" y="637954"/>
+                  <a:pt x="3042459" y="623454"/>
+                </a:cubicBezTo>
+                <a:cubicBezTo>
+                  <a:pt x="3017605" y="606885"/>
+                  <a:pt x="2988540" y="584532"/>
+                  <a:pt x="2959331" y="573578"/>
+                </a:cubicBezTo>
+                <a:cubicBezTo>
+                  <a:pt x="2948634" y="569566"/>
+                  <a:pt x="2937065" y="568404"/>
+                  <a:pt x="2926080" y="565265"/>
+                </a:cubicBezTo>
+                <a:cubicBezTo>
+                  <a:pt x="2917655" y="562858"/>
+                  <a:pt x="2909567" y="559360"/>
+                  <a:pt x="2901142" y="556953"/>
+                </a:cubicBezTo>
+                <a:cubicBezTo>
+                  <a:pt x="2890157" y="553814"/>
+                  <a:pt x="2878729" y="552253"/>
+                  <a:pt x="2867891" y="548640"/>
+                </a:cubicBezTo>
+                <a:cubicBezTo>
+                  <a:pt x="2853735" y="543921"/>
+                  <a:pt x="2839876" y="538267"/>
+                  <a:pt x="2826328" y="532014"/>
+                </a:cubicBezTo>
+                <a:cubicBezTo>
+                  <a:pt x="2803825" y="521628"/>
+                  <a:pt x="2783870" y="504775"/>
+                  <a:pt x="2759826" y="498764"/>
+                </a:cubicBezTo>
+                <a:cubicBezTo>
+                  <a:pt x="2674467" y="477424"/>
+                  <a:pt x="2780274" y="506431"/>
+                  <a:pt x="2693324" y="473825"/>
+                </a:cubicBezTo>
+                <a:cubicBezTo>
+                  <a:pt x="2682627" y="469814"/>
+                  <a:pt x="2671157" y="468284"/>
+                  <a:pt x="2660073" y="465513"/>
+                </a:cubicBezTo>
+                <a:cubicBezTo>
+                  <a:pt x="2651760" y="459971"/>
+                  <a:pt x="2644411" y="452597"/>
+                  <a:pt x="2635135" y="448887"/>
+                </a:cubicBezTo>
+                <a:cubicBezTo>
+                  <a:pt x="2565252" y="420934"/>
+                  <a:pt x="2594764" y="447703"/>
+                  <a:pt x="2552008" y="415636"/>
+                </a:cubicBezTo>
+                <a:cubicBezTo>
+                  <a:pt x="2526733" y="396680"/>
+                  <a:pt x="2505451" y="371576"/>
+                  <a:pt x="2477193" y="357447"/>
+                </a:cubicBezTo>
+                <a:cubicBezTo>
+                  <a:pt x="2449575" y="343638"/>
+                  <a:pt x="2442507" y="341823"/>
+                  <a:pt x="2419004" y="324196"/>
+                </a:cubicBezTo>
+                <a:cubicBezTo>
+                  <a:pt x="2406767" y="315018"/>
+                  <a:pt x="2371296" y="283717"/>
+                  <a:pt x="2352502" y="274320"/>
+                </a:cubicBezTo>
+                <a:cubicBezTo>
+                  <a:pt x="2344665" y="270401"/>
+                  <a:pt x="2335877" y="268778"/>
+                  <a:pt x="2327564" y="266007"/>
+                </a:cubicBezTo>
+                <a:cubicBezTo>
+                  <a:pt x="2320032" y="260358"/>
+                  <a:pt x="2281531" y="230522"/>
+                  <a:pt x="2269375" y="224444"/>
+                </a:cubicBezTo>
+                <a:cubicBezTo>
+                  <a:pt x="2257448" y="218481"/>
+                  <a:pt x="2221841" y="210482"/>
+                  <a:pt x="2211186" y="207818"/>
+                </a:cubicBezTo>
+                <a:cubicBezTo>
+                  <a:pt x="2202873" y="202276"/>
+                  <a:pt x="2195431" y="195128"/>
+                  <a:pt x="2186248" y="191193"/>
+                </a:cubicBezTo>
+                <a:cubicBezTo>
+                  <a:pt x="2163162" y="181299"/>
+                  <a:pt x="2102078" y="176793"/>
+                  <a:pt x="2086495" y="174567"/>
+                </a:cubicBezTo>
+                <a:cubicBezTo>
+                  <a:pt x="2064237" y="171387"/>
+                  <a:pt x="2018312" y="163309"/>
+                  <a:pt x="1995055" y="157942"/>
+                </a:cubicBezTo>
+                <a:cubicBezTo>
+                  <a:pt x="1972791" y="152804"/>
+                  <a:pt x="1951379" y="142353"/>
+                  <a:pt x="1928553" y="141316"/>
+                </a:cubicBezTo>
+                <a:lnTo>
+                  <a:pt x="1745673" y="133004"/>
+                </a:lnTo>
+                <a:cubicBezTo>
+                  <a:pt x="1689685" y="142335"/>
+                  <a:pt x="1703335" y="126241"/>
+                  <a:pt x="1687484" y="157942"/>
+                </a:cubicBezTo>
+              </a:path>
+            </a:pathLst>
+          </a:custGeom>
+          <a:noFill/>
+        </p:spPr>
+        <p:style>
+          <a:lnRef idx="2">
+            <a:schemeClr val="accent1">
+              <a:shade val="50000"/>
+            </a:schemeClr>
+          </a:lnRef>
+          <a:fillRef idx="1">
+            <a:schemeClr val="accent1"/>
+          </a:fillRef>
+          <a:effectRef idx="0">
+            <a:schemeClr val="accent1"/>
+          </a:effectRef>
+          <a:fontRef idx="minor">
+            <a:schemeClr val="lt1"/>
+          </a:fontRef>
+        </p:style>
+        <p:txBody>
+          <a:bodyPr rtlCol="0" anchor="ctr"/>
+          <a:lstStyle/>
+          <a:p>
+            <a:pPr algn="ctr"/>
+            <a:endParaRPr lang="en-US"/>
+          </a:p>
+        </p:txBody>
+      </p:sp>
     </p:spTree>
     <p:extLst>
       <p:ext uri="{BB962C8B-B14F-4D97-AF65-F5344CB8AC3E}">
@@ -4784,7 +10286,7 @@
 </p:sld>
 </file>
 
-<file path=ppt/slides/slide5.xml><?xml version="1.0" encoding="utf-8"?>
+<file path=ppt/slides/slide2.xml><?xml version="1.0" encoding="utf-8"?>
 <p:sld xmlns:a="http://schemas.openxmlformats.org/drawingml/2006/main" xmlns:r="http://schemas.openxmlformats.org/officeDocument/2006/relationships" xmlns:p="http://schemas.openxmlformats.org/presentationml/2006/main">
   <p:cSld>
     <p:spTree>
@@ -4852,13 +10354,7 @@
           <a:p>
             <a:r>
               <a:rPr lang="en-US" dirty="0"/>
-              <a:t>Decide on all the variables you’ll need from the surrounding classes and their data type before building the class.</a:t>
-            </a:r>
-          </a:p>
-          <a:p>
-            <a:r>
-              <a:rPr lang="en-US" dirty="0"/>
-              <a:t>Also create a txt file next to your set of classes and if anyone needs a variable from your class then put it there, along with what class needs it</a:t>
+              <a:t>Decide on all the variables you’ll need from the surrounding classes and their data type before building the class, then put it into the corresponding interfaces. Also comment in a description of why you need the variable and what it is in the interface </a:t>
             </a:r>
           </a:p>
           <a:p>
@@ -4885,7 +10381,7 @@
 </p:sld>
 </file>
 
-<file path=ppt/slides/slide6.xml><?xml version="1.0" encoding="utf-8"?>
+<file path=ppt/slides/slide3.xml><?xml version="1.0" encoding="utf-8"?>
 <p:sld xmlns:a="http://schemas.openxmlformats.org/drawingml/2006/main" xmlns:r="http://schemas.openxmlformats.org/officeDocument/2006/relationships" xmlns:p="http://schemas.openxmlformats.org/presentationml/2006/main">
   <p:cSld>
     <p:spTree>

--- a/Notes/Structure Of Classes/Presentation1.pptx
+++ b/Notes/Structure Of Classes/Presentation1.pptx
@@ -243,7 +243,7 @@
           <a:p>
             <a:fld id="{58422A9E-B9C0-2C49-A767-9E1BBA9311F3}" type="datetimeFigureOut">
               <a:rPr lang="en-US" smtClean="0"/>
-              <a:t>3/3/18</a:t>
+              <a:t>3/7/18</a:t>
             </a:fld>
             <a:endParaRPr lang="en-US"/>
           </a:p>
@@ -411,7 +411,7 @@
           <a:p>
             <a:fld id="{58422A9E-B9C0-2C49-A767-9E1BBA9311F3}" type="datetimeFigureOut">
               <a:rPr lang="en-US" smtClean="0"/>
-              <a:t>3/3/18</a:t>
+              <a:t>3/7/18</a:t>
             </a:fld>
             <a:endParaRPr lang="en-US"/>
           </a:p>
@@ -589,7 +589,7 @@
           <a:p>
             <a:fld id="{58422A9E-B9C0-2C49-A767-9E1BBA9311F3}" type="datetimeFigureOut">
               <a:rPr lang="en-US" smtClean="0"/>
-              <a:t>3/3/18</a:t>
+              <a:t>3/7/18</a:t>
             </a:fld>
             <a:endParaRPr lang="en-US"/>
           </a:p>
@@ -757,7 +757,7 @@
           <a:p>
             <a:fld id="{58422A9E-B9C0-2C49-A767-9E1BBA9311F3}" type="datetimeFigureOut">
               <a:rPr lang="en-US" smtClean="0"/>
-              <a:t>3/3/18</a:t>
+              <a:t>3/7/18</a:t>
             </a:fld>
             <a:endParaRPr lang="en-US"/>
           </a:p>
@@ -1002,7 +1002,7 @@
           <a:p>
             <a:fld id="{58422A9E-B9C0-2C49-A767-9E1BBA9311F3}" type="datetimeFigureOut">
               <a:rPr lang="en-US" smtClean="0"/>
-              <a:t>3/3/18</a:t>
+              <a:t>3/7/18</a:t>
             </a:fld>
             <a:endParaRPr lang="en-US"/>
           </a:p>
@@ -1231,7 +1231,7 @@
           <a:p>
             <a:fld id="{58422A9E-B9C0-2C49-A767-9E1BBA9311F3}" type="datetimeFigureOut">
               <a:rPr lang="en-US" smtClean="0"/>
-              <a:t>3/3/18</a:t>
+              <a:t>3/7/18</a:t>
             </a:fld>
             <a:endParaRPr lang="en-US"/>
           </a:p>
@@ -1595,7 +1595,7 @@
           <a:p>
             <a:fld id="{58422A9E-B9C0-2C49-A767-9E1BBA9311F3}" type="datetimeFigureOut">
               <a:rPr lang="en-US" smtClean="0"/>
-              <a:t>3/3/18</a:t>
+              <a:t>3/7/18</a:t>
             </a:fld>
             <a:endParaRPr lang="en-US"/>
           </a:p>
@@ -1712,7 +1712,7 @@
           <a:p>
             <a:fld id="{58422A9E-B9C0-2C49-A767-9E1BBA9311F3}" type="datetimeFigureOut">
               <a:rPr lang="en-US" smtClean="0"/>
-              <a:t>3/3/18</a:t>
+              <a:t>3/7/18</a:t>
             </a:fld>
             <a:endParaRPr lang="en-US"/>
           </a:p>
@@ -1807,7 +1807,7 @@
           <a:p>
             <a:fld id="{58422A9E-B9C0-2C49-A767-9E1BBA9311F3}" type="datetimeFigureOut">
               <a:rPr lang="en-US" smtClean="0"/>
-              <a:t>3/3/18</a:t>
+              <a:t>3/7/18</a:t>
             </a:fld>
             <a:endParaRPr lang="en-US"/>
           </a:p>
@@ -2082,7 +2082,7 @@
           <a:p>
             <a:fld id="{58422A9E-B9C0-2C49-A767-9E1BBA9311F3}" type="datetimeFigureOut">
               <a:rPr lang="en-US" smtClean="0"/>
-              <a:t>3/3/18</a:t>
+              <a:t>3/7/18</a:t>
             </a:fld>
             <a:endParaRPr lang="en-US"/>
           </a:p>
@@ -2334,7 +2334,7 @@
           <a:p>
             <a:fld id="{58422A9E-B9C0-2C49-A767-9E1BBA9311F3}" type="datetimeFigureOut">
               <a:rPr lang="en-US" smtClean="0"/>
-              <a:t>3/3/18</a:t>
+              <a:t>3/7/18</a:t>
             </a:fld>
             <a:endParaRPr lang="en-US"/>
           </a:p>
@@ -2545,7 +2545,7 @@
           <a:p>
             <a:fld id="{58422A9E-B9C0-2C49-A767-9E1BBA9311F3}" type="datetimeFigureOut">
               <a:rPr lang="en-US" smtClean="0"/>
-              <a:t>3/3/18</a:t>
+              <a:t>3/7/18</a:t>
             </a:fld>
             <a:endParaRPr lang="en-US"/>
           </a:p>
@@ -2950,43 +2950,6 @@
           <a:chExt cx="0" cy="0"/>
         </a:xfrm>
       </p:grpSpPr>
-      <p:cxnSp>
-        <p:nvCxnSpPr>
-          <p:cNvPr id="6" name="Straight Arrow Connector 5"/>
-          <p:cNvCxnSpPr>
-            <a:cxnSpLocks/>
-            <a:endCxn id="7" idx="2"/>
-          </p:cNvCxnSpPr>
-          <p:nvPr/>
-        </p:nvCxnSpPr>
-        <p:spPr>
-          <a:xfrm flipV="1">
-            <a:off x="1298666" y="4457566"/>
-            <a:ext cx="8708" cy="566056"/>
-          </a:xfrm>
-          <a:prstGeom prst="straightConnector1">
-            <a:avLst/>
-          </a:prstGeom>
-          <a:ln>
-            <a:headEnd type="triangle"/>
-            <a:tailEnd type="triangle"/>
-          </a:ln>
-        </p:spPr>
-        <p:style>
-          <a:lnRef idx="1">
-            <a:schemeClr val="accent1"/>
-          </a:lnRef>
-          <a:fillRef idx="0">
-            <a:schemeClr val="accent1"/>
-          </a:fillRef>
-          <a:effectRef idx="0">
-            <a:schemeClr val="accent1"/>
-          </a:effectRef>
-          <a:fontRef idx="minor">
-            <a:schemeClr val="tx1"/>
-          </a:fontRef>
-        </p:style>
-      </p:cxnSp>
       <p:sp>
         <p:nvSpPr>
           <p:cNvPr id="7" name="Rectangle 6"/>
@@ -3032,56 +2995,13 @@
       </p:sp>
       <p:sp>
         <p:nvSpPr>
-          <p:cNvPr id="8" name="Rectangle 7"/>
-          <p:cNvSpPr/>
-          <p:nvPr/>
-        </p:nvSpPr>
-        <p:spPr>
-          <a:xfrm>
-            <a:off x="569322" y="5014914"/>
-            <a:ext cx="1547949" cy="618308"/>
-          </a:xfrm>
-          <a:prstGeom prst="rect">
-            <a:avLst/>
-          </a:prstGeom>
-        </p:spPr>
-        <p:style>
-          <a:lnRef idx="2">
-            <a:schemeClr val="accent1">
-              <a:shade val="50000"/>
-            </a:schemeClr>
-          </a:lnRef>
-          <a:fillRef idx="1">
-            <a:schemeClr val="accent1"/>
-          </a:fillRef>
-          <a:effectRef idx="0">
-            <a:schemeClr val="accent1"/>
-          </a:effectRef>
-          <a:fontRef idx="minor">
-            <a:schemeClr val="lt1"/>
-          </a:fontRef>
-        </p:style>
-        <p:txBody>
-          <a:bodyPr rtlCol="0" anchor="ctr"/>
-          <a:lstStyle/>
-          <a:p>
-            <a:pPr algn="ctr"/>
-            <a:r>
-              <a:rPr lang="en-US" dirty="0"/>
-              <a:t>Controller</a:t>
-            </a:r>
-          </a:p>
-        </p:txBody>
-      </p:sp>
-      <p:sp>
-        <p:nvSpPr>
           <p:cNvPr id="9" name="Rectangle 8"/>
           <p:cNvSpPr/>
           <p:nvPr/>
         </p:nvSpPr>
         <p:spPr>
           <a:xfrm>
-            <a:off x="2778034" y="6147026"/>
+            <a:off x="2117271" y="5666080"/>
             <a:ext cx="1547949" cy="470263"/>
           </a:xfrm>
           <a:prstGeom prst="rect">
@@ -3120,15 +3040,16 @@
         <p:nvCxnSpPr>
           <p:cNvPr id="14" name="Straight Arrow Connector 13"/>
           <p:cNvCxnSpPr>
+            <a:cxnSpLocks/>
             <a:stCxn id="9" idx="0"/>
-            <a:endCxn id="8" idx="2"/>
+            <a:endCxn id="7" idx="2"/>
           </p:cNvCxnSpPr>
           <p:nvPr/>
         </p:nvCxnSpPr>
         <p:spPr>
           <a:xfrm flipH="1" flipV="1">
-            <a:off x="1343297" y="5633222"/>
-            <a:ext cx="2208712" cy="513804"/>
+            <a:off x="1307374" y="4457566"/>
+            <a:ext cx="1583872" cy="1208514"/>
           </a:xfrm>
           <a:prstGeom prst="straightConnector1">
             <a:avLst/>
@@ -3161,7 +3082,7 @@
         </p:nvSpPr>
         <p:spPr>
           <a:xfrm>
-            <a:off x="5004163" y="6155735"/>
+            <a:off x="4343400" y="5674789"/>
             <a:ext cx="1502229" cy="470263"/>
           </a:xfrm>
           <a:prstGeom prst="rect">
@@ -3208,7 +3129,7 @@
         </p:nvCxnSpPr>
         <p:spPr>
           <a:xfrm flipH="1" flipV="1">
-            <a:off x="4325983" y="6382158"/>
+            <a:off x="3665220" y="5901212"/>
             <a:ext cx="678180" cy="8709"/>
           </a:xfrm>
           <a:prstGeom prst="straightConnector1">
@@ -3241,7 +3162,7 @@
         </p:nvSpPr>
         <p:spPr>
           <a:xfrm>
-            <a:off x="480060" y="6147026"/>
+            <a:off x="-180703" y="5666080"/>
             <a:ext cx="1619794" cy="478972"/>
           </a:xfrm>
           <a:prstGeom prst="rect">
@@ -3288,7 +3209,7 @@
         </p:nvCxnSpPr>
         <p:spPr>
           <a:xfrm flipV="1">
-            <a:off x="2099854" y="6382158"/>
+            <a:off x="1439091" y="5901212"/>
             <a:ext cx="678180" cy="4354"/>
           </a:xfrm>
           <a:prstGeom prst="straightConnector1">
@@ -8686,1593 +8607,6 @@
           </a:p>
         </p:txBody>
       </p:sp>
-      <p:sp>
-        <p:nvSpPr>
-          <p:cNvPr id="27" name="Freeform 26">
-            <a:extLst>
-              <a:ext uri="{FF2B5EF4-FFF2-40B4-BE49-F238E27FC236}">
-                <a16:creationId xmlns:a16="http://schemas.microsoft.com/office/drawing/2014/main" id="{2661A77A-A134-EC49-AF9B-54176340C576}"/>
-              </a:ext>
-            </a:extLst>
-          </p:cNvPr>
-          <p:cNvSpPr/>
-          <p:nvPr/>
-        </p:nvSpPr>
-        <p:spPr>
-          <a:xfrm>
-            <a:off x="324196" y="4696691"/>
-            <a:ext cx="6494710" cy="1995054"/>
-          </a:xfrm>
-          <a:custGeom>
-            <a:avLst/>
-            <a:gdLst>
-              <a:gd name="connsiteX0" fmla="*/ 1828800 w 6494710"/>
-              <a:gd name="connsiteY0" fmla="*/ 0 h 1995054"/>
-              <a:gd name="connsiteX1" fmla="*/ 1770611 w 6494710"/>
-              <a:gd name="connsiteY1" fmla="*/ 58189 h 1995054"/>
-              <a:gd name="connsiteX2" fmla="*/ 1737360 w 6494710"/>
-              <a:gd name="connsiteY2" fmla="*/ 66502 h 1995054"/>
-              <a:gd name="connsiteX3" fmla="*/ 1687484 w 6494710"/>
-              <a:gd name="connsiteY3" fmla="*/ 83127 h 1995054"/>
-              <a:gd name="connsiteX4" fmla="*/ 1662546 w 6494710"/>
-              <a:gd name="connsiteY4" fmla="*/ 91440 h 1995054"/>
-              <a:gd name="connsiteX5" fmla="*/ 1596044 w 6494710"/>
-              <a:gd name="connsiteY5" fmla="*/ 133004 h 1995054"/>
-              <a:gd name="connsiteX6" fmla="*/ 1504604 w 6494710"/>
-              <a:gd name="connsiteY6" fmla="*/ 166254 h 1995054"/>
-              <a:gd name="connsiteX7" fmla="*/ 1471353 w 6494710"/>
-              <a:gd name="connsiteY7" fmla="*/ 174567 h 1995054"/>
-              <a:gd name="connsiteX8" fmla="*/ 1388226 w 6494710"/>
-              <a:gd name="connsiteY8" fmla="*/ 207818 h 1995054"/>
-              <a:gd name="connsiteX9" fmla="*/ 1330037 w 6494710"/>
-              <a:gd name="connsiteY9" fmla="*/ 224444 h 1995054"/>
-              <a:gd name="connsiteX10" fmla="*/ 1296786 w 6494710"/>
-              <a:gd name="connsiteY10" fmla="*/ 232756 h 1995054"/>
-              <a:gd name="connsiteX11" fmla="*/ 1255222 w 6494710"/>
-              <a:gd name="connsiteY11" fmla="*/ 249382 h 1995054"/>
-              <a:gd name="connsiteX12" fmla="*/ 1230284 w 6494710"/>
-              <a:gd name="connsiteY12" fmla="*/ 266007 h 1995054"/>
-              <a:gd name="connsiteX13" fmla="*/ 1188720 w 6494710"/>
-              <a:gd name="connsiteY13" fmla="*/ 274320 h 1995054"/>
-              <a:gd name="connsiteX14" fmla="*/ 1122219 w 6494710"/>
-              <a:gd name="connsiteY14" fmla="*/ 290945 h 1995054"/>
-              <a:gd name="connsiteX15" fmla="*/ 1055717 w 6494710"/>
-              <a:gd name="connsiteY15" fmla="*/ 299258 h 1995054"/>
-              <a:gd name="connsiteX16" fmla="*/ 997528 w 6494710"/>
-              <a:gd name="connsiteY16" fmla="*/ 307571 h 1995054"/>
-              <a:gd name="connsiteX17" fmla="*/ 299259 w 6494710"/>
-              <a:gd name="connsiteY17" fmla="*/ 299258 h 1995054"/>
-              <a:gd name="connsiteX18" fmla="*/ 133004 w 6494710"/>
-              <a:gd name="connsiteY18" fmla="*/ 299258 h 1995054"/>
-              <a:gd name="connsiteX19" fmla="*/ 108066 w 6494710"/>
-              <a:gd name="connsiteY19" fmla="*/ 307571 h 1995054"/>
-              <a:gd name="connsiteX20" fmla="*/ 74815 w 6494710"/>
-              <a:gd name="connsiteY20" fmla="*/ 349134 h 1995054"/>
-              <a:gd name="connsiteX21" fmla="*/ 49877 w 6494710"/>
-              <a:gd name="connsiteY21" fmla="*/ 440574 h 1995054"/>
-              <a:gd name="connsiteX22" fmla="*/ 24939 w 6494710"/>
-              <a:gd name="connsiteY22" fmla="*/ 498764 h 1995054"/>
-              <a:gd name="connsiteX23" fmla="*/ 8313 w 6494710"/>
-              <a:gd name="connsiteY23" fmla="*/ 565265 h 1995054"/>
-              <a:gd name="connsiteX24" fmla="*/ 0 w 6494710"/>
-              <a:gd name="connsiteY24" fmla="*/ 1197033 h 1995054"/>
-              <a:gd name="connsiteX25" fmla="*/ 8313 w 6494710"/>
-              <a:gd name="connsiteY25" fmla="*/ 1396538 h 1995054"/>
-              <a:gd name="connsiteX26" fmla="*/ 24939 w 6494710"/>
-              <a:gd name="connsiteY26" fmla="*/ 1487978 h 1995054"/>
-              <a:gd name="connsiteX27" fmla="*/ 33251 w 6494710"/>
-              <a:gd name="connsiteY27" fmla="*/ 1828800 h 1995054"/>
-              <a:gd name="connsiteX28" fmla="*/ 41564 w 6494710"/>
-              <a:gd name="connsiteY28" fmla="*/ 1895302 h 1995054"/>
-              <a:gd name="connsiteX29" fmla="*/ 83128 w 6494710"/>
-              <a:gd name="connsiteY29" fmla="*/ 1936865 h 1995054"/>
-              <a:gd name="connsiteX30" fmla="*/ 108066 w 6494710"/>
-              <a:gd name="connsiteY30" fmla="*/ 1953491 h 1995054"/>
-              <a:gd name="connsiteX31" fmla="*/ 133004 w 6494710"/>
-              <a:gd name="connsiteY31" fmla="*/ 1961804 h 1995054"/>
-              <a:gd name="connsiteX32" fmla="*/ 224444 w 6494710"/>
-              <a:gd name="connsiteY32" fmla="*/ 1978429 h 1995054"/>
-              <a:gd name="connsiteX33" fmla="*/ 324197 w 6494710"/>
-              <a:gd name="connsiteY33" fmla="*/ 1995054 h 1995054"/>
-              <a:gd name="connsiteX34" fmla="*/ 648393 w 6494710"/>
-              <a:gd name="connsiteY34" fmla="*/ 1986742 h 1995054"/>
-              <a:gd name="connsiteX35" fmla="*/ 681644 w 6494710"/>
-              <a:gd name="connsiteY35" fmla="*/ 1978429 h 1995054"/>
-              <a:gd name="connsiteX36" fmla="*/ 806335 w 6494710"/>
-              <a:gd name="connsiteY36" fmla="*/ 1953491 h 1995054"/>
-              <a:gd name="connsiteX37" fmla="*/ 847899 w 6494710"/>
-              <a:gd name="connsiteY37" fmla="*/ 1945178 h 1995054"/>
-              <a:gd name="connsiteX38" fmla="*/ 1512917 w 6494710"/>
-              <a:gd name="connsiteY38" fmla="*/ 1936865 h 1995054"/>
-              <a:gd name="connsiteX39" fmla="*/ 1629295 w 6494710"/>
-              <a:gd name="connsiteY39" fmla="*/ 1920240 h 1995054"/>
-              <a:gd name="connsiteX40" fmla="*/ 1670859 w 6494710"/>
-              <a:gd name="connsiteY40" fmla="*/ 1911927 h 1995054"/>
-              <a:gd name="connsiteX41" fmla="*/ 1828800 w 6494710"/>
-              <a:gd name="connsiteY41" fmla="*/ 1903614 h 1995054"/>
-              <a:gd name="connsiteX42" fmla="*/ 2053244 w 6494710"/>
-              <a:gd name="connsiteY42" fmla="*/ 1886989 h 1995054"/>
-              <a:gd name="connsiteX43" fmla="*/ 2161309 w 6494710"/>
-              <a:gd name="connsiteY43" fmla="*/ 1870364 h 1995054"/>
-              <a:gd name="connsiteX44" fmla="*/ 2202873 w 6494710"/>
-              <a:gd name="connsiteY44" fmla="*/ 1862051 h 1995054"/>
-              <a:gd name="connsiteX45" fmla="*/ 2286000 w 6494710"/>
-              <a:gd name="connsiteY45" fmla="*/ 1853738 h 1995054"/>
-              <a:gd name="connsiteX46" fmla="*/ 2535382 w 6494710"/>
-              <a:gd name="connsiteY46" fmla="*/ 1862051 h 1995054"/>
-              <a:gd name="connsiteX47" fmla="*/ 2560320 w 6494710"/>
-              <a:gd name="connsiteY47" fmla="*/ 1870364 h 1995054"/>
-              <a:gd name="connsiteX48" fmla="*/ 2635135 w 6494710"/>
-              <a:gd name="connsiteY48" fmla="*/ 1886989 h 1995054"/>
-              <a:gd name="connsiteX49" fmla="*/ 2701637 w 6494710"/>
-              <a:gd name="connsiteY49" fmla="*/ 1903614 h 1995054"/>
-              <a:gd name="connsiteX50" fmla="*/ 2734888 w 6494710"/>
-              <a:gd name="connsiteY50" fmla="*/ 1911927 h 1995054"/>
-              <a:gd name="connsiteX51" fmla="*/ 2834640 w 6494710"/>
-              <a:gd name="connsiteY51" fmla="*/ 1928553 h 1995054"/>
-              <a:gd name="connsiteX52" fmla="*/ 2992582 w 6494710"/>
-              <a:gd name="connsiteY52" fmla="*/ 1920240 h 1995054"/>
-              <a:gd name="connsiteX53" fmla="*/ 3034146 w 6494710"/>
-              <a:gd name="connsiteY53" fmla="*/ 1903614 h 1995054"/>
-              <a:gd name="connsiteX54" fmla="*/ 3092335 w 6494710"/>
-              <a:gd name="connsiteY54" fmla="*/ 1895302 h 1995054"/>
-              <a:gd name="connsiteX55" fmla="*/ 3125586 w 6494710"/>
-              <a:gd name="connsiteY55" fmla="*/ 1886989 h 1995054"/>
-              <a:gd name="connsiteX56" fmla="*/ 3350029 w 6494710"/>
-              <a:gd name="connsiteY56" fmla="*/ 1870364 h 1995054"/>
-              <a:gd name="connsiteX57" fmla="*/ 3433157 w 6494710"/>
-              <a:gd name="connsiteY57" fmla="*/ 1862051 h 1995054"/>
-              <a:gd name="connsiteX58" fmla="*/ 3466408 w 6494710"/>
-              <a:gd name="connsiteY58" fmla="*/ 1853738 h 1995054"/>
-              <a:gd name="connsiteX59" fmla="*/ 3507971 w 6494710"/>
-              <a:gd name="connsiteY59" fmla="*/ 1845425 h 1995054"/>
-              <a:gd name="connsiteX60" fmla="*/ 3599411 w 6494710"/>
-              <a:gd name="connsiteY60" fmla="*/ 1820487 h 1995054"/>
-              <a:gd name="connsiteX61" fmla="*/ 3707477 w 6494710"/>
-              <a:gd name="connsiteY61" fmla="*/ 1770611 h 1995054"/>
-              <a:gd name="connsiteX62" fmla="*/ 3749040 w 6494710"/>
-              <a:gd name="connsiteY62" fmla="*/ 1753985 h 1995054"/>
-              <a:gd name="connsiteX63" fmla="*/ 3815542 w 6494710"/>
-              <a:gd name="connsiteY63" fmla="*/ 1712422 h 1995054"/>
-              <a:gd name="connsiteX64" fmla="*/ 3915295 w 6494710"/>
-              <a:gd name="connsiteY64" fmla="*/ 1753985 h 1995054"/>
-              <a:gd name="connsiteX65" fmla="*/ 3956859 w 6494710"/>
-              <a:gd name="connsiteY65" fmla="*/ 1778924 h 1995054"/>
-              <a:gd name="connsiteX66" fmla="*/ 3981797 w 6494710"/>
-              <a:gd name="connsiteY66" fmla="*/ 1795549 h 1995054"/>
-              <a:gd name="connsiteX67" fmla="*/ 4015048 w 6494710"/>
-              <a:gd name="connsiteY67" fmla="*/ 1803862 h 1995054"/>
-              <a:gd name="connsiteX68" fmla="*/ 4073237 w 6494710"/>
-              <a:gd name="connsiteY68" fmla="*/ 1828800 h 1995054"/>
-              <a:gd name="connsiteX69" fmla="*/ 4131426 w 6494710"/>
-              <a:gd name="connsiteY69" fmla="*/ 1845425 h 1995054"/>
-              <a:gd name="connsiteX70" fmla="*/ 4222866 w 6494710"/>
-              <a:gd name="connsiteY70" fmla="*/ 1886989 h 1995054"/>
-              <a:gd name="connsiteX71" fmla="*/ 4256117 w 6494710"/>
-              <a:gd name="connsiteY71" fmla="*/ 1895302 h 1995054"/>
-              <a:gd name="connsiteX72" fmla="*/ 4330931 w 6494710"/>
-              <a:gd name="connsiteY72" fmla="*/ 1911927 h 1995054"/>
-              <a:gd name="connsiteX73" fmla="*/ 4447309 w 6494710"/>
-              <a:gd name="connsiteY73" fmla="*/ 1903614 h 1995054"/>
-              <a:gd name="connsiteX74" fmla="*/ 4480560 w 6494710"/>
-              <a:gd name="connsiteY74" fmla="*/ 1895302 h 1995054"/>
-              <a:gd name="connsiteX75" fmla="*/ 4563688 w 6494710"/>
-              <a:gd name="connsiteY75" fmla="*/ 1878676 h 1995054"/>
-              <a:gd name="connsiteX76" fmla="*/ 4638502 w 6494710"/>
-              <a:gd name="connsiteY76" fmla="*/ 1862051 h 1995054"/>
-              <a:gd name="connsiteX77" fmla="*/ 4862946 w 6494710"/>
-              <a:gd name="connsiteY77" fmla="*/ 1845425 h 1995054"/>
-              <a:gd name="connsiteX78" fmla="*/ 5054139 w 6494710"/>
-              <a:gd name="connsiteY78" fmla="*/ 1828800 h 1995054"/>
-              <a:gd name="connsiteX79" fmla="*/ 5444837 w 6494710"/>
-              <a:gd name="connsiteY79" fmla="*/ 1845425 h 1995054"/>
-              <a:gd name="connsiteX80" fmla="*/ 5469775 w 6494710"/>
-              <a:gd name="connsiteY80" fmla="*/ 1862051 h 1995054"/>
-              <a:gd name="connsiteX81" fmla="*/ 5494713 w 6494710"/>
-              <a:gd name="connsiteY81" fmla="*/ 1870364 h 1995054"/>
-              <a:gd name="connsiteX82" fmla="*/ 5519651 w 6494710"/>
-              <a:gd name="connsiteY82" fmla="*/ 1886989 h 1995054"/>
-              <a:gd name="connsiteX83" fmla="*/ 5552902 w 6494710"/>
-              <a:gd name="connsiteY83" fmla="*/ 1895302 h 1995054"/>
-              <a:gd name="connsiteX84" fmla="*/ 5652655 w 6494710"/>
-              <a:gd name="connsiteY84" fmla="*/ 1920240 h 1995054"/>
-              <a:gd name="connsiteX85" fmla="*/ 5694219 w 6494710"/>
-              <a:gd name="connsiteY85" fmla="*/ 1936865 h 1995054"/>
-              <a:gd name="connsiteX86" fmla="*/ 5910349 w 6494710"/>
-              <a:gd name="connsiteY86" fmla="*/ 1936865 h 1995054"/>
-              <a:gd name="connsiteX87" fmla="*/ 5935288 w 6494710"/>
-              <a:gd name="connsiteY87" fmla="*/ 1920240 h 1995054"/>
-              <a:gd name="connsiteX88" fmla="*/ 6010102 w 6494710"/>
-              <a:gd name="connsiteY88" fmla="*/ 1878676 h 1995054"/>
-              <a:gd name="connsiteX89" fmla="*/ 6109855 w 6494710"/>
-              <a:gd name="connsiteY89" fmla="*/ 1870364 h 1995054"/>
-              <a:gd name="connsiteX90" fmla="*/ 6425739 w 6494710"/>
-              <a:gd name="connsiteY90" fmla="*/ 1862051 h 1995054"/>
-              <a:gd name="connsiteX91" fmla="*/ 6450677 w 6494710"/>
-              <a:gd name="connsiteY91" fmla="*/ 1845425 h 1995054"/>
-              <a:gd name="connsiteX92" fmla="*/ 6492240 w 6494710"/>
-              <a:gd name="connsiteY92" fmla="*/ 1820487 h 1995054"/>
-              <a:gd name="connsiteX93" fmla="*/ 6483928 w 6494710"/>
-              <a:gd name="connsiteY93" fmla="*/ 1745673 h 1995054"/>
-              <a:gd name="connsiteX94" fmla="*/ 6475615 w 6494710"/>
-              <a:gd name="connsiteY94" fmla="*/ 1463040 h 1995054"/>
-              <a:gd name="connsiteX95" fmla="*/ 6450677 w 6494710"/>
-              <a:gd name="connsiteY95" fmla="*/ 1371600 h 1995054"/>
-              <a:gd name="connsiteX96" fmla="*/ 6434051 w 6494710"/>
-              <a:gd name="connsiteY96" fmla="*/ 1346662 h 1995054"/>
-              <a:gd name="connsiteX97" fmla="*/ 6425739 w 6494710"/>
-              <a:gd name="connsiteY97" fmla="*/ 1321724 h 1995054"/>
-              <a:gd name="connsiteX98" fmla="*/ 6384175 w 6494710"/>
-              <a:gd name="connsiteY98" fmla="*/ 1288473 h 1995054"/>
-              <a:gd name="connsiteX99" fmla="*/ 6359237 w 6494710"/>
-              <a:gd name="connsiteY99" fmla="*/ 1280160 h 1995054"/>
-              <a:gd name="connsiteX100" fmla="*/ 6317673 w 6494710"/>
-              <a:gd name="connsiteY100" fmla="*/ 1263534 h 1995054"/>
-              <a:gd name="connsiteX101" fmla="*/ 5694219 w 6494710"/>
-              <a:gd name="connsiteY101" fmla="*/ 1271847 h 1995054"/>
-              <a:gd name="connsiteX102" fmla="*/ 5461462 w 6494710"/>
-              <a:gd name="connsiteY102" fmla="*/ 1305098 h 1995054"/>
-              <a:gd name="connsiteX103" fmla="*/ 5386648 w 6494710"/>
-              <a:gd name="connsiteY103" fmla="*/ 1313411 h 1995054"/>
-              <a:gd name="connsiteX104" fmla="*/ 5320146 w 6494710"/>
-              <a:gd name="connsiteY104" fmla="*/ 1321724 h 1995054"/>
-              <a:gd name="connsiteX105" fmla="*/ 5203768 w 6494710"/>
-              <a:gd name="connsiteY105" fmla="*/ 1346662 h 1995054"/>
-              <a:gd name="connsiteX106" fmla="*/ 5079077 w 6494710"/>
-              <a:gd name="connsiteY106" fmla="*/ 1371600 h 1995054"/>
-              <a:gd name="connsiteX107" fmla="*/ 4954386 w 6494710"/>
-              <a:gd name="connsiteY107" fmla="*/ 1354974 h 1995054"/>
-              <a:gd name="connsiteX108" fmla="*/ 4929448 w 6494710"/>
-              <a:gd name="connsiteY108" fmla="*/ 1346662 h 1995054"/>
-              <a:gd name="connsiteX109" fmla="*/ 4887884 w 6494710"/>
-              <a:gd name="connsiteY109" fmla="*/ 1338349 h 1995054"/>
-              <a:gd name="connsiteX110" fmla="*/ 4862946 w 6494710"/>
-              <a:gd name="connsiteY110" fmla="*/ 1330036 h 1995054"/>
-              <a:gd name="connsiteX111" fmla="*/ 4746568 w 6494710"/>
-              <a:gd name="connsiteY111" fmla="*/ 1321724 h 1995054"/>
-              <a:gd name="connsiteX112" fmla="*/ 4696691 w 6494710"/>
-              <a:gd name="connsiteY112" fmla="*/ 1305098 h 1995054"/>
-              <a:gd name="connsiteX113" fmla="*/ 4547062 w 6494710"/>
-              <a:gd name="connsiteY113" fmla="*/ 1255222 h 1995054"/>
-              <a:gd name="connsiteX114" fmla="*/ 4414059 w 6494710"/>
-              <a:gd name="connsiteY114" fmla="*/ 1197033 h 1995054"/>
-              <a:gd name="connsiteX115" fmla="*/ 4347557 w 6494710"/>
-              <a:gd name="connsiteY115" fmla="*/ 1163782 h 1995054"/>
-              <a:gd name="connsiteX116" fmla="*/ 4272742 w 6494710"/>
-              <a:gd name="connsiteY116" fmla="*/ 1138844 h 1995054"/>
-              <a:gd name="connsiteX117" fmla="*/ 4197928 w 6494710"/>
-              <a:gd name="connsiteY117" fmla="*/ 1105593 h 1995054"/>
-              <a:gd name="connsiteX118" fmla="*/ 4031673 w 6494710"/>
-              <a:gd name="connsiteY118" fmla="*/ 1047404 h 1995054"/>
-              <a:gd name="connsiteX119" fmla="*/ 3857106 w 6494710"/>
-              <a:gd name="connsiteY119" fmla="*/ 980902 h 1995054"/>
-              <a:gd name="connsiteX120" fmla="*/ 3765666 w 6494710"/>
-              <a:gd name="connsiteY120" fmla="*/ 939338 h 1995054"/>
-              <a:gd name="connsiteX121" fmla="*/ 3632662 w 6494710"/>
-              <a:gd name="connsiteY121" fmla="*/ 889462 h 1995054"/>
-              <a:gd name="connsiteX122" fmla="*/ 3516284 w 6494710"/>
-              <a:gd name="connsiteY122" fmla="*/ 839585 h 1995054"/>
-              <a:gd name="connsiteX123" fmla="*/ 3491346 w 6494710"/>
-              <a:gd name="connsiteY123" fmla="*/ 831273 h 1995054"/>
-              <a:gd name="connsiteX124" fmla="*/ 3416531 w 6494710"/>
-              <a:gd name="connsiteY124" fmla="*/ 798022 h 1995054"/>
-              <a:gd name="connsiteX125" fmla="*/ 3391593 w 6494710"/>
-              <a:gd name="connsiteY125" fmla="*/ 789709 h 1995054"/>
-              <a:gd name="connsiteX126" fmla="*/ 3366655 w 6494710"/>
-              <a:gd name="connsiteY126" fmla="*/ 773084 h 1995054"/>
-              <a:gd name="connsiteX127" fmla="*/ 3300153 w 6494710"/>
-              <a:gd name="connsiteY127" fmla="*/ 756458 h 1995054"/>
-              <a:gd name="connsiteX128" fmla="*/ 3250277 w 6494710"/>
-              <a:gd name="connsiteY128" fmla="*/ 739833 h 1995054"/>
-              <a:gd name="connsiteX129" fmla="*/ 3200400 w 6494710"/>
-              <a:gd name="connsiteY129" fmla="*/ 714894 h 1995054"/>
-              <a:gd name="connsiteX130" fmla="*/ 3175462 w 6494710"/>
-              <a:gd name="connsiteY130" fmla="*/ 698269 h 1995054"/>
-              <a:gd name="connsiteX131" fmla="*/ 3108960 w 6494710"/>
-              <a:gd name="connsiteY131" fmla="*/ 665018 h 1995054"/>
-              <a:gd name="connsiteX132" fmla="*/ 3042459 w 6494710"/>
-              <a:gd name="connsiteY132" fmla="*/ 623454 h 1995054"/>
-              <a:gd name="connsiteX133" fmla="*/ 2959331 w 6494710"/>
-              <a:gd name="connsiteY133" fmla="*/ 573578 h 1995054"/>
-              <a:gd name="connsiteX134" fmla="*/ 2926080 w 6494710"/>
-              <a:gd name="connsiteY134" fmla="*/ 565265 h 1995054"/>
-              <a:gd name="connsiteX135" fmla="*/ 2901142 w 6494710"/>
-              <a:gd name="connsiteY135" fmla="*/ 556953 h 1995054"/>
-              <a:gd name="connsiteX136" fmla="*/ 2867891 w 6494710"/>
-              <a:gd name="connsiteY136" fmla="*/ 548640 h 1995054"/>
-              <a:gd name="connsiteX137" fmla="*/ 2826328 w 6494710"/>
-              <a:gd name="connsiteY137" fmla="*/ 532014 h 1995054"/>
-              <a:gd name="connsiteX138" fmla="*/ 2759826 w 6494710"/>
-              <a:gd name="connsiteY138" fmla="*/ 498764 h 1995054"/>
-              <a:gd name="connsiteX139" fmla="*/ 2693324 w 6494710"/>
-              <a:gd name="connsiteY139" fmla="*/ 473825 h 1995054"/>
-              <a:gd name="connsiteX140" fmla="*/ 2660073 w 6494710"/>
-              <a:gd name="connsiteY140" fmla="*/ 465513 h 1995054"/>
-              <a:gd name="connsiteX141" fmla="*/ 2635135 w 6494710"/>
-              <a:gd name="connsiteY141" fmla="*/ 448887 h 1995054"/>
-              <a:gd name="connsiteX142" fmla="*/ 2552008 w 6494710"/>
-              <a:gd name="connsiteY142" fmla="*/ 415636 h 1995054"/>
-              <a:gd name="connsiteX143" fmla="*/ 2477193 w 6494710"/>
-              <a:gd name="connsiteY143" fmla="*/ 357447 h 1995054"/>
-              <a:gd name="connsiteX144" fmla="*/ 2419004 w 6494710"/>
-              <a:gd name="connsiteY144" fmla="*/ 324196 h 1995054"/>
-              <a:gd name="connsiteX145" fmla="*/ 2352502 w 6494710"/>
-              <a:gd name="connsiteY145" fmla="*/ 274320 h 1995054"/>
-              <a:gd name="connsiteX146" fmla="*/ 2327564 w 6494710"/>
-              <a:gd name="connsiteY146" fmla="*/ 266007 h 1995054"/>
-              <a:gd name="connsiteX147" fmla="*/ 2269375 w 6494710"/>
-              <a:gd name="connsiteY147" fmla="*/ 224444 h 1995054"/>
-              <a:gd name="connsiteX148" fmla="*/ 2211186 w 6494710"/>
-              <a:gd name="connsiteY148" fmla="*/ 207818 h 1995054"/>
-              <a:gd name="connsiteX149" fmla="*/ 2186248 w 6494710"/>
-              <a:gd name="connsiteY149" fmla="*/ 191193 h 1995054"/>
-              <a:gd name="connsiteX150" fmla="*/ 2086495 w 6494710"/>
-              <a:gd name="connsiteY150" fmla="*/ 174567 h 1995054"/>
-              <a:gd name="connsiteX151" fmla="*/ 1995055 w 6494710"/>
-              <a:gd name="connsiteY151" fmla="*/ 157942 h 1995054"/>
-              <a:gd name="connsiteX152" fmla="*/ 1928553 w 6494710"/>
-              <a:gd name="connsiteY152" fmla="*/ 141316 h 1995054"/>
-              <a:gd name="connsiteX153" fmla="*/ 1745673 w 6494710"/>
-              <a:gd name="connsiteY153" fmla="*/ 133004 h 1995054"/>
-              <a:gd name="connsiteX154" fmla="*/ 1687484 w 6494710"/>
-              <a:gd name="connsiteY154" fmla="*/ 157942 h 1995054"/>
-            </a:gdLst>
-            <a:ahLst/>
-            <a:cxnLst>
-              <a:cxn ang="0">
-                <a:pos x="connsiteX0" y="connsiteY0"/>
-              </a:cxn>
-              <a:cxn ang="0">
-                <a:pos x="connsiteX1" y="connsiteY1"/>
-              </a:cxn>
-              <a:cxn ang="0">
-                <a:pos x="connsiteX2" y="connsiteY2"/>
-              </a:cxn>
-              <a:cxn ang="0">
-                <a:pos x="connsiteX3" y="connsiteY3"/>
-              </a:cxn>
-              <a:cxn ang="0">
-                <a:pos x="connsiteX4" y="connsiteY4"/>
-              </a:cxn>
-              <a:cxn ang="0">
-                <a:pos x="connsiteX5" y="connsiteY5"/>
-              </a:cxn>
-              <a:cxn ang="0">
-                <a:pos x="connsiteX6" y="connsiteY6"/>
-              </a:cxn>
-              <a:cxn ang="0">
-                <a:pos x="connsiteX7" y="connsiteY7"/>
-              </a:cxn>
-              <a:cxn ang="0">
-                <a:pos x="connsiteX8" y="connsiteY8"/>
-              </a:cxn>
-              <a:cxn ang="0">
-                <a:pos x="connsiteX9" y="connsiteY9"/>
-              </a:cxn>
-              <a:cxn ang="0">
-                <a:pos x="connsiteX10" y="connsiteY10"/>
-              </a:cxn>
-              <a:cxn ang="0">
-                <a:pos x="connsiteX11" y="connsiteY11"/>
-              </a:cxn>
-              <a:cxn ang="0">
-                <a:pos x="connsiteX12" y="connsiteY12"/>
-              </a:cxn>
-              <a:cxn ang="0">
-                <a:pos x="connsiteX13" y="connsiteY13"/>
-              </a:cxn>
-              <a:cxn ang="0">
-                <a:pos x="connsiteX14" y="connsiteY14"/>
-              </a:cxn>
-              <a:cxn ang="0">
-                <a:pos x="connsiteX15" y="connsiteY15"/>
-              </a:cxn>
-              <a:cxn ang="0">
-                <a:pos x="connsiteX16" y="connsiteY16"/>
-              </a:cxn>
-              <a:cxn ang="0">
-                <a:pos x="connsiteX17" y="connsiteY17"/>
-              </a:cxn>
-              <a:cxn ang="0">
-                <a:pos x="connsiteX18" y="connsiteY18"/>
-              </a:cxn>
-              <a:cxn ang="0">
-                <a:pos x="connsiteX19" y="connsiteY19"/>
-              </a:cxn>
-              <a:cxn ang="0">
-                <a:pos x="connsiteX20" y="connsiteY20"/>
-              </a:cxn>
-              <a:cxn ang="0">
-                <a:pos x="connsiteX21" y="connsiteY21"/>
-              </a:cxn>
-              <a:cxn ang="0">
-                <a:pos x="connsiteX22" y="connsiteY22"/>
-              </a:cxn>
-              <a:cxn ang="0">
-                <a:pos x="connsiteX23" y="connsiteY23"/>
-              </a:cxn>
-              <a:cxn ang="0">
-                <a:pos x="connsiteX24" y="connsiteY24"/>
-              </a:cxn>
-              <a:cxn ang="0">
-                <a:pos x="connsiteX25" y="connsiteY25"/>
-              </a:cxn>
-              <a:cxn ang="0">
-                <a:pos x="connsiteX26" y="connsiteY26"/>
-              </a:cxn>
-              <a:cxn ang="0">
-                <a:pos x="connsiteX27" y="connsiteY27"/>
-              </a:cxn>
-              <a:cxn ang="0">
-                <a:pos x="connsiteX28" y="connsiteY28"/>
-              </a:cxn>
-              <a:cxn ang="0">
-                <a:pos x="connsiteX29" y="connsiteY29"/>
-              </a:cxn>
-              <a:cxn ang="0">
-                <a:pos x="connsiteX30" y="connsiteY30"/>
-              </a:cxn>
-              <a:cxn ang="0">
-                <a:pos x="connsiteX31" y="connsiteY31"/>
-              </a:cxn>
-              <a:cxn ang="0">
-                <a:pos x="connsiteX32" y="connsiteY32"/>
-              </a:cxn>
-              <a:cxn ang="0">
-                <a:pos x="connsiteX33" y="connsiteY33"/>
-              </a:cxn>
-              <a:cxn ang="0">
-                <a:pos x="connsiteX34" y="connsiteY34"/>
-              </a:cxn>
-              <a:cxn ang="0">
-                <a:pos x="connsiteX35" y="connsiteY35"/>
-              </a:cxn>
-              <a:cxn ang="0">
-                <a:pos x="connsiteX36" y="connsiteY36"/>
-              </a:cxn>
-              <a:cxn ang="0">
-                <a:pos x="connsiteX37" y="connsiteY37"/>
-              </a:cxn>
-              <a:cxn ang="0">
-                <a:pos x="connsiteX38" y="connsiteY38"/>
-              </a:cxn>
-              <a:cxn ang="0">
-                <a:pos x="connsiteX39" y="connsiteY39"/>
-              </a:cxn>
-              <a:cxn ang="0">
-                <a:pos x="connsiteX40" y="connsiteY40"/>
-              </a:cxn>
-              <a:cxn ang="0">
-                <a:pos x="connsiteX41" y="connsiteY41"/>
-              </a:cxn>
-              <a:cxn ang="0">
-                <a:pos x="connsiteX42" y="connsiteY42"/>
-              </a:cxn>
-              <a:cxn ang="0">
-                <a:pos x="connsiteX43" y="connsiteY43"/>
-              </a:cxn>
-              <a:cxn ang="0">
-                <a:pos x="connsiteX44" y="connsiteY44"/>
-              </a:cxn>
-              <a:cxn ang="0">
-                <a:pos x="connsiteX45" y="connsiteY45"/>
-              </a:cxn>
-              <a:cxn ang="0">
-                <a:pos x="connsiteX46" y="connsiteY46"/>
-              </a:cxn>
-              <a:cxn ang="0">
-                <a:pos x="connsiteX47" y="connsiteY47"/>
-              </a:cxn>
-              <a:cxn ang="0">
-                <a:pos x="connsiteX48" y="connsiteY48"/>
-              </a:cxn>
-              <a:cxn ang="0">
-                <a:pos x="connsiteX49" y="connsiteY49"/>
-              </a:cxn>
-              <a:cxn ang="0">
-                <a:pos x="connsiteX50" y="connsiteY50"/>
-              </a:cxn>
-              <a:cxn ang="0">
-                <a:pos x="connsiteX51" y="connsiteY51"/>
-              </a:cxn>
-              <a:cxn ang="0">
-                <a:pos x="connsiteX52" y="connsiteY52"/>
-              </a:cxn>
-              <a:cxn ang="0">
-                <a:pos x="connsiteX53" y="connsiteY53"/>
-              </a:cxn>
-              <a:cxn ang="0">
-                <a:pos x="connsiteX54" y="connsiteY54"/>
-              </a:cxn>
-              <a:cxn ang="0">
-                <a:pos x="connsiteX55" y="connsiteY55"/>
-              </a:cxn>
-              <a:cxn ang="0">
-                <a:pos x="connsiteX56" y="connsiteY56"/>
-              </a:cxn>
-              <a:cxn ang="0">
-                <a:pos x="connsiteX57" y="connsiteY57"/>
-              </a:cxn>
-              <a:cxn ang="0">
-                <a:pos x="connsiteX58" y="connsiteY58"/>
-              </a:cxn>
-              <a:cxn ang="0">
-                <a:pos x="connsiteX59" y="connsiteY59"/>
-              </a:cxn>
-              <a:cxn ang="0">
-                <a:pos x="connsiteX60" y="connsiteY60"/>
-              </a:cxn>
-              <a:cxn ang="0">
-                <a:pos x="connsiteX61" y="connsiteY61"/>
-              </a:cxn>
-              <a:cxn ang="0">
-                <a:pos x="connsiteX62" y="connsiteY62"/>
-              </a:cxn>
-              <a:cxn ang="0">
-                <a:pos x="connsiteX63" y="connsiteY63"/>
-              </a:cxn>
-              <a:cxn ang="0">
-                <a:pos x="connsiteX64" y="connsiteY64"/>
-              </a:cxn>
-              <a:cxn ang="0">
-                <a:pos x="connsiteX65" y="connsiteY65"/>
-              </a:cxn>
-              <a:cxn ang="0">
-                <a:pos x="connsiteX66" y="connsiteY66"/>
-              </a:cxn>
-              <a:cxn ang="0">
-                <a:pos x="connsiteX67" y="connsiteY67"/>
-              </a:cxn>
-              <a:cxn ang="0">
-                <a:pos x="connsiteX68" y="connsiteY68"/>
-              </a:cxn>
-              <a:cxn ang="0">
-                <a:pos x="connsiteX69" y="connsiteY69"/>
-              </a:cxn>
-              <a:cxn ang="0">
-                <a:pos x="connsiteX70" y="connsiteY70"/>
-              </a:cxn>
-              <a:cxn ang="0">
-                <a:pos x="connsiteX71" y="connsiteY71"/>
-              </a:cxn>
-              <a:cxn ang="0">
-                <a:pos x="connsiteX72" y="connsiteY72"/>
-              </a:cxn>
-              <a:cxn ang="0">
-                <a:pos x="connsiteX73" y="connsiteY73"/>
-              </a:cxn>
-              <a:cxn ang="0">
-                <a:pos x="connsiteX74" y="connsiteY74"/>
-              </a:cxn>
-              <a:cxn ang="0">
-                <a:pos x="connsiteX75" y="connsiteY75"/>
-              </a:cxn>
-              <a:cxn ang="0">
-                <a:pos x="connsiteX76" y="connsiteY76"/>
-              </a:cxn>
-              <a:cxn ang="0">
-                <a:pos x="connsiteX77" y="connsiteY77"/>
-              </a:cxn>
-              <a:cxn ang="0">
-                <a:pos x="connsiteX78" y="connsiteY78"/>
-              </a:cxn>
-              <a:cxn ang="0">
-                <a:pos x="connsiteX79" y="connsiteY79"/>
-              </a:cxn>
-              <a:cxn ang="0">
-                <a:pos x="connsiteX80" y="connsiteY80"/>
-              </a:cxn>
-              <a:cxn ang="0">
-                <a:pos x="connsiteX81" y="connsiteY81"/>
-              </a:cxn>
-              <a:cxn ang="0">
-                <a:pos x="connsiteX82" y="connsiteY82"/>
-              </a:cxn>
-              <a:cxn ang="0">
-                <a:pos x="connsiteX83" y="connsiteY83"/>
-              </a:cxn>
-              <a:cxn ang="0">
-                <a:pos x="connsiteX84" y="connsiteY84"/>
-              </a:cxn>
-              <a:cxn ang="0">
-                <a:pos x="connsiteX85" y="connsiteY85"/>
-              </a:cxn>
-              <a:cxn ang="0">
-                <a:pos x="connsiteX86" y="connsiteY86"/>
-              </a:cxn>
-              <a:cxn ang="0">
-                <a:pos x="connsiteX87" y="connsiteY87"/>
-              </a:cxn>
-              <a:cxn ang="0">
-                <a:pos x="connsiteX88" y="connsiteY88"/>
-              </a:cxn>
-              <a:cxn ang="0">
-                <a:pos x="connsiteX89" y="connsiteY89"/>
-              </a:cxn>
-              <a:cxn ang="0">
-                <a:pos x="connsiteX90" y="connsiteY90"/>
-              </a:cxn>
-              <a:cxn ang="0">
-                <a:pos x="connsiteX91" y="connsiteY91"/>
-              </a:cxn>
-              <a:cxn ang="0">
-                <a:pos x="connsiteX92" y="connsiteY92"/>
-              </a:cxn>
-              <a:cxn ang="0">
-                <a:pos x="connsiteX93" y="connsiteY93"/>
-              </a:cxn>
-              <a:cxn ang="0">
-                <a:pos x="connsiteX94" y="connsiteY94"/>
-              </a:cxn>
-              <a:cxn ang="0">
-                <a:pos x="connsiteX95" y="connsiteY95"/>
-              </a:cxn>
-              <a:cxn ang="0">
-                <a:pos x="connsiteX96" y="connsiteY96"/>
-              </a:cxn>
-              <a:cxn ang="0">
-                <a:pos x="connsiteX97" y="connsiteY97"/>
-              </a:cxn>
-              <a:cxn ang="0">
-                <a:pos x="connsiteX98" y="connsiteY98"/>
-              </a:cxn>
-              <a:cxn ang="0">
-                <a:pos x="connsiteX99" y="connsiteY99"/>
-              </a:cxn>
-              <a:cxn ang="0">
-                <a:pos x="connsiteX100" y="connsiteY100"/>
-              </a:cxn>
-              <a:cxn ang="0">
-                <a:pos x="connsiteX101" y="connsiteY101"/>
-              </a:cxn>
-              <a:cxn ang="0">
-                <a:pos x="connsiteX102" y="connsiteY102"/>
-              </a:cxn>
-              <a:cxn ang="0">
-                <a:pos x="connsiteX103" y="connsiteY103"/>
-              </a:cxn>
-              <a:cxn ang="0">
-                <a:pos x="connsiteX104" y="connsiteY104"/>
-              </a:cxn>
-              <a:cxn ang="0">
-                <a:pos x="connsiteX105" y="connsiteY105"/>
-              </a:cxn>
-              <a:cxn ang="0">
-                <a:pos x="connsiteX106" y="connsiteY106"/>
-              </a:cxn>
-              <a:cxn ang="0">
-                <a:pos x="connsiteX107" y="connsiteY107"/>
-              </a:cxn>
-              <a:cxn ang="0">
-                <a:pos x="connsiteX108" y="connsiteY108"/>
-              </a:cxn>
-              <a:cxn ang="0">
-                <a:pos x="connsiteX109" y="connsiteY109"/>
-              </a:cxn>
-              <a:cxn ang="0">
-                <a:pos x="connsiteX110" y="connsiteY110"/>
-              </a:cxn>
-              <a:cxn ang="0">
-                <a:pos x="connsiteX111" y="connsiteY111"/>
-              </a:cxn>
-              <a:cxn ang="0">
-                <a:pos x="connsiteX112" y="connsiteY112"/>
-              </a:cxn>
-              <a:cxn ang="0">
-                <a:pos x="connsiteX113" y="connsiteY113"/>
-              </a:cxn>
-              <a:cxn ang="0">
-                <a:pos x="connsiteX114" y="connsiteY114"/>
-              </a:cxn>
-              <a:cxn ang="0">
-                <a:pos x="connsiteX115" y="connsiteY115"/>
-              </a:cxn>
-              <a:cxn ang="0">
-                <a:pos x="connsiteX116" y="connsiteY116"/>
-              </a:cxn>
-              <a:cxn ang="0">
-                <a:pos x="connsiteX117" y="connsiteY117"/>
-              </a:cxn>
-              <a:cxn ang="0">
-                <a:pos x="connsiteX118" y="connsiteY118"/>
-              </a:cxn>
-              <a:cxn ang="0">
-                <a:pos x="connsiteX119" y="connsiteY119"/>
-              </a:cxn>
-              <a:cxn ang="0">
-                <a:pos x="connsiteX120" y="connsiteY120"/>
-              </a:cxn>
-              <a:cxn ang="0">
-                <a:pos x="connsiteX121" y="connsiteY121"/>
-              </a:cxn>
-              <a:cxn ang="0">
-                <a:pos x="connsiteX122" y="connsiteY122"/>
-              </a:cxn>
-              <a:cxn ang="0">
-                <a:pos x="connsiteX123" y="connsiteY123"/>
-              </a:cxn>
-              <a:cxn ang="0">
-                <a:pos x="connsiteX124" y="connsiteY124"/>
-              </a:cxn>
-              <a:cxn ang="0">
-                <a:pos x="connsiteX125" y="connsiteY125"/>
-              </a:cxn>
-              <a:cxn ang="0">
-                <a:pos x="connsiteX126" y="connsiteY126"/>
-              </a:cxn>
-              <a:cxn ang="0">
-                <a:pos x="connsiteX127" y="connsiteY127"/>
-              </a:cxn>
-              <a:cxn ang="0">
-                <a:pos x="connsiteX128" y="connsiteY128"/>
-              </a:cxn>
-              <a:cxn ang="0">
-                <a:pos x="connsiteX129" y="connsiteY129"/>
-              </a:cxn>
-              <a:cxn ang="0">
-                <a:pos x="connsiteX130" y="connsiteY130"/>
-              </a:cxn>
-              <a:cxn ang="0">
-                <a:pos x="connsiteX131" y="connsiteY131"/>
-              </a:cxn>
-              <a:cxn ang="0">
-                <a:pos x="connsiteX132" y="connsiteY132"/>
-              </a:cxn>
-              <a:cxn ang="0">
-                <a:pos x="connsiteX133" y="connsiteY133"/>
-              </a:cxn>
-              <a:cxn ang="0">
-                <a:pos x="connsiteX134" y="connsiteY134"/>
-              </a:cxn>
-              <a:cxn ang="0">
-                <a:pos x="connsiteX135" y="connsiteY135"/>
-              </a:cxn>
-              <a:cxn ang="0">
-                <a:pos x="connsiteX136" y="connsiteY136"/>
-              </a:cxn>
-              <a:cxn ang="0">
-                <a:pos x="connsiteX137" y="connsiteY137"/>
-              </a:cxn>
-              <a:cxn ang="0">
-                <a:pos x="connsiteX138" y="connsiteY138"/>
-              </a:cxn>
-              <a:cxn ang="0">
-                <a:pos x="connsiteX139" y="connsiteY139"/>
-              </a:cxn>
-              <a:cxn ang="0">
-                <a:pos x="connsiteX140" y="connsiteY140"/>
-              </a:cxn>
-              <a:cxn ang="0">
-                <a:pos x="connsiteX141" y="connsiteY141"/>
-              </a:cxn>
-              <a:cxn ang="0">
-                <a:pos x="connsiteX142" y="connsiteY142"/>
-              </a:cxn>
-              <a:cxn ang="0">
-                <a:pos x="connsiteX143" y="connsiteY143"/>
-              </a:cxn>
-              <a:cxn ang="0">
-                <a:pos x="connsiteX144" y="connsiteY144"/>
-              </a:cxn>
-              <a:cxn ang="0">
-                <a:pos x="connsiteX145" y="connsiteY145"/>
-              </a:cxn>
-              <a:cxn ang="0">
-                <a:pos x="connsiteX146" y="connsiteY146"/>
-              </a:cxn>
-              <a:cxn ang="0">
-                <a:pos x="connsiteX147" y="connsiteY147"/>
-              </a:cxn>
-              <a:cxn ang="0">
-                <a:pos x="connsiteX148" y="connsiteY148"/>
-              </a:cxn>
-              <a:cxn ang="0">
-                <a:pos x="connsiteX149" y="connsiteY149"/>
-              </a:cxn>
-              <a:cxn ang="0">
-                <a:pos x="connsiteX150" y="connsiteY150"/>
-              </a:cxn>
-              <a:cxn ang="0">
-                <a:pos x="connsiteX151" y="connsiteY151"/>
-              </a:cxn>
-              <a:cxn ang="0">
-                <a:pos x="connsiteX152" y="connsiteY152"/>
-              </a:cxn>
-              <a:cxn ang="0">
-                <a:pos x="connsiteX153" y="connsiteY153"/>
-              </a:cxn>
-              <a:cxn ang="0">
-                <a:pos x="connsiteX154" y="connsiteY154"/>
-              </a:cxn>
-            </a:cxnLst>
-            <a:rect l="l" t="t" r="r" b="b"/>
-            <a:pathLst>
-              <a:path w="6494710" h="1995054">
-                <a:moveTo>
-                  <a:pt x="1828800" y="0"/>
-                </a:moveTo>
-                <a:cubicBezTo>
-                  <a:pt x="1809743" y="23821"/>
-                  <a:pt x="1798805" y="46106"/>
-                  <a:pt x="1770611" y="58189"/>
-                </a:cubicBezTo>
-                <a:cubicBezTo>
-                  <a:pt x="1760110" y="62689"/>
-                  <a:pt x="1748303" y="63219"/>
-                  <a:pt x="1737360" y="66502"/>
-                </a:cubicBezTo>
-                <a:cubicBezTo>
-                  <a:pt x="1720574" y="71538"/>
-                  <a:pt x="1704109" y="77585"/>
-                  <a:pt x="1687484" y="83127"/>
-                </a:cubicBezTo>
-                <a:cubicBezTo>
-                  <a:pt x="1679171" y="85898"/>
-                  <a:pt x="1669976" y="86796"/>
-                  <a:pt x="1662546" y="91440"/>
-                </a:cubicBezTo>
-                <a:cubicBezTo>
-                  <a:pt x="1640379" y="105295"/>
-                  <a:pt x="1620315" y="123296"/>
-                  <a:pt x="1596044" y="133004"/>
-                </a:cubicBezTo>
-                <a:cubicBezTo>
-                  <a:pt x="1568498" y="144022"/>
-                  <a:pt x="1533064" y="159139"/>
-                  <a:pt x="1504604" y="166254"/>
-                </a:cubicBezTo>
-                <a:cubicBezTo>
-                  <a:pt x="1493520" y="169025"/>
-                  <a:pt x="1482050" y="170555"/>
-                  <a:pt x="1471353" y="174567"/>
-                </a:cubicBezTo>
-                <a:cubicBezTo>
-                  <a:pt x="1402551" y="200369"/>
-                  <a:pt x="1477968" y="185382"/>
-                  <a:pt x="1388226" y="207818"/>
-                </a:cubicBezTo>
-                <a:cubicBezTo>
-                  <a:pt x="1284225" y="233819"/>
-                  <a:pt x="1413556" y="200582"/>
-                  <a:pt x="1330037" y="224444"/>
-                </a:cubicBezTo>
-                <a:cubicBezTo>
-                  <a:pt x="1319052" y="227583"/>
-                  <a:pt x="1307624" y="229143"/>
-                  <a:pt x="1296786" y="232756"/>
-                </a:cubicBezTo>
-                <a:cubicBezTo>
-                  <a:pt x="1282630" y="237475"/>
-                  <a:pt x="1268569" y="242709"/>
-                  <a:pt x="1255222" y="249382"/>
-                </a:cubicBezTo>
-                <a:cubicBezTo>
-                  <a:pt x="1246286" y="253850"/>
-                  <a:pt x="1239638" y="262499"/>
-                  <a:pt x="1230284" y="266007"/>
-                </a:cubicBezTo>
-                <a:cubicBezTo>
-                  <a:pt x="1217055" y="270968"/>
-                  <a:pt x="1202427" y="270893"/>
-                  <a:pt x="1188720" y="274320"/>
-                </a:cubicBezTo>
-                <a:cubicBezTo>
-                  <a:pt x="1132076" y="288481"/>
-                  <a:pt x="1201886" y="278689"/>
-                  <a:pt x="1122219" y="290945"/>
-                </a:cubicBezTo>
-                <a:cubicBezTo>
-                  <a:pt x="1100139" y="294342"/>
-                  <a:pt x="1077861" y="296305"/>
-                  <a:pt x="1055717" y="299258"/>
-                </a:cubicBezTo>
-                <a:lnTo>
-                  <a:pt x="997528" y="307571"/>
-                </a:lnTo>
-                <a:lnTo>
-                  <a:pt x="299259" y="299258"/>
-                </a:lnTo>
-                <a:cubicBezTo>
-                  <a:pt x="124951" y="295626"/>
-                  <a:pt x="267626" y="282430"/>
-                  <a:pt x="133004" y="299258"/>
-                </a:cubicBezTo>
-                <a:cubicBezTo>
-                  <a:pt x="124691" y="302029"/>
-                  <a:pt x="115580" y="303063"/>
-                  <a:pt x="108066" y="307571"/>
-                </a:cubicBezTo>
-                <a:cubicBezTo>
-                  <a:pt x="94903" y="315469"/>
-                  <a:pt x="82368" y="337805"/>
-                  <a:pt x="74815" y="349134"/>
-                </a:cubicBezTo>
-                <a:cubicBezTo>
-                  <a:pt x="68735" y="379536"/>
-                  <a:pt x="63938" y="412453"/>
-                  <a:pt x="49877" y="440574"/>
-                </a:cubicBezTo>
-                <a:cubicBezTo>
-                  <a:pt x="36247" y="467834"/>
-                  <a:pt x="32280" y="471847"/>
-                  <a:pt x="24939" y="498764"/>
-                </a:cubicBezTo>
-                <a:cubicBezTo>
-                  <a:pt x="18927" y="520808"/>
-                  <a:pt x="8313" y="565265"/>
-                  <a:pt x="8313" y="565265"/>
-                </a:cubicBezTo>
-                <a:cubicBezTo>
-                  <a:pt x="5542" y="775854"/>
-                  <a:pt x="0" y="986425"/>
-                  <a:pt x="0" y="1197033"/>
-                </a:cubicBezTo>
-                <a:cubicBezTo>
-                  <a:pt x="0" y="1263592"/>
-                  <a:pt x="3885" y="1330126"/>
-                  <a:pt x="8313" y="1396538"/>
-                </a:cubicBezTo>
-                <a:cubicBezTo>
-                  <a:pt x="9377" y="1412490"/>
-                  <a:pt x="21345" y="1470008"/>
-                  <a:pt x="24939" y="1487978"/>
-                </a:cubicBezTo>
-                <a:cubicBezTo>
-                  <a:pt x="27710" y="1601585"/>
-                  <a:pt x="28617" y="1715253"/>
-                  <a:pt x="33251" y="1828800"/>
-                </a:cubicBezTo>
-                <a:cubicBezTo>
-                  <a:pt x="34162" y="1851121"/>
-                  <a:pt x="32202" y="1875018"/>
-                  <a:pt x="41564" y="1895302"/>
-                </a:cubicBezTo>
-                <a:cubicBezTo>
-                  <a:pt x="49775" y="1913092"/>
-                  <a:pt x="66826" y="1925996"/>
-                  <a:pt x="83128" y="1936865"/>
-                </a:cubicBezTo>
-                <a:cubicBezTo>
-                  <a:pt x="91441" y="1942407"/>
-                  <a:pt x="99130" y="1949023"/>
-                  <a:pt x="108066" y="1953491"/>
-                </a:cubicBezTo>
-                <a:cubicBezTo>
-                  <a:pt x="115903" y="1957410"/>
-                  <a:pt x="124503" y="1959679"/>
-                  <a:pt x="133004" y="1961804"/>
-                </a:cubicBezTo>
-                <a:cubicBezTo>
-                  <a:pt x="160366" y="1968644"/>
-                  <a:pt x="197289" y="1973492"/>
-                  <a:pt x="224444" y="1978429"/>
-                </a:cubicBezTo>
-                <a:cubicBezTo>
-                  <a:pt x="313568" y="1994634"/>
-                  <a:pt x="212711" y="1979129"/>
-                  <a:pt x="324197" y="1995054"/>
-                </a:cubicBezTo>
-                <a:cubicBezTo>
-                  <a:pt x="432262" y="1992283"/>
-                  <a:pt x="540409" y="1991764"/>
-                  <a:pt x="648393" y="1986742"/>
-                </a:cubicBezTo>
-                <a:cubicBezTo>
-                  <a:pt x="659805" y="1986211"/>
-                  <a:pt x="670473" y="1980823"/>
-                  <a:pt x="681644" y="1978429"/>
-                </a:cubicBezTo>
-                <a:cubicBezTo>
-                  <a:pt x="723090" y="1969548"/>
-                  <a:pt x="764771" y="1961804"/>
-                  <a:pt x="806335" y="1953491"/>
-                </a:cubicBezTo>
-                <a:cubicBezTo>
-                  <a:pt x="820190" y="1950720"/>
-                  <a:pt x="833771" y="1945355"/>
-                  <a:pt x="847899" y="1945178"/>
-                </a:cubicBezTo>
-                <a:lnTo>
-                  <a:pt x="1512917" y="1936865"/>
-                </a:lnTo>
-                <a:cubicBezTo>
-                  <a:pt x="1726307" y="1901303"/>
-                  <a:pt x="1358548" y="1961895"/>
-                  <a:pt x="1629295" y="1920240"/>
-                </a:cubicBezTo>
-                <a:cubicBezTo>
-                  <a:pt x="1643260" y="1918092"/>
-                  <a:pt x="1656779" y="1913100"/>
-                  <a:pt x="1670859" y="1911927"/>
-                </a:cubicBezTo>
-                <a:cubicBezTo>
-                  <a:pt x="1723397" y="1907549"/>
-                  <a:pt x="1776171" y="1906710"/>
-                  <a:pt x="1828800" y="1903614"/>
-                </a:cubicBezTo>
-                <a:cubicBezTo>
-                  <a:pt x="1936265" y="1897293"/>
-                  <a:pt x="1952444" y="1895389"/>
-                  <a:pt x="2053244" y="1886989"/>
-                </a:cubicBezTo>
-                <a:cubicBezTo>
-                  <a:pt x="2122463" y="1869684"/>
-                  <a:pt x="2049607" y="1886321"/>
-                  <a:pt x="2161309" y="1870364"/>
-                </a:cubicBezTo>
-                <a:cubicBezTo>
-                  <a:pt x="2175296" y="1868366"/>
-                  <a:pt x="2188868" y="1863918"/>
-                  <a:pt x="2202873" y="1862051"/>
-                </a:cubicBezTo>
-                <a:cubicBezTo>
-                  <a:pt x="2230476" y="1858370"/>
-                  <a:pt x="2258291" y="1856509"/>
-                  <a:pt x="2286000" y="1853738"/>
-                </a:cubicBezTo>
-                <a:cubicBezTo>
-                  <a:pt x="2369127" y="1856509"/>
-                  <a:pt x="2452361" y="1857019"/>
-                  <a:pt x="2535382" y="1862051"/>
-                </a:cubicBezTo>
-                <a:cubicBezTo>
-                  <a:pt x="2544128" y="1862581"/>
-                  <a:pt x="2551895" y="1867957"/>
-                  <a:pt x="2560320" y="1870364"/>
-                </a:cubicBezTo>
-                <a:cubicBezTo>
-                  <a:pt x="2600630" y="1881881"/>
-                  <a:pt x="2590591" y="1876710"/>
-                  <a:pt x="2635135" y="1886989"/>
-                </a:cubicBezTo>
-                <a:cubicBezTo>
-                  <a:pt x="2657399" y="1892127"/>
-                  <a:pt x="2679470" y="1898072"/>
-                  <a:pt x="2701637" y="1903614"/>
-                </a:cubicBezTo>
-                <a:cubicBezTo>
-                  <a:pt x="2712721" y="1906385"/>
-                  <a:pt x="2723619" y="1910049"/>
-                  <a:pt x="2734888" y="1911927"/>
-                </a:cubicBezTo>
-                <a:lnTo>
-                  <a:pt x="2834640" y="1928553"/>
-                </a:lnTo>
-                <a:cubicBezTo>
-                  <a:pt x="2887287" y="1925782"/>
-                  <a:pt x="2940269" y="1926779"/>
-                  <a:pt x="2992582" y="1920240"/>
-                </a:cubicBezTo>
-                <a:cubicBezTo>
-                  <a:pt x="3007389" y="1918389"/>
-                  <a:pt x="3019670" y="1907233"/>
-                  <a:pt x="3034146" y="1903614"/>
-                </a:cubicBezTo>
-                <a:cubicBezTo>
-                  <a:pt x="3053154" y="1898862"/>
-                  <a:pt x="3073058" y="1898807"/>
-                  <a:pt x="3092335" y="1895302"/>
-                </a:cubicBezTo>
-                <a:cubicBezTo>
-                  <a:pt x="3103576" y="1893258"/>
-                  <a:pt x="3114214" y="1888089"/>
-                  <a:pt x="3125586" y="1886989"/>
-                </a:cubicBezTo>
-                <a:cubicBezTo>
-                  <a:pt x="3200256" y="1879763"/>
-                  <a:pt x="3275382" y="1877829"/>
-                  <a:pt x="3350029" y="1870364"/>
-                </a:cubicBezTo>
-                <a:lnTo>
-                  <a:pt x="3433157" y="1862051"/>
-                </a:lnTo>
-                <a:cubicBezTo>
-                  <a:pt x="3444241" y="1859280"/>
-                  <a:pt x="3455255" y="1856216"/>
-                  <a:pt x="3466408" y="1853738"/>
-                </a:cubicBezTo>
-                <a:cubicBezTo>
-                  <a:pt x="3480200" y="1850673"/>
-                  <a:pt x="3494264" y="1848852"/>
-                  <a:pt x="3507971" y="1845425"/>
-                </a:cubicBezTo>
-                <a:cubicBezTo>
-                  <a:pt x="3538621" y="1837762"/>
-                  <a:pt x="3569256" y="1829910"/>
-                  <a:pt x="3599411" y="1820487"/>
-                </a:cubicBezTo>
-                <a:cubicBezTo>
-                  <a:pt x="3654353" y="1803318"/>
-                  <a:pt x="3643629" y="1796151"/>
-                  <a:pt x="3707477" y="1770611"/>
-                </a:cubicBezTo>
-                <a:cubicBezTo>
-                  <a:pt x="3721331" y="1765069"/>
-                  <a:pt x="3735694" y="1760658"/>
-                  <a:pt x="3749040" y="1753985"/>
-                </a:cubicBezTo>
-                <a:cubicBezTo>
-                  <a:pt x="3769094" y="1743958"/>
-                  <a:pt x="3795758" y="1725611"/>
-                  <a:pt x="3815542" y="1712422"/>
-                </a:cubicBezTo>
-                <a:cubicBezTo>
-                  <a:pt x="3862732" y="1724218"/>
-                  <a:pt x="3860495" y="1721104"/>
-                  <a:pt x="3915295" y="1753985"/>
-                </a:cubicBezTo>
-                <a:cubicBezTo>
-                  <a:pt x="3929150" y="1762298"/>
-                  <a:pt x="3943158" y="1770361"/>
-                  <a:pt x="3956859" y="1778924"/>
-                </a:cubicBezTo>
-                <a:cubicBezTo>
-                  <a:pt x="3965331" y="1784219"/>
-                  <a:pt x="3972614" y="1791614"/>
-                  <a:pt x="3981797" y="1795549"/>
-                </a:cubicBezTo>
-                <a:cubicBezTo>
-                  <a:pt x="3992298" y="1800049"/>
-                  <a:pt x="4004311" y="1799958"/>
-                  <a:pt x="4015048" y="1803862"/>
-                </a:cubicBezTo>
-                <a:cubicBezTo>
-                  <a:pt x="4034880" y="1811074"/>
-                  <a:pt x="4053364" y="1821703"/>
-                  <a:pt x="4073237" y="1828800"/>
-                </a:cubicBezTo>
-                <a:cubicBezTo>
-                  <a:pt x="4092234" y="1835585"/>
-                  <a:pt x="4112289" y="1839046"/>
-                  <a:pt x="4131426" y="1845425"/>
-                </a:cubicBezTo>
-                <a:cubicBezTo>
-                  <a:pt x="4207537" y="1870796"/>
-                  <a:pt x="4138104" y="1853085"/>
-                  <a:pt x="4222866" y="1886989"/>
-                </a:cubicBezTo>
-                <a:cubicBezTo>
-                  <a:pt x="4233474" y="1891232"/>
-                  <a:pt x="4244964" y="1892824"/>
-                  <a:pt x="4256117" y="1895302"/>
-                </a:cubicBezTo>
-                <a:cubicBezTo>
-                  <a:pt x="4351097" y="1916408"/>
-                  <a:pt x="4249838" y="1891653"/>
-                  <a:pt x="4330931" y="1911927"/>
-                </a:cubicBezTo>
-                <a:cubicBezTo>
-                  <a:pt x="4369724" y="1909156"/>
-                  <a:pt x="4408655" y="1907909"/>
-                  <a:pt x="4447309" y="1903614"/>
-                </a:cubicBezTo>
-                <a:cubicBezTo>
-                  <a:pt x="4458664" y="1902352"/>
-                  <a:pt x="4469389" y="1897696"/>
-                  <a:pt x="4480560" y="1895302"/>
-                </a:cubicBezTo>
-                <a:cubicBezTo>
-                  <a:pt x="4508191" y="1889381"/>
-                  <a:pt x="4536880" y="1887611"/>
-                  <a:pt x="4563688" y="1878676"/>
-                </a:cubicBezTo>
-                <a:cubicBezTo>
-                  <a:pt x="4597700" y="1867339"/>
-                  <a:pt x="4593285" y="1867371"/>
-                  <a:pt x="4638502" y="1862051"/>
-                </a:cubicBezTo>
-                <a:cubicBezTo>
-                  <a:pt x="4725003" y="1851874"/>
-                  <a:pt x="4770773" y="1852515"/>
-                  <a:pt x="4862946" y="1845425"/>
-                </a:cubicBezTo>
-                <a:cubicBezTo>
-                  <a:pt x="4926729" y="1840519"/>
-                  <a:pt x="5054139" y="1828800"/>
-                  <a:pt x="5054139" y="1828800"/>
-                </a:cubicBezTo>
-                <a:cubicBezTo>
-                  <a:pt x="5184372" y="1834342"/>
-                  <a:pt x="5314902" y="1835030"/>
-                  <a:pt x="5444837" y="1845425"/>
-                </a:cubicBezTo>
-                <a:cubicBezTo>
-                  <a:pt x="5454796" y="1846222"/>
-                  <a:pt x="5460839" y="1857583"/>
-                  <a:pt x="5469775" y="1862051"/>
-                </a:cubicBezTo>
-                <a:cubicBezTo>
-                  <a:pt x="5477612" y="1865970"/>
-                  <a:pt x="5486876" y="1866445"/>
-                  <a:pt x="5494713" y="1870364"/>
-                </a:cubicBezTo>
-                <a:cubicBezTo>
-                  <a:pt x="5503649" y="1874832"/>
-                  <a:pt x="5510468" y="1883054"/>
-                  <a:pt x="5519651" y="1886989"/>
-                </a:cubicBezTo>
-                <a:cubicBezTo>
-                  <a:pt x="5530152" y="1891489"/>
-                  <a:pt x="5541959" y="1892019"/>
-                  <a:pt x="5552902" y="1895302"/>
-                </a:cubicBezTo>
-                <a:cubicBezTo>
-                  <a:pt x="5635233" y="1920001"/>
-                  <a:pt x="5569658" y="1906407"/>
-                  <a:pt x="5652655" y="1920240"/>
-                </a:cubicBezTo>
-                <a:cubicBezTo>
-                  <a:pt x="5666510" y="1925782"/>
-                  <a:pt x="5679743" y="1933246"/>
-                  <a:pt x="5694219" y="1936865"/>
-                </a:cubicBezTo>
-                <a:cubicBezTo>
-                  <a:pt x="5765522" y="1954691"/>
-                  <a:pt x="5837983" y="1940674"/>
-                  <a:pt x="5910349" y="1936865"/>
-                </a:cubicBezTo>
-                <a:cubicBezTo>
-                  <a:pt x="5918662" y="1931323"/>
-                  <a:pt x="5927158" y="1926047"/>
-                  <a:pt x="5935288" y="1920240"/>
-                </a:cubicBezTo>
-                <a:cubicBezTo>
-                  <a:pt x="5962473" y="1900823"/>
-                  <a:pt x="5975066" y="1884859"/>
-                  <a:pt x="6010102" y="1878676"/>
-                </a:cubicBezTo>
-                <a:cubicBezTo>
-                  <a:pt x="6042961" y="1872877"/>
-                  <a:pt x="6076515" y="1871698"/>
-                  <a:pt x="6109855" y="1870364"/>
-                </a:cubicBezTo>
-                <a:cubicBezTo>
-                  <a:pt x="6215102" y="1866154"/>
-                  <a:pt x="6320444" y="1864822"/>
-                  <a:pt x="6425739" y="1862051"/>
-                </a:cubicBezTo>
-                <a:cubicBezTo>
-                  <a:pt x="6434052" y="1856509"/>
-                  <a:pt x="6442205" y="1850720"/>
-                  <a:pt x="6450677" y="1845425"/>
-                </a:cubicBezTo>
-                <a:cubicBezTo>
-                  <a:pt x="6464378" y="1836862"/>
-                  <a:pt x="6487131" y="1835815"/>
-                  <a:pt x="6492240" y="1820487"/>
-                </a:cubicBezTo>
-                <a:cubicBezTo>
-                  <a:pt x="6500175" y="1796683"/>
-                  <a:pt x="6486699" y="1770611"/>
-                  <a:pt x="6483928" y="1745673"/>
-                </a:cubicBezTo>
-                <a:cubicBezTo>
-                  <a:pt x="6481157" y="1651462"/>
-                  <a:pt x="6480442" y="1557168"/>
-                  <a:pt x="6475615" y="1463040"/>
-                </a:cubicBezTo>
-                <a:cubicBezTo>
-                  <a:pt x="6474748" y="1446126"/>
-                  <a:pt x="6458272" y="1382992"/>
-                  <a:pt x="6450677" y="1371600"/>
-                </a:cubicBezTo>
-                <a:lnTo>
-                  <a:pt x="6434051" y="1346662"/>
-                </a:lnTo>
-                <a:cubicBezTo>
-                  <a:pt x="6431280" y="1338349"/>
-                  <a:pt x="6430247" y="1329238"/>
-                  <a:pt x="6425739" y="1321724"/>
-                </a:cubicBezTo>
-                <a:cubicBezTo>
-                  <a:pt x="6419112" y="1310678"/>
-                  <a:pt x="6393884" y="1293328"/>
-                  <a:pt x="6384175" y="1288473"/>
-                </a:cubicBezTo>
-                <a:cubicBezTo>
-                  <a:pt x="6376338" y="1284554"/>
-                  <a:pt x="6367441" y="1283237"/>
-                  <a:pt x="6359237" y="1280160"/>
-                </a:cubicBezTo>
-                <a:cubicBezTo>
-                  <a:pt x="6345265" y="1274920"/>
-                  <a:pt x="6331528" y="1269076"/>
-                  <a:pt x="6317673" y="1263534"/>
-                </a:cubicBezTo>
-                <a:lnTo>
-                  <a:pt x="5694219" y="1271847"/>
-                </a:lnTo>
-                <a:cubicBezTo>
-                  <a:pt x="5549291" y="1276522"/>
-                  <a:pt x="5575336" y="1287118"/>
-                  <a:pt x="5461462" y="1305098"/>
-                </a:cubicBezTo>
-                <a:cubicBezTo>
-                  <a:pt x="5436678" y="1309011"/>
-                  <a:pt x="5411568" y="1310479"/>
-                  <a:pt x="5386648" y="1313411"/>
-                </a:cubicBezTo>
-                <a:lnTo>
-                  <a:pt x="5320146" y="1321724"/>
-                </a:lnTo>
-                <a:cubicBezTo>
-                  <a:pt x="5114368" y="1380516"/>
-                  <a:pt x="5406980" y="1299768"/>
-                  <a:pt x="5203768" y="1346662"/>
-                </a:cubicBezTo>
-                <a:cubicBezTo>
-                  <a:pt x="5066935" y="1378239"/>
-                  <a:pt x="5261728" y="1351305"/>
-                  <a:pt x="5079077" y="1371600"/>
-                </a:cubicBezTo>
-                <a:cubicBezTo>
-                  <a:pt x="5037513" y="1366058"/>
-                  <a:pt x="4995747" y="1361867"/>
-                  <a:pt x="4954386" y="1354974"/>
-                </a:cubicBezTo>
-                <a:cubicBezTo>
-                  <a:pt x="4945743" y="1353534"/>
-                  <a:pt x="4937949" y="1348787"/>
-                  <a:pt x="4929448" y="1346662"/>
-                </a:cubicBezTo>
-                <a:cubicBezTo>
-                  <a:pt x="4915741" y="1343235"/>
-                  <a:pt x="4901591" y="1341776"/>
-                  <a:pt x="4887884" y="1338349"/>
-                </a:cubicBezTo>
-                <a:cubicBezTo>
-                  <a:pt x="4879383" y="1336224"/>
-                  <a:pt x="4871648" y="1331060"/>
-                  <a:pt x="4862946" y="1330036"/>
-                </a:cubicBezTo>
-                <a:cubicBezTo>
-                  <a:pt x="4824321" y="1325492"/>
-                  <a:pt x="4785361" y="1324495"/>
-                  <a:pt x="4746568" y="1321724"/>
-                </a:cubicBezTo>
-                <a:cubicBezTo>
-                  <a:pt x="4729942" y="1316182"/>
-                  <a:pt x="4713693" y="1309349"/>
-                  <a:pt x="4696691" y="1305098"/>
-                </a:cubicBezTo>
-                <a:cubicBezTo>
-                  <a:pt x="4638591" y="1290573"/>
-                  <a:pt x="4619706" y="1287004"/>
-                  <a:pt x="4547062" y="1255222"/>
-                </a:cubicBezTo>
-                <a:cubicBezTo>
-                  <a:pt x="4502728" y="1235826"/>
-                  <a:pt x="4457342" y="1218674"/>
-                  <a:pt x="4414059" y="1197033"/>
-                </a:cubicBezTo>
-                <a:cubicBezTo>
-                  <a:pt x="4391892" y="1185949"/>
-                  <a:pt x="4370474" y="1173218"/>
-                  <a:pt x="4347557" y="1163782"/>
-                </a:cubicBezTo>
-                <a:cubicBezTo>
-                  <a:pt x="4323250" y="1153773"/>
-                  <a:pt x="4297242" y="1148372"/>
-                  <a:pt x="4272742" y="1138844"/>
-                </a:cubicBezTo>
-                <a:cubicBezTo>
-                  <a:pt x="4247307" y="1128953"/>
-                  <a:pt x="4223444" y="1115272"/>
-                  <a:pt x="4197928" y="1105593"/>
-                </a:cubicBezTo>
-                <a:cubicBezTo>
-                  <a:pt x="4143030" y="1084770"/>
-                  <a:pt x="4086541" y="1068306"/>
-                  <a:pt x="4031673" y="1047404"/>
-                </a:cubicBezTo>
-                <a:cubicBezTo>
-                  <a:pt x="3973484" y="1025237"/>
-                  <a:pt x="3913793" y="1006669"/>
-                  <a:pt x="3857106" y="980902"/>
-                </a:cubicBezTo>
-                <a:cubicBezTo>
-                  <a:pt x="3826626" y="967047"/>
-                  <a:pt x="3796673" y="951970"/>
-                  <a:pt x="3765666" y="939338"/>
-                </a:cubicBezTo>
-                <a:cubicBezTo>
-                  <a:pt x="3721816" y="921473"/>
-                  <a:pt x="3676183" y="908114"/>
-                  <a:pt x="3632662" y="889462"/>
-                </a:cubicBezTo>
-                <a:cubicBezTo>
-                  <a:pt x="3593869" y="872836"/>
-                  <a:pt x="3556324" y="852931"/>
-                  <a:pt x="3516284" y="839585"/>
-                </a:cubicBezTo>
-                <a:cubicBezTo>
-                  <a:pt x="3507971" y="836814"/>
-                  <a:pt x="3499434" y="834643"/>
-                  <a:pt x="3491346" y="831273"/>
-                </a:cubicBezTo>
-                <a:cubicBezTo>
-                  <a:pt x="3466155" y="820777"/>
-                  <a:pt x="3441722" y="808518"/>
-                  <a:pt x="3416531" y="798022"/>
-                </a:cubicBezTo>
-                <a:cubicBezTo>
-                  <a:pt x="3408443" y="794652"/>
-                  <a:pt x="3399430" y="793628"/>
-                  <a:pt x="3391593" y="789709"/>
-                </a:cubicBezTo>
-                <a:cubicBezTo>
-                  <a:pt x="3382657" y="785241"/>
-                  <a:pt x="3376044" y="776498"/>
-                  <a:pt x="3366655" y="773084"/>
-                </a:cubicBezTo>
-                <a:cubicBezTo>
-                  <a:pt x="3345181" y="765275"/>
-                  <a:pt x="3322123" y="762735"/>
-                  <a:pt x="3300153" y="756458"/>
-                </a:cubicBezTo>
-                <a:cubicBezTo>
-                  <a:pt x="3283303" y="751644"/>
-                  <a:pt x="3250277" y="739833"/>
-                  <a:pt x="3250277" y="739833"/>
-                </a:cubicBezTo>
-                <a:cubicBezTo>
-                  <a:pt x="3178819" y="692192"/>
-                  <a:pt x="3269224" y="749305"/>
-                  <a:pt x="3200400" y="714894"/>
-                </a:cubicBezTo>
-                <a:cubicBezTo>
-                  <a:pt x="3191464" y="710426"/>
-                  <a:pt x="3184233" y="703053"/>
-                  <a:pt x="3175462" y="698269"/>
-                </a:cubicBezTo>
-                <a:cubicBezTo>
-                  <a:pt x="3153704" y="686401"/>
-                  <a:pt x="3129977" y="678154"/>
-                  <a:pt x="3108960" y="665018"/>
-                </a:cubicBezTo>
-                <a:cubicBezTo>
-                  <a:pt x="3086793" y="651163"/>
-                  <a:pt x="3064210" y="637954"/>
-                  <a:pt x="3042459" y="623454"/>
-                </a:cubicBezTo>
-                <a:cubicBezTo>
-                  <a:pt x="3017605" y="606885"/>
-                  <a:pt x="2988540" y="584532"/>
-                  <a:pt x="2959331" y="573578"/>
-                </a:cubicBezTo>
-                <a:cubicBezTo>
-                  <a:pt x="2948634" y="569566"/>
-                  <a:pt x="2937065" y="568404"/>
-                  <a:pt x="2926080" y="565265"/>
-                </a:cubicBezTo>
-                <a:cubicBezTo>
-                  <a:pt x="2917655" y="562858"/>
-                  <a:pt x="2909567" y="559360"/>
-                  <a:pt x="2901142" y="556953"/>
-                </a:cubicBezTo>
-                <a:cubicBezTo>
-                  <a:pt x="2890157" y="553814"/>
-                  <a:pt x="2878729" y="552253"/>
-                  <a:pt x="2867891" y="548640"/>
-                </a:cubicBezTo>
-                <a:cubicBezTo>
-                  <a:pt x="2853735" y="543921"/>
-                  <a:pt x="2839876" y="538267"/>
-                  <a:pt x="2826328" y="532014"/>
-                </a:cubicBezTo>
-                <a:cubicBezTo>
-                  <a:pt x="2803825" y="521628"/>
-                  <a:pt x="2783870" y="504775"/>
-                  <a:pt x="2759826" y="498764"/>
-                </a:cubicBezTo>
-                <a:cubicBezTo>
-                  <a:pt x="2674467" y="477424"/>
-                  <a:pt x="2780274" y="506431"/>
-                  <a:pt x="2693324" y="473825"/>
-                </a:cubicBezTo>
-                <a:cubicBezTo>
-                  <a:pt x="2682627" y="469814"/>
-                  <a:pt x="2671157" y="468284"/>
-                  <a:pt x="2660073" y="465513"/>
-                </a:cubicBezTo>
-                <a:cubicBezTo>
-                  <a:pt x="2651760" y="459971"/>
-                  <a:pt x="2644411" y="452597"/>
-                  <a:pt x="2635135" y="448887"/>
-                </a:cubicBezTo>
-                <a:cubicBezTo>
-                  <a:pt x="2565252" y="420934"/>
-                  <a:pt x="2594764" y="447703"/>
-                  <a:pt x="2552008" y="415636"/>
-                </a:cubicBezTo>
-                <a:cubicBezTo>
-                  <a:pt x="2526733" y="396680"/>
-                  <a:pt x="2505451" y="371576"/>
-                  <a:pt x="2477193" y="357447"/>
-                </a:cubicBezTo>
-                <a:cubicBezTo>
-                  <a:pt x="2449575" y="343638"/>
-                  <a:pt x="2442507" y="341823"/>
-                  <a:pt x="2419004" y="324196"/>
-                </a:cubicBezTo>
-                <a:cubicBezTo>
-                  <a:pt x="2406767" y="315018"/>
-                  <a:pt x="2371296" y="283717"/>
-                  <a:pt x="2352502" y="274320"/>
-                </a:cubicBezTo>
-                <a:cubicBezTo>
-                  <a:pt x="2344665" y="270401"/>
-                  <a:pt x="2335877" y="268778"/>
-                  <a:pt x="2327564" y="266007"/>
-                </a:cubicBezTo>
-                <a:cubicBezTo>
-                  <a:pt x="2320032" y="260358"/>
-                  <a:pt x="2281531" y="230522"/>
-                  <a:pt x="2269375" y="224444"/>
-                </a:cubicBezTo>
-                <a:cubicBezTo>
-                  <a:pt x="2257448" y="218481"/>
-                  <a:pt x="2221841" y="210482"/>
-                  <a:pt x="2211186" y="207818"/>
-                </a:cubicBezTo>
-                <a:cubicBezTo>
-                  <a:pt x="2202873" y="202276"/>
-                  <a:pt x="2195431" y="195128"/>
-                  <a:pt x="2186248" y="191193"/>
-                </a:cubicBezTo>
-                <a:cubicBezTo>
-                  <a:pt x="2163162" y="181299"/>
-                  <a:pt x="2102078" y="176793"/>
-                  <a:pt x="2086495" y="174567"/>
-                </a:cubicBezTo>
-                <a:cubicBezTo>
-                  <a:pt x="2064237" y="171387"/>
-                  <a:pt x="2018312" y="163309"/>
-                  <a:pt x="1995055" y="157942"/>
-                </a:cubicBezTo>
-                <a:cubicBezTo>
-                  <a:pt x="1972791" y="152804"/>
-                  <a:pt x="1951379" y="142353"/>
-                  <a:pt x="1928553" y="141316"/>
-                </a:cubicBezTo>
-                <a:lnTo>
-                  <a:pt x="1745673" y="133004"/>
-                </a:lnTo>
-                <a:cubicBezTo>
-                  <a:pt x="1689685" y="142335"/>
-                  <a:pt x="1703335" y="126241"/>
-                  <a:pt x="1687484" y="157942"/>
-                </a:cubicBezTo>
-              </a:path>
-            </a:pathLst>
-          </a:custGeom>
-          <a:noFill/>
-        </p:spPr>
-        <p:style>
-          <a:lnRef idx="2">
-            <a:schemeClr val="accent1">
-              <a:shade val="50000"/>
-            </a:schemeClr>
-          </a:lnRef>
-          <a:fillRef idx="1">
-            <a:schemeClr val="accent1"/>
-          </a:fillRef>
-          <a:effectRef idx="0">
-            <a:schemeClr val="accent1"/>
-          </a:effectRef>
-          <a:fontRef idx="minor">
-            <a:schemeClr val="lt1"/>
-          </a:fontRef>
-        </p:style>
-        <p:txBody>
-          <a:bodyPr rtlCol="0" anchor="ctr"/>
-          <a:lstStyle/>
-          <a:p>
-            <a:pPr algn="ctr"/>
-            <a:endParaRPr lang="en-US"/>
-          </a:p>
-        </p:txBody>
-      </p:sp>
     </p:spTree>
     <p:extLst>
       <p:ext uri="{BB962C8B-B14F-4D97-AF65-F5344CB8AC3E}">
